--- a/Resources/dbms_presentation.pptx
+++ b/Resources/dbms_presentation.pptx
@@ -5,19 +5,36 @@
     <p:sldMasterId id="2147483660" r:id="rId1"/>
   </p:sldMasterIdLst>
   <p:notesMasterIdLst>
-    <p:notesMasterId r:id="rId12"/>
+    <p:notesMasterId r:id="rId29"/>
   </p:notesMasterIdLst>
   <p:sldIdLst>
     <p:sldId id="256" r:id="rId2"/>
     <p:sldId id="257" r:id="rId3"/>
     <p:sldId id="258" r:id="rId4"/>
     <p:sldId id="272" r:id="rId5"/>
-    <p:sldId id="262" r:id="rId6"/>
-    <p:sldId id="273" r:id="rId7"/>
-    <p:sldId id="270" r:id="rId8"/>
-    <p:sldId id="269" r:id="rId9"/>
-    <p:sldId id="267" r:id="rId10"/>
-    <p:sldId id="265" r:id="rId11"/>
+    <p:sldId id="280" r:id="rId6"/>
+    <p:sldId id="262" r:id="rId7"/>
+    <p:sldId id="274" r:id="rId8"/>
+    <p:sldId id="270" r:id="rId9"/>
+    <p:sldId id="273" r:id="rId10"/>
+    <p:sldId id="275" r:id="rId11"/>
+    <p:sldId id="276" r:id="rId12"/>
+    <p:sldId id="277" r:id="rId13"/>
+    <p:sldId id="279" r:id="rId14"/>
+    <p:sldId id="278" r:id="rId15"/>
+    <p:sldId id="267" r:id="rId16"/>
+    <p:sldId id="281" r:id="rId17"/>
+    <p:sldId id="282" r:id="rId18"/>
+    <p:sldId id="283" r:id="rId19"/>
+    <p:sldId id="284" r:id="rId20"/>
+    <p:sldId id="285" r:id="rId21"/>
+    <p:sldId id="286" r:id="rId22"/>
+    <p:sldId id="287" r:id="rId23"/>
+    <p:sldId id="288" r:id="rId24"/>
+    <p:sldId id="289" r:id="rId25"/>
+    <p:sldId id="290" r:id="rId26"/>
+    <p:sldId id="291" r:id="rId27"/>
+    <p:sldId id="265" r:id="rId28"/>
   </p:sldIdLst>
   <p:sldSz cx="9144000" cy="6858000" type="screen4x3"/>
   <p:notesSz cx="6858000" cy="9144000"/>
@@ -135,6 +152,653 @@
 </p:presentation>
 </file>
 
+<file path=ppt/revisionInfo.xml><?xml version="1.0" encoding="utf-8"?>
+<p1510:revInfo xmlns:a="http://schemas.openxmlformats.org/drawingml/2006/main" xmlns:r="http://schemas.openxmlformats.org/officeDocument/2006/relationships" xmlns:p1510="http://schemas.microsoft.com/office/powerpoint/2015/10/main">
+  <p1510:revLst>
+    <p1510:client id="{F6FDA4D8-C0D7-4A9C-985F-0EA4F7D7EFF4}" v="23" dt="2025-03-27T19:20:11.911"/>
+  </p1510:revLst>
+</p1510:revInfo>
+</file>
+
+<file path=ppt/changesInfos/changesInfo1.xml><?xml version="1.0" encoding="utf-8"?>
+<pc:chgInfo xmlns:a="http://schemas.openxmlformats.org/drawingml/2006/main" xmlns:r="http://schemas.openxmlformats.org/officeDocument/2006/relationships" xmlns:ac="http://schemas.microsoft.com/office/drawing/2013/main/command" xmlns:pc="http://schemas.microsoft.com/office/powerpoint/2013/main/command">
+  <pc:docChgLst>
+    <pc:chgData name="Aditya Varma" userId="4014995f1df49f5c" providerId="LiveId" clId="{F6FDA4D8-C0D7-4A9C-985F-0EA4F7D7EFF4}"/>
+    <pc:docChg chg="undo custSel addSld delSld modSld sldOrd">
+      <pc:chgData name="Aditya Varma" userId="4014995f1df49f5c" providerId="LiveId" clId="{F6FDA4D8-C0D7-4A9C-985F-0EA4F7D7EFF4}" dt="2025-03-27T19:33:29.878" v="441" actId="1076"/>
+      <pc:docMkLst>
+        <pc:docMk/>
+      </pc:docMkLst>
+      <pc:sldChg chg="modSp mod">
+        <pc:chgData name="Aditya Varma" userId="4014995f1df49f5c" providerId="LiveId" clId="{F6FDA4D8-C0D7-4A9C-985F-0EA4F7D7EFF4}" dt="2025-03-27T18:41:20.721" v="191" actId="20577"/>
+        <pc:sldMkLst>
+          <pc:docMk/>
+          <pc:sldMk cId="0" sldId="257"/>
+        </pc:sldMkLst>
+        <pc:spChg chg="mod">
+          <ac:chgData name="Aditya Varma" userId="4014995f1df49f5c" providerId="LiveId" clId="{F6FDA4D8-C0D7-4A9C-985F-0EA4F7D7EFF4}" dt="2025-03-27T18:41:20.721" v="191" actId="20577"/>
+          <ac:spMkLst>
+            <pc:docMk/>
+            <pc:sldMk cId="0" sldId="257"/>
+            <ac:spMk id="3" creationId="{00000000-0000-0000-0000-000000000000}"/>
+          </ac:spMkLst>
+        </pc:spChg>
+      </pc:sldChg>
+      <pc:sldChg chg="addSp delSp modSp mod">
+        <pc:chgData name="Aditya Varma" userId="4014995f1df49f5c" providerId="LiveId" clId="{F6FDA4D8-C0D7-4A9C-985F-0EA4F7D7EFF4}" dt="2025-03-27T19:12:52.390" v="361" actId="1076"/>
+        <pc:sldMkLst>
+          <pc:docMk/>
+          <pc:sldMk cId="0" sldId="267"/>
+        </pc:sldMkLst>
+        <pc:picChg chg="add mod">
+          <ac:chgData name="Aditya Varma" userId="4014995f1df49f5c" providerId="LiveId" clId="{F6FDA4D8-C0D7-4A9C-985F-0EA4F7D7EFF4}" dt="2025-03-27T19:12:52.390" v="361" actId="1076"/>
+          <ac:picMkLst>
+            <pc:docMk/>
+            <pc:sldMk cId="0" sldId="267"/>
+            <ac:picMk id="4" creationId="{4626F3A2-DDC7-E15D-7AB3-6E87E67D7225}"/>
+          </ac:picMkLst>
+        </pc:picChg>
+        <pc:picChg chg="del">
+          <ac:chgData name="Aditya Varma" userId="4014995f1df49f5c" providerId="LiveId" clId="{F6FDA4D8-C0D7-4A9C-985F-0EA4F7D7EFF4}" dt="2025-03-27T19:08:23.372" v="345" actId="478"/>
+          <ac:picMkLst>
+            <pc:docMk/>
+            <pc:sldMk cId="0" sldId="267"/>
+            <ac:picMk id="7" creationId="{4DAF9FEB-42A8-EB15-68E4-4D8EB2E412CD}"/>
+          </ac:picMkLst>
+        </pc:picChg>
+        <pc:picChg chg="del">
+          <ac:chgData name="Aditya Varma" userId="4014995f1df49f5c" providerId="LiveId" clId="{F6FDA4D8-C0D7-4A9C-985F-0EA4F7D7EFF4}" dt="2025-03-27T19:08:21.462" v="344" actId="478"/>
+          <ac:picMkLst>
+            <pc:docMk/>
+            <pc:sldMk cId="0" sldId="267"/>
+            <ac:picMk id="9" creationId="{DFCD9A69-58F2-ED99-6DD1-94D2F5A79DC1}"/>
+          </ac:picMkLst>
+        </pc:picChg>
+      </pc:sldChg>
+      <pc:sldChg chg="del">
+        <pc:chgData name="Aditya Varma" userId="4014995f1df49f5c" providerId="LiveId" clId="{F6FDA4D8-C0D7-4A9C-985F-0EA4F7D7EFF4}" dt="2025-03-27T18:38:49.513" v="146" actId="2696"/>
+        <pc:sldMkLst>
+          <pc:docMk/>
+          <pc:sldMk cId="0" sldId="269"/>
+        </pc:sldMkLst>
+      </pc:sldChg>
+      <pc:sldChg chg="ord">
+        <pc:chgData name="Aditya Varma" userId="4014995f1df49f5c" providerId="LiveId" clId="{F6FDA4D8-C0D7-4A9C-985F-0EA4F7D7EFF4}" dt="2025-03-27T18:32:04.801" v="42"/>
+        <pc:sldMkLst>
+          <pc:docMk/>
+          <pc:sldMk cId="0" sldId="270"/>
+        </pc:sldMkLst>
+      </pc:sldChg>
+      <pc:sldChg chg="addSp delSp modSp mod">
+        <pc:chgData name="Aditya Varma" userId="4014995f1df49f5c" providerId="LiveId" clId="{F6FDA4D8-C0D7-4A9C-985F-0EA4F7D7EFF4}" dt="2025-03-27T18:32:24.018" v="74" actId="20577"/>
+        <pc:sldMkLst>
+          <pc:docMk/>
+          <pc:sldMk cId="3297951059" sldId="273"/>
+        </pc:sldMkLst>
+        <pc:spChg chg="mod">
+          <ac:chgData name="Aditya Varma" userId="4014995f1df49f5c" providerId="LiveId" clId="{F6FDA4D8-C0D7-4A9C-985F-0EA4F7D7EFF4}" dt="2025-03-27T18:32:24.018" v="74" actId="20577"/>
+          <ac:spMkLst>
+            <pc:docMk/>
+            <pc:sldMk cId="3297951059" sldId="273"/>
+            <ac:spMk id="2" creationId="{780A21AE-BE83-534A-DD4C-68BD7CD1C503}"/>
+          </ac:spMkLst>
+        </pc:spChg>
+        <pc:picChg chg="del">
+          <ac:chgData name="Aditya Varma" userId="4014995f1df49f5c" providerId="LiveId" clId="{F6FDA4D8-C0D7-4A9C-985F-0EA4F7D7EFF4}" dt="2025-03-27T18:29:34.453" v="25" actId="478"/>
+          <ac:picMkLst>
+            <pc:docMk/>
+            <pc:sldMk cId="3297951059" sldId="273"/>
+            <ac:picMk id="4" creationId="{2C45086B-39E0-C48F-173C-7D5350EFA3EE}"/>
+          </ac:picMkLst>
+        </pc:picChg>
+        <pc:picChg chg="add mod">
+          <ac:chgData name="Aditya Varma" userId="4014995f1df49f5c" providerId="LiveId" clId="{F6FDA4D8-C0D7-4A9C-985F-0EA4F7D7EFF4}" dt="2025-03-27T18:30:37.175" v="34" actId="1076"/>
+          <ac:picMkLst>
+            <pc:docMk/>
+            <pc:sldMk cId="3297951059" sldId="273"/>
+            <ac:picMk id="5" creationId="{72CE5A14-8789-4BB9-3532-7D589631FC65}"/>
+          </ac:picMkLst>
+        </pc:picChg>
+      </pc:sldChg>
+      <pc:sldChg chg="modSp add mod ord">
+        <pc:chgData name="Aditya Varma" userId="4014995f1df49f5c" providerId="LiveId" clId="{F6FDA4D8-C0D7-4A9C-985F-0EA4F7D7EFF4}" dt="2025-03-27T18:40:52.488" v="188" actId="20577"/>
+        <pc:sldMkLst>
+          <pc:docMk/>
+          <pc:sldMk cId="4109058537" sldId="274"/>
+        </pc:sldMkLst>
+        <pc:spChg chg="mod">
+          <ac:chgData name="Aditya Varma" userId="4014995f1df49f5c" providerId="LiveId" clId="{F6FDA4D8-C0D7-4A9C-985F-0EA4F7D7EFF4}" dt="2025-03-27T18:40:52.488" v="188" actId="20577"/>
+          <ac:spMkLst>
+            <pc:docMk/>
+            <pc:sldMk cId="4109058537" sldId="274"/>
+            <ac:spMk id="2" creationId="{97D06305-D51C-3DDD-F676-DBDFE9CDC8B3}"/>
+          </ac:spMkLst>
+        </pc:spChg>
+      </pc:sldChg>
+      <pc:sldChg chg="addSp delSp modSp add mod">
+        <pc:chgData name="Aditya Varma" userId="4014995f1df49f5c" providerId="LiveId" clId="{F6FDA4D8-C0D7-4A9C-985F-0EA4F7D7EFF4}" dt="2025-03-27T18:34:01.638" v="105" actId="1076"/>
+        <pc:sldMkLst>
+          <pc:docMk/>
+          <pc:sldMk cId="1196011167" sldId="275"/>
+        </pc:sldMkLst>
+        <pc:spChg chg="mod">
+          <ac:chgData name="Aditya Varma" userId="4014995f1df49f5c" providerId="LiveId" clId="{F6FDA4D8-C0D7-4A9C-985F-0EA4F7D7EFF4}" dt="2025-03-27T18:32:42.537" v="94" actId="20577"/>
+          <ac:spMkLst>
+            <pc:docMk/>
+            <pc:sldMk cId="1196011167" sldId="275"/>
+            <ac:spMk id="2" creationId="{B11EA3FB-96E8-FF7D-CA19-A7D81D0F549C}"/>
+          </ac:spMkLst>
+        </pc:spChg>
+        <pc:picChg chg="add mod">
+          <ac:chgData name="Aditya Varma" userId="4014995f1df49f5c" providerId="LiveId" clId="{F6FDA4D8-C0D7-4A9C-985F-0EA4F7D7EFF4}" dt="2025-03-27T18:34:01.638" v="105" actId="1076"/>
+          <ac:picMkLst>
+            <pc:docMk/>
+            <pc:sldMk cId="1196011167" sldId="275"/>
+            <ac:picMk id="4" creationId="{399E10C3-2FB0-7791-E657-E2F3D1C32AD2}"/>
+          </ac:picMkLst>
+        </pc:picChg>
+        <pc:picChg chg="del">
+          <ac:chgData name="Aditya Varma" userId="4014995f1df49f5c" providerId="LiveId" clId="{F6FDA4D8-C0D7-4A9C-985F-0EA4F7D7EFF4}" dt="2025-03-27T18:33:05.554" v="95" actId="478"/>
+          <ac:picMkLst>
+            <pc:docMk/>
+            <pc:sldMk cId="1196011167" sldId="275"/>
+            <ac:picMk id="5" creationId="{0E0E69D5-977B-4243-6DBF-7E12791E3940}"/>
+          </ac:picMkLst>
+        </pc:picChg>
+      </pc:sldChg>
+      <pc:sldChg chg="addSp delSp modSp add mod">
+        <pc:chgData name="Aditya Varma" userId="4014995f1df49f5c" providerId="LiveId" clId="{F6FDA4D8-C0D7-4A9C-985F-0EA4F7D7EFF4}" dt="2025-03-27T18:34:35.947" v="112" actId="1076"/>
+        <pc:sldMkLst>
+          <pc:docMk/>
+          <pc:sldMk cId="1799442586" sldId="276"/>
+        </pc:sldMkLst>
+        <pc:picChg chg="del">
+          <ac:chgData name="Aditya Varma" userId="4014995f1df49f5c" providerId="LiveId" clId="{F6FDA4D8-C0D7-4A9C-985F-0EA4F7D7EFF4}" dt="2025-03-27T18:34:26.702" v="107" actId="478"/>
+          <ac:picMkLst>
+            <pc:docMk/>
+            <pc:sldMk cId="1799442586" sldId="276"/>
+            <ac:picMk id="4" creationId="{2250C686-992A-7CD8-8429-361FA6BB5BEA}"/>
+          </ac:picMkLst>
+        </pc:picChg>
+        <pc:picChg chg="add mod">
+          <ac:chgData name="Aditya Varma" userId="4014995f1df49f5c" providerId="LiveId" clId="{F6FDA4D8-C0D7-4A9C-985F-0EA4F7D7EFF4}" dt="2025-03-27T18:34:35.947" v="112" actId="1076"/>
+          <ac:picMkLst>
+            <pc:docMk/>
+            <pc:sldMk cId="1799442586" sldId="276"/>
+            <ac:picMk id="5" creationId="{75ECC1C7-37D3-FA9D-FC66-AE9400B726E9}"/>
+          </ac:picMkLst>
+        </pc:picChg>
+      </pc:sldChg>
+      <pc:sldChg chg="addSp delSp modSp add mod">
+        <pc:chgData name="Aditya Varma" userId="4014995f1df49f5c" providerId="LiveId" clId="{F6FDA4D8-C0D7-4A9C-985F-0EA4F7D7EFF4}" dt="2025-03-27T18:35:33.838" v="124" actId="1076"/>
+        <pc:sldMkLst>
+          <pc:docMk/>
+          <pc:sldMk cId="69829307" sldId="277"/>
+        </pc:sldMkLst>
+        <pc:picChg chg="add mod">
+          <ac:chgData name="Aditya Varma" userId="4014995f1df49f5c" providerId="LiveId" clId="{F6FDA4D8-C0D7-4A9C-985F-0EA4F7D7EFF4}" dt="2025-03-27T18:35:33.838" v="124" actId="1076"/>
+          <ac:picMkLst>
+            <pc:docMk/>
+            <pc:sldMk cId="69829307" sldId="277"/>
+            <ac:picMk id="4" creationId="{0CF509E6-9054-C91D-E8D1-D0447DBAC691}"/>
+          </ac:picMkLst>
+        </pc:picChg>
+        <pc:picChg chg="del">
+          <ac:chgData name="Aditya Varma" userId="4014995f1df49f5c" providerId="LiveId" clId="{F6FDA4D8-C0D7-4A9C-985F-0EA4F7D7EFF4}" dt="2025-03-27T18:34:59.835" v="114" actId="478"/>
+          <ac:picMkLst>
+            <pc:docMk/>
+            <pc:sldMk cId="69829307" sldId="277"/>
+            <ac:picMk id="5" creationId="{6B427BBB-7B8C-D949-A57A-5D5259A3FE86}"/>
+          </ac:picMkLst>
+        </pc:picChg>
+      </pc:sldChg>
+      <pc:sldChg chg="addSp delSp modSp add mod">
+        <pc:chgData name="Aditya Varma" userId="4014995f1df49f5c" providerId="LiveId" clId="{F6FDA4D8-C0D7-4A9C-985F-0EA4F7D7EFF4}" dt="2025-03-27T18:36:37.195" v="136" actId="1076"/>
+        <pc:sldMkLst>
+          <pc:docMk/>
+          <pc:sldMk cId="2422579617" sldId="278"/>
+        </pc:sldMkLst>
+        <pc:picChg chg="del">
+          <ac:chgData name="Aditya Varma" userId="4014995f1df49f5c" providerId="LiveId" clId="{F6FDA4D8-C0D7-4A9C-985F-0EA4F7D7EFF4}" dt="2025-03-27T18:36:06.376" v="126" actId="478"/>
+          <ac:picMkLst>
+            <pc:docMk/>
+            <pc:sldMk cId="2422579617" sldId="278"/>
+            <ac:picMk id="4" creationId="{6B6CCA81-37B8-0735-B4DB-54BE9661A405}"/>
+          </ac:picMkLst>
+        </pc:picChg>
+        <pc:picChg chg="add mod">
+          <ac:chgData name="Aditya Varma" userId="4014995f1df49f5c" providerId="LiveId" clId="{F6FDA4D8-C0D7-4A9C-985F-0EA4F7D7EFF4}" dt="2025-03-27T18:36:37.195" v="136" actId="1076"/>
+          <ac:picMkLst>
+            <pc:docMk/>
+            <pc:sldMk cId="2422579617" sldId="278"/>
+            <ac:picMk id="5" creationId="{8EA11EDB-B110-146A-71C1-9DADC96D6937}"/>
+          </ac:picMkLst>
+        </pc:picChg>
+      </pc:sldChg>
+      <pc:sldChg chg="addSp delSp modSp add mod">
+        <pc:chgData name="Aditya Varma" userId="4014995f1df49f5c" providerId="LiveId" clId="{F6FDA4D8-C0D7-4A9C-985F-0EA4F7D7EFF4}" dt="2025-03-27T18:38:36.762" v="145" actId="1076"/>
+        <pc:sldMkLst>
+          <pc:docMk/>
+          <pc:sldMk cId="2101112917" sldId="279"/>
+        </pc:sldMkLst>
+        <pc:picChg chg="add del">
+          <ac:chgData name="Aditya Varma" userId="4014995f1df49f5c" providerId="LiveId" clId="{F6FDA4D8-C0D7-4A9C-985F-0EA4F7D7EFF4}" dt="2025-03-27T18:38:25.252" v="140" actId="478"/>
+          <ac:picMkLst>
+            <pc:docMk/>
+            <pc:sldMk cId="2101112917" sldId="279"/>
+            <ac:picMk id="3" creationId="{9C9058FE-5C85-FD0B-8812-2C6F984AF898}"/>
+          </ac:picMkLst>
+        </pc:picChg>
+        <pc:picChg chg="del">
+          <ac:chgData name="Aditya Varma" userId="4014995f1df49f5c" providerId="LiveId" clId="{F6FDA4D8-C0D7-4A9C-985F-0EA4F7D7EFF4}" dt="2025-03-27T18:36:48.723" v="138" actId="478"/>
+          <ac:picMkLst>
+            <pc:docMk/>
+            <pc:sldMk cId="2101112917" sldId="279"/>
+            <ac:picMk id="4" creationId="{D2AED489-5AE0-3F3E-A3A8-FB37CC53F003}"/>
+          </ac:picMkLst>
+        </pc:picChg>
+        <pc:picChg chg="add mod">
+          <ac:chgData name="Aditya Varma" userId="4014995f1df49f5c" providerId="LiveId" clId="{F6FDA4D8-C0D7-4A9C-985F-0EA4F7D7EFF4}" dt="2025-03-27T18:38:36.762" v="145" actId="1076"/>
+          <ac:picMkLst>
+            <pc:docMk/>
+            <pc:sldMk cId="2101112917" sldId="279"/>
+            <ac:picMk id="6" creationId="{E3C3E3E4-3CD8-1177-BA3E-424A5CD1AC9A}"/>
+          </ac:picMkLst>
+        </pc:picChg>
+      </pc:sldChg>
+      <pc:sldChg chg="addSp delSp modSp add mod">
+        <pc:chgData name="Aditya Varma" userId="4014995f1df49f5c" providerId="LiveId" clId="{F6FDA4D8-C0D7-4A9C-985F-0EA4F7D7EFF4}" dt="2025-03-27T19:06:25.525" v="343" actId="20577"/>
+        <pc:sldMkLst>
+          <pc:docMk/>
+          <pc:sldMk cId="1955786026" sldId="280"/>
+        </pc:sldMkLst>
+        <pc:spChg chg="add del mod">
+          <ac:chgData name="Aditya Varma" userId="4014995f1df49f5c" providerId="LiveId" clId="{F6FDA4D8-C0D7-4A9C-985F-0EA4F7D7EFF4}" dt="2025-03-27T18:54:11.739" v="202"/>
+          <ac:spMkLst>
+            <pc:docMk/>
+            <pc:sldMk cId="1955786026" sldId="280"/>
+            <ac:spMk id="2" creationId="{906A3657-614E-D465-54AF-3C678B036684}"/>
+          </ac:spMkLst>
+        </pc:spChg>
+        <pc:spChg chg="add del mod">
+          <ac:chgData name="Aditya Varma" userId="4014995f1df49f5c" providerId="LiveId" clId="{F6FDA4D8-C0D7-4A9C-985F-0EA4F7D7EFF4}" dt="2025-03-27T18:54:11.741" v="204"/>
+          <ac:spMkLst>
+            <pc:docMk/>
+            <pc:sldMk cId="1955786026" sldId="280"/>
+            <ac:spMk id="3" creationId="{D543B61E-242E-5AE3-FEFB-398B5A6AF769}"/>
+          </ac:spMkLst>
+        </pc:spChg>
+        <pc:spChg chg="mod">
+          <ac:chgData name="Aditya Varma" userId="4014995f1df49f5c" providerId="LiveId" clId="{F6FDA4D8-C0D7-4A9C-985F-0EA4F7D7EFF4}" dt="2025-03-27T19:06:25.525" v="343" actId="20577"/>
+          <ac:spMkLst>
+            <pc:docMk/>
+            <pc:sldMk cId="1955786026" sldId="280"/>
+            <ac:spMk id="4" creationId="{0A796DE3-73F9-6404-DFDB-0FCA0335450C}"/>
+          </ac:spMkLst>
+        </pc:spChg>
+        <pc:spChg chg="mod">
+          <ac:chgData name="Aditya Varma" userId="4014995f1df49f5c" providerId="LiveId" clId="{F6FDA4D8-C0D7-4A9C-985F-0EA4F7D7EFF4}" dt="2025-03-27T19:05:26.321" v="297" actId="5793"/>
+          <ac:spMkLst>
+            <pc:docMk/>
+            <pc:sldMk cId="1955786026" sldId="280"/>
+            <ac:spMk id="5" creationId="{8E37705D-85D2-C6F0-1A8C-776DC76C72EB}"/>
+          </ac:spMkLst>
+        </pc:spChg>
+        <pc:spChg chg="add del mod">
+          <ac:chgData name="Aditya Varma" userId="4014995f1df49f5c" providerId="LiveId" clId="{F6FDA4D8-C0D7-4A9C-985F-0EA4F7D7EFF4}" dt="2025-03-27T18:54:11.737" v="200"/>
+          <ac:spMkLst>
+            <pc:docMk/>
+            <pc:sldMk cId="1955786026" sldId="280"/>
+            <ac:spMk id="6" creationId="{E2BD14C4-EA3C-CE38-1E78-16025F6861B9}"/>
+          </ac:spMkLst>
+        </pc:spChg>
+        <pc:spChg chg="add">
+          <ac:chgData name="Aditya Varma" userId="4014995f1df49f5c" providerId="LiveId" clId="{F6FDA4D8-C0D7-4A9C-985F-0EA4F7D7EFF4}" dt="2025-03-27T18:54:20.285" v="207"/>
+          <ac:spMkLst>
+            <pc:docMk/>
+            <pc:sldMk cId="1955786026" sldId="280"/>
+            <ac:spMk id="7" creationId="{E69C8E13-07BA-E0EF-4768-6472147FDA92}"/>
+          </ac:spMkLst>
+        </pc:spChg>
+        <pc:spChg chg="add">
+          <ac:chgData name="Aditya Varma" userId="4014995f1df49f5c" providerId="LiveId" clId="{F6FDA4D8-C0D7-4A9C-985F-0EA4F7D7EFF4}" dt="2025-03-27T18:54:31.484" v="210"/>
+          <ac:spMkLst>
+            <pc:docMk/>
+            <pc:sldMk cId="1955786026" sldId="280"/>
+            <ac:spMk id="8" creationId="{FDCCC30E-A967-8552-ACD7-DEA2212A90D2}"/>
+          </ac:spMkLst>
+        </pc:spChg>
+        <pc:spChg chg="add del mod">
+          <ac:chgData name="Aditya Varma" userId="4014995f1df49f5c" providerId="LiveId" clId="{F6FDA4D8-C0D7-4A9C-985F-0EA4F7D7EFF4}" dt="2025-03-27T18:55:05.741" v="218"/>
+          <ac:spMkLst>
+            <pc:docMk/>
+            <pc:sldMk cId="1955786026" sldId="280"/>
+            <ac:spMk id="9" creationId="{1048AA8C-CCEF-1581-3291-5D451B134446}"/>
+          </ac:spMkLst>
+        </pc:spChg>
+      </pc:sldChg>
+      <pc:sldChg chg="addSp delSp modSp add mod">
+        <pc:chgData name="Aditya Varma" userId="4014995f1df49f5c" providerId="LiveId" clId="{F6FDA4D8-C0D7-4A9C-985F-0EA4F7D7EFF4}" dt="2025-03-27T19:14:13.887" v="366" actId="1076"/>
+        <pc:sldMkLst>
+          <pc:docMk/>
+          <pc:sldMk cId="260286104" sldId="281"/>
+        </pc:sldMkLst>
+        <pc:picChg chg="del">
+          <ac:chgData name="Aditya Varma" userId="4014995f1df49f5c" providerId="LiveId" clId="{F6FDA4D8-C0D7-4A9C-985F-0EA4F7D7EFF4}" dt="2025-03-27T19:11:24.177" v="354" actId="478"/>
+          <ac:picMkLst>
+            <pc:docMk/>
+            <pc:sldMk cId="260286104" sldId="281"/>
+            <ac:picMk id="4" creationId="{A1454940-47BE-12B7-FE4C-0680871E18FD}"/>
+          </ac:picMkLst>
+        </pc:picChg>
+        <pc:picChg chg="add mod">
+          <ac:chgData name="Aditya Varma" userId="4014995f1df49f5c" providerId="LiveId" clId="{F6FDA4D8-C0D7-4A9C-985F-0EA4F7D7EFF4}" dt="2025-03-27T19:14:13.887" v="366" actId="1076"/>
+          <ac:picMkLst>
+            <pc:docMk/>
+            <pc:sldMk cId="260286104" sldId="281"/>
+            <ac:picMk id="5" creationId="{17824773-6A19-0073-68EE-2CF479F88CFF}"/>
+          </ac:picMkLst>
+        </pc:picChg>
+      </pc:sldChg>
+      <pc:sldChg chg="addSp delSp modSp add mod">
+        <pc:chgData name="Aditya Varma" userId="4014995f1df49f5c" providerId="LiveId" clId="{F6FDA4D8-C0D7-4A9C-985F-0EA4F7D7EFF4}" dt="2025-03-27T19:15:50.633" v="373" actId="1076"/>
+        <pc:sldMkLst>
+          <pc:docMk/>
+          <pc:sldMk cId="3201869058" sldId="282"/>
+        </pc:sldMkLst>
+        <pc:picChg chg="add mod">
+          <ac:chgData name="Aditya Varma" userId="4014995f1df49f5c" providerId="LiveId" clId="{F6FDA4D8-C0D7-4A9C-985F-0EA4F7D7EFF4}" dt="2025-03-27T19:15:50.633" v="373" actId="1076"/>
+          <ac:picMkLst>
+            <pc:docMk/>
+            <pc:sldMk cId="3201869058" sldId="282"/>
+            <ac:picMk id="4" creationId="{8F5642F3-7A04-9C20-C95D-2C5059F6E332}"/>
+          </ac:picMkLst>
+        </pc:picChg>
+        <pc:picChg chg="del">
+          <ac:chgData name="Aditya Varma" userId="4014995f1df49f5c" providerId="LiveId" clId="{F6FDA4D8-C0D7-4A9C-985F-0EA4F7D7EFF4}" dt="2025-03-27T19:15:35.436" v="368" actId="478"/>
+          <ac:picMkLst>
+            <pc:docMk/>
+            <pc:sldMk cId="3201869058" sldId="282"/>
+            <ac:picMk id="5" creationId="{3D6BA215-D45A-2414-FCB8-E775C9617F97}"/>
+          </ac:picMkLst>
+        </pc:picChg>
+      </pc:sldChg>
+      <pc:sldChg chg="addSp delSp modSp add mod">
+        <pc:chgData name="Aditya Varma" userId="4014995f1df49f5c" providerId="LiveId" clId="{F6FDA4D8-C0D7-4A9C-985F-0EA4F7D7EFF4}" dt="2025-03-27T19:17:31.461" v="382" actId="14100"/>
+        <pc:sldMkLst>
+          <pc:docMk/>
+          <pc:sldMk cId="1563808565" sldId="283"/>
+        </pc:sldMkLst>
+        <pc:picChg chg="del">
+          <ac:chgData name="Aditya Varma" userId="4014995f1df49f5c" providerId="LiveId" clId="{F6FDA4D8-C0D7-4A9C-985F-0EA4F7D7EFF4}" dt="2025-03-27T19:16:17.500" v="375" actId="478"/>
+          <ac:picMkLst>
+            <pc:docMk/>
+            <pc:sldMk cId="1563808565" sldId="283"/>
+            <ac:picMk id="4" creationId="{D5F3DE98-6BF2-C556-AD61-330DB5753FCF}"/>
+          </ac:picMkLst>
+        </pc:picChg>
+        <pc:picChg chg="add mod">
+          <ac:chgData name="Aditya Varma" userId="4014995f1df49f5c" providerId="LiveId" clId="{F6FDA4D8-C0D7-4A9C-985F-0EA4F7D7EFF4}" dt="2025-03-27T19:17:31.461" v="382" actId="14100"/>
+          <ac:picMkLst>
+            <pc:docMk/>
+            <pc:sldMk cId="1563808565" sldId="283"/>
+            <ac:picMk id="5" creationId="{FA3BFF1D-15D0-4179-D1FC-204B3CD4EA0B}"/>
+          </ac:picMkLst>
+        </pc:picChg>
+      </pc:sldChg>
+      <pc:sldChg chg="addSp delSp modSp add mod">
+        <pc:chgData name="Aditya Varma" userId="4014995f1df49f5c" providerId="LiveId" clId="{F6FDA4D8-C0D7-4A9C-985F-0EA4F7D7EFF4}" dt="2025-03-27T19:18:16.133" v="390" actId="1076"/>
+        <pc:sldMkLst>
+          <pc:docMk/>
+          <pc:sldMk cId="2593611344" sldId="284"/>
+        </pc:sldMkLst>
+        <pc:picChg chg="add mod">
+          <ac:chgData name="Aditya Varma" userId="4014995f1df49f5c" providerId="LiveId" clId="{F6FDA4D8-C0D7-4A9C-985F-0EA4F7D7EFF4}" dt="2025-03-27T19:18:16.133" v="390" actId="1076"/>
+          <ac:picMkLst>
+            <pc:docMk/>
+            <pc:sldMk cId="2593611344" sldId="284"/>
+            <ac:picMk id="4" creationId="{8E43B92E-2ACA-8247-BA15-4223E22E592F}"/>
+          </ac:picMkLst>
+        </pc:picChg>
+        <pc:picChg chg="del">
+          <ac:chgData name="Aditya Varma" userId="4014995f1df49f5c" providerId="LiveId" clId="{F6FDA4D8-C0D7-4A9C-985F-0EA4F7D7EFF4}" dt="2025-03-27T19:17:47.968" v="384" actId="478"/>
+          <ac:picMkLst>
+            <pc:docMk/>
+            <pc:sldMk cId="2593611344" sldId="284"/>
+            <ac:picMk id="5" creationId="{D5136AA8-56D3-70D5-C2A8-7807ED32E53D}"/>
+          </ac:picMkLst>
+        </pc:picChg>
+      </pc:sldChg>
+      <pc:sldChg chg="addSp delSp modSp add mod">
+        <pc:chgData name="Aditya Varma" userId="4014995f1df49f5c" providerId="LiveId" clId="{F6FDA4D8-C0D7-4A9C-985F-0EA4F7D7EFF4}" dt="2025-03-27T19:19:18.340" v="402" actId="1076"/>
+        <pc:sldMkLst>
+          <pc:docMk/>
+          <pc:sldMk cId="80961195" sldId="285"/>
+        </pc:sldMkLst>
+        <pc:picChg chg="del">
+          <ac:chgData name="Aditya Varma" userId="4014995f1df49f5c" providerId="LiveId" clId="{F6FDA4D8-C0D7-4A9C-985F-0EA4F7D7EFF4}" dt="2025-03-27T19:18:43.101" v="392" actId="478"/>
+          <ac:picMkLst>
+            <pc:docMk/>
+            <pc:sldMk cId="80961195" sldId="285"/>
+            <ac:picMk id="4" creationId="{6B2CADD3-D0BF-15B1-423B-487C4A7A857F}"/>
+          </ac:picMkLst>
+        </pc:picChg>
+        <pc:picChg chg="add mod">
+          <ac:chgData name="Aditya Varma" userId="4014995f1df49f5c" providerId="LiveId" clId="{F6FDA4D8-C0D7-4A9C-985F-0EA4F7D7EFF4}" dt="2025-03-27T19:19:18.340" v="402" actId="1076"/>
+          <ac:picMkLst>
+            <pc:docMk/>
+            <pc:sldMk cId="80961195" sldId="285"/>
+            <ac:picMk id="5" creationId="{E61A6F95-29B1-7082-FE52-3BD661E676AF}"/>
+          </ac:picMkLst>
+        </pc:picChg>
+      </pc:sldChg>
+      <pc:sldChg chg="addSp delSp modSp add mod">
+        <pc:chgData name="Aditya Varma" userId="4014995f1df49f5c" providerId="LiveId" clId="{F6FDA4D8-C0D7-4A9C-985F-0EA4F7D7EFF4}" dt="2025-03-27T19:20:20.089" v="408" actId="1076"/>
+        <pc:sldMkLst>
+          <pc:docMk/>
+          <pc:sldMk cId="3761969131" sldId="286"/>
+        </pc:sldMkLst>
+        <pc:picChg chg="add mod">
+          <ac:chgData name="Aditya Varma" userId="4014995f1df49f5c" providerId="LiveId" clId="{F6FDA4D8-C0D7-4A9C-985F-0EA4F7D7EFF4}" dt="2025-03-27T19:20:20.089" v="408" actId="1076"/>
+          <ac:picMkLst>
+            <pc:docMk/>
+            <pc:sldMk cId="3761969131" sldId="286"/>
+            <ac:picMk id="4" creationId="{8FC5129B-7EC6-FA8D-BFBB-2681F63DC222}"/>
+          </ac:picMkLst>
+        </pc:picChg>
+        <pc:picChg chg="del">
+          <ac:chgData name="Aditya Varma" userId="4014995f1df49f5c" providerId="LiveId" clId="{F6FDA4D8-C0D7-4A9C-985F-0EA4F7D7EFF4}" dt="2025-03-27T19:20:11.160" v="404" actId="478"/>
+          <ac:picMkLst>
+            <pc:docMk/>
+            <pc:sldMk cId="3761969131" sldId="286"/>
+            <ac:picMk id="5" creationId="{7DF70650-C4BD-C3D1-147F-7AEE4DE75075}"/>
+          </ac:picMkLst>
+        </pc:picChg>
+      </pc:sldChg>
+      <pc:sldChg chg="addSp delSp modSp add mod">
+        <pc:chgData name="Aditya Varma" userId="4014995f1df49f5c" providerId="LiveId" clId="{F6FDA4D8-C0D7-4A9C-985F-0EA4F7D7EFF4}" dt="2025-03-27T19:23:45.788" v="414" actId="1076"/>
+        <pc:sldMkLst>
+          <pc:docMk/>
+          <pc:sldMk cId="390307594" sldId="287"/>
+        </pc:sldMkLst>
+        <pc:picChg chg="del">
+          <ac:chgData name="Aditya Varma" userId="4014995f1df49f5c" providerId="LiveId" clId="{F6FDA4D8-C0D7-4A9C-985F-0EA4F7D7EFF4}" dt="2025-03-27T19:23:21.670" v="410" actId="478"/>
+          <ac:picMkLst>
+            <pc:docMk/>
+            <pc:sldMk cId="390307594" sldId="287"/>
+            <ac:picMk id="4" creationId="{D55F7901-E7F8-F364-2F51-689EE86AE704}"/>
+          </ac:picMkLst>
+        </pc:picChg>
+        <pc:picChg chg="add mod">
+          <ac:chgData name="Aditya Varma" userId="4014995f1df49f5c" providerId="LiveId" clId="{F6FDA4D8-C0D7-4A9C-985F-0EA4F7D7EFF4}" dt="2025-03-27T19:23:45.788" v="414" actId="1076"/>
+          <ac:picMkLst>
+            <pc:docMk/>
+            <pc:sldMk cId="390307594" sldId="287"/>
+            <ac:picMk id="5" creationId="{DC5E9F29-11BC-DF71-A5C5-3332560FD09D}"/>
+          </ac:picMkLst>
+        </pc:picChg>
+      </pc:sldChg>
+      <pc:sldChg chg="addSp delSp modSp add mod">
+        <pc:chgData name="Aditya Varma" userId="4014995f1df49f5c" providerId="LiveId" clId="{F6FDA4D8-C0D7-4A9C-985F-0EA4F7D7EFF4}" dt="2025-03-27T19:28:03.701" v="420" actId="1076"/>
+        <pc:sldMkLst>
+          <pc:docMk/>
+          <pc:sldMk cId="632889121" sldId="288"/>
+        </pc:sldMkLst>
+        <pc:picChg chg="add mod">
+          <ac:chgData name="Aditya Varma" userId="4014995f1df49f5c" providerId="LiveId" clId="{F6FDA4D8-C0D7-4A9C-985F-0EA4F7D7EFF4}" dt="2025-03-27T19:28:03.701" v="420" actId="1076"/>
+          <ac:picMkLst>
+            <pc:docMk/>
+            <pc:sldMk cId="632889121" sldId="288"/>
+            <ac:picMk id="4" creationId="{8006A025-B985-6E59-DF94-E8DC852E8065}"/>
+          </ac:picMkLst>
+        </pc:picChg>
+        <pc:picChg chg="del">
+          <ac:chgData name="Aditya Varma" userId="4014995f1df49f5c" providerId="LiveId" clId="{F6FDA4D8-C0D7-4A9C-985F-0EA4F7D7EFF4}" dt="2025-03-27T19:27:48.715" v="416" actId="478"/>
+          <ac:picMkLst>
+            <pc:docMk/>
+            <pc:sldMk cId="632889121" sldId="288"/>
+            <ac:picMk id="5" creationId="{F4CB291F-7E68-7027-424B-9E703BFEC066}"/>
+          </ac:picMkLst>
+        </pc:picChg>
+      </pc:sldChg>
+      <pc:sldChg chg="addSp delSp modSp add mod">
+        <pc:chgData name="Aditya Varma" userId="4014995f1df49f5c" providerId="LiveId" clId="{F6FDA4D8-C0D7-4A9C-985F-0EA4F7D7EFF4}" dt="2025-03-27T19:30:13.067" v="428" actId="1076"/>
+        <pc:sldMkLst>
+          <pc:docMk/>
+          <pc:sldMk cId="2832230060" sldId="289"/>
+        </pc:sldMkLst>
+        <pc:picChg chg="del">
+          <ac:chgData name="Aditya Varma" userId="4014995f1df49f5c" providerId="LiveId" clId="{F6FDA4D8-C0D7-4A9C-985F-0EA4F7D7EFF4}" dt="2025-03-27T19:29:39.615" v="422" actId="478"/>
+          <ac:picMkLst>
+            <pc:docMk/>
+            <pc:sldMk cId="2832230060" sldId="289"/>
+            <ac:picMk id="4" creationId="{CED6F03A-3F3B-517E-D386-F5C300F7933B}"/>
+          </ac:picMkLst>
+        </pc:picChg>
+        <pc:picChg chg="add mod">
+          <ac:chgData name="Aditya Varma" userId="4014995f1df49f5c" providerId="LiveId" clId="{F6FDA4D8-C0D7-4A9C-985F-0EA4F7D7EFF4}" dt="2025-03-27T19:30:13.067" v="428" actId="1076"/>
+          <ac:picMkLst>
+            <pc:docMk/>
+            <pc:sldMk cId="2832230060" sldId="289"/>
+            <ac:picMk id="5" creationId="{191B7A53-2B78-6F7B-01B9-3E52A8CC103F}"/>
+          </ac:picMkLst>
+        </pc:picChg>
+      </pc:sldChg>
+      <pc:sldChg chg="addSp delSp modSp add mod">
+        <pc:chgData name="Aditya Varma" userId="4014995f1df49f5c" providerId="LiveId" clId="{F6FDA4D8-C0D7-4A9C-985F-0EA4F7D7EFF4}" dt="2025-03-27T19:32:25.718" v="436" actId="1076"/>
+        <pc:sldMkLst>
+          <pc:docMk/>
+          <pc:sldMk cId="1951904858" sldId="290"/>
+        </pc:sldMkLst>
+        <pc:spChg chg="mod">
+          <ac:chgData name="Aditya Varma" userId="4014995f1df49f5c" providerId="LiveId" clId="{F6FDA4D8-C0D7-4A9C-985F-0EA4F7D7EFF4}" dt="2025-03-27T19:31:40.888" v="433" actId="26606"/>
+          <ac:spMkLst>
+            <pc:docMk/>
+            <pc:sldMk cId="1951904858" sldId="290"/>
+            <ac:spMk id="2" creationId="{8D1991CB-1D50-50D4-6CDF-5BC678DD6948}"/>
+          </ac:spMkLst>
+        </pc:spChg>
+        <pc:spChg chg="add del">
+          <ac:chgData name="Aditya Varma" userId="4014995f1df49f5c" providerId="LiveId" clId="{F6FDA4D8-C0D7-4A9C-985F-0EA4F7D7EFF4}" dt="2025-03-27T19:31:40.888" v="433" actId="26606"/>
+          <ac:spMkLst>
+            <pc:docMk/>
+            <pc:sldMk cId="1951904858" sldId="290"/>
+            <ac:spMk id="16" creationId="{8B2FA82F-B839-A45D-7582-1A805EC20B22}"/>
+          </ac:spMkLst>
+        </pc:spChg>
+        <pc:spChg chg="add del">
+          <ac:chgData name="Aditya Varma" userId="4014995f1df49f5c" providerId="LiveId" clId="{F6FDA4D8-C0D7-4A9C-985F-0EA4F7D7EFF4}" dt="2025-03-27T19:31:40.888" v="433" actId="26606"/>
+          <ac:spMkLst>
+            <pc:docMk/>
+            <pc:sldMk cId="1951904858" sldId="290"/>
+            <ac:spMk id="18" creationId="{69ADF14F-14CE-309C-BA00-FD1457FFA2FC}"/>
+          </ac:spMkLst>
+        </pc:spChg>
+        <pc:spChg chg="add del">
+          <ac:chgData name="Aditya Varma" userId="4014995f1df49f5c" providerId="LiveId" clId="{F6FDA4D8-C0D7-4A9C-985F-0EA4F7D7EFF4}" dt="2025-03-27T19:31:40.888" v="433" actId="26606"/>
+          <ac:spMkLst>
+            <pc:docMk/>
+            <pc:sldMk cId="1951904858" sldId="290"/>
+            <ac:spMk id="20" creationId="{17343B70-8CB7-49B9-0462-6079677B4070}"/>
+          </ac:spMkLst>
+        </pc:spChg>
+        <pc:spChg chg="add del">
+          <ac:chgData name="Aditya Varma" userId="4014995f1df49f5c" providerId="LiveId" clId="{F6FDA4D8-C0D7-4A9C-985F-0EA4F7D7EFF4}" dt="2025-03-27T19:31:40.888" v="433" actId="26606"/>
+          <ac:spMkLst>
+            <pc:docMk/>
+            <pc:sldMk cId="1951904858" sldId="290"/>
+            <ac:spMk id="25" creationId="{23D09407-53BC-485E-B4CE-BC5E4FC4B25B}"/>
+          </ac:spMkLst>
+        </pc:spChg>
+        <pc:spChg chg="add del">
+          <ac:chgData name="Aditya Varma" userId="4014995f1df49f5c" providerId="LiveId" clId="{F6FDA4D8-C0D7-4A9C-985F-0EA4F7D7EFF4}" dt="2025-03-27T19:31:40.888" v="433" actId="26606"/>
+          <ac:spMkLst>
+            <pc:docMk/>
+            <pc:sldMk cId="1951904858" sldId="290"/>
+            <ac:spMk id="27" creationId="{921DB988-49FC-4608-B0A2-E2F3A4019041}"/>
+          </ac:spMkLst>
+        </pc:spChg>
+        <pc:grpChg chg="add del">
+          <ac:chgData name="Aditya Varma" userId="4014995f1df49f5c" providerId="LiveId" clId="{F6FDA4D8-C0D7-4A9C-985F-0EA4F7D7EFF4}" dt="2025-03-27T19:31:40.888" v="433" actId="26606"/>
+          <ac:grpSpMkLst>
+            <pc:docMk/>
+            <pc:sldMk cId="1951904858" sldId="290"/>
+            <ac:grpSpMk id="29" creationId="{E9B930FD-8671-4C4C-ADCF-73AC1D0CD417}"/>
+          </ac:grpSpMkLst>
+        </pc:grpChg>
+        <pc:grpChg chg="add del">
+          <ac:chgData name="Aditya Varma" userId="4014995f1df49f5c" providerId="LiveId" clId="{F6FDA4D8-C0D7-4A9C-985F-0EA4F7D7EFF4}" dt="2025-03-27T19:31:40.888" v="433" actId="26606"/>
+          <ac:grpSpMkLst>
+            <pc:docMk/>
+            <pc:sldMk cId="1951904858" sldId="290"/>
+            <ac:grpSpMk id="35" creationId="{383C2651-AE0C-4AE4-8725-E2F9414FE219}"/>
+          </ac:grpSpMkLst>
+        </pc:grpChg>
+        <pc:picChg chg="add mod">
+          <ac:chgData name="Aditya Varma" userId="4014995f1df49f5c" providerId="LiveId" clId="{F6FDA4D8-C0D7-4A9C-985F-0EA4F7D7EFF4}" dt="2025-03-27T19:32:25.718" v="436" actId="1076"/>
+          <ac:picMkLst>
+            <pc:docMk/>
+            <pc:sldMk cId="1951904858" sldId="290"/>
+            <ac:picMk id="4" creationId="{C35C73C0-72AA-6CD2-3E80-ADEB2F39BADE}"/>
+          </ac:picMkLst>
+        </pc:picChg>
+        <pc:picChg chg="del">
+          <ac:chgData name="Aditya Varma" userId="4014995f1df49f5c" providerId="LiveId" clId="{F6FDA4D8-C0D7-4A9C-985F-0EA4F7D7EFF4}" dt="2025-03-27T19:31:33.332" v="430" actId="478"/>
+          <ac:picMkLst>
+            <pc:docMk/>
+            <pc:sldMk cId="1951904858" sldId="290"/>
+            <ac:picMk id="5" creationId="{4F793B7B-B511-836B-32C8-172788E43816}"/>
+          </ac:picMkLst>
+        </pc:picChg>
+      </pc:sldChg>
+      <pc:sldChg chg="addSp delSp modSp add mod">
+        <pc:chgData name="Aditya Varma" userId="4014995f1df49f5c" providerId="LiveId" clId="{F6FDA4D8-C0D7-4A9C-985F-0EA4F7D7EFF4}" dt="2025-03-27T19:33:29.878" v="441" actId="1076"/>
+        <pc:sldMkLst>
+          <pc:docMk/>
+          <pc:sldMk cId="4261276463" sldId="291"/>
+        </pc:sldMkLst>
+        <pc:picChg chg="del">
+          <ac:chgData name="Aditya Varma" userId="4014995f1df49f5c" providerId="LiveId" clId="{F6FDA4D8-C0D7-4A9C-985F-0EA4F7D7EFF4}" dt="2025-03-27T19:33:11.020" v="438" actId="478"/>
+          <ac:picMkLst>
+            <pc:docMk/>
+            <pc:sldMk cId="4261276463" sldId="291"/>
+            <ac:picMk id="4" creationId="{4EE9CE1D-802A-1C15-3BE8-7C5F25459AE9}"/>
+          </ac:picMkLst>
+        </pc:picChg>
+        <pc:picChg chg="add mod">
+          <ac:chgData name="Aditya Varma" userId="4014995f1df49f5c" providerId="LiveId" clId="{F6FDA4D8-C0D7-4A9C-985F-0EA4F7D7EFF4}" dt="2025-03-27T19:33:29.878" v="441" actId="1076"/>
+          <ac:picMkLst>
+            <pc:docMk/>
+            <pc:sldMk cId="4261276463" sldId="291"/>
+            <ac:picMk id="5" creationId="{172C0E74-5FDD-E622-7CA9-6BE3BBC9371F}"/>
+          </ac:picMkLst>
+        </pc:picChg>
+      </pc:sldChg>
+    </pc:docChg>
+  </pc:docChgLst>
+</pc:chgInfo>
+</file>
+
 <file path=ppt/notesMasters/notesMaster1.xml><?xml version="1.0" encoding="utf-8"?>
 <p:notesMaster xmlns:a="http://schemas.openxmlformats.org/drawingml/2006/main" xmlns:r="http://schemas.openxmlformats.org/officeDocument/2006/relationships" xmlns:p="http://schemas.openxmlformats.org/presentationml/2006/main">
   <p:cSld>
@@ -217,7 +881,7 @@
           <a:p>
             <a:fld id="{36620BD3-0BE2-465D-9D87-C058DDDC663E}" type="datetimeFigureOut">
               <a:rPr lang="en-IN" smtClean="0"/>
-              <a:t>25-01-2025</a:t>
+              <a:t>27-03-2025</a:t>
             </a:fld>
             <a:endParaRPr lang="en-IN"/>
           </a:p>
@@ -569,6 +1233,114 @@
 </p:notes>
 </file>
 
+<file path=ppt/notesSlides/notesSlide2.xml><?xml version="1.0" encoding="utf-8"?>
+<p:notes xmlns:a="http://schemas.openxmlformats.org/drawingml/2006/main" xmlns:r="http://schemas.openxmlformats.org/officeDocument/2006/relationships" xmlns:p="http://schemas.openxmlformats.org/presentationml/2006/main">
+  <p:cSld>
+    <p:spTree>
+      <p:nvGrpSpPr>
+        <p:cNvPr id="1" name="">
+          <a:extLst>
+            <a:ext uri="{FF2B5EF4-FFF2-40B4-BE49-F238E27FC236}">
+              <a16:creationId xmlns:a16="http://schemas.microsoft.com/office/drawing/2014/main" id="{2912D7CF-1F78-4611-B453-AD7DF6149F6E}"/>
+            </a:ext>
+          </a:extLst>
+        </p:cNvPr>
+        <p:cNvGrpSpPr/>
+        <p:nvPr/>
+      </p:nvGrpSpPr>
+      <p:grpSpPr>
+        <a:xfrm>
+          <a:off x="0" y="0"/>
+          <a:ext cx="0" cy="0"/>
+          <a:chOff x="0" y="0"/>
+          <a:chExt cx="0" cy="0"/>
+        </a:xfrm>
+      </p:grpSpPr>
+      <p:sp>
+        <p:nvSpPr>
+          <p:cNvPr id="2" name="Slide Image Placeholder 1">
+            <a:extLst>
+              <a:ext uri="{FF2B5EF4-FFF2-40B4-BE49-F238E27FC236}">
+                <a16:creationId xmlns:a16="http://schemas.microsoft.com/office/drawing/2014/main" id="{5EFE9644-B821-34CF-5356-76D0E973FFF4}"/>
+              </a:ext>
+            </a:extLst>
+          </p:cNvPr>
+          <p:cNvSpPr>
+            <a:spLocks noGrp="1" noRot="1" noChangeAspect="1"/>
+          </p:cNvSpPr>
+          <p:nvPr>
+            <p:ph type="sldImg"/>
+          </p:nvPr>
+        </p:nvSpPr>
+        <p:spPr/>
+      </p:sp>
+      <p:sp>
+        <p:nvSpPr>
+          <p:cNvPr id="3" name="Notes Placeholder 2">
+            <a:extLst>
+              <a:ext uri="{FF2B5EF4-FFF2-40B4-BE49-F238E27FC236}">
+                <a16:creationId xmlns:a16="http://schemas.microsoft.com/office/drawing/2014/main" id="{9C67E363-8664-63FF-68A2-F489EF31B88D}"/>
+              </a:ext>
+            </a:extLst>
+          </p:cNvPr>
+          <p:cNvSpPr>
+            <a:spLocks noGrp="1"/>
+          </p:cNvSpPr>
+          <p:nvPr>
+            <p:ph type="body" idx="1"/>
+          </p:nvPr>
+        </p:nvSpPr>
+        <p:spPr/>
+        <p:txBody>
+          <a:bodyPr/>
+          <a:lstStyle/>
+          <a:p>
+            <a:endParaRPr lang="en-IN" dirty="0"/>
+          </a:p>
+        </p:txBody>
+      </p:sp>
+      <p:sp>
+        <p:nvSpPr>
+          <p:cNvPr id="4" name="Slide Number Placeholder 3">
+            <a:extLst>
+              <a:ext uri="{FF2B5EF4-FFF2-40B4-BE49-F238E27FC236}">
+                <a16:creationId xmlns:a16="http://schemas.microsoft.com/office/drawing/2014/main" id="{3F099F44-2FBC-27EA-C07D-4600E5C4D4FC}"/>
+              </a:ext>
+            </a:extLst>
+          </p:cNvPr>
+          <p:cNvSpPr>
+            <a:spLocks noGrp="1"/>
+          </p:cNvSpPr>
+          <p:nvPr>
+            <p:ph type="sldNum" sz="quarter" idx="5"/>
+          </p:nvPr>
+        </p:nvSpPr>
+        <p:spPr/>
+        <p:txBody>
+          <a:bodyPr/>
+          <a:lstStyle/>
+          <a:p>
+            <a:fld id="{2EDA5402-E2D4-4394-86CB-71B934DDBCD0}" type="slidenum">
+              <a:rPr lang="en-IN" smtClean="0"/>
+              <a:t>5</a:t>
+            </a:fld>
+            <a:endParaRPr lang="en-IN"/>
+          </a:p>
+        </p:txBody>
+      </p:sp>
+    </p:spTree>
+    <p:extLst>
+      <p:ext uri="{BB962C8B-B14F-4D97-AF65-F5344CB8AC3E}">
+        <p14:creationId xmlns:p14="http://schemas.microsoft.com/office/powerpoint/2010/main" val="940536742"/>
+      </p:ext>
+    </p:extLst>
+  </p:cSld>
+  <p:clrMapOvr>
+    <a:masterClrMapping/>
+  </p:clrMapOvr>
+</p:notes>
+</file>
+
 <file path=ppt/slideLayouts/slideLayout1.xml><?xml version="1.0" encoding="utf-8"?>
 <p:sldLayout xmlns:a="http://schemas.openxmlformats.org/drawingml/2006/main" xmlns:r="http://schemas.openxmlformats.org/officeDocument/2006/relationships" xmlns:p="http://schemas.openxmlformats.org/presentationml/2006/main" type="title" preserve="1">
   <p:cSld name="Title Slide">
@@ -718,7 +1490,7 @@
           <a:p>
             <a:fld id="{5BCAD085-E8A6-8845-BD4E-CB4CCA059FC4}" type="datetimeFigureOut">
               <a:rPr lang="en-US" smtClean="0"/>
-              <a:t>1/25/2025</a:t>
+              <a:t>3/27/2025</a:t>
             </a:fld>
             <a:endParaRPr lang="en-US"/>
           </a:p>
@@ -919,7 +1691,7 @@
           <a:p>
             <a:fld id="{5BCAD085-E8A6-8845-BD4E-CB4CCA059FC4}" type="datetimeFigureOut">
               <a:rPr lang="en-US" smtClean="0"/>
-              <a:t>1/25/2025</a:t>
+              <a:t>3/27/2025</a:t>
             </a:fld>
             <a:endParaRPr lang="en-US"/>
           </a:p>
@@ -1130,7 +1902,7 @@
           <a:p>
             <a:fld id="{5BCAD085-E8A6-8845-BD4E-CB4CCA059FC4}" type="datetimeFigureOut">
               <a:rPr lang="en-US" smtClean="0"/>
-              <a:t>1/25/2025</a:t>
+              <a:t>3/27/2025</a:t>
             </a:fld>
             <a:endParaRPr lang="en-US"/>
           </a:p>
@@ -1331,7 +2103,7 @@
           <a:p>
             <a:fld id="{5BCAD085-E8A6-8845-BD4E-CB4CCA059FC4}" type="datetimeFigureOut">
               <a:rPr lang="en-US" smtClean="0"/>
-              <a:t>1/25/2025</a:t>
+              <a:t>3/27/2025</a:t>
             </a:fld>
             <a:endParaRPr lang="en-US"/>
           </a:p>
@@ -1608,7 +2380,7 @@
           <a:p>
             <a:fld id="{5BCAD085-E8A6-8845-BD4E-CB4CCA059FC4}" type="datetimeFigureOut">
               <a:rPr lang="en-US" smtClean="0"/>
-              <a:t>1/25/2025</a:t>
+              <a:t>3/27/2025</a:t>
             </a:fld>
             <a:endParaRPr lang="en-US"/>
           </a:p>
@@ -1877,7 +2649,7 @@
           <a:p>
             <a:fld id="{5BCAD085-E8A6-8845-BD4E-CB4CCA059FC4}" type="datetimeFigureOut">
               <a:rPr lang="en-US" smtClean="0"/>
-              <a:t>1/25/2025</a:t>
+              <a:t>3/27/2025</a:t>
             </a:fld>
             <a:endParaRPr lang="en-US"/>
           </a:p>
@@ -2293,7 +3065,7 @@
           <a:p>
             <a:fld id="{5BCAD085-E8A6-8845-BD4E-CB4CCA059FC4}" type="datetimeFigureOut">
               <a:rPr lang="en-US" smtClean="0"/>
-              <a:t>1/25/2025</a:t>
+              <a:t>3/27/2025</a:t>
             </a:fld>
             <a:endParaRPr lang="en-US"/>
           </a:p>
@@ -2436,7 +3208,7 @@
           <a:p>
             <a:fld id="{5BCAD085-E8A6-8845-BD4E-CB4CCA059FC4}" type="datetimeFigureOut">
               <a:rPr lang="en-US" smtClean="0"/>
-              <a:t>1/25/2025</a:t>
+              <a:t>3/27/2025</a:t>
             </a:fld>
             <a:endParaRPr lang="en-US"/>
           </a:p>
@@ -2550,7 +3322,7 @@
           <a:p>
             <a:fld id="{5BCAD085-E8A6-8845-BD4E-CB4CCA059FC4}" type="datetimeFigureOut">
               <a:rPr lang="en-US" smtClean="0"/>
-              <a:t>1/25/2025</a:t>
+              <a:t>3/27/2025</a:t>
             </a:fld>
             <a:endParaRPr lang="en-US"/>
           </a:p>
@@ -2864,7 +3636,7 @@
           <a:p>
             <a:fld id="{5BCAD085-E8A6-8845-BD4E-CB4CCA059FC4}" type="datetimeFigureOut">
               <a:rPr lang="en-US" smtClean="0"/>
-              <a:t>1/25/2025</a:t>
+              <a:t>3/27/2025</a:t>
             </a:fld>
             <a:endParaRPr lang="en-US"/>
           </a:p>
@@ -3154,7 +3926,7 @@
           <a:p>
             <a:fld id="{5BCAD085-E8A6-8845-BD4E-CB4CCA059FC4}" type="datetimeFigureOut">
               <a:rPr lang="en-US" smtClean="0"/>
-              <a:t>1/25/2025</a:t>
+              <a:t>3/27/2025</a:t>
             </a:fld>
             <a:endParaRPr lang="en-US"/>
           </a:p>
@@ -3398,7 +4170,7 @@
           <a:p>
             <a:fld id="{5BCAD085-E8A6-8845-BD4E-CB4CCA059FC4}" type="datetimeFigureOut">
               <a:rPr lang="en-US" smtClean="0"/>
-              <a:t>1/25/2025</a:t>
+              <a:t>3/27/2025</a:t>
             </a:fld>
             <a:endParaRPr lang="en-US"/>
           </a:p>
@@ -4346,7 +5118,13 @@
     </p:bg>
     <p:spTree>
       <p:nvGrpSpPr>
-        <p:cNvPr id="1" name=""/>
+        <p:cNvPr id="1" name="">
+          <a:extLst>
+            <a:ext uri="{FF2B5EF4-FFF2-40B4-BE49-F238E27FC236}">
+              <a16:creationId xmlns:a16="http://schemas.microsoft.com/office/drawing/2014/main" id="{83B46D2D-B687-6EDC-5FAE-33E07AA094DB}"/>
+            </a:ext>
+          </a:extLst>
+        </p:cNvPr>
         <p:cNvGrpSpPr/>
         <p:nvPr/>
       </p:nvGrpSpPr>
@@ -4360,10 +5138,10 @@
       </p:grpSpPr>
       <p:sp>
         <p:nvSpPr>
-          <p:cNvPr id="9" name="Rectangle 8">
-            <a:extLst>
-              <a:ext uri="{FF2B5EF4-FFF2-40B4-BE49-F238E27FC236}">
-                <a16:creationId xmlns:a16="http://schemas.microsoft.com/office/drawing/2014/main" id="{5B32A67F-3598-4A13-8552-DA884FFCCE57}"/>
+          <p:cNvPr id="20" name="Rectangle 19">
+            <a:extLst>
+              <a:ext uri="{FF2B5EF4-FFF2-40B4-BE49-F238E27FC236}">
+                <a16:creationId xmlns:a16="http://schemas.microsoft.com/office/drawing/2014/main" id="{6C232C2A-A8BE-7487-306E-1E27CAC56DB3}"/>
               </a:ext>
               <a:ext uri="{C183D7F6-B498-43B3-948B-1728B52AA6E4}">
                 <adec:decorative xmlns:adec="http://schemas.microsoft.com/office/drawing/2017/decorative" val="1"/>
@@ -4383,16 +5161,16 @@
         </p:nvSpPr>
         <p:spPr>
           <a:xfrm>
-            <a:off x="0" y="0"/>
-            <a:ext cx="9144000" cy="6857998"/>
+            <a:off x="7" y="0"/>
+            <a:ext cx="4562585" cy="6858001"/>
           </a:xfrm>
           <a:prstGeom prst="rect">
             <a:avLst/>
           </a:prstGeom>
           <a:solidFill>
             <a:schemeClr val="tx1">
-              <a:lumMod val="75000"/>
-              <a:lumOff val="25000"/>
+              <a:lumMod val="85000"/>
+              <a:lumOff val="15000"/>
             </a:schemeClr>
           </a:solidFill>
           <a:ln>
@@ -4420,50 +5198,56 @@
           <a:lstStyle/>
           <a:p>
             <a:pPr algn="ctr"/>
-            <a:endParaRPr lang="en-US" sz="1350"/>
-          </a:p>
-        </p:txBody>
-      </p:sp>
-      <p:sp>
-        <p:nvSpPr>
-          <p:cNvPr id="2" name="Title 1"/>
+            <a:endParaRPr lang="en-US"/>
+          </a:p>
+        </p:txBody>
+      </p:sp>
+      <p:sp>
+        <p:nvSpPr>
+          <p:cNvPr id="2" name="Title 1">
+            <a:extLst>
+              <a:ext uri="{FF2B5EF4-FFF2-40B4-BE49-F238E27FC236}">
+                <a16:creationId xmlns:a16="http://schemas.microsoft.com/office/drawing/2014/main" id="{B11EA3FB-96E8-FF7D-CA19-A7D81D0F549C}"/>
+              </a:ext>
+            </a:extLst>
+          </p:cNvPr>
           <p:cNvSpPr>
             <a:spLocks noGrp="1"/>
           </p:cNvSpPr>
           <p:nvPr>
-            <p:ph type="ctrTitle"/>
-          </p:nvPr>
-        </p:nvSpPr>
-        <p:spPr>
-          <a:xfrm>
-            <a:off x="603504" y="3347895"/>
-            <a:ext cx="3619839" cy="1557250"/>
-          </a:xfrm>
-        </p:spPr>
-        <p:txBody>
-          <a:bodyPr anchor="t">
-            <a:normAutofit/>
+            <p:ph type="title"/>
+          </p:nvPr>
+        </p:nvSpPr>
+        <p:spPr>
+          <a:xfrm>
+            <a:off x="674642" y="5729929"/>
+            <a:ext cx="3213313" cy="321736"/>
+          </a:xfrm>
+        </p:spPr>
+        <p:txBody>
+          <a:bodyPr vert="horz" lIns="91440" tIns="45720" rIns="91440" bIns="45720" rtlCol="0" anchor="b">
+            <a:noAutofit/>
           </a:bodyPr>
           <a:lstStyle/>
           <a:p>
-            <a:pPr algn="l"/>
-            <a:r>
-              <a:rPr lang="en-IN" sz="3600" dirty="0">
+            <a:pPr defTabSz="914400"/>
+            <a:r>
+              <a:rPr lang="en-US" dirty="0">
                 <a:solidFill>
                   <a:schemeClr val="bg1"/>
                 </a:solidFill>
               </a:rPr>
-              <a:t>Thank You</a:t>
-            </a:r>
-          </a:p>
-        </p:txBody>
-      </p:sp>
-      <p:sp>
-        <p:nvSpPr>
-          <p:cNvPr id="11" name="Freeform: Shape 10">
-            <a:extLst>
-              <a:ext uri="{FF2B5EF4-FFF2-40B4-BE49-F238E27FC236}">
-                <a16:creationId xmlns:a16="http://schemas.microsoft.com/office/drawing/2014/main" id="{BCC55ACC-A2F6-403C-A3A4-D59B3734D45F}"/>
+              <a:t>UI Flowchart</a:t>
+            </a:r>
+          </a:p>
+        </p:txBody>
+      </p:sp>
+      <p:sp>
+        <p:nvSpPr>
+          <p:cNvPr id="22" name="Rectangle 21">
+            <a:extLst>
+              <a:ext uri="{FF2B5EF4-FFF2-40B4-BE49-F238E27FC236}">
+                <a16:creationId xmlns:a16="http://schemas.microsoft.com/office/drawing/2014/main" id="{A9A57AEF-BDC0-8CD1-3C24-3C10DB2F219B}"/>
               </a:ext>
               <a:ext uri="{C183D7F6-B498-43B3-948B-1728B52AA6E4}">
                 <adec:decorative xmlns:adec="http://schemas.microsoft.com/office/drawing/2017/decorative" val="1"/>
@@ -4483,122 +5267,15 @@
         </p:nvSpPr>
         <p:spPr>
           <a:xfrm>
-            <a:off x="4392984" y="2000248"/>
-            <a:ext cx="4751017" cy="4857750"/>
-          </a:xfrm>
-          <a:custGeom>
+            <a:off x="4572000" y="0"/>
+            <a:ext cx="4571992" cy="6858001"/>
+          </a:xfrm>
+          <a:prstGeom prst="rect">
             <a:avLst/>
-            <a:gdLst>
-              <a:gd name="connsiteX0" fmla="*/ 3561588 w 6334689"/>
-              <a:gd name="connsiteY0" fmla="*/ 0 h 6477000"/>
-              <a:gd name="connsiteX1" fmla="*/ 6309883 w 6334689"/>
-              <a:gd name="connsiteY1" fmla="*/ 1296087 h 6477000"/>
-              <a:gd name="connsiteX2" fmla="*/ 6334689 w 6334689"/>
-              <a:gd name="connsiteY2" fmla="*/ 1329261 h 6477000"/>
-              <a:gd name="connsiteX3" fmla="*/ 6334689 w 6334689"/>
-              <a:gd name="connsiteY3" fmla="*/ 5793916 h 6477000"/>
-              <a:gd name="connsiteX4" fmla="*/ 6309883 w 6334689"/>
-              <a:gd name="connsiteY4" fmla="*/ 5827089 h 6477000"/>
-              <a:gd name="connsiteX5" fmla="*/ 5760467 w 6334689"/>
-              <a:gd name="connsiteY5" fmla="*/ 6363539 h 6477000"/>
-              <a:gd name="connsiteX6" fmla="*/ 5607796 w 6334689"/>
-              <a:gd name="connsiteY6" fmla="*/ 6477000 h 6477000"/>
-              <a:gd name="connsiteX7" fmla="*/ 1519571 w 6334689"/>
-              <a:gd name="connsiteY7" fmla="*/ 6477000 h 6477000"/>
-              <a:gd name="connsiteX8" fmla="*/ 1296088 w 6334689"/>
-              <a:gd name="connsiteY8" fmla="*/ 6309883 h 6477000"/>
-              <a:gd name="connsiteX9" fmla="*/ 0 w 6334689"/>
-              <a:gd name="connsiteY9" fmla="*/ 3561588 h 6477000"/>
-              <a:gd name="connsiteX10" fmla="*/ 3561588 w 6334689"/>
-              <a:gd name="connsiteY10" fmla="*/ 0 h 6477000"/>
-            </a:gdLst>
-            <a:ahLst/>
-            <a:cxnLst>
-              <a:cxn ang="0">
-                <a:pos x="connsiteX0" y="connsiteY0"/>
-              </a:cxn>
-              <a:cxn ang="0">
-                <a:pos x="connsiteX1" y="connsiteY1"/>
-              </a:cxn>
-              <a:cxn ang="0">
-                <a:pos x="connsiteX2" y="connsiteY2"/>
-              </a:cxn>
-              <a:cxn ang="0">
-                <a:pos x="connsiteX3" y="connsiteY3"/>
-              </a:cxn>
-              <a:cxn ang="0">
-                <a:pos x="connsiteX4" y="connsiteY4"/>
-              </a:cxn>
-              <a:cxn ang="0">
-                <a:pos x="connsiteX5" y="connsiteY5"/>
-              </a:cxn>
-              <a:cxn ang="0">
-                <a:pos x="connsiteX6" y="connsiteY6"/>
-              </a:cxn>
-              <a:cxn ang="0">
-                <a:pos x="connsiteX7" y="connsiteY7"/>
-              </a:cxn>
-              <a:cxn ang="0">
-                <a:pos x="connsiteX8" y="connsiteY8"/>
-              </a:cxn>
-              <a:cxn ang="0">
-                <a:pos x="connsiteX9" y="connsiteY9"/>
-              </a:cxn>
-              <a:cxn ang="0">
-                <a:pos x="connsiteX10" y="connsiteY10"/>
-              </a:cxn>
-            </a:cxnLst>
-            <a:rect l="l" t="t" r="r" b="b"/>
-            <a:pathLst>
-              <a:path w="6334689" h="6477000">
-                <a:moveTo>
-                  <a:pt x="3561588" y="0"/>
-                </a:moveTo>
-                <a:cubicBezTo>
-                  <a:pt x="4668032" y="0"/>
-                  <a:pt x="5656635" y="504534"/>
-                  <a:pt x="6309883" y="1296087"/>
-                </a:cubicBezTo>
-                <a:lnTo>
-                  <a:pt x="6334689" y="1329261"/>
-                </a:lnTo>
-                <a:lnTo>
-                  <a:pt x="6334689" y="5793916"/>
-                </a:lnTo>
-                <a:lnTo>
-                  <a:pt x="6309883" y="5827089"/>
-                </a:lnTo>
-                <a:cubicBezTo>
-                  <a:pt x="6146571" y="6024977"/>
-                  <a:pt x="5962299" y="6204927"/>
-                  <a:pt x="5760467" y="6363539"/>
-                </a:cubicBezTo>
-                <a:lnTo>
-                  <a:pt x="5607796" y="6477000"/>
-                </a:lnTo>
-                <a:lnTo>
-                  <a:pt x="1519571" y="6477000"/>
-                </a:lnTo>
-                <a:lnTo>
-                  <a:pt x="1296088" y="6309883"/>
-                </a:lnTo>
-                <a:cubicBezTo>
-                  <a:pt x="504535" y="5656635"/>
-                  <a:pt x="0" y="4668032"/>
-                  <a:pt x="0" y="3561588"/>
-                </a:cubicBezTo>
-                <a:cubicBezTo>
-                  <a:pt x="0" y="1594577"/>
-                  <a:pt x="1594577" y="0"/>
-                  <a:pt x="3561588" y="0"/>
-                </a:cubicBezTo>
-                <a:close/>
-              </a:path>
-            </a:pathLst>
-          </a:custGeom>
+          </a:prstGeom>
           <a:solidFill>
             <a:schemeClr val="bg1">
-              <a:alpha val="80000"/>
+              <a:lumMod val="95000"/>
             </a:schemeClr>
           </a:solidFill>
           <a:ln>
@@ -4625,24 +5302,91 @@
           <a:bodyPr rtlCol="0" anchor="ctr"/>
           <a:lstStyle/>
           <a:p>
-            <a:pPr algn="ctr" defTabSz="685800">
-              <a:defRPr/>
-            </a:pPr>
-            <a:endParaRPr lang="en-US" sz="1350">
-              <a:solidFill>
-                <a:prstClr val="white"/>
-              </a:solidFill>
-              <a:latin typeface="Calibri" panose="020F0502020204030204"/>
-            </a:endParaRPr>
-          </a:p>
-        </p:txBody>
-      </p:sp>
-      <p:sp>
-        <p:nvSpPr>
-          <p:cNvPr id="13" name="Freeform: Shape 12">
-            <a:extLst>
-              <a:ext uri="{FF2B5EF4-FFF2-40B4-BE49-F238E27FC236}">
-                <a16:creationId xmlns:a16="http://schemas.microsoft.com/office/drawing/2014/main" id="{598EBA13-C937-430B-9523-439FE21096E6}"/>
+            <a:pPr algn="ctr"/>
+            <a:endParaRPr lang="en-US"/>
+          </a:p>
+        </p:txBody>
+      </p:sp>
+      <p:pic>
+        <p:nvPicPr>
+          <p:cNvPr id="4" name="Picture 3" descr="A diagram of a flowchart&#10;&#10;AI-generated content may be incorrect.">
+            <a:extLst>
+              <a:ext uri="{FF2B5EF4-FFF2-40B4-BE49-F238E27FC236}">
+                <a16:creationId xmlns:a16="http://schemas.microsoft.com/office/drawing/2014/main" id="{399E10C3-2FB0-7791-E657-E2F3D1C32AD2}"/>
+              </a:ext>
+            </a:extLst>
+          </p:cNvPr>
+          <p:cNvPicPr>
+            <a:picLocks noChangeAspect="1"/>
+          </p:cNvPicPr>
+          <p:nvPr/>
+        </p:nvPicPr>
+        <p:blipFill>
+          <a:blip r:embed="rId2"/>
+          <a:stretch>
+            <a:fillRect/>
+          </a:stretch>
+        </p:blipFill>
+        <p:spPr>
+          <a:xfrm>
+            <a:off x="900677" y="676195"/>
+            <a:ext cx="7530226" cy="4441371"/>
+          </a:xfrm>
+          <a:prstGeom prst="rect">
+            <a:avLst/>
+          </a:prstGeom>
+        </p:spPr>
+      </p:pic>
+    </p:spTree>
+    <p:extLst>
+      <p:ext uri="{BB962C8B-B14F-4D97-AF65-F5344CB8AC3E}">
+        <p14:creationId xmlns:p14="http://schemas.microsoft.com/office/powerpoint/2010/main" val="1196011167"/>
+      </p:ext>
+    </p:extLst>
+  </p:cSld>
+  <p:clrMapOvr>
+    <a:masterClrMapping/>
+  </p:clrMapOvr>
+</p:sld>
+</file>
+
+<file path=ppt/slides/slide11.xml><?xml version="1.0" encoding="utf-8"?>
+<p:sld xmlns:a="http://schemas.openxmlformats.org/drawingml/2006/main" xmlns:r="http://schemas.openxmlformats.org/officeDocument/2006/relationships" xmlns:p="http://schemas.openxmlformats.org/presentationml/2006/main">
+  <p:cSld>
+    <p:bg>
+      <p:bgPr>
+        <a:solidFill>
+          <a:schemeClr val="bg1"/>
+        </a:solidFill>
+        <a:effectLst/>
+      </p:bgPr>
+    </p:bg>
+    <p:spTree>
+      <p:nvGrpSpPr>
+        <p:cNvPr id="1" name="">
+          <a:extLst>
+            <a:ext uri="{FF2B5EF4-FFF2-40B4-BE49-F238E27FC236}">
+              <a16:creationId xmlns:a16="http://schemas.microsoft.com/office/drawing/2014/main" id="{854FD9C4-D4E5-25EA-5909-1F132097A179}"/>
+            </a:ext>
+          </a:extLst>
+        </p:cNvPr>
+        <p:cNvGrpSpPr/>
+        <p:nvPr/>
+      </p:nvGrpSpPr>
+      <p:grpSpPr>
+        <a:xfrm>
+          <a:off x="0" y="0"/>
+          <a:ext cx="0" cy="0"/>
+          <a:chOff x="0" y="0"/>
+          <a:chExt cx="0" cy="0"/>
+        </a:xfrm>
+      </p:grpSpPr>
+      <p:sp>
+        <p:nvSpPr>
+          <p:cNvPr id="20" name="Rectangle 19">
+            <a:extLst>
+              <a:ext uri="{FF2B5EF4-FFF2-40B4-BE49-F238E27FC236}">
+                <a16:creationId xmlns:a16="http://schemas.microsoft.com/office/drawing/2014/main" id="{E69F450E-EAE0-A482-D0EA-FAEAD558BAB2}"/>
               </a:ext>
               <a:ext uri="{C183D7F6-B498-43B3-948B-1728B52AA6E4}">
                 <adec:decorative xmlns:adec="http://schemas.microsoft.com/office/drawing/2017/decorative" val="1"/>
@@ -4662,121 +5406,17 @@
         </p:nvSpPr>
         <p:spPr>
           <a:xfrm>
-            <a:off x="4515814" y="2123081"/>
-            <a:ext cx="4628186" cy="4734919"/>
-          </a:xfrm>
-          <a:custGeom>
+            <a:off x="7" y="0"/>
+            <a:ext cx="4562585" cy="6858001"/>
+          </a:xfrm>
+          <a:prstGeom prst="rect">
             <a:avLst/>
-            <a:gdLst>
-              <a:gd name="connsiteX0" fmla="*/ 3397813 w 6170914"/>
-              <a:gd name="connsiteY0" fmla="*/ 0 h 6313225"/>
-              <a:gd name="connsiteX1" fmla="*/ 6019731 w 6170914"/>
-              <a:gd name="connsiteY1" fmla="*/ 1236489 h 6313225"/>
-              <a:gd name="connsiteX2" fmla="*/ 6170914 w 6170914"/>
-              <a:gd name="connsiteY2" fmla="*/ 1438663 h 6313225"/>
-              <a:gd name="connsiteX3" fmla="*/ 6170914 w 6170914"/>
-              <a:gd name="connsiteY3" fmla="*/ 5356963 h 6313225"/>
-              <a:gd name="connsiteX4" fmla="*/ 6019731 w 6170914"/>
-              <a:gd name="connsiteY4" fmla="*/ 5559138 h 6313225"/>
-              <a:gd name="connsiteX5" fmla="*/ 5194591 w 6170914"/>
-              <a:gd name="connsiteY5" fmla="*/ 6282226 h 6313225"/>
-              <a:gd name="connsiteX6" fmla="*/ 5141791 w 6170914"/>
-              <a:gd name="connsiteY6" fmla="*/ 6313225 h 6313225"/>
-              <a:gd name="connsiteX7" fmla="*/ 1659199 w 6170914"/>
-              <a:gd name="connsiteY7" fmla="*/ 6313225 h 6313225"/>
-              <a:gd name="connsiteX8" fmla="*/ 1498064 w 6170914"/>
-              <a:gd name="connsiteY8" fmla="*/ 6215333 h 6313225"/>
-              <a:gd name="connsiteX9" fmla="*/ 0 w 6170914"/>
-              <a:gd name="connsiteY9" fmla="*/ 3397813 h 6313225"/>
-              <a:gd name="connsiteX10" fmla="*/ 3397813 w 6170914"/>
-              <a:gd name="connsiteY10" fmla="*/ 0 h 6313225"/>
-            </a:gdLst>
-            <a:ahLst/>
-            <a:cxnLst>
-              <a:cxn ang="0">
-                <a:pos x="connsiteX0" y="connsiteY0"/>
-              </a:cxn>
-              <a:cxn ang="0">
-                <a:pos x="connsiteX1" y="connsiteY1"/>
-              </a:cxn>
-              <a:cxn ang="0">
-                <a:pos x="connsiteX2" y="connsiteY2"/>
-              </a:cxn>
-              <a:cxn ang="0">
-                <a:pos x="connsiteX3" y="connsiteY3"/>
-              </a:cxn>
-              <a:cxn ang="0">
-                <a:pos x="connsiteX4" y="connsiteY4"/>
-              </a:cxn>
-              <a:cxn ang="0">
-                <a:pos x="connsiteX5" y="connsiteY5"/>
-              </a:cxn>
-              <a:cxn ang="0">
-                <a:pos x="connsiteX6" y="connsiteY6"/>
-              </a:cxn>
-              <a:cxn ang="0">
-                <a:pos x="connsiteX7" y="connsiteY7"/>
-              </a:cxn>
-              <a:cxn ang="0">
-                <a:pos x="connsiteX8" y="connsiteY8"/>
-              </a:cxn>
-              <a:cxn ang="0">
-                <a:pos x="connsiteX9" y="connsiteY9"/>
-              </a:cxn>
-              <a:cxn ang="0">
-                <a:pos x="connsiteX10" y="connsiteY10"/>
-              </a:cxn>
-            </a:cxnLst>
-            <a:rect l="l" t="t" r="r" b="b"/>
-            <a:pathLst>
-              <a:path w="6170914" h="6313225">
-                <a:moveTo>
-                  <a:pt x="3397813" y="0"/>
-                </a:moveTo>
-                <a:cubicBezTo>
-                  <a:pt x="4453378" y="0"/>
-                  <a:pt x="5396522" y="481334"/>
-                  <a:pt x="6019731" y="1236489"/>
-                </a:cubicBezTo>
-                <a:lnTo>
-                  <a:pt x="6170914" y="1438663"/>
-                </a:lnTo>
-                <a:lnTo>
-                  <a:pt x="6170914" y="5356963"/>
-                </a:lnTo>
-                <a:lnTo>
-                  <a:pt x="6019731" y="5559138"/>
-                </a:lnTo>
-                <a:cubicBezTo>
-                  <a:pt x="5786028" y="5842321"/>
-                  <a:pt x="5507333" y="6086998"/>
-                  <a:pt x="5194591" y="6282226"/>
-                </a:cubicBezTo>
-                <a:lnTo>
-                  <a:pt x="5141791" y="6313225"/>
-                </a:lnTo>
-                <a:lnTo>
-                  <a:pt x="1659199" y="6313225"/>
-                </a:lnTo>
-                <a:lnTo>
-                  <a:pt x="1498064" y="6215333"/>
-                </a:lnTo>
-                <a:cubicBezTo>
-                  <a:pt x="594240" y="5604721"/>
-                  <a:pt x="0" y="4570663"/>
-                  <a:pt x="0" y="3397813"/>
-                </a:cubicBezTo>
-                <a:cubicBezTo>
-                  <a:pt x="0" y="1521253"/>
-                  <a:pt x="1521253" y="0"/>
-                  <a:pt x="3397813" y="0"/>
-                </a:cubicBezTo>
-                <a:close/>
-              </a:path>
-            </a:pathLst>
-          </a:custGeom>
+          </a:prstGeom>
           <a:solidFill>
-            <a:schemeClr val="bg1"/>
+            <a:schemeClr val="tx1">
+              <a:lumMod val="85000"/>
+              <a:lumOff val="15000"/>
+            </a:schemeClr>
           </a:solidFill>
           <a:ln>
             <a:noFill/>
@@ -4802,24 +5442,122 @@
           <a:bodyPr rtlCol="0" anchor="ctr"/>
           <a:lstStyle/>
           <a:p>
-            <a:pPr algn="ctr" defTabSz="685800">
-              <a:defRPr/>
-            </a:pPr>
-            <a:endParaRPr lang="en-US" sz="1350">
-              <a:solidFill>
-                <a:prstClr val="white"/>
-              </a:solidFill>
-              <a:latin typeface="Calibri" panose="020F0502020204030204"/>
-            </a:endParaRPr>
+            <a:pPr algn="ctr"/>
+            <a:endParaRPr lang="en-US"/>
+          </a:p>
+        </p:txBody>
+      </p:sp>
+      <p:sp>
+        <p:nvSpPr>
+          <p:cNvPr id="2" name="Title 1">
+            <a:extLst>
+              <a:ext uri="{FF2B5EF4-FFF2-40B4-BE49-F238E27FC236}">
+                <a16:creationId xmlns:a16="http://schemas.microsoft.com/office/drawing/2014/main" id="{42D90364-3A43-0EF4-2381-0ACDFE00718D}"/>
+              </a:ext>
+            </a:extLst>
+          </p:cNvPr>
+          <p:cNvSpPr>
+            <a:spLocks noGrp="1"/>
+          </p:cNvSpPr>
+          <p:nvPr>
+            <p:ph type="title"/>
+          </p:nvPr>
+        </p:nvSpPr>
+        <p:spPr>
+          <a:xfrm>
+            <a:off x="674642" y="5729929"/>
+            <a:ext cx="3213313" cy="321736"/>
+          </a:xfrm>
+        </p:spPr>
+        <p:txBody>
+          <a:bodyPr vert="horz" lIns="91440" tIns="45720" rIns="91440" bIns="45720" rtlCol="0" anchor="b">
+            <a:noAutofit/>
+          </a:bodyPr>
+          <a:lstStyle/>
+          <a:p>
+            <a:pPr defTabSz="914400"/>
+            <a:r>
+              <a:rPr lang="en-US" dirty="0">
+                <a:solidFill>
+                  <a:schemeClr val="bg1"/>
+                </a:solidFill>
+              </a:rPr>
+              <a:t>UI Flowchart</a:t>
+            </a:r>
+          </a:p>
+        </p:txBody>
+      </p:sp>
+      <p:sp>
+        <p:nvSpPr>
+          <p:cNvPr id="22" name="Rectangle 21">
+            <a:extLst>
+              <a:ext uri="{FF2B5EF4-FFF2-40B4-BE49-F238E27FC236}">
+                <a16:creationId xmlns:a16="http://schemas.microsoft.com/office/drawing/2014/main" id="{F43DEEF7-2489-5830-5F3B-52DE03333B4D}"/>
+              </a:ext>
+              <a:ext uri="{C183D7F6-B498-43B3-948B-1728B52AA6E4}">
+                <adec:decorative xmlns:adec="http://schemas.microsoft.com/office/drawing/2017/decorative" val="1"/>
+              </a:ext>
+            </a:extLst>
+          </p:cNvPr>
+          <p:cNvSpPr>
+            <a:spLocks noGrp="1" noRot="1" noChangeAspect="1" noMove="1" noResize="1" noEditPoints="1" noAdjustHandles="1" noChangeArrowheads="1" noChangeShapeType="1" noTextEdit="1"/>
+          </p:cNvSpPr>
+          <p:nvPr>
+            <p:extLst>
+              <p:ext uri="{386F3935-93C4-4BCD-93E2-E3B085C9AB24}">
+                <p16:designElem xmlns:p16="http://schemas.microsoft.com/office/powerpoint/2015/main" val="1"/>
+              </p:ext>
+            </p:extLst>
+          </p:nvPr>
+        </p:nvSpPr>
+        <p:spPr>
+          <a:xfrm>
+            <a:off x="4572000" y="0"/>
+            <a:ext cx="4571992" cy="6858001"/>
+          </a:xfrm>
+          <a:prstGeom prst="rect">
+            <a:avLst/>
+          </a:prstGeom>
+          <a:solidFill>
+            <a:schemeClr val="bg1">
+              <a:lumMod val="95000"/>
+            </a:schemeClr>
+          </a:solidFill>
+          <a:ln>
+            <a:noFill/>
+          </a:ln>
+        </p:spPr>
+        <p:style>
+          <a:lnRef idx="2">
+            <a:schemeClr val="accent1">
+              <a:shade val="50000"/>
+            </a:schemeClr>
+          </a:lnRef>
+          <a:fillRef idx="1">
+            <a:schemeClr val="accent1"/>
+          </a:fillRef>
+          <a:effectRef idx="0">
+            <a:schemeClr val="accent1"/>
+          </a:effectRef>
+          <a:fontRef idx="minor">
+            <a:schemeClr val="lt1"/>
+          </a:fontRef>
+        </p:style>
+        <p:txBody>
+          <a:bodyPr rtlCol="0" anchor="ctr"/>
+          <a:lstStyle/>
+          <a:p>
+            <a:pPr algn="ctr"/>
+            <a:endParaRPr lang="en-US"/>
           </a:p>
         </p:txBody>
       </p:sp>
       <p:pic>
         <p:nvPicPr>
-          <p:cNvPr id="6" name="Graphic 5" descr="Smiling Face with No Fill">
-            <a:extLst>
-              <a:ext uri="{FF2B5EF4-FFF2-40B4-BE49-F238E27FC236}">
-                <a16:creationId xmlns:a16="http://schemas.microsoft.com/office/drawing/2014/main" id="{1397E3F6-AA1E-F3F2-EDA5-3BD523879B0C}"/>
+          <p:cNvPr id="5" name="Picture 4" descr="A diagram of a flowchart&#10;&#10;AI-generated content may be incorrect.">
+            <a:extLst>
+              <a:ext uri="{FF2B5EF4-FFF2-40B4-BE49-F238E27FC236}">
+                <a16:creationId xmlns:a16="http://schemas.microsoft.com/office/drawing/2014/main" id="{75ECC1C7-37D3-FA9D-FC66-AE9400B726E9}"/>
               </a:ext>
             </a:extLst>
           </p:cNvPr>
@@ -4829,24 +5567,15 @@
           <p:nvPr/>
         </p:nvPicPr>
         <p:blipFill>
-          <a:blip r:embed="rId2">
-            <a:extLst>
-              <a:ext uri="{28A0092B-C50C-407E-A947-70E740481C1C}">
-                <a14:useLocalDpi xmlns:a14="http://schemas.microsoft.com/office/drawing/2010/main" val="0"/>
-              </a:ext>
-              <a:ext uri="{96DAC541-7B7A-43D3-8B79-37D633B846F1}">
-                <asvg:svgBlip xmlns:asvg="http://schemas.microsoft.com/office/drawing/2016/SVG/main" r:embed="rId3"/>
-              </a:ext>
-            </a:extLst>
-          </a:blip>
+          <a:blip r:embed="rId2"/>
           <a:stretch>
             <a:fillRect/>
           </a:stretch>
         </p:blipFill>
         <p:spPr>
           <a:xfrm>
-            <a:off x="5276850" y="2892665"/>
-            <a:ext cx="3509119" cy="3509119"/>
+            <a:off x="1129553" y="534002"/>
+            <a:ext cx="7330568" cy="4661926"/>
           </a:xfrm>
           <a:prstGeom prst="rect">
             <a:avLst/>
@@ -4854,6 +5583,2244 @@
         </p:spPr>
       </p:pic>
     </p:spTree>
+    <p:extLst>
+      <p:ext uri="{BB962C8B-B14F-4D97-AF65-F5344CB8AC3E}">
+        <p14:creationId xmlns:p14="http://schemas.microsoft.com/office/powerpoint/2010/main" val="1799442586"/>
+      </p:ext>
+    </p:extLst>
+  </p:cSld>
+  <p:clrMapOvr>
+    <a:masterClrMapping/>
+  </p:clrMapOvr>
+</p:sld>
+</file>
+
+<file path=ppt/slides/slide12.xml><?xml version="1.0" encoding="utf-8"?>
+<p:sld xmlns:a="http://schemas.openxmlformats.org/drawingml/2006/main" xmlns:r="http://schemas.openxmlformats.org/officeDocument/2006/relationships" xmlns:p="http://schemas.openxmlformats.org/presentationml/2006/main">
+  <p:cSld>
+    <p:bg>
+      <p:bgPr>
+        <a:solidFill>
+          <a:schemeClr val="bg1"/>
+        </a:solidFill>
+        <a:effectLst/>
+      </p:bgPr>
+    </p:bg>
+    <p:spTree>
+      <p:nvGrpSpPr>
+        <p:cNvPr id="1" name="">
+          <a:extLst>
+            <a:ext uri="{FF2B5EF4-FFF2-40B4-BE49-F238E27FC236}">
+              <a16:creationId xmlns:a16="http://schemas.microsoft.com/office/drawing/2014/main" id="{AEF4D665-45F5-7191-BBBB-0BF4577D5383}"/>
+            </a:ext>
+          </a:extLst>
+        </p:cNvPr>
+        <p:cNvGrpSpPr/>
+        <p:nvPr/>
+      </p:nvGrpSpPr>
+      <p:grpSpPr>
+        <a:xfrm>
+          <a:off x="0" y="0"/>
+          <a:ext cx="0" cy="0"/>
+          <a:chOff x="0" y="0"/>
+          <a:chExt cx="0" cy="0"/>
+        </a:xfrm>
+      </p:grpSpPr>
+      <p:sp>
+        <p:nvSpPr>
+          <p:cNvPr id="20" name="Rectangle 19">
+            <a:extLst>
+              <a:ext uri="{FF2B5EF4-FFF2-40B4-BE49-F238E27FC236}">
+                <a16:creationId xmlns:a16="http://schemas.microsoft.com/office/drawing/2014/main" id="{12672A51-EAD9-89E4-1B4A-1D01C37ACDA4}"/>
+              </a:ext>
+              <a:ext uri="{C183D7F6-B498-43B3-948B-1728B52AA6E4}">
+                <adec:decorative xmlns:adec="http://schemas.microsoft.com/office/drawing/2017/decorative" val="1"/>
+              </a:ext>
+            </a:extLst>
+          </p:cNvPr>
+          <p:cNvSpPr>
+            <a:spLocks noGrp="1" noRot="1" noChangeAspect="1" noMove="1" noResize="1" noEditPoints="1" noAdjustHandles="1" noChangeArrowheads="1" noChangeShapeType="1" noTextEdit="1"/>
+          </p:cNvSpPr>
+          <p:nvPr>
+            <p:extLst>
+              <p:ext uri="{386F3935-93C4-4BCD-93E2-E3B085C9AB24}">
+                <p16:designElem xmlns:p16="http://schemas.microsoft.com/office/powerpoint/2015/main" val="1"/>
+              </p:ext>
+            </p:extLst>
+          </p:nvPr>
+        </p:nvSpPr>
+        <p:spPr>
+          <a:xfrm>
+            <a:off x="7" y="0"/>
+            <a:ext cx="4562585" cy="6858001"/>
+          </a:xfrm>
+          <a:prstGeom prst="rect">
+            <a:avLst/>
+          </a:prstGeom>
+          <a:solidFill>
+            <a:schemeClr val="tx1">
+              <a:lumMod val="85000"/>
+              <a:lumOff val="15000"/>
+            </a:schemeClr>
+          </a:solidFill>
+          <a:ln>
+            <a:noFill/>
+          </a:ln>
+        </p:spPr>
+        <p:style>
+          <a:lnRef idx="2">
+            <a:schemeClr val="accent1">
+              <a:shade val="50000"/>
+            </a:schemeClr>
+          </a:lnRef>
+          <a:fillRef idx="1">
+            <a:schemeClr val="accent1"/>
+          </a:fillRef>
+          <a:effectRef idx="0">
+            <a:schemeClr val="accent1"/>
+          </a:effectRef>
+          <a:fontRef idx="minor">
+            <a:schemeClr val="lt1"/>
+          </a:fontRef>
+        </p:style>
+        <p:txBody>
+          <a:bodyPr rtlCol="0" anchor="ctr"/>
+          <a:lstStyle/>
+          <a:p>
+            <a:pPr algn="ctr"/>
+            <a:endParaRPr lang="en-US"/>
+          </a:p>
+        </p:txBody>
+      </p:sp>
+      <p:sp>
+        <p:nvSpPr>
+          <p:cNvPr id="2" name="Title 1">
+            <a:extLst>
+              <a:ext uri="{FF2B5EF4-FFF2-40B4-BE49-F238E27FC236}">
+                <a16:creationId xmlns:a16="http://schemas.microsoft.com/office/drawing/2014/main" id="{E19D3E44-C04A-A113-7AF0-5BB7DBBC316A}"/>
+              </a:ext>
+            </a:extLst>
+          </p:cNvPr>
+          <p:cNvSpPr>
+            <a:spLocks noGrp="1"/>
+          </p:cNvSpPr>
+          <p:nvPr>
+            <p:ph type="title"/>
+          </p:nvPr>
+        </p:nvSpPr>
+        <p:spPr>
+          <a:xfrm>
+            <a:off x="674642" y="5729929"/>
+            <a:ext cx="3213313" cy="321736"/>
+          </a:xfrm>
+        </p:spPr>
+        <p:txBody>
+          <a:bodyPr vert="horz" lIns="91440" tIns="45720" rIns="91440" bIns="45720" rtlCol="0" anchor="b">
+            <a:noAutofit/>
+          </a:bodyPr>
+          <a:lstStyle/>
+          <a:p>
+            <a:pPr defTabSz="914400"/>
+            <a:r>
+              <a:rPr lang="en-US" dirty="0">
+                <a:solidFill>
+                  <a:schemeClr val="bg1"/>
+                </a:solidFill>
+              </a:rPr>
+              <a:t>UI Flowchart</a:t>
+            </a:r>
+          </a:p>
+        </p:txBody>
+      </p:sp>
+      <p:sp>
+        <p:nvSpPr>
+          <p:cNvPr id="22" name="Rectangle 21">
+            <a:extLst>
+              <a:ext uri="{FF2B5EF4-FFF2-40B4-BE49-F238E27FC236}">
+                <a16:creationId xmlns:a16="http://schemas.microsoft.com/office/drawing/2014/main" id="{80648A37-B82F-7756-3A03-AA9C060E9ED5}"/>
+              </a:ext>
+              <a:ext uri="{C183D7F6-B498-43B3-948B-1728B52AA6E4}">
+                <adec:decorative xmlns:adec="http://schemas.microsoft.com/office/drawing/2017/decorative" val="1"/>
+              </a:ext>
+            </a:extLst>
+          </p:cNvPr>
+          <p:cNvSpPr>
+            <a:spLocks noGrp="1" noRot="1" noChangeAspect="1" noMove="1" noResize="1" noEditPoints="1" noAdjustHandles="1" noChangeArrowheads="1" noChangeShapeType="1" noTextEdit="1"/>
+          </p:cNvSpPr>
+          <p:nvPr>
+            <p:extLst>
+              <p:ext uri="{386F3935-93C4-4BCD-93E2-E3B085C9AB24}">
+                <p16:designElem xmlns:p16="http://schemas.microsoft.com/office/powerpoint/2015/main" val="1"/>
+              </p:ext>
+            </p:extLst>
+          </p:nvPr>
+        </p:nvSpPr>
+        <p:spPr>
+          <a:xfrm>
+            <a:off x="4572000" y="0"/>
+            <a:ext cx="4571992" cy="6858001"/>
+          </a:xfrm>
+          <a:prstGeom prst="rect">
+            <a:avLst/>
+          </a:prstGeom>
+          <a:solidFill>
+            <a:schemeClr val="bg1">
+              <a:lumMod val="95000"/>
+            </a:schemeClr>
+          </a:solidFill>
+          <a:ln>
+            <a:noFill/>
+          </a:ln>
+        </p:spPr>
+        <p:style>
+          <a:lnRef idx="2">
+            <a:schemeClr val="accent1">
+              <a:shade val="50000"/>
+            </a:schemeClr>
+          </a:lnRef>
+          <a:fillRef idx="1">
+            <a:schemeClr val="accent1"/>
+          </a:fillRef>
+          <a:effectRef idx="0">
+            <a:schemeClr val="accent1"/>
+          </a:effectRef>
+          <a:fontRef idx="minor">
+            <a:schemeClr val="lt1"/>
+          </a:fontRef>
+        </p:style>
+        <p:txBody>
+          <a:bodyPr rtlCol="0" anchor="ctr"/>
+          <a:lstStyle/>
+          <a:p>
+            <a:pPr algn="ctr"/>
+            <a:endParaRPr lang="en-US"/>
+          </a:p>
+        </p:txBody>
+      </p:sp>
+      <p:pic>
+        <p:nvPicPr>
+          <p:cNvPr id="4" name="Picture 3" descr="A diagram of a catwalk&#10;&#10;AI-generated content may be incorrect.">
+            <a:extLst>
+              <a:ext uri="{FF2B5EF4-FFF2-40B4-BE49-F238E27FC236}">
+                <a16:creationId xmlns:a16="http://schemas.microsoft.com/office/drawing/2014/main" id="{0CF509E6-9054-C91D-E8D1-D0447DBAC691}"/>
+              </a:ext>
+            </a:extLst>
+          </p:cNvPr>
+          <p:cNvPicPr>
+            <a:picLocks noChangeAspect="1"/>
+          </p:cNvPicPr>
+          <p:nvPr/>
+        </p:nvPicPr>
+        <p:blipFill>
+          <a:blip r:embed="rId2"/>
+          <a:stretch>
+            <a:fillRect/>
+          </a:stretch>
+        </p:blipFill>
+        <p:spPr>
+          <a:xfrm>
+            <a:off x="1183342" y="432268"/>
+            <a:ext cx="7100047" cy="4865394"/>
+          </a:xfrm>
+          <a:prstGeom prst="rect">
+            <a:avLst/>
+          </a:prstGeom>
+        </p:spPr>
+      </p:pic>
+    </p:spTree>
+    <p:extLst>
+      <p:ext uri="{BB962C8B-B14F-4D97-AF65-F5344CB8AC3E}">
+        <p14:creationId xmlns:p14="http://schemas.microsoft.com/office/powerpoint/2010/main" val="69829307"/>
+      </p:ext>
+    </p:extLst>
+  </p:cSld>
+  <p:clrMapOvr>
+    <a:masterClrMapping/>
+  </p:clrMapOvr>
+</p:sld>
+</file>
+
+<file path=ppt/slides/slide13.xml><?xml version="1.0" encoding="utf-8"?>
+<p:sld xmlns:a="http://schemas.openxmlformats.org/drawingml/2006/main" xmlns:r="http://schemas.openxmlformats.org/officeDocument/2006/relationships" xmlns:p="http://schemas.openxmlformats.org/presentationml/2006/main">
+  <p:cSld>
+    <p:bg>
+      <p:bgPr>
+        <a:solidFill>
+          <a:schemeClr val="bg1"/>
+        </a:solidFill>
+        <a:effectLst/>
+      </p:bgPr>
+    </p:bg>
+    <p:spTree>
+      <p:nvGrpSpPr>
+        <p:cNvPr id="1" name="">
+          <a:extLst>
+            <a:ext uri="{FF2B5EF4-FFF2-40B4-BE49-F238E27FC236}">
+              <a16:creationId xmlns:a16="http://schemas.microsoft.com/office/drawing/2014/main" id="{0137CDEF-0542-92AD-F073-2709D7EF152B}"/>
+            </a:ext>
+          </a:extLst>
+        </p:cNvPr>
+        <p:cNvGrpSpPr/>
+        <p:nvPr/>
+      </p:nvGrpSpPr>
+      <p:grpSpPr>
+        <a:xfrm>
+          <a:off x="0" y="0"/>
+          <a:ext cx="0" cy="0"/>
+          <a:chOff x="0" y="0"/>
+          <a:chExt cx="0" cy="0"/>
+        </a:xfrm>
+      </p:grpSpPr>
+      <p:sp>
+        <p:nvSpPr>
+          <p:cNvPr id="20" name="Rectangle 19">
+            <a:extLst>
+              <a:ext uri="{FF2B5EF4-FFF2-40B4-BE49-F238E27FC236}">
+                <a16:creationId xmlns:a16="http://schemas.microsoft.com/office/drawing/2014/main" id="{4A8BD25D-7F94-D7DB-70CB-76424CED6DDF}"/>
+              </a:ext>
+              <a:ext uri="{C183D7F6-B498-43B3-948B-1728B52AA6E4}">
+                <adec:decorative xmlns:adec="http://schemas.microsoft.com/office/drawing/2017/decorative" val="1"/>
+              </a:ext>
+            </a:extLst>
+          </p:cNvPr>
+          <p:cNvSpPr>
+            <a:spLocks noGrp="1" noRot="1" noChangeAspect="1" noMove="1" noResize="1" noEditPoints="1" noAdjustHandles="1" noChangeArrowheads="1" noChangeShapeType="1" noTextEdit="1"/>
+          </p:cNvSpPr>
+          <p:nvPr>
+            <p:extLst>
+              <p:ext uri="{386F3935-93C4-4BCD-93E2-E3B085C9AB24}">
+                <p16:designElem xmlns:p16="http://schemas.microsoft.com/office/powerpoint/2015/main" val="1"/>
+              </p:ext>
+            </p:extLst>
+          </p:nvPr>
+        </p:nvSpPr>
+        <p:spPr>
+          <a:xfrm>
+            <a:off x="7" y="0"/>
+            <a:ext cx="4562585" cy="6858001"/>
+          </a:xfrm>
+          <a:prstGeom prst="rect">
+            <a:avLst/>
+          </a:prstGeom>
+          <a:solidFill>
+            <a:schemeClr val="tx1">
+              <a:lumMod val="85000"/>
+              <a:lumOff val="15000"/>
+            </a:schemeClr>
+          </a:solidFill>
+          <a:ln>
+            <a:noFill/>
+          </a:ln>
+        </p:spPr>
+        <p:style>
+          <a:lnRef idx="2">
+            <a:schemeClr val="accent1">
+              <a:shade val="50000"/>
+            </a:schemeClr>
+          </a:lnRef>
+          <a:fillRef idx="1">
+            <a:schemeClr val="accent1"/>
+          </a:fillRef>
+          <a:effectRef idx="0">
+            <a:schemeClr val="accent1"/>
+          </a:effectRef>
+          <a:fontRef idx="minor">
+            <a:schemeClr val="lt1"/>
+          </a:fontRef>
+        </p:style>
+        <p:txBody>
+          <a:bodyPr rtlCol="0" anchor="ctr"/>
+          <a:lstStyle/>
+          <a:p>
+            <a:pPr algn="ctr"/>
+            <a:endParaRPr lang="en-US"/>
+          </a:p>
+        </p:txBody>
+      </p:sp>
+      <p:sp>
+        <p:nvSpPr>
+          <p:cNvPr id="2" name="Title 1">
+            <a:extLst>
+              <a:ext uri="{FF2B5EF4-FFF2-40B4-BE49-F238E27FC236}">
+                <a16:creationId xmlns:a16="http://schemas.microsoft.com/office/drawing/2014/main" id="{9E06B166-6F0C-9356-B71C-5231D8B2B8F7}"/>
+              </a:ext>
+            </a:extLst>
+          </p:cNvPr>
+          <p:cNvSpPr>
+            <a:spLocks noGrp="1"/>
+          </p:cNvSpPr>
+          <p:nvPr>
+            <p:ph type="title"/>
+          </p:nvPr>
+        </p:nvSpPr>
+        <p:spPr>
+          <a:xfrm>
+            <a:off x="674642" y="5729929"/>
+            <a:ext cx="3213313" cy="321736"/>
+          </a:xfrm>
+        </p:spPr>
+        <p:txBody>
+          <a:bodyPr vert="horz" lIns="91440" tIns="45720" rIns="91440" bIns="45720" rtlCol="0" anchor="b">
+            <a:noAutofit/>
+          </a:bodyPr>
+          <a:lstStyle/>
+          <a:p>
+            <a:pPr defTabSz="914400"/>
+            <a:r>
+              <a:rPr lang="en-US" dirty="0">
+                <a:solidFill>
+                  <a:schemeClr val="bg1"/>
+                </a:solidFill>
+              </a:rPr>
+              <a:t>UI Flowchart</a:t>
+            </a:r>
+          </a:p>
+        </p:txBody>
+      </p:sp>
+      <p:sp>
+        <p:nvSpPr>
+          <p:cNvPr id="22" name="Rectangle 21">
+            <a:extLst>
+              <a:ext uri="{FF2B5EF4-FFF2-40B4-BE49-F238E27FC236}">
+                <a16:creationId xmlns:a16="http://schemas.microsoft.com/office/drawing/2014/main" id="{A89BC225-DA37-CB9A-4B36-06B9ED91C442}"/>
+              </a:ext>
+              <a:ext uri="{C183D7F6-B498-43B3-948B-1728B52AA6E4}">
+                <adec:decorative xmlns:adec="http://schemas.microsoft.com/office/drawing/2017/decorative" val="1"/>
+              </a:ext>
+            </a:extLst>
+          </p:cNvPr>
+          <p:cNvSpPr>
+            <a:spLocks noGrp="1" noRot="1" noChangeAspect="1" noMove="1" noResize="1" noEditPoints="1" noAdjustHandles="1" noChangeArrowheads="1" noChangeShapeType="1" noTextEdit="1"/>
+          </p:cNvSpPr>
+          <p:nvPr>
+            <p:extLst>
+              <p:ext uri="{386F3935-93C4-4BCD-93E2-E3B085C9AB24}">
+                <p16:designElem xmlns:p16="http://schemas.microsoft.com/office/powerpoint/2015/main" val="1"/>
+              </p:ext>
+            </p:extLst>
+          </p:nvPr>
+        </p:nvSpPr>
+        <p:spPr>
+          <a:xfrm>
+            <a:off x="4572000" y="0"/>
+            <a:ext cx="4571992" cy="6858001"/>
+          </a:xfrm>
+          <a:prstGeom prst="rect">
+            <a:avLst/>
+          </a:prstGeom>
+          <a:solidFill>
+            <a:schemeClr val="bg1">
+              <a:lumMod val="95000"/>
+            </a:schemeClr>
+          </a:solidFill>
+          <a:ln>
+            <a:noFill/>
+          </a:ln>
+        </p:spPr>
+        <p:style>
+          <a:lnRef idx="2">
+            <a:schemeClr val="accent1">
+              <a:shade val="50000"/>
+            </a:schemeClr>
+          </a:lnRef>
+          <a:fillRef idx="1">
+            <a:schemeClr val="accent1"/>
+          </a:fillRef>
+          <a:effectRef idx="0">
+            <a:schemeClr val="accent1"/>
+          </a:effectRef>
+          <a:fontRef idx="minor">
+            <a:schemeClr val="lt1"/>
+          </a:fontRef>
+        </p:style>
+        <p:txBody>
+          <a:bodyPr rtlCol="0" anchor="ctr"/>
+          <a:lstStyle/>
+          <a:p>
+            <a:pPr algn="ctr"/>
+            <a:endParaRPr lang="en-US"/>
+          </a:p>
+        </p:txBody>
+      </p:sp>
+      <p:pic>
+        <p:nvPicPr>
+          <p:cNvPr id="6" name="Picture 5" descr="A diagram of a flowchart&#10;&#10;AI-generated content may be incorrect.">
+            <a:extLst>
+              <a:ext uri="{FF2B5EF4-FFF2-40B4-BE49-F238E27FC236}">
+                <a16:creationId xmlns:a16="http://schemas.microsoft.com/office/drawing/2014/main" id="{E3C3E3E4-3CD8-1177-BA3E-424A5CD1AC9A}"/>
+              </a:ext>
+            </a:extLst>
+          </p:cNvPr>
+          <p:cNvPicPr>
+            <a:picLocks noChangeAspect="1"/>
+          </p:cNvPicPr>
+          <p:nvPr/>
+        </p:nvPicPr>
+        <p:blipFill>
+          <a:blip r:embed="rId2"/>
+          <a:stretch>
+            <a:fillRect/>
+          </a:stretch>
+        </p:blipFill>
+        <p:spPr>
+          <a:xfrm>
+            <a:off x="1083448" y="542946"/>
+            <a:ext cx="7430461" cy="4644038"/>
+          </a:xfrm>
+          <a:prstGeom prst="rect">
+            <a:avLst/>
+          </a:prstGeom>
+        </p:spPr>
+      </p:pic>
+    </p:spTree>
+    <p:extLst>
+      <p:ext uri="{BB962C8B-B14F-4D97-AF65-F5344CB8AC3E}">
+        <p14:creationId xmlns:p14="http://schemas.microsoft.com/office/powerpoint/2010/main" val="2101112917"/>
+      </p:ext>
+    </p:extLst>
+  </p:cSld>
+  <p:clrMapOvr>
+    <a:masterClrMapping/>
+  </p:clrMapOvr>
+</p:sld>
+</file>
+
+<file path=ppt/slides/slide14.xml><?xml version="1.0" encoding="utf-8"?>
+<p:sld xmlns:a="http://schemas.openxmlformats.org/drawingml/2006/main" xmlns:r="http://schemas.openxmlformats.org/officeDocument/2006/relationships" xmlns:p="http://schemas.openxmlformats.org/presentationml/2006/main">
+  <p:cSld>
+    <p:bg>
+      <p:bgPr>
+        <a:solidFill>
+          <a:schemeClr val="bg1"/>
+        </a:solidFill>
+        <a:effectLst/>
+      </p:bgPr>
+    </p:bg>
+    <p:spTree>
+      <p:nvGrpSpPr>
+        <p:cNvPr id="1" name="">
+          <a:extLst>
+            <a:ext uri="{FF2B5EF4-FFF2-40B4-BE49-F238E27FC236}">
+              <a16:creationId xmlns:a16="http://schemas.microsoft.com/office/drawing/2014/main" id="{DBB29A11-D094-53F7-0CFE-589E63F13EC6}"/>
+            </a:ext>
+          </a:extLst>
+        </p:cNvPr>
+        <p:cNvGrpSpPr/>
+        <p:nvPr/>
+      </p:nvGrpSpPr>
+      <p:grpSpPr>
+        <a:xfrm>
+          <a:off x="0" y="0"/>
+          <a:ext cx="0" cy="0"/>
+          <a:chOff x="0" y="0"/>
+          <a:chExt cx="0" cy="0"/>
+        </a:xfrm>
+      </p:grpSpPr>
+      <p:sp>
+        <p:nvSpPr>
+          <p:cNvPr id="20" name="Rectangle 19">
+            <a:extLst>
+              <a:ext uri="{FF2B5EF4-FFF2-40B4-BE49-F238E27FC236}">
+                <a16:creationId xmlns:a16="http://schemas.microsoft.com/office/drawing/2014/main" id="{AA88EDAF-79FA-28C9-3A83-639341666893}"/>
+              </a:ext>
+              <a:ext uri="{C183D7F6-B498-43B3-948B-1728B52AA6E4}">
+                <adec:decorative xmlns:adec="http://schemas.microsoft.com/office/drawing/2017/decorative" val="1"/>
+              </a:ext>
+            </a:extLst>
+          </p:cNvPr>
+          <p:cNvSpPr>
+            <a:spLocks noGrp="1" noRot="1" noChangeAspect="1" noMove="1" noResize="1" noEditPoints="1" noAdjustHandles="1" noChangeArrowheads="1" noChangeShapeType="1" noTextEdit="1"/>
+          </p:cNvSpPr>
+          <p:nvPr>
+            <p:extLst>
+              <p:ext uri="{386F3935-93C4-4BCD-93E2-E3B085C9AB24}">
+                <p16:designElem xmlns:p16="http://schemas.microsoft.com/office/powerpoint/2015/main" val="1"/>
+              </p:ext>
+            </p:extLst>
+          </p:nvPr>
+        </p:nvSpPr>
+        <p:spPr>
+          <a:xfrm>
+            <a:off x="7" y="0"/>
+            <a:ext cx="4562585" cy="6858001"/>
+          </a:xfrm>
+          <a:prstGeom prst="rect">
+            <a:avLst/>
+          </a:prstGeom>
+          <a:solidFill>
+            <a:schemeClr val="tx1">
+              <a:lumMod val="85000"/>
+              <a:lumOff val="15000"/>
+            </a:schemeClr>
+          </a:solidFill>
+          <a:ln>
+            <a:noFill/>
+          </a:ln>
+        </p:spPr>
+        <p:style>
+          <a:lnRef idx="2">
+            <a:schemeClr val="accent1">
+              <a:shade val="50000"/>
+            </a:schemeClr>
+          </a:lnRef>
+          <a:fillRef idx="1">
+            <a:schemeClr val="accent1"/>
+          </a:fillRef>
+          <a:effectRef idx="0">
+            <a:schemeClr val="accent1"/>
+          </a:effectRef>
+          <a:fontRef idx="minor">
+            <a:schemeClr val="lt1"/>
+          </a:fontRef>
+        </p:style>
+        <p:txBody>
+          <a:bodyPr rtlCol="0" anchor="ctr"/>
+          <a:lstStyle/>
+          <a:p>
+            <a:pPr algn="ctr"/>
+            <a:endParaRPr lang="en-US"/>
+          </a:p>
+        </p:txBody>
+      </p:sp>
+      <p:sp>
+        <p:nvSpPr>
+          <p:cNvPr id="2" name="Title 1">
+            <a:extLst>
+              <a:ext uri="{FF2B5EF4-FFF2-40B4-BE49-F238E27FC236}">
+                <a16:creationId xmlns:a16="http://schemas.microsoft.com/office/drawing/2014/main" id="{D126A796-52C0-74DB-E6A4-8C9FCD13CE77}"/>
+              </a:ext>
+            </a:extLst>
+          </p:cNvPr>
+          <p:cNvSpPr>
+            <a:spLocks noGrp="1"/>
+          </p:cNvSpPr>
+          <p:nvPr>
+            <p:ph type="title"/>
+          </p:nvPr>
+        </p:nvSpPr>
+        <p:spPr>
+          <a:xfrm>
+            <a:off x="674642" y="5729929"/>
+            <a:ext cx="3213313" cy="321736"/>
+          </a:xfrm>
+        </p:spPr>
+        <p:txBody>
+          <a:bodyPr vert="horz" lIns="91440" tIns="45720" rIns="91440" bIns="45720" rtlCol="0" anchor="b">
+            <a:noAutofit/>
+          </a:bodyPr>
+          <a:lstStyle/>
+          <a:p>
+            <a:pPr defTabSz="914400"/>
+            <a:r>
+              <a:rPr lang="en-US" dirty="0">
+                <a:solidFill>
+                  <a:schemeClr val="bg1"/>
+                </a:solidFill>
+              </a:rPr>
+              <a:t>UI Flowchart</a:t>
+            </a:r>
+          </a:p>
+        </p:txBody>
+      </p:sp>
+      <p:sp>
+        <p:nvSpPr>
+          <p:cNvPr id="22" name="Rectangle 21">
+            <a:extLst>
+              <a:ext uri="{FF2B5EF4-FFF2-40B4-BE49-F238E27FC236}">
+                <a16:creationId xmlns:a16="http://schemas.microsoft.com/office/drawing/2014/main" id="{6D9C9653-2F5D-591E-5672-A4137F8C661B}"/>
+              </a:ext>
+              <a:ext uri="{C183D7F6-B498-43B3-948B-1728B52AA6E4}">
+                <adec:decorative xmlns:adec="http://schemas.microsoft.com/office/drawing/2017/decorative" val="1"/>
+              </a:ext>
+            </a:extLst>
+          </p:cNvPr>
+          <p:cNvSpPr>
+            <a:spLocks noGrp="1" noRot="1" noChangeAspect="1" noMove="1" noResize="1" noEditPoints="1" noAdjustHandles="1" noChangeArrowheads="1" noChangeShapeType="1" noTextEdit="1"/>
+          </p:cNvSpPr>
+          <p:nvPr>
+            <p:extLst>
+              <p:ext uri="{386F3935-93C4-4BCD-93E2-E3B085C9AB24}">
+                <p16:designElem xmlns:p16="http://schemas.microsoft.com/office/powerpoint/2015/main" val="1"/>
+              </p:ext>
+            </p:extLst>
+          </p:nvPr>
+        </p:nvSpPr>
+        <p:spPr>
+          <a:xfrm>
+            <a:off x="4572000" y="0"/>
+            <a:ext cx="4571992" cy="6858001"/>
+          </a:xfrm>
+          <a:prstGeom prst="rect">
+            <a:avLst/>
+          </a:prstGeom>
+          <a:solidFill>
+            <a:schemeClr val="bg1">
+              <a:lumMod val="95000"/>
+            </a:schemeClr>
+          </a:solidFill>
+          <a:ln>
+            <a:noFill/>
+          </a:ln>
+        </p:spPr>
+        <p:style>
+          <a:lnRef idx="2">
+            <a:schemeClr val="accent1">
+              <a:shade val="50000"/>
+            </a:schemeClr>
+          </a:lnRef>
+          <a:fillRef idx="1">
+            <a:schemeClr val="accent1"/>
+          </a:fillRef>
+          <a:effectRef idx="0">
+            <a:schemeClr val="accent1"/>
+          </a:effectRef>
+          <a:fontRef idx="minor">
+            <a:schemeClr val="lt1"/>
+          </a:fontRef>
+        </p:style>
+        <p:txBody>
+          <a:bodyPr rtlCol="0" anchor="ctr"/>
+          <a:lstStyle/>
+          <a:p>
+            <a:pPr algn="ctr"/>
+            <a:endParaRPr lang="en-US"/>
+          </a:p>
+        </p:txBody>
+      </p:sp>
+      <p:pic>
+        <p:nvPicPr>
+          <p:cNvPr id="5" name="Picture 4" descr="A diagram of tax contours&#10;&#10;AI-generated content may be incorrect.">
+            <a:extLst>
+              <a:ext uri="{FF2B5EF4-FFF2-40B4-BE49-F238E27FC236}">
+                <a16:creationId xmlns:a16="http://schemas.microsoft.com/office/drawing/2014/main" id="{8EA11EDB-B110-146A-71C1-9DADC96D6937}"/>
+              </a:ext>
+            </a:extLst>
+          </p:cNvPr>
+          <p:cNvPicPr>
+            <a:picLocks noChangeAspect="1"/>
+          </p:cNvPicPr>
+          <p:nvPr/>
+        </p:nvPicPr>
+        <p:blipFill>
+          <a:blip r:embed="rId2"/>
+          <a:stretch>
+            <a:fillRect/>
+          </a:stretch>
+        </p:blipFill>
+        <p:spPr>
+          <a:xfrm>
+            <a:off x="962622" y="315045"/>
+            <a:ext cx="7199939" cy="4940834"/>
+          </a:xfrm>
+          <a:prstGeom prst="rect">
+            <a:avLst/>
+          </a:prstGeom>
+        </p:spPr>
+      </p:pic>
+    </p:spTree>
+    <p:extLst>
+      <p:ext uri="{BB962C8B-B14F-4D97-AF65-F5344CB8AC3E}">
+        <p14:creationId xmlns:p14="http://schemas.microsoft.com/office/powerpoint/2010/main" val="2422579617"/>
+      </p:ext>
+    </p:extLst>
+  </p:cSld>
+  <p:clrMapOvr>
+    <a:masterClrMapping/>
+  </p:clrMapOvr>
+</p:sld>
+</file>
+
+<file path=ppt/slides/slide15.xml><?xml version="1.0" encoding="utf-8"?>
+<p:sld xmlns:a="http://schemas.openxmlformats.org/drawingml/2006/main" xmlns:r="http://schemas.openxmlformats.org/officeDocument/2006/relationships" xmlns:p="http://schemas.openxmlformats.org/presentationml/2006/main">
+  <p:cSld>
+    <p:bg>
+      <p:bgPr>
+        <a:solidFill>
+          <a:schemeClr val="bg1"/>
+        </a:solidFill>
+        <a:effectLst/>
+      </p:bgPr>
+    </p:bg>
+    <p:spTree>
+      <p:nvGrpSpPr>
+        <p:cNvPr id="1" name=""/>
+        <p:cNvGrpSpPr/>
+        <p:nvPr/>
+      </p:nvGrpSpPr>
+      <p:grpSpPr>
+        <a:xfrm>
+          <a:off x="0" y="0"/>
+          <a:ext cx="0" cy="0"/>
+          <a:chOff x="0" y="0"/>
+          <a:chExt cx="0" cy="0"/>
+        </a:xfrm>
+      </p:grpSpPr>
+      <p:sp>
+        <p:nvSpPr>
+          <p:cNvPr id="16" name="Rectangle 15">
+            <a:extLst>
+              <a:ext uri="{FF2B5EF4-FFF2-40B4-BE49-F238E27FC236}">
+                <a16:creationId xmlns:a16="http://schemas.microsoft.com/office/drawing/2014/main" id="{C3896A03-3945-419A-B66B-4EE266EDD152}"/>
+              </a:ext>
+              <a:ext uri="{C183D7F6-B498-43B3-948B-1728B52AA6E4}">
+                <adec:decorative xmlns:adec="http://schemas.microsoft.com/office/drawing/2017/decorative" val="1"/>
+              </a:ext>
+            </a:extLst>
+          </p:cNvPr>
+          <p:cNvSpPr>
+            <a:spLocks noGrp="1" noRot="1" noChangeAspect="1" noMove="1" noResize="1" noEditPoints="1" noAdjustHandles="1" noChangeArrowheads="1" noChangeShapeType="1" noTextEdit="1"/>
+          </p:cNvSpPr>
+          <p:nvPr>
+            <p:extLst>
+              <p:ext uri="{386F3935-93C4-4BCD-93E2-E3B085C9AB24}">
+                <p16:designElem xmlns:p16="http://schemas.microsoft.com/office/powerpoint/2015/main" val="1"/>
+              </p:ext>
+            </p:extLst>
+          </p:nvPr>
+        </p:nvSpPr>
+        <p:spPr>
+          <a:xfrm>
+            <a:off x="6" y="0"/>
+            <a:ext cx="5650966" cy="6858001"/>
+          </a:xfrm>
+          <a:prstGeom prst="rect">
+            <a:avLst/>
+          </a:prstGeom>
+          <a:solidFill>
+            <a:schemeClr val="tx1">
+              <a:lumMod val="85000"/>
+              <a:lumOff val="15000"/>
+            </a:schemeClr>
+          </a:solidFill>
+          <a:ln>
+            <a:noFill/>
+          </a:ln>
+        </p:spPr>
+        <p:style>
+          <a:lnRef idx="2">
+            <a:schemeClr val="accent1">
+              <a:shade val="50000"/>
+            </a:schemeClr>
+          </a:lnRef>
+          <a:fillRef idx="1">
+            <a:schemeClr val="accent1"/>
+          </a:fillRef>
+          <a:effectRef idx="0">
+            <a:schemeClr val="accent1"/>
+          </a:effectRef>
+          <a:fontRef idx="minor">
+            <a:schemeClr val="lt1"/>
+          </a:fontRef>
+        </p:style>
+        <p:txBody>
+          <a:bodyPr rtlCol="0" anchor="ctr"/>
+          <a:lstStyle/>
+          <a:p>
+            <a:pPr algn="ctr"/>
+            <a:endParaRPr lang="en-US"/>
+          </a:p>
+        </p:txBody>
+      </p:sp>
+      <p:sp>
+        <p:nvSpPr>
+          <p:cNvPr id="18" name="Rectangle 17">
+            <a:extLst>
+              <a:ext uri="{FF2B5EF4-FFF2-40B4-BE49-F238E27FC236}">
+                <a16:creationId xmlns:a16="http://schemas.microsoft.com/office/drawing/2014/main" id="{B34F5AD2-EDBD-4BBD-A55C-EAFFD0C7097A}"/>
+              </a:ext>
+              <a:ext uri="{C183D7F6-B498-43B3-948B-1728B52AA6E4}">
+                <adec:decorative xmlns:adec="http://schemas.microsoft.com/office/drawing/2017/decorative" val="1"/>
+              </a:ext>
+            </a:extLst>
+          </p:cNvPr>
+          <p:cNvSpPr>
+            <a:spLocks noGrp="1" noRot="1" noChangeAspect="1" noMove="1" noResize="1" noEditPoints="1" noAdjustHandles="1" noChangeArrowheads="1" noChangeShapeType="1" noTextEdit="1"/>
+          </p:cNvSpPr>
+          <p:nvPr>
+            <p:extLst>
+              <p:ext uri="{386F3935-93C4-4BCD-93E2-E3B085C9AB24}">
+                <p16:designElem xmlns:p16="http://schemas.microsoft.com/office/powerpoint/2015/main" val="1"/>
+              </p:ext>
+            </p:extLst>
+          </p:nvPr>
+        </p:nvSpPr>
+        <p:spPr>
+          <a:xfrm>
+            <a:off x="5650972" y="0"/>
+            <a:ext cx="3493020" cy="6858001"/>
+          </a:xfrm>
+          <a:prstGeom prst="rect">
+            <a:avLst/>
+          </a:prstGeom>
+          <a:solidFill>
+            <a:schemeClr val="bg1">
+              <a:lumMod val="95000"/>
+            </a:schemeClr>
+          </a:solidFill>
+          <a:ln>
+            <a:noFill/>
+          </a:ln>
+        </p:spPr>
+        <p:style>
+          <a:lnRef idx="2">
+            <a:schemeClr val="accent1">
+              <a:shade val="50000"/>
+            </a:schemeClr>
+          </a:lnRef>
+          <a:fillRef idx="1">
+            <a:schemeClr val="accent1"/>
+          </a:fillRef>
+          <a:effectRef idx="0">
+            <a:schemeClr val="accent1"/>
+          </a:effectRef>
+          <a:fontRef idx="minor">
+            <a:schemeClr val="lt1"/>
+          </a:fontRef>
+        </p:style>
+        <p:txBody>
+          <a:bodyPr rtlCol="0" anchor="ctr"/>
+          <a:lstStyle/>
+          <a:p>
+            <a:pPr algn="ctr"/>
+            <a:endParaRPr lang="en-US"/>
+          </a:p>
+        </p:txBody>
+      </p:sp>
+      <p:sp>
+        <p:nvSpPr>
+          <p:cNvPr id="2" name="Title 1"/>
+          <p:cNvSpPr>
+            <a:spLocks noGrp="1"/>
+          </p:cNvSpPr>
+          <p:nvPr>
+            <p:ph type="title"/>
+          </p:nvPr>
+        </p:nvSpPr>
+        <p:spPr>
+          <a:xfrm>
+            <a:off x="6096742" y="637763"/>
+            <a:ext cx="2187269" cy="1415666"/>
+          </a:xfrm>
+        </p:spPr>
+        <p:txBody>
+          <a:bodyPr anchor="t">
+            <a:normAutofit/>
+          </a:bodyPr>
+          <a:lstStyle/>
+          <a:p>
+            <a:r>
+              <a:rPr lang="en-IN" altLang="en-US" dirty="0"/>
+              <a:t>User Interface</a:t>
+            </a:r>
+          </a:p>
+        </p:txBody>
+      </p:sp>
+      <p:sp>
+        <p:nvSpPr>
+          <p:cNvPr id="20" name="Rectangle 19">
+            <a:extLst>
+              <a:ext uri="{FF2B5EF4-FFF2-40B4-BE49-F238E27FC236}">
+                <a16:creationId xmlns:a16="http://schemas.microsoft.com/office/drawing/2014/main" id="{450D3AD2-FA80-415F-A9CE-54D884561CD7}"/>
+              </a:ext>
+              <a:ext uri="{C183D7F6-B498-43B3-948B-1728B52AA6E4}">
+                <adec:decorative xmlns:adec="http://schemas.microsoft.com/office/drawing/2017/decorative" val="1"/>
+              </a:ext>
+            </a:extLst>
+          </p:cNvPr>
+          <p:cNvSpPr>
+            <a:spLocks noGrp="1" noRot="1" noChangeAspect="1" noMove="1" noResize="1" noEditPoints="1" noAdjustHandles="1" noChangeArrowheads="1" noChangeShapeType="1" noTextEdit="1"/>
+          </p:cNvSpPr>
+          <p:nvPr>
+            <p:extLst>
+              <p:ext uri="{386F3935-93C4-4BCD-93E2-E3B085C9AB24}">
+                <p16:designElem xmlns:p16="http://schemas.microsoft.com/office/powerpoint/2015/main" val="1"/>
+              </p:ext>
+            </p:extLst>
+          </p:nvPr>
+        </p:nvSpPr>
+        <p:spPr>
+          <a:xfrm>
+            <a:off x="6096742" y="2268980"/>
+            <a:ext cx="342900" cy="45720"/>
+          </a:xfrm>
+          <a:prstGeom prst="rect">
+            <a:avLst/>
+          </a:prstGeom>
+          <a:solidFill>
+            <a:schemeClr val="tx1"/>
+          </a:solidFill>
+          <a:ln>
+            <a:noFill/>
+          </a:ln>
+        </p:spPr>
+        <p:style>
+          <a:lnRef idx="2">
+            <a:schemeClr val="accent1">
+              <a:shade val="50000"/>
+            </a:schemeClr>
+          </a:lnRef>
+          <a:fillRef idx="1">
+            <a:schemeClr val="accent1"/>
+          </a:fillRef>
+          <a:effectRef idx="0">
+            <a:schemeClr val="accent1"/>
+          </a:effectRef>
+          <a:fontRef idx="minor">
+            <a:schemeClr val="lt1"/>
+          </a:fontRef>
+        </p:style>
+        <p:txBody>
+          <a:bodyPr rtlCol="0" anchor="ctr"/>
+          <a:lstStyle/>
+          <a:p>
+            <a:pPr algn="ctr"/>
+            <a:endParaRPr lang="en-US"/>
+          </a:p>
+        </p:txBody>
+      </p:sp>
+      <p:pic>
+        <p:nvPicPr>
+          <p:cNvPr id="4" name="Picture 3" descr="A cartoon of a person with many hands&#10;&#10;AI-generated content may be incorrect.">
+            <a:extLst>
+              <a:ext uri="{FF2B5EF4-FFF2-40B4-BE49-F238E27FC236}">
+                <a16:creationId xmlns:a16="http://schemas.microsoft.com/office/drawing/2014/main" id="{4626F3A2-DDC7-E15D-7AB3-6E87E67D7225}"/>
+              </a:ext>
+            </a:extLst>
+          </p:cNvPr>
+          <p:cNvPicPr>
+            <a:picLocks noChangeAspect="1"/>
+          </p:cNvPicPr>
+          <p:nvPr/>
+        </p:nvPicPr>
+        <p:blipFill>
+          <a:blip r:embed="rId2"/>
+          <a:stretch>
+            <a:fillRect/>
+          </a:stretch>
+        </p:blipFill>
+        <p:spPr>
+          <a:xfrm>
+            <a:off x="1189689" y="1772246"/>
+            <a:ext cx="6764622" cy="3953076"/>
+          </a:xfrm>
+          <a:prstGeom prst="rect">
+            <a:avLst/>
+          </a:prstGeom>
+        </p:spPr>
+      </p:pic>
+    </p:spTree>
+  </p:cSld>
+  <p:clrMapOvr>
+    <a:masterClrMapping/>
+  </p:clrMapOvr>
+</p:sld>
+</file>
+
+<file path=ppt/slides/slide16.xml><?xml version="1.0" encoding="utf-8"?>
+<p:sld xmlns:a="http://schemas.openxmlformats.org/drawingml/2006/main" xmlns:r="http://schemas.openxmlformats.org/officeDocument/2006/relationships" xmlns:p="http://schemas.openxmlformats.org/presentationml/2006/main">
+  <p:cSld>
+    <p:bg>
+      <p:bgPr>
+        <a:solidFill>
+          <a:schemeClr val="bg1"/>
+        </a:solidFill>
+        <a:effectLst/>
+      </p:bgPr>
+    </p:bg>
+    <p:spTree>
+      <p:nvGrpSpPr>
+        <p:cNvPr id="1" name="">
+          <a:extLst>
+            <a:ext uri="{FF2B5EF4-FFF2-40B4-BE49-F238E27FC236}">
+              <a16:creationId xmlns:a16="http://schemas.microsoft.com/office/drawing/2014/main" id="{66454FD8-F6D1-3FF2-5710-9F145B472D0B}"/>
+            </a:ext>
+          </a:extLst>
+        </p:cNvPr>
+        <p:cNvGrpSpPr/>
+        <p:nvPr/>
+      </p:nvGrpSpPr>
+      <p:grpSpPr>
+        <a:xfrm>
+          <a:off x="0" y="0"/>
+          <a:ext cx="0" cy="0"/>
+          <a:chOff x="0" y="0"/>
+          <a:chExt cx="0" cy="0"/>
+        </a:xfrm>
+      </p:grpSpPr>
+      <p:sp>
+        <p:nvSpPr>
+          <p:cNvPr id="16" name="Rectangle 15">
+            <a:extLst>
+              <a:ext uri="{FF2B5EF4-FFF2-40B4-BE49-F238E27FC236}">
+                <a16:creationId xmlns:a16="http://schemas.microsoft.com/office/drawing/2014/main" id="{EAB5369B-DACD-B762-64D2-E47523AC3527}"/>
+              </a:ext>
+              <a:ext uri="{C183D7F6-B498-43B3-948B-1728B52AA6E4}">
+                <adec:decorative xmlns:adec="http://schemas.microsoft.com/office/drawing/2017/decorative" val="1"/>
+              </a:ext>
+            </a:extLst>
+          </p:cNvPr>
+          <p:cNvSpPr>
+            <a:spLocks noGrp="1" noRot="1" noChangeAspect="1" noMove="1" noResize="1" noEditPoints="1" noAdjustHandles="1" noChangeArrowheads="1" noChangeShapeType="1" noTextEdit="1"/>
+          </p:cNvSpPr>
+          <p:nvPr>
+            <p:extLst>
+              <p:ext uri="{386F3935-93C4-4BCD-93E2-E3B085C9AB24}">
+                <p16:designElem xmlns:p16="http://schemas.microsoft.com/office/powerpoint/2015/main" val="1"/>
+              </p:ext>
+            </p:extLst>
+          </p:nvPr>
+        </p:nvSpPr>
+        <p:spPr>
+          <a:xfrm>
+            <a:off x="6" y="0"/>
+            <a:ext cx="5650966" cy="6858001"/>
+          </a:xfrm>
+          <a:prstGeom prst="rect">
+            <a:avLst/>
+          </a:prstGeom>
+          <a:solidFill>
+            <a:schemeClr val="tx1">
+              <a:lumMod val="85000"/>
+              <a:lumOff val="15000"/>
+            </a:schemeClr>
+          </a:solidFill>
+          <a:ln>
+            <a:noFill/>
+          </a:ln>
+        </p:spPr>
+        <p:style>
+          <a:lnRef idx="2">
+            <a:schemeClr val="accent1">
+              <a:shade val="50000"/>
+            </a:schemeClr>
+          </a:lnRef>
+          <a:fillRef idx="1">
+            <a:schemeClr val="accent1"/>
+          </a:fillRef>
+          <a:effectRef idx="0">
+            <a:schemeClr val="accent1"/>
+          </a:effectRef>
+          <a:fontRef idx="minor">
+            <a:schemeClr val="lt1"/>
+          </a:fontRef>
+        </p:style>
+        <p:txBody>
+          <a:bodyPr rtlCol="0" anchor="ctr"/>
+          <a:lstStyle/>
+          <a:p>
+            <a:pPr algn="ctr"/>
+            <a:endParaRPr lang="en-US"/>
+          </a:p>
+        </p:txBody>
+      </p:sp>
+      <p:sp>
+        <p:nvSpPr>
+          <p:cNvPr id="18" name="Rectangle 17">
+            <a:extLst>
+              <a:ext uri="{FF2B5EF4-FFF2-40B4-BE49-F238E27FC236}">
+                <a16:creationId xmlns:a16="http://schemas.microsoft.com/office/drawing/2014/main" id="{23C0A6D8-499E-12AC-DD2C-66CAA798D2D5}"/>
+              </a:ext>
+              <a:ext uri="{C183D7F6-B498-43B3-948B-1728B52AA6E4}">
+                <adec:decorative xmlns:adec="http://schemas.microsoft.com/office/drawing/2017/decorative" val="1"/>
+              </a:ext>
+            </a:extLst>
+          </p:cNvPr>
+          <p:cNvSpPr>
+            <a:spLocks noGrp="1" noRot="1" noChangeAspect="1" noMove="1" noResize="1" noEditPoints="1" noAdjustHandles="1" noChangeArrowheads="1" noChangeShapeType="1" noTextEdit="1"/>
+          </p:cNvSpPr>
+          <p:nvPr>
+            <p:extLst>
+              <p:ext uri="{386F3935-93C4-4BCD-93E2-E3B085C9AB24}">
+                <p16:designElem xmlns:p16="http://schemas.microsoft.com/office/powerpoint/2015/main" val="1"/>
+              </p:ext>
+            </p:extLst>
+          </p:nvPr>
+        </p:nvSpPr>
+        <p:spPr>
+          <a:xfrm>
+            <a:off x="5650972" y="0"/>
+            <a:ext cx="3493020" cy="6858001"/>
+          </a:xfrm>
+          <a:prstGeom prst="rect">
+            <a:avLst/>
+          </a:prstGeom>
+          <a:solidFill>
+            <a:schemeClr val="bg1">
+              <a:lumMod val="95000"/>
+            </a:schemeClr>
+          </a:solidFill>
+          <a:ln>
+            <a:noFill/>
+          </a:ln>
+        </p:spPr>
+        <p:style>
+          <a:lnRef idx="2">
+            <a:schemeClr val="accent1">
+              <a:shade val="50000"/>
+            </a:schemeClr>
+          </a:lnRef>
+          <a:fillRef idx="1">
+            <a:schemeClr val="accent1"/>
+          </a:fillRef>
+          <a:effectRef idx="0">
+            <a:schemeClr val="accent1"/>
+          </a:effectRef>
+          <a:fontRef idx="minor">
+            <a:schemeClr val="lt1"/>
+          </a:fontRef>
+        </p:style>
+        <p:txBody>
+          <a:bodyPr rtlCol="0" anchor="ctr"/>
+          <a:lstStyle/>
+          <a:p>
+            <a:pPr algn="ctr"/>
+            <a:endParaRPr lang="en-US"/>
+          </a:p>
+        </p:txBody>
+      </p:sp>
+      <p:sp>
+        <p:nvSpPr>
+          <p:cNvPr id="2" name="Title 1">
+            <a:extLst>
+              <a:ext uri="{FF2B5EF4-FFF2-40B4-BE49-F238E27FC236}">
+                <a16:creationId xmlns:a16="http://schemas.microsoft.com/office/drawing/2014/main" id="{67053986-FFA5-EB22-F191-A4CD096DD73D}"/>
+              </a:ext>
+            </a:extLst>
+          </p:cNvPr>
+          <p:cNvSpPr>
+            <a:spLocks noGrp="1"/>
+          </p:cNvSpPr>
+          <p:nvPr>
+            <p:ph type="title"/>
+          </p:nvPr>
+        </p:nvSpPr>
+        <p:spPr>
+          <a:xfrm>
+            <a:off x="6096742" y="637763"/>
+            <a:ext cx="2187269" cy="1415666"/>
+          </a:xfrm>
+        </p:spPr>
+        <p:txBody>
+          <a:bodyPr anchor="t">
+            <a:normAutofit/>
+          </a:bodyPr>
+          <a:lstStyle/>
+          <a:p>
+            <a:r>
+              <a:rPr lang="en-IN" altLang="en-US" dirty="0"/>
+              <a:t>User Interface</a:t>
+            </a:r>
+          </a:p>
+        </p:txBody>
+      </p:sp>
+      <p:sp>
+        <p:nvSpPr>
+          <p:cNvPr id="20" name="Rectangle 19">
+            <a:extLst>
+              <a:ext uri="{FF2B5EF4-FFF2-40B4-BE49-F238E27FC236}">
+                <a16:creationId xmlns:a16="http://schemas.microsoft.com/office/drawing/2014/main" id="{4E900FCD-B5FE-DDAA-1EEC-9CCFF0E7B5E9}"/>
+              </a:ext>
+              <a:ext uri="{C183D7F6-B498-43B3-948B-1728B52AA6E4}">
+                <adec:decorative xmlns:adec="http://schemas.microsoft.com/office/drawing/2017/decorative" val="1"/>
+              </a:ext>
+            </a:extLst>
+          </p:cNvPr>
+          <p:cNvSpPr>
+            <a:spLocks noGrp="1" noRot="1" noChangeAspect="1" noMove="1" noResize="1" noEditPoints="1" noAdjustHandles="1" noChangeArrowheads="1" noChangeShapeType="1" noTextEdit="1"/>
+          </p:cNvSpPr>
+          <p:nvPr>
+            <p:extLst>
+              <p:ext uri="{386F3935-93C4-4BCD-93E2-E3B085C9AB24}">
+                <p16:designElem xmlns:p16="http://schemas.microsoft.com/office/powerpoint/2015/main" val="1"/>
+              </p:ext>
+            </p:extLst>
+          </p:nvPr>
+        </p:nvSpPr>
+        <p:spPr>
+          <a:xfrm>
+            <a:off x="6096742" y="2268980"/>
+            <a:ext cx="342900" cy="45720"/>
+          </a:xfrm>
+          <a:prstGeom prst="rect">
+            <a:avLst/>
+          </a:prstGeom>
+          <a:solidFill>
+            <a:schemeClr val="tx1"/>
+          </a:solidFill>
+          <a:ln>
+            <a:noFill/>
+          </a:ln>
+        </p:spPr>
+        <p:style>
+          <a:lnRef idx="2">
+            <a:schemeClr val="accent1">
+              <a:shade val="50000"/>
+            </a:schemeClr>
+          </a:lnRef>
+          <a:fillRef idx="1">
+            <a:schemeClr val="accent1"/>
+          </a:fillRef>
+          <a:effectRef idx="0">
+            <a:schemeClr val="accent1"/>
+          </a:effectRef>
+          <a:fontRef idx="minor">
+            <a:schemeClr val="lt1"/>
+          </a:fontRef>
+        </p:style>
+        <p:txBody>
+          <a:bodyPr rtlCol="0" anchor="ctr"/>
+          <a:lstStyle/>
+          <a:p>
+            <a:pPr algn="ctr"/>
+            <a:endParaRPr lang="en-US"/>
+          </a:p>
+        </p:txBody>
+      </p:sp>
+      <p:pic>
+        <p:nvPicPr>
+          <p:cNvPr id="5" name="Picture 4" descr="A screenshot of a computer screen&#10;&#10;AI-generated content may be incorrect.">
+            <a:extLst>
+              <a:ext uri="{FF2B5EF4-FFF2-40B4-BE49-F238E27FC236}">
+                <a16:creationId xmlns:a16="http://schemas.microsoft.com/office/drawing/2014/main" id="{17824773-6A19-0073-68EE-2CF479F88CFF}"/>
+              </a:ext>
+            </a:extLst>
+          </p:cNvPr>
+          <p:cNvPicPr>
+            <a:picLocks noChangeAspect="1"/>
+          </p:cNvPicPr>
+          <p:nvPr/>
+        </p:nvPicPr>
+        <p:blipFill>
+          <a:blip r:embed="rId2"/>
+          <a:stretch>
+            <a:fillRect/>
+          </a:stretch>
+        </p:blipFill>
+        <p:spPr>
+          <a:xfrm>
+            <a:off x="977335" y="1778233"/>
+            <a:ext cx="7062428" cy="3900888"/>
+          </a:xfrm>
+          <a:prstGeom prst="rect">
+            <a:avLst/>
+          </a:prstGeom>
+        </p:spPr>
+      </p:pic>
+    </p:spTree>
+    <p:extLst>
+      <p:ext uri="{BB962C8B-B14F-4D97-AF65-F5344CB8AC3E}">
+        <p14:creationId xmlns:p14="http://schemas.microsoft.com/office/powerpoint/2010/main" val="260286104"/>
+      </p:ext>
+    </p:extLst>
+  </p:cSld>
+  <p:clrMapOvr>
+    <a:masterClrMapping/>
+  </p:clrMapOvr>
+</p:sld>
+</file>
+
+<file path=ppt/slides/slide17.xml><?xml version="1.0" encoding="utf-8"?>
+<p:sld xmlns:a="http://schemas.openxmlformats.org/drawingml/2006/main" xmlns:r="http://schemas.openxmlformats.org/officeDocument/2006/relationships" xmlns:p="http://schemas.openxmlformats.org/presentationml/2006/main">
+  <p:cSld>
+    <p:bg>
+      <p:bgPr>
+        <a:solidFill>
+          <a:schemeClr val="bg1"/>
+        </a:solidFill>
+        <a:effectLst/>
+      </p:bgPr>
+    </p:bg>
+    <p:spTree>
+      <p:nvGrpSpPr>
+        <p:cNvPr id="1" name="">
+          <a:extLst>
+            <a:ext uri="{FF2B5EF4-FFF2-40B4-BE49-F238E27FC236}">
+              <a16:creationId xmlns:a16="http://schemas.microsoft.com/office/drawing/2014/main" id="{6EF42D18-E10A-616F-22A6-570810BCC801}"/>
+            </a:ext>
+          </a:extLst>
+        </p:cNvPr>
+        <p:cNvGrpSpPr/>
+        <p:nvPr/>
+      </p:nvGrpSpPr>
+      <p:grpSpPr>
+        <a:xfrm>
+          <a:off x="0" y="0"/>
+          <a:ext cx="0" cy="0"/>
+          <a:chOff x="0" y="0"/>
+          <a:chExt cx="0" cy="0"/>
+        </a:xfrm>
+      </p:grpSpPr>
+      <p:sp>
+        <p:nvSpPr>
+          <p:cNvPr id="16" name="Rectangle 15">
+            <a:extLst>
+              <a:ext uri="{FF2B5EF4-FFF2-40B4-BE49-F238E27FC236}">
+                <a16:creationId xmlns:a16="http://schemas.microsoft.com/office/drawing/2014/main" id="{DB076376-DCF0-8CAE-FCCD-B31713983D2C}"/>
+              </a:ext>
+              <a:ext uri="{C183D7F6-B498-43B3-948B-1728B52AA6E4}">
+                <adec:decorative xmlns:adec="http://schemas.microsoft.com/office/drawing/2017/decorative" val="1"/>
+              </a:ext>
+            </a:extLst>
+          </p:cNvPr>
+          <p:cNvSpPr>
+            <a:spLocks noGrp="1" noRot="1" noChangeAspect="1" noMove="1" noResize="1" noEditPoints="1" noAdjustHandles="1" noChangeArrowheads="1" noChangeShapeType="1" noTextEdit="1"/>
+          </p:cNvSpPr>
+          <p:nvPr>
+            <p:extLst>
+              <p:ext uri="{386F3935-93C4-4BCD-93E2-E3B085C9AB24}">
+                <p16:designElem xmlns:p16="http://schemas.microsoft.com/office/powerpoint/2015/main" val="1"/>
+              </p:ext>
+            </p:extLst>
+          </p:nvPr>
+        </p:nvSpPr>
+        <p:spPr>
+          <a:xfrm>
+            <a:off x="6" y="0"/>
+            <a:ext cx="5650966" cy="6858001"/>
+          </a:xfrm>
+          <a:prstGeom prst="rect">
+            <a:avLst/>
+          </a:prstGeom>
+          <a:solidFill>
+            <a:schemeClr val="tx1">
+              <a:lumMod val="85000"/>
+              <a:lumOff val="15000"/>
+            </a:schemeClr>
+          </a:solidFill>
+          <a:ln>
+            <a:noFill/>
+          </a:ln>
+        </p:spPr>
+        <p:style>
+          <a:lnRef idx="2">
+            <a:schemeClr val="accent1">
+              <a:shade val="50000"/>
+            </a:schemeClr>
+          </a:lnRef>
+          <a:fillRef idx="1">
+            <a:schemeClr val="accent1"/>
+          </a:fillRef>
+          <a:effectRef idx="0">
+            <a:schemeClr val="accent1"/>
+          </a:effectRef>
+          <a:fontRef idx="minor">
+            <a:schemeClr val="lt1"/>
+          </a:fontRef>
+        </p:style>
+        <p:txBody>
+          <a:bodyPr rtlCol="0" anchor="ctr"/>
+          <a:lstStyle/>
+          <a:p>
+            <a:pPr algn="ctr"/>
+            <a:endParaRPr lang="en-US"/>
+          </a:p>
+        </p:txBody>
+      </p:sp>
+      <p:sp>
+        <p:nvSpPr>
+          <p:cNvPr id="18" name="Rectangle 17">
+            <a:extLst>
+              <a:ext uri="{FF2B5EF4-FFF2-40B4-BE49-F238E27FC236}">
+                <a16:creationId xmlns:a16="http://schemas.microsoft.com/office/drawing/2014/main" id="{BBD212DA-DD31-C1EF-14AB-BE3AFE18C391}"/>
+              </a:ext>
+              <a:ext uri="{C183D7F6-B498-43B3-948B-1728B52AA6E4}">
+                <adec:decorative xmlns:adec="http://schemas.microsoft.com/office/drawing/2017/decorative" val="1"/>
+              </a:ext>
+            </a:extLst>
+          </p:cNvPr>
+          <p:cNvSpPr>
+            <a:spLocks noGrp="1" noRot="1" noChangeAspect="1" noMove="1" noResize="1" noEditPoints="1" noAdjustHandles="1" noChangeArrowheads="1" noChangeShapeType="1" noTextEdit="1"/>
+          </p:cNvSpPr>
+          <p:nvPr>
+            <p:extLst>
+              <p:ext uri="{386F3935-93C4-4BCD-93E2-E3B085C9AB24}">
+                <p16:designElem xmlns:p16="http://schemas.microsoft.com/office/powerpoint/2015/main" val="1"/>
+              </p:ext>
+            </p:extLst>
+          </p:nvPr>
+        </p:nvSpPr>
+        <p:spPr>
+          <a:xfrm>
+            <a:off x="5650972" y="0"/>
+            <a:ext cx="3493020" cy="6858001"/>
+          </a:xfrm>
+          <a:prstGeom prst="rect">
+            <a:avLst/>
+          </a:prstGeom>
+          <a:solidFill>
+            <a:schemeClr val="bg1">
+              <a:lumMod val="95000"/>
+            </a:schemeClr>
+          </a:solidFill>
+          <a:ln>
+            <a:noFill/>
+          </a:ln>
+        </p:spPr>
+        <p:style>
+          <a:lnRef idx="2">
+            <a:schemeClr val="accent1">
+              <a:shade val="50000"/>
+            </a:schemeClr>
+          </a:lnRef>
+          <a:fillRef idx="1">
+            <a:schemeClr val="accent1"/>
+          </a:fillRef>
+          <a:effectRef idx="0">
+            <a:schemeClr val="accent1"/>
+          </a:effectRef>
+          <a:fontRef idx="minor">
+            <a:schemeClr val="lt1"/>
+          </a:fontRef>
+        </p:style>
+        <p:txBody>
+          <a:bodyPr rtlCol="0" anchor="ctr"/>
+          <a:lstStyle/>
+          <a:p>
+            <a:pPr algn="ctr"/>
+            <a:endParaRPr lang="en-US"/>
+          </a:p>
+        </p:txBody>
+      </p:sp>
+      <p:sp>
+        <p:nvSpPr>
+          <p:cNvPr id="2" name="Title 1">
+            <a:extLst>
+              <a:ext uri="{FF2B5EF4-FFF2-40B4-BE49-F238E27FC236}">
+                <a16:creationId xmlns:a16="http://schemas.microsoft.com/office/drawing/2014/main" id="{9269319F-16CB-A79C-2303-68663EE10F98}"/>
+              </a:ext>
+            </a:extLst>
+          </p:cNvPr>
+          <p:cNvSpPr>
+            <a:spLocks noGrp="1"/>
+          </p:cNvSpPr>
+          <p:nvPr>
+            <p:ph type="title"/>
+          </p:nvPr>
+        </p:nvSpPr>
+        <p:spPr>
+          <a:xfrm>
+            <a:off x="6096742" y="637763"/>
+            <a:ext cx="2187269" cy="1415666"/>
+          </a:xfrm>
+        </p:spPr>
+        <p:txBody>
+          <a:bodyPr anchor="t">
+            <a:normAutofit/>
+          </a:bodyPr>
+          <a:lstStyle/>
+          <a:p>
+            <a:r>
+              <a:rPr lang="en-IN" altLang="en-US" dirty="0"/>
+              <a:t>User Interface</a:t>
+            </a:r>
+          </a:p>
+        </p:txBody>
+      </p:sp>
+      <p:sp>
+        <p:nvSpPr>
+          <p:cNvPr id="20" name="Rectangle 19">
+            <a:extLst>
+              <a:ext uri="{FF2B5EF4-FFF2-40B4-BE49-F238E27FC236}">
+                <a16:creationId xmlns:a16="http://schemas.microsoft.com/office/drawing/2014/main" id="{6C3E41CA-7197-BDD7-3D20-4FC64596708C}"/>
+              </a:ext>
+              <a:ext uri="{C183D7F6-B498-43B3-948B-1728B52AA6E4}">
+                <adec:decorative xmlns:adec="http://schemas.microsoft.com/office/drawing/2017/decorative" val="1"/>
+              </a:ext>
+            </a:extLst>
+          </p:cNvPr>
+          <p:cNvSpPr>
+            <a:spLocks noGrp="1" noRot="1" noChangeAspect="1" noMove="1" noResize="1" noEditPoints="1" noAdjustHandles="1" noChangeArrowheads="1" noChangeShapeType="1" noTextEdit="1"/>
+          </p:cNvSpPr>
+          <p:nvPr>
+            <p:extLst>
+              <p:ext uri="{386F3935-93C4-4BCD-93E2-E3B085C9AB24}">
+                <p16:designElem xmlns:p16="http://schemas.microsoft.com/office/powerpoint/2015/main" val="1"/>
+              </p:ext>
+            </p:extLst>
+          </p:nvPr>
+        </p:nvSpPr>
+        <p:spPr>
+          <a:xfrm>
+            <a:off x="6096742" y="2268980"/>
+            <a:ext cx="342900" cy="45720"/>
+          </a:xfrm>
+          <a:prstGeom prst="rect">
+            <a:avLst/>
+          </a:prstGeom>
+          <a:solidFill>
+            <a:schemeClr val="tx1"/>
+          </a:solidFill>
+          <a:ln>
+            <a:noFill/>
+          </a:ln>
+        </p:spPr>
+        <p:style>
+          <a:lnRef idx="2">
+            <a:schemeClr val="accent1">
+              <a:shade val="50000"/>
+            </a:schemeClr>
+          </a:lnRef>
+          <a:fillRef idx="1">
+            <a:schemeClr val="accent1"/>
+          </a:fillRef>
+          <a:effectRef idx="0">
+            <a:schemeClr val="accent1"/>
+          </a:effectRef>
+          <a:fontRef idx="minor">
+            <a:schemeClr val="lt1"/>
+          </a:fontRef>
+        </p:style>
+        <p:txBody>
+          <a:bodyPr rtlCol="0" anchor="ctr"/>
+          <a:lstStyle/>
+          <a:p>
+            <a:pPr algn="ctr"/>
+            <a:endParaRPr lang="en-US"/>
+          </a:p>
+        </p:txBody>
+      </p:sp>
+      <p:pic>
+        <p:nvPicPr>
+          <p:cNvPr id="4" name="Picture 3" descr="A screenshot of a computer&#10;&#10;AI-generated content may be incorrect.">
+            <a:extLst>
+              <a:ext uri="{FF2B5EF4-FFF2-40B4-BE49-F238E27FC236}">
+                <a16:creationId xmlns:a16="http://schemas.microsoft.com/office/drawing/2014/main" id="{8F5642F3-7A04-9C20-C95D-2C5059F6E332}"/>
+              </a:ext>
+            </a:extLst>
+          </p:cNvPr>
+          <p:cNvPicPr>
+            <a:picLocks noChangeAspect="1"/>
+          </p:cNvPicPr>
+          <p:nvPr/>
+        </p:nvPicPr>
+        <p:blipFill>
+          <a:blip r:embed="rId2"/>
+          <a:stretch>
+            <a:fillRect/>
+          </a:stretch>
+        </p:blipFill>
+        <p:spPr>
+          <a:xfrm>
+            <a:off x="960504" y="1738753"/>
+            <a:ext cx="7222992" cy="4017789"/>
+          </a:xfrm>
+          <a:prstGeom prst="rect">
+            <a:avLst/>
+          </a:prstGeom>
+        </p:spPr>
+      </p:pic>
+    </p:spTree>
+    <p:extLst>
+      <p:ext uri="{BB962C8B-B14F-4D97-AF65-F5344CB8AC3E}">
+        <p14:creationId xmlns:p14="http://schemas.microsoft.com/office/powerpoint/2010/main" val="3201869058"/>
+      </p:ext>
+    </p:extLst>
+  </p:cSld>
+  <p:clrMapOvr>
+    <a:masterClrMapping/>
+  </p:clrMapOvr>
+</p:sld>
+</file>
+
+<file path=ppt/slides/slide18.xml><?xml version="1.0" encoding="utf-8"?>
+<p:sld xmlns:a="http://schemas.openxmlformats.org/drawingml/2006/main" xmlns:r="http://schemas.openxmlformats.org/officeDocument/2006/relationships" xmlns:p="http://schemas.openxmlformats.org/presentationml/2006/main">
+  <p:cSld>
+    <p:bg>
+      <p:bgPr>
+        <a:solidFill>
+          <a:schemeClr val="bg1"/>
+        </a:solidFill>
+        <a:effectLst/>
+      </p:bgPr>
+    </p:bg>
+    <p:spTree>
+      <p:nvGrpSpPr>
+        <p:cNvPr id="1" name="">
+          <a:extLst>
+            <a:ext uri="{FF2B5EF4-FFF2-40B4-BE49-F238E27FC236}">
+              <a16:creationId xmlns:a16="http://schemas.microsoft.com/office/drawing/2014/main" id="{E65E3E58-C8EA-D09D-EA07-99EE9E47F29E}"/>
+            </a:ext>
+          </a:extLst>
+        </p:cNvPr>
+        <p:cNvGrpSpPr/>
+        <p:nvPr/>
+      </p:nvGrpSpPr>
+      <p:grpSpPr>
+        <a:xfrm>
+          <a:off x="0" y="0"/>
+          <a:ext cx="0" cy="0"/>
+          <a:chOff x="0" y="0"/>
+          <a:chExt cx="0" cy="0"/>
+        </a:xfrm>
+      </p:grpSpPr>
+      <p:sp>
+        <p:nvSpPr>
+          <p:cNvPr id="16" name="Rectangle 15">
+            <a:extLst>
+              <a:ext uri="{FF2B5EF4-FFF2-40B4-BE49-F238E27FC236}">
+                <a16:creationId xmlns:a16="http://schemas.microsoft.com/office/drawing/2014/main" id="{00E5E7D1-B588-F6B4-D54D-4808A076CB05}"/>
+              </a:ext>
+              <a:ext uri="{C183D7F6-B498-43B3-948B-1728B52AA6E4}">
+                <adec:decorative xmlns:adec="http://schemas.microsoft.com/office/drawing/2017/decorative" val="1"/>
+              </a:ext>
+            </a:extLst>
+          </p:cNvPr>
+          <p:cNvSpPr>
+            <a:spLocks noGrp="1" noRot="1" noChangeAspect="1" noMove="1" noResize="1" noEditPoints="1" noAdjustHandles="1" noChangeArrowheads="1" noChangeShapeType="1" noTextEdit="1"/>
+          </p:cNvSpPr>
+          <p:nvPr>
+            <p:extLst>
+              <p:ext uri="{386F3935-93C4-4BCD-93E2-E3B085C9AB24}">
+                <p16:designElem xmlns:p16="http://schemas.microsoft.com/office/powerpoint/2015/main" val="1"/>
+              </p:ext>
+            </p:extLst>
+          </p:nvPr>
+        </p:nvSpPr>
+        <p:spPr>
+          <a:xfrm>
+            <a:off x="6" y="0"/>
+            <a:ext cx="5650966" cy="6858001"/>
+          </a:xfrm>
+          <a:prstGeom prst="rect">
+            <a:avLst/>
+          </a:prstGeom>
+          <a:solidFill>
+            <a:schemeClr val="tx1">
+              <a:lumMod val="85000"/>
+              <a:lumOff val="15000"/>
+            </a:schemeClr>
+          </a:solidFill>
+          <a:ln>
+            <a:noFill/>
+          </a:ln>
+        </p:spPr>
+        <p:style>
+          <a:lnRef idx="2">
+            <a:schemeClr val="accent1">
+              <a:shade val="50000"/>
+            </a:schemeClr>
+          </a:lnRef>
+          <a:fillRef idx="1">
+            <a:schemeClr val="accent1"/>
+          </a:fillRef>
+          <a:effectRef idx="0">
+            <a:schemeClr val="accent1"/>
+          </a:effectRef>
+          <a:fontRef idx="minor">
+            <a:schemeClr val="lt1"/>
+          </a:fontRef>
+        </p:style>
+        <p:txBody>
+          <a:bodyPr rtlCol="0" anchor="ctr"/>
+          <a:lstStyle/>
+          <a:p>
+            <a:pPr algn="ctr"/>
+            <a:endParaRPr lang="en-US"/>
+          </a:p>
+        </p:txBody>
+      </p:sp>
+      <p:sp>
+        <p:nvSpPr>
+          <p:cNvPr id="18" name="Rectangle 17">
+            <a:extLst>
+              <a:ext uri="{FF2B5EF4-FFF2-40B4-BE49-F238E27FC236}">
+                <a16:creationId xmlns:a16="http://schemas.microsoft.com/office/drawing/2014/main" id="{1EA9FA7D-2FE5-031A-5EA3-044ABFCA8752}"/>
+              </a:ext>
+              <a:ext uri="{C183D7F6-B498-43B3-948B-1728B52AA6E4}">
+                <adec:decorative xmlns:adec="http://schemas.microsoft.com/office/drawing/2017/decorative" val="1"/>
+              </a:ext>
+            </a:extLst>
+          </p:cNvPr>
+          <p:cNvSpPr>
+            <a:spLocks noGrp="1" noRot="1" noChangeAspect="1" noMove="1" noResize="1" noEditPoints="1" noAdjustHandles="1" noChangeArrowheads="1" noChangeShapeType="1" noTextEdit="1"/>
+          </p:cNvSpPr>
+          <p:nvPr>
+            <p:extLst>
+              <p:ext uri="{386F3935-93C4-4BCD-93E2-E3B085C9AB24}">
+                <p16:designElem xmlns:p16="http://schemas.microsoft.com/office/powerpoint/2015/main" val="1"/>
+              </p:ext>
+            </p:extLst>
+          </p:nvPr>
+        </p:nvSpPr>
+        <p:spPr>
+          <a:xfrm>
+            <a:off x="5650972" y="0"/>
+            <a:ext cx="3493020" cy="6858001"/>
+          </a:xfrm>
+          <a:prstGeom prst="rect">
+            <a:avLst/>
+          </a:prstGeom>
+          <a:solidFill>
+            <a:schemeClr val="bg1">
+              <a:lumMod val="95000"/>
+            </a:schemeClr>
+          </a:solidFill>
+          <a:ln>
+            <a:noFill/>
+          </a:ln>
+        </p:spPr>
+        <p:style>
+          <a:lnRef idx="2">
+            <a:schemeClr val="accent1">
+              <a:shade val="50000"/>
+            </a:schemeClr>
+          </a:lnRef>
+          <a:fillRef idx="1">
+            <a:schemeClr val="accent1"/>
+          </a:fillRef>
+          <a:effectRef idx="0">
+            <a:schemeClr val="accent1"/>
+          </a:effectRef>
+          <a:fontRef idx="minor">
+            <a:schemeClr val="lt1"/>
+          </a:fontRef>
+        </p:style>
+        <p:txBody>
+          <a:bodyPr rtlCol="0" anchor="ctr"/>
+          <a:lstStyle/>
+          <a:p>
+            <a:pPr algn="ctr"/>
+            <a:endParaRPr lang="en-US"/>
+          </a:p>
+        </p:txBody>
+      </p:sp>
+      <p:sp>
+        <p:nvSpPr>
+          <p:cNvPr id="2" name="Title 1">
+            <a:extLst>
+              <a:ext uri="{FF2B5EF4-FFF2-40B4-BE49-F238E27FC236}">
+                <a16:creationId xmlns:a16="http://schemas.microsoft.com/office/drawing/2014/main" id="{4616F289-248C-E434-08F6-A51036ADDE40}"/>
+              </a:ext>
+            </a:extLst>
+          </p:cNvPr>
+          <p:cNvSpPr>
+            <a:spLocks noGrp="1"/>
+          </p:cNvSpPr>
+          <p:nvPr>
+            <p:ph type="title"/>
+          </p:nvPr>
+        </p:nvSpPr>
+        <p:spPr>
+          <a:xfrm>
+            <a:off x="6096742" y="637763"/>
+            <a:ext cx="2187269" cy="1415666"/>
+          </a:xfrm>
+        </p:spPr>
+        <p:txBody>
+          <a:bodyPr anchor="t">
+            <a:normAutofit/>
+          </a:bodyPr>
+          <a:lstStyle/>
+          <a:p>
+            <a:r>
+              <a:rPr lang="en-IN" altLang="en-US" dirty="0"/>
+              <a:t>User Interface</a:t>
+            </a:r>
+          </a:p>
+        </p:txBody>
+      </p:sp>
+      <p:sp>
+        <p:nvSpPr>
+          <p:cNvPr id="20" name="Rectangle 19">
+            <a:extLst>
+              <a:ext uri="{FF2B5EF4-FFF2-40B4-BE49-F238E27FC236}">
+                <a16:creationId xmlns:a16="http://schemas.microsoft.com/office/drawing/2014/main" id="{9597B7E1-3396-3390-8652-5D7A166067D9}"/>
+              </a:ext>
+              <a:ext uri="{C183D7F6-B498-43B3-948B-1728B52AA6E4}">
+                <adec:decorative xmlns:adec="http://schemas.microsoft.com/office/drawing/2017/decorative" val="1"/>
+              </a:ext>
+            </a:extLst>
+          </p:cNvPr>
+          <p:cNvSpPr>
+            <a:spLocks noGrp="1" noRot="1" noChangeAspect="1" noMove="1" noResize="1" noEditPoints="1" noAdjustHandles="1" noChangeArrowheads="1" noChangeShapeType="1" noTextEdit="1"/>
+          </p:cNvSpPr>
+          <p:nvPr>
+            <p:extLst>
+              <p:ext uri="{386F3935-93C4-4BCD-93E2-E3B085C9AB24}">
+                <p16:designElem xmlns:p16="http://schemas.microsoft.com/office/powerpoint/2015/main" val="1"/>
+              </p:ext>
+            </p:extLst>
+          </p:nvPr>
+        </p:nvSpPr>
+        <p:spPr>
+          <a:xfrm>
+            <a:off x="6096742" y="2268980"/>
+            <a:ext cx="342900" cy="45720"/>
+          </a:xfrm>
+          <a:prstGeom prst="rect">
+            <a:avLst/>
+          </a:prstGeom>
+          <a:solidFill>
+            <a:schemeClr val="tx1"/>
+          </a:solidFill>
+          <a:ln>
+            <a:noFill/>
+          </a:ln>
+        </p:spPr>
+        <p:style>
+          <a:lnRef idx="2">
+            <a:schemeClr val="accent1">
+              <a:shade val="50000"/>
+            </a:schemeClr>
+          </a:lnRef>
+          <a:fillRef idx="1">
+            <a:schemeClr val="accent1"/>
+          </a:fillRef>
+          <a:effectRef idx="0">
+            <a:schemeClr val="accent1"/>
+          </a:effectRef>
+          <a:fontRef idx="minor">
+            <a:schemeClr val="lt1"/>
+          </a:fontRef>
+        </p:style>
+        <p:txBody>
+          <a:bodyPr rtlCol="0" anchor="ctr"/>
+          <a:lstStyle/>
+          <a:p>
+            <a:pPr algn="ctr"/>
+            <a:endParaRPr lang="en-US"/>
+          </a:p>
+        </p:txBody>
+      </p:sp>
+      <p:pic>
+        <p:nvPicPr>
+          <p:cNvPr id="5" name="Picture 4" descr="A screenshot of a computer&#10;&#10;AI-generated content may be incorrect.">
+            <a:extLst>
+              <a:ext uri="{FF2B5EF4-FFF2-40B4-BE49-F238E27FC236}">
+                <a16:creationId xmlns:a16="http://schemas.microsoft.com/office/drawing/2014/main" id="{FA3BFF1D-15D0-4179-D1FC-204B3CD4EA0B}"/>
+              </a:ext>
+            </a:extLst>
+          </p:cNvPr>
+          <p:cNvPicPr>
+            <a:picLocks noChangeAspect="1"/>
+          </p:cNvPicPr>
+          <p:nvPr/>
+        </p:nvPicPr>
+        <p:blipFill>
+          <a:blip r:embed="rId2"/>
+          <a:stretch>
+            <a:fillRect/>
+          </a:stretch>
+        </p:blipFill>
+        <p:spPr>
+          <a:xfrm>
+            <a:off x="549408" y="1784588"/>
+            <a:ext cx="7734603" cy="4284245"/>
+          </a:xfrm>
+          <a:prstGeom prst="rect">
+            <a:avLst/>
+          </a:prstGeom>
+        </p:spPr>
+      </p:pic>
+    </p:spTree>
+    <p:extLst>
+      <p:ext uri="{BB962C8B-B14F-4D97-AF65-F5344CB8AC3E}">
+        <p14:creationId xmlns:p14="http://schemas.microsoft.com/office/powerpoint/2010/main" val="1563808565"/>
+      </p:ext>
+    </p:extLst>
+  </p:cSld>
+  <p:clrMapOvr>
+    <a:masterClrMapping/>
+  </p:clrMapOvr>
+</p:sld>
+</file>
+
+<file path=ppt/slides/slide19.xml><?xml version="1.0" encoding="utf-8"?>
+<p:sld xmlns:a="http://schemas.openxmlformats.org/drawingml/2006/main" xmlns:r="http://schemas.openxmlformats.org/officeDocument/2006/relationships" xmlns:p="http://schemas.openxmlformats.org/presentationml/2006/main">
+  <p:cSld>
+    <p:bg>
+      <p:bgPr>
+        <a:solidFill>
+          <a:schemeClr val="bg1"/>
+        </a:solidFill>
+        <a:effectLst/>
+      </p:bgPr>
+    </p:bg>
+    <p:spTree>
+      <p:nvGrpSpPr>
+        <p:cNvPr id="1" name="">
+          <a:extLst>
+            <a:ext uri="{FF2B5EF4-FFF2-40B4-BE49-F238E27FC236}">
+              <a16:creationId xmlns:a16="http://schemas.microsoft.com/office/drawing/2014/main" id="{7180802A-B9E1-33F2-8E5C-D7E6609C7F64}"/>
+            </a:ext>
+          </a:extLst>
+        </p:cNvPr>
+        <p:cNvGrpSpPr/>
+        <p:nvPr/>
+      </p:nvGrpSpPr>
+      <p:grpSpPr>
+        <a:xfrm>
+          <a:off x="0" y="0"/>
+          <a:ext cx="0" cy="0"/>
+          <a:chOff x="0" y="0"/>
+          <a:chExt cx="0" cy="0"/>
+        </a:xfrm>
+      </p:grpSpPr>
+      <p:sp>
+        <p:nvSpPr>
+          <p:cNvPr id="16" name="Rectangle 15">
+            <a:extLst>
+              <a:ext uri="{FF2B5EF4-FFF2-40B4-BE49-F238E27FC236}">
+                <a16:creationId xmlns:a16="http://schemas.microsoft.com/office/drawing/2014/main" id="{7A338B73-E50E-0984-B81B-98D1777F0361}"/>
+              </a:ext>
+              <a:ext uri="{C183D7F6-B498-43B3-948B-1728B52AA6E4}">
+                <adec:decorative xmlns:adec="http://schemas.microsoft.com/office/drawing/2017/decorative" val="1"/>
+              </a:ext>
+            </a:extLst>
+          </p:cNvPr>
+          <p:cNvSpPr>
+            <a:spLocks noGrp="1" noRot="1" noChangeAspect="1" noMove="1" noResize="1" noEditPoints="1" noAdjustHandles="1" noChangeArrowheads="1" noChangeShapeType="1" noTextEdit="1"/>
+          </p:cNvSpPr>
+          <p:nvPr>
+            <p:extLst>
+              <p:ext uri="{386F3935-93C4-4BCD-93E2-E3B085C9AB24}">
+                <p16:designElem xmlns:p16="http://schemas.microsoft.com/office/powerpoint/2015/main" val="1"/>
+              </p:ext>
+            </p:extLst>
+          </p:nvPr>
+        </p:nvSpPr>
+        <p:spPr>
+          <a:xfrm>
+            <a:off x="6" y="0"/>
+            <a:ext cx="5650966" cy="6858001"/>
+          </a:xfrm>
+          <a:prstGeom prst="rect">
+            <a:avLst/>
+          </a:prstGeom>
+          <a:solidFill>
+            <a:schemeClr val="tx1">
+              <a:lumMod val="85000"/>
+              <a:lumOff val="15000"/>
+            </a:schemeClr>
+          </a:solidFill>
+          <a:ln>
+            <a:noFill/>
+          </a:ln>
+        </p:spPr>
+        <p:style>
+          <a:lnRef idx="2">
+            <a:schemeClr val="accent1">
+              <a:shade val="50000"/>
+            </a:schemeClr>
+          </a:lnRef>
+          <a:fillRef idx="1">
+            <a:schemeClr val="accent1"/>
+          </a:fillRef>
+          <a:effectRef idx="0">
+            <a:schemeClr val="accent1"/>
+          </a:effectRef>
+          <a:fontRef idx="minor">
+            <a:schemeClr val="lt1"/>
+          </a:fontRef>
+        </p:style>
+        <p:txBody>
+          <a:bodyPr rtlCol="0" anchor="ctr"/>
+          <a:lstStyle/>
+          <a:p>
+            <a:pPr algn="ctr"/>
+            <a:endParaRPr lang="en-US"/>
+          </a:p>
+        </p:txBody>
+      </p:sp>
+      <p:sp>
+        <p:nvSpPr>
+          <p:cNvPr id="18" name="Rectangle 17">
+            <a:extLst>
+              <a:ext uri="{FF2B5EF4-FFF2-40B4-BE49-F238E27FC236}">
+                <a16:creationId xmlns:a16="http://schemas.microsoft.com/office/drawing/2014/main" id="{81E184A6-B9F8-8BC9-8534-B0D5F277EF64}"/>
+              </a:ext>
+              <a:ext uri="{C183D7F6-B498-43B3-948B-1728B52AA6E4}">
+                <adec:decorative xmlns:adec="http://schemas.microsoft.com/office/drawing/2017/decorative" val="1"/>
+              </a:ext>
+            </a:extLst>
+          </p:cNvPr>
+          <p:cNvSpPr>
+            <a:spLocks noGrp="1" noRot="1" noChangeAspect="1" noMove="1" noResize="1" noEditPoints="1" noAdjustHandles="1" noChangeArrowheads="1" noChangeShapeType="1" noTextEdit="1"/>
+          </p:cNvSpPr>
+          <p:nvPr>
+            <p:extLst>
+              <p:ext uri="{386F3935-93C4-4BCD-93E2-E3B085C9AB24}">
+                <p16:designElem xmlns:p16="http://schemas.microsoft.com/office/powerpoint/2015/main" val="1"/>
+              </p:ext>
+            </p:extLst>
+          </p:nvPr>
+        </p:nvSpPr>
+        <p:spPr>
+          <a:xfrm>
+            <a:off x="5650972" y="0"/>
+            <a:ext cx="3493020" cy="6858001"/>
+          </a:xfrm>
+          <a:prstGeom prst="rect">
+            <a:avLst/>
+          </a:prstGeom>
+          <a:solidFill>
+            <a:schemeClr val="bg1">
+              <a:lumMod val="95000"/>
+            </a:schemeClr>
+          </a:solidFill>
+          <a:ln>
+            <a:noFill/>
+          </a:ln>
+        </p:spPr>
+        <p:style>
+          <a:lnRef idx="2">
+            <a:schemeClr val="accent1">
+              <a:shade val="50000"/>
+            </a:schemeClr>
+          </a:lnRef>
+          <a:fillRef idx="1">
+            <a:schemeClr val="accent1"/>
+          </a:fillRef>
+          <a:effectRef idx="0">
+            <a:schemeClr val="accent1"/>
+          </a:effectRef>
+          <a:fontRef idx="minor">
+            <a:schemeClr val="lt1"/>
+          </a:fontRef>
+        </p:style>
+        <p:txBody>
+          <a:bodyPr rtlCol="0" anchor="ctr"/>
+          <a:lstStyle/>
+          <a:p>
+            <a:pPr algn="ctr"/>
+            <a:endParaRPr lang="en-US"/>
+          </a:p>
+        </p:txBody>
+      </p:sp>
+      <p:sp>
+        <p:nvSpPr>
+          <p:cNvPr id="2" name="Title 1">
+            <a:extLst>
+              <a:ext uri="{FF2B5EF4-FFF2-40B4-BE49-F238E27FC236}">
+                <a16:creationId xmlns:a16="http://schemas.microsoft.com/office/drawing/2014/main" id="{EB8A7B2F-841F-5F0D-57F0-66046BA87F5E}"/>
+              </a:ext>
+            </a:extLst>
+          </p:cNvPr>
+          <p:cNvSpPr>
+            <a:spLocks noGrp="1"/>
+          </p:cNvSpPr>
+          <p:nvPr>
+            <p:ph type="title"/>
+          </p:nvPr>
+        </p:nvSpPr>
+        <p:spPr>
+          <a:xfrm>
+            <a:off x="6096742" y="637763"/>
+            <a:ext cx="2187269" cy="1415666"/>
+          </a:xfrm>
+        </p:spPr>
+        <p:txBody>
+          <a:bodyPr anchor="t">
+            <a:normAutofit/>
+          </a:bodyPr>
+          <a:lstStyle/>
+          <a:p>
+            <a:r>
+              <a:rPr lang="en-IN" altLang="en-US" dirty="0"/>
+              <a:t>User Interface</a:t>
+            </a:r>
+          </a:p>
+        </p:txBody>
+      </p:sp>
+      <p:sp>
+        <p:nvSpPr>
+          <p:cNvPr id="20" name="Rectangle 19">
+            <a:extLst>
+              <a:ext uri="{FF2B5EF4-FFF2-40B4-BE49-F238E27FC236}">
+                <a16:creationId xmlns:a16="http://schemas.microsoft.com/office/drawing/2014/main" id="{78235D99-CA5C-18ED-E954-12C0A8239C89}"/>
+              </a:ext>
+              <a:ext uri="{C183D7F6-B498-43B3-948B-1728B52AA6E4}">
+                <adec:decorative xmlns:adec="http://schemas.microsoft.com/office/drawing/2017/decorative" val="1"/>
+              </a:ext>
+            </a:extLst>
+          </p:cNvPr>
+          <p:cNvSpPr>
+            <a:spLocks noGrp="1" noRot="1" noChangeAspect="1" noMove="1" noResize="1" noEditPoints="1" noAdjustHandles="1" noChangeArrowheads="1" noChangeShapeType="1" noTextEdit="1"/>
+          </p:cNvSpPr>
+          <p:nvPr>
+            <p:extLst>
+              <p:ext uri="{386F3935-93C4-4BCD-93E2-E3B085C9AB24}">
+                <p16:designElem xmlns:p16="http://schemas.microsoft.com/office/powerpoint/2015/main" val="1"/>
+              </p:ext>
+            </p:extLst>
+          </p:nvPr>
+        </p:nvSpPr>
+        <p:spPr>
+          <a:xfrm>
+            <a:off x="6096742" y="2268980"/>
+            <a:ext cx="342900" cy="45720"/>
+          </a:xfrm>
+          <a:prstGeom prst="rect">
+            <a:avLst/>
+          </a:prstGeom>
+          <a:solidFill>
+            <a:schemeClr val="tx1"/>
+          </a:solidFill>
+          <a:ln>
+            <a:noFill/>
+          </a:ln>
+        </p:spPr>
+        <p:style>
+          <a:lnRef idx="2">
+            <a:schemeClr val="accent1">
+              <a:shade val="50000"/>
+            </a:schemeClr>
+          </a:lnRef>
+          <a:fillRef idx="1">
+            <a:schemeClr val="accent1"/>
+          </a:fillRef>
+          <a:effectRef idx="0">
+            <a:schemeClr val="accent1"/>
+          </a:effectRef>
+          <a:fontRef idx="minor">
+            <a:schemeClr val="lt1"/>
+          </a:fontRef>
+        </p:style>
+        <p:txBody>
+          <a:bodyPr rtlCol="0" anchor="ctr"/>
+          <a:lstStyle/>
+          <a:p>
+            <a:pPr algn="ctr"/>
+            <a:endParaRPr lang="en-US"/>
+          </a:p>
+        </p:txBody>
+      </p:sp>
+      <p:pic>
+        <p:nvPicPr>
+          <p:cNvPr id="4" name="Picture 3" descr="A computer screen shot of a computer&#10;&#10;AI-generated content may be incorrect.">
+            <a:extLst>
+              <a:ext uri="{FF2B5EF4-FFF2-40B4-BE49-F238E27FC236}">
+                <a16:creationId xmlns:a16="http://schemas.microsoft.com/office/drawing/2014/main" id="{8E43B92E-2ACA-8247-BA15-4223E22E592F}"/>
+              </a:ext>
+            </a:extLst>
+          </p:cNvPr>
+          <p:cNvPicPr>
+            <a:picLocks noChangeAspect="1"/>
+          </p:cNvPicPr>
+          <p:nvPr/>
+        </p:nvPicPr>
+        <p:blipFill>
+          <a:blip r:embed="rId2"/>
+          <a:stretch>
+            <a:fillRect/>
+          </a:stretch>
+        </p:blipFill>
+        <p:spPr>
+          <a:xfrm>
+            <a:off x="694850" y="1860357"/>
+            <a:ext cx="7754300" cy="4283039"/>
+          </a:xfrm>
+          <a:prstGeom prst="rect">
+            <a:avLst/>
+          </a:prstGeom>
+        </p:spPr>
+      </p:pic>
+    </p:spTree>
+    <p:extLst>
+      <p:ext uri="{BB962C8B-B14F-4D97-AF65-F5344CB8AC3E}">
+        <p14:creationId xmlns:p14="http://schemas.microsoft.com/office/powerpoint/2010/main" val="2593611344"/>
+      </p:ext>
+    </p:extLst>
   </p:cSld>
   <p:clrMapOvr>
     <a:masterClrMapping/>
@@ -5514,11 +8481,12 @@
           </a:p>
           <a:p>
             <a:r>
-              <a:rPr lang="en-US" sz="1600" dirty="0">
-                <a:uFillTx/>
-              </a:rPr>
-              <a:t>Progress</a:t>
-            </a:r>
+              <a:rPr lang="en-US" sz="1600" dirty="0"/>
+              <a:t>UI Flowchart</a:t>
+            </a:r>
+            <a:endParaRPr lang="en-US" sz="1600" dirty="0">
+              <a:uFillTx/>
+            </a:endParaRPr>
           </a:p>
           <a:p>
             <a:r>
@@ -5530,6 +8498,2657 @@
           </a:p>
         </p:txBody>
       </p:sp>
+    </p:spTree>
+  </p:cSld>
+  <p:clrMapOvr>
+    <a:masterClrMapping/>
+  </p:clrMapOvr>
+</p:sld>
+</file>
+
+<file path=ppt/slides/slide20.xml><?xml version="1.0" encoding="utf-8"?>
+<p:sld xmlns:a="http://schemas.openxmlformats.org/drawingml/2006/main" xmlns:r="http://schemas.openxmlformats.org/officeDocument/2006/relationships" xmlns:p="http://schemas.openxmlformats.org/presentationml/2006/main">
+  <p:cSld>
+    <p:bg>
+      <p:bgPr>
+        <a:solidFill>
+          <a:schemeClr val="bg1"/>
+        </a:solidFill>
+        <a:effectLst/>
+      </p:bgPr>
+    </p:bg>
+    <p:spTree>
+      <p:nvGrpSpPr>
+        <p:cNvPr id="1" name="">
+          <a:extLst>
+            <a:ext uri="{FF2B5EF4-FFF2-40B4-BE49-F238E27FC236}">
+              <a16:creationId xmlns:a16="http://schemas.microsoft.com/office/drawing/2014/main" id="{8835CAEB-ACCB-ED90-7D77-A92A7E753BA6}"/>
+            </a:ext>
+          </a:extLst>
+        </p:cNvPr>
+        <p:cNvGrpSpPr/>
+        <p:nvPr/>
+      </p:nvGrpSpPr>
+      <p:grpSpPr>
+        <a:xfrm>
+          <a:off x="0" y="0"/>
+          <a:ext cx="0" cy="0"/>
+          <a:chOff x="0" y="0"/>
+          <a:chExt cx="0" cy="0"/>
+        </a:xfrm>
+      </p:grpSpPr>
+      <p:sp>
+        <p:nvSpPr>
+          <p:cNvPr id="16" name="Rectangle 15">
+            <a:extLst>
+              <a:ext uri="{FF2B5EF4-FFF2-40B4-BE49-F238E27FC236}">
+                <a16:creationId xmlns:a16="http://schemas.microsoft.com/office/drawing/2014/main" id="{31B67DFD-9F77-8079-75D8-42B9153D1CCA}"/>
+              </a:ext>
+              <a:ext uri="{C183D7F6-B498-43B3-948B-1728B52AA6E4}">
+                <adec:decorative xmlns:adec="http://schemas.microsoft.com/office/drawing/2017/decorative" val="1"/>
+              </a:ext>
+            </a:extLst>
+          </p:cNvPr>
+          <p:cNvSpPr>
+            <a:spLocks noGrp="1" noRot="1" noChangeAspect="1" noMove="1" noResize="1" noEditPoints="1" noAdjustHandles="1" noChangeArrowheads="1" noChangeShapeType="1" noTextEdit="1"/>
+          </p:cNvSpPr>
+          <p:nvPr>
+            <p:extLst>
+              <p:ext uri="{386F3935-93C4-4BCD-93E2-E3B085C9AB24}">
+                <p16:designElem xmlns:p16="http://schemas.microsoft.com/office/powerpoint/2015/main" val="1"/>
+              </p:ext>
+            </p:extLst>
+          </p:nvPr>
+        </p:nvSpPr>
+        <p:spPr>
+          <a:xfrm>
+            <a:off x="6" y="0"/>
+            <a:ext cx="5650966" cy="6858001"/>
+          </a:xfrm>
+          <a:prstGeom prst="rect">
+            <a:avLst/>
+          </a:prstGeom>
+          <a:solidFill>
+            <a:schemeClr val="tx1">
+              <a:lumMod val="85000"/>
+              <a:lumOff val="15000"/>
+            </a:schemeClr>
+          </a:solidFill>
+          <a:ln>
+            <a:noFill/>
+          </a:ln>
+        </p:spPr>
+        <p:style>
+          <a:lnRef idx="2">
+            <a:schemeClr val="accent1">
+              <a:shade val="50000"/>
+            </a:schemeClr>
+          </a:lnRef>
+          <a:fillRef idx="1">
+            <a:schemeClr val="accent1"/>
+          </a:fillRef>
+          <a:effectRef idx="0">
+            <a:schemeClr val="accent1"/>
+          </a:effectRef>
+          <a:fontRef idx="minor">
+            <a:schemeClr val="lt1"/>
+          </a:fontRef>
+        </p:style>
+        <p:txBody>
+          <a:bodyPr rtlCol="0" anchor="ctr"/>
+          <a:lstStyle/>
+          <a:p>
+            <a:pPr algn="ctr"/>
+            <a:endParaRPr lang="en-US"/>
+          </a:p>
+        </p:txBody>
+      </p:sp>
+      <p:sp>
+        <p:nvSpPr>
+          <p:cNvPr id="18" name="Rectangle 17">
+            <a:extLst>
+              <a:ext uri="{FF2B5EF4-FFF2-40B4-BE49-F238E27FC236}">
+                <a16:creationId xmlns:a16="http://schemas.microsoft.com/office/drawing/2014/main" id="{2FB7A64A-40F9-6F3B-E188-6EE56D4E7F9C}"/>
+              </a:ext>
+              <a:ext uri="{C183D7F6-B498-43B3-948B-1728B52AA6E4}">
+                <adec:decorative xmlns:adec="http://schemas.microsoft.com/office/drawing/2017/decorative" val="1"/>
+              </a:ext>
+            </a:extLst>
+          </p:cNvPr>
+          <p:cNvSpPr>
+            <a:spLocks noGrp="1" noRot="1" noChangeAspect="1" noMove="1" noResize="1" noEditPoints="1" noAdjustHandles="1" noChangeArrowheads="1" noChangeShapeType="1" noTextEdit="1"/>
+          </p:cNvSpPr>
+          <p:nvPr>
+            <p:extLst>
+              <p:ext uri="{386F3935-93C4-4BCD-93E2-E3B085C9AB24}">
+                <p16:designElem xmlns:p16="http://schemas.microsoft.com/office/powerpoint/2015/main" val="1"/>
+              </p:ext>
+            </p:extLst>
+          </p:nvPr>
+        </p:nvSpPr>
+        <p:spPr>
+          <a:xfrm>
+            <a:off x="5650972" y="0"/>
+            <a:ext cx="3493020" cy="6858001"/>
+          </a:xfrm>
+          <a:prstGeom prst="rect">
+            <a:avLst/>
+          </a:prstGeom>
+          <a:solidFill>
+            <a:schemeClr val="bg1">
+              <a:lumMod val="95000"/>
+            </a:schemeClr>
+          </a:solidFill>
+          <a:ln>
+            <a:noFill/>
+          </a:ln>
+        </p:spPr>
+        <p:style>
+          <a:lnRef idx="2">
+            <a:schemeClr val="accent1">
+              <a:shade val="50000"/>
+            </a:schemeClr>
+          </a:lnRef>
+          <a:fillRef idx="1">
+            <a:schemeClr val="accent1"/>
+          </a:fillRef>
+          <a:effectRef idx="0">
+            <a:schemeClr val="accent1"/>
+          </a:effectRef>
+          <a:fontRef idx="minor">
+            <a:schemeClr val="lt1"/>
+          </a:fontRef>
+        </p:style>
+        <p:txBody>
+          <a:bodyPr rtlCol="0" anchor="ctr"/>
+          <a:lstStyle/>
+          <a:p>
+            <a:pPr algn="ctr"/>
+            <a:endParaRPr lang="en-US"/>
+          </a:p>
+        </p:txBody>
+      </p:sp>
+      <p:sp>
+        <p:nvSpPr>
+          <p:cNvPr id="2" name="Title 1">
+            <a:extLst>
+              <a:ext uri="{FF2B5EF4-FFF2-40B4-BE49-F238E27FC236}">
+                <a16:creationId xmlns:a16="http://schemas.microsoft.com/office/drawing/2014/main" id="{8C49FF18-06A4-FB7A-1075-CE27CE4B2AB6}"/>
+              </a:ext>
+            </a:extLst>
+          </p:cNvPr>
+          <p:cNvSpPr>
+            <a:spLocks noGrp="1"/>
+          </p:cNvSpPr>
+          <p:nvPr>
+            <p:ph type="title"/>
+          </p:nvPr>
+        </p:nvSpPr>
+        <p:spPr>
+          <a:xfrm>
+            <a:off x="6096742" y="637763"/>
+            <a:ext cx="2187269" cy="1415666"/>
+          </a:xfrm>
+        </p:spPr>
+        <p:txBody>
+          <a:bodyPr anchor="t">
+            <a:normAutofit/>
+          </a:bodyPr>
+          <a:lstStyle/>
+          <a:p>
+            <a:r>
+              <a:rPr lang="en-IN" altLang="en-US" dirty="0"/>
+              <a:t>User Interface</a:t>
+            </a:r>
+          </a:p>
+        </p:txBody>
+      </p:sp>
+      <p:sp>
+        <p:nvSpPr>
+          <p:cNvPr id="20" name="Rectangle 19">
+            <a:extLst>
+              <a:ext uri="{FF2B5EF4-FFF2-40B4-BE49-F238E27FC236}">
+                <a16:creationId xmlns:a16="http://schemas.microsoft.com/office/drawing/2014/main" id="{55487C26-AED9-E7BF-5A6D-034E946C4000}"/>
+              </a:ext>
+              <a:ext uri="{C183D7F6-B498-43B3-948B-1728B52AA6E4}">
+                <adec:decorative xmlns:adec="http://schemas.microsoft.com/office/drawing/2017/decorative" val="1"/>
+              </a:ext>
+            </a:extLst>
+          </p:cNvPr>
+          <p:cNvSpPr>
+            <a:spLocks noGrp="1" noRot="1" noChangeAspect="1" noMove="1" noResize="1" noEditPoints="1" noAdjustHandles="1" noChangeArrowheads="1" noChangeShapeType="1" noTextEdit="1"/>
+          </p:cNvSpPr>
+          <p:nvPr>
+            <p:extLst>
+              <p:ext uri="{386F3935-93C4-4BCD-93E2-E3B085C9AB24}">
+                <p16:designElem xmlns:p16="http://schemas.microsoft.com/office/powerpoint/2015/main" val="1"/>
+              </p:ext>
+            </p:extLst>
+          </p:nvPr>
+        </p:nvSpPr>
+        <p:spPr>
+          <a:xfrm>
+            <a:off x="6096742" y="2268980"/>
+            <a:ext cx="342900" cy="45720"/>
+          </a:xfrm>
+          <a:prstGeom prst="rect">
+            <a:avLst/>
+          </a:prstGeom>
+          <a:solidFill>
+            <a:schemeClr val="tx1"/>
+          </a:solidFill>
+          <a:ln>
+            <a:noFill/>
+          </a:ln>
+        </p:spPr>
+        <p:style>
+          <a:lnRef idx="2">
+            <a:schemeClr val="accent1">
+              <a:shade val="50000"/>
+            </a:schemeClr>
+          </a:lnRef>
+          <a:fillRef idx="1">
+            <a:schemeClr val="accent1"/>
+          </a:fillRef>
+          <a:effectRef idx="0">
+            <a:schemeClr val="accent1"/>
+          </a:effectRef>
+          <a:fontRef idx="minor">
+            <a:schemeClr val="lt1"/>
+          </a:fontRef>
+        </p:style>
+        <p:txBody>
+          <a:bodyPr rtlCol="0" anchor="ctr"/>
+          <a:lstStyle/>
+          <a:p>
+            <a:pPr algn="ctr"/>
+            <a:endParaRPr lang="en-US"/>
+          </a:p>
+        </p:txBody>
+      </p:sp>
+      <p:pic>
+        <p:nvPicPr>
+          <p:cNvPr id="5" name="Picture 4" descr="A screenshot of a computer&#10;&#10;AI-generated content may be incorrect.">
+            <a:extLst>
+              <a:ext uri="{FF2B5EF4-FFF2-40B4-BE49-F238E27FC236}">
+                <a16:creationId xmlns:a16="http://schemas.microsoft.com/office/drawing/2014/main" id="{E61A6F95-29B1-7082-FE52-3BD661E676AF}"/>
+              </a:ext>
+            </a:extLst>
+          </p:cNvPr>
+          <p:cNvPicPr>
+            <a:picLocks noChangeAspect="1"/>
+          </p:cNvPicPr>
+          <p:nvPr/>
+        </p:nvPicPr>
+        <p:blipFill>
+          <a:blip r:embed="rId2"/>
+          <a:stretch>
+            <a:fillRect/>
+          </a:stretch>
+        </p:blipFill>
+        <p:spPr>
+          <a:xfrm>
+            <a:off x="713476" y="1951745"/>
+            <a:ext cx="7717047" cy="4268492"/>
+          </a:xfrm>
+          <a:prstGeom prst="rect">
+            <a:avLst/>
+          </a:prstGeom>
+        </p:spPr>
+      </p:pic>
+    </p:spTree>
+    <p:extLst>
+      <p:ext uri="{BB962C8B-B14F-4D97-AF65-F5344CB8AC3E}">
+        <p14:creationId xmlns:p14="http://schemas.microsoft.com/office/powerpoint/2010/main" val="80961195"/>
+      </p:ext>
+    </p:extLst>
+  </p:cSld>
+  <p:clrMapOvr>
+    <a:masterClrMapping/>
+  </p:clrMapOvr>
+</p:sld>
+</file>
+
+<file path=ppt/slides/slide21.xml><?xml version="1.0" encoding="utf-8"?>
+<p:sld xmlns:a="http://schemas.openxmlformats.org/drawingml/2006/main" xmlns:r="http://schemas.openxmlformats.org/officeDocument/2006/relationships" xmlns:p="http://schemas.openxmlformats.org/presentationml/2006/main">
+  <p:cSld>
+    <p:bg>
+      <p:bgPr>
+        <a:solidFill>
+          <a:schemeClr val="bg1"/>
+        </a:solidFill>
+        <a:effectLst/>
+      </p:bgPr>
+    </p:bg>
+    <p:spTree>
+      <p:nvGrpSpPr>
+        <p:cNvPr id="1" name="">
+          <a:extLst>
+            <a:ext uri="{FF2B5EF4-FFF2-40B4-BE49-F238E27FC236}">
+              <a16:creationId xmlns:a16="http://schemas.microsoft.com/office/drawing/2014/main" id="{D1D1579C-D8F0-D43D-2C68-4511B92AE50D}"/>
+            </a:ext>
+          </a:extLst>
+        </p:cNvPr>
+        <p:cNvGrpSpPr/>
+        <p:nvPr/>
+      </p:nvGrpSpPr>
+      <p:grpSpPr>
+        <a:xfrm>
+          <a:off x="0" y="0"/>
+          <a:ext cx="0" cy="0"/>
+          <a:chOff x="0" y="0"/>
+          <a:chExt cx="0" cy="0"/>
+        </a:xfrm>
+      </p:grpSpPr>
+      <p:sp>
+        <p:nvSpPr>
+          <p:cNvPr id="16" name="Rectangle 15">
+            <a:extLst>
+              <a:ext uri="{FF2B5EF4-FFF2-40B4-BE49-F238E27FC236}">
+                <a16:creationId xmlns:a16="http://schemas.microsoft.com/office/drawing/2014/main" id="{592B3D4B-CE9A-57EF-658B-DEA42D6E3E39}"/>
+              </a:ext>
+              <a:ext uri="{C183D7F6-B498-43B3-948B-1728B52AA6E4}">
+                <adec:decorative xmlns:adec="http://schemas.microsoft.com/office/drawing/2017/decorative" val="1"/>
+              </a:ext>
+            </a:extLst>
+          </p:cNvPr>
+          <p:cNvSpPr>
+            <a:spLocks noGrp="1" noRot="1" noChangeAspect="1" noMove="1" noResize="1" noEditPoints="1" noAdjustHandles="1" noChangeArrowheads="1" noChangeShapeType="1" noTextEdit="1"/>
+          </p:cNvSpPr>
+          <p:nvPr>
+            <p:extLst>
+              <p:ext uri="{386F3935-93C4-4BCD-93E2-E3B085C9AB24}">
+                <p16:designElem xmlns:p16="http://schemas.microsoft.com/office/powerpoint/2015/main" val="1"/>
+              </p:ext>
+            </p:extLst>
+          </p:nvPr>
+        </p:nvSpPr>
+        <p:spPr>
+          <a:xfrm>
+            <a:off x="6" y="0"/>
+            <a:ext cx="5650966" cy="6858001"/>
+          </a:xfrm>
+          <a:prstGeom prst="rect">
+            <a:avLst/>
+          </a:prstGeom>
+          <a:solidFill>
+            <a:schemeClr val="tx1">
+              <a:lumMod val="85000"/>
+              <a:lumOff val="15000"/>
+            </a:schemeClr>
+          </a:solidFill>
+          <a:ln>
+            <a:noFill/>
+          </a:ln>
+        </p:spPr>
+        <p:style>
+          <a:lnRef idx="2">
+            <a:schemeClr val="accent1">
+              <a:shade val="50000"/>
+            </a:schemeClr>
+          </a:lnRef>
+          <a:fillRef idx="1">
+            <a:schemeClr val="accent1"/>
+          </a:fillRef>
+          <a:effectRef idx="0">
+            <a:schemeClr val="accent1"/>
+          </a:effectRef>
+          <a:fontRef idx="minor">
+            <a:schemeClr val="lt1"/>
+          </a:fontRef>
+        </p:style>
+        <p:txBody>
+          <a:bodyPr rtlCol="0" anchor="ctr"/>
+          <a:lstStyle/>
+          <a:p>
+            <a:pPr algn="ctr"/>
+            <a:endParaRPr lang="en-US"/>
+          </a:p>
+        </p:txBody>
+      </p:sp>
+      <p:sp>
+        <p:nvSpPr>
+          <p:cNvPr id="18" name="Rectangle 17">
+            <a:extLst>
+              <a:ext uri="{FF2B5EF4-FFF2-40B4-BE49-F238E27FC236}">
+                <a16:creationId xmlns:a16="http://schemas.microsoft.com/office/drawing/2014/main" id="{EC837D0A-0CD4-4A39-E20C-C76D439BB8FB}"/>
+              </a:ext>
+              <a:ext uri="{C183D7F6-B498-43B3-948B-1728B52AA6E4}">
+                <adec:decorative xmlns:adec="http://schemas.microsoft.com/office/drawing/2017/decorative" val="1"/>
+              </a:ext>
+            </a:extLst>
+          </p:cNvPr>
+          <p:cNvSpPr>
+            <a:spLocks noGrp="1" noRot="1" noChangeAspect="1" noMove="1" noResize="1" noEditPoints="1" noAdjustHandles="1" noChangeArrowheads="1" noChangeShapeType="1" noTextEdit="1"/>
+          </p:cNvSpPr>
+          <p:nvPr>
+            <p:extLst>
+              <p:ext uri="{386F3935-93C4-4BCD-93E2-E3B085C9AB24}">
+                <p16:designElem xmlns:p16="http://schemas.microsoft.com/office/powerpoint/2015/main" val="1"/>
+              </p:ext>
+            </p:extLst>
+          </p:nvPr>
+        </p:nvSpPr>
+        <p:spPr>
+          <a:xfrm>
+            <a:off x="5650972" y="0"/>
+            <a:ext cx="3493020" cy="6858001"/>
+          </a:xfrm>
+          <a:prstGeom prst="rect">
+            <a:avLst/>
+          </a:prstGeom>
+          <a:solidFill>
+            <a:schemeClr val="bg1">
+              <a:lumMod val="95000"/>
+            </a:schemeClr>
+          </a:solidFill>
+          <a:ln>
+            <a:noFill/>
+          </a:ln>
+        </p:spPr>
+        <p:style>
+          <a:lnRef idx="2">
+            <a:schemeClr val="accent1">
+              <a:shade val="50000"/>
+            </a:schemeClr>
+          </a:lnRef>
+          <a:fillRef idx="1">
+            <a:schemeClr val="accent1"/>
+          </a:fillRef>
+          <a:effectRef idx="0">
+            <a:schemeClr val="accent1"/>
+          </a:effectRef>
+          <a:fontRef idx="minor">
+            <a:schemeClr val="lt1"/>
+          </a:fontRef>
+        </p:style>
+        <p:txBody>
+          <a:bodyPr rtlCol="0" anchor="ctr"/>
+          <a:lstStyle/>
+          <a:p>
+            <a:pPr algn="ctr"/>
+            <a:endParaRPr lang="en-US"/>
+          </a:p>
+        </p:txBody>
+      </p:sp>
+      <p:sp>
+        <p:nvSpPr>
+          <p:cNvPr id="2" name="Title 1">
+            <a:extLst>
+              <a:ext uri="{FF2B5EF4-FFF2-40B4-BE49-F238E27FC236}">
+                <a16:creationId xmlns:a16="http://schemas.microsoft.com/office/drawing/2014/main" id="{B2B2B404-DF98-38A9-0983-94056EF7AF89}"/>
+              </a:ext>
+            </a:extLst>
+          </p:cNvPr>
+          <p:cNvSpPr>
+            <a:spLocks noGrp="1"/>
+          </p:cNvSpPr>
+          <p:nvPr>
+            <p:ph type="title"/>
+          </p:nvPr>
+        </p:nvSpPr>
+        <p:spPr>
+          <a:xfrm>
+            <a:off x="6096742" y="637763"/>
+            <a:ext cx="2187269" cy="1415666"/>
+          </a:xfrm>
+        </p:spPr>
+        <p:txBody>
+          <a:bodyPr anchor="t">
+            <a:normAutofit/>
+          </a:bodyPr>
+          <a:lstStyle/>
+          <a:p>
+            <a:r>
+              <a:rPr lang="en-IN" altLang="en-US" dirty="0"/>
+              <a:t>User Interface</a:t>
+            </a:r>
+          </a:p>
+        </p:txBody>
+      </p:sp>
+      <p:sp>
+        <p:nvSpPr>
+          <p:cNvPr id="20" name="Rectangle 19">
+            <a:extLst>
+              <a:ext uri="{FF2B5EF4-FFF2-40B4-BE49-F238E27FC236}">
+                <a16:creationId xmlns:a16="http://schemas.microsoft.com/office/drawing/2014/main" id="{184614AF-6858-A082-1A8B-4D3D257E9A2C}"/>
+              </a:ext>
+              <a:ext uri="{C183D7F6-B498-43B3-948B-1728B52AA6E4}">
+                <adec:decorative xmlns:adec="http://schemas.microsoft.com/office/drawing/2017/decorative" val="1"/>
+              </a:ext>
+            </a:extLst>
+          </p:cNvPr>
+          <p:cNvSpPr>
+            <a:spLocks noGrp="1" noRot="1" noChangeAspect="1" noMove="1" noResize="1" noEditPoints="1" noAdjustHandles="1" noChangeArrowheads="1" noChangeShapeType="1" noTextEdit="1"/>
+          </p:cNvSpPr>
+          <p:nvPr>
+            <p:extLst>
+              <p:ext uri="{386F3935-93C4-4BCD-93E2-E3B085C9AB24}">
+                <p16:designElem xmlns:p16="http://schemas.microsoft.com/office/powerpoint/2015/main" val="1"/>
+              </p:ext>
+            </p:extLst>
+          </p:nvPr>
+        </p:nvSpPr>
+        <p:spPr>
+          <a:xfrm>
+            <a:off x="6096742" y="2268980"/>
+            <a:ext cx="342900" cy="45720"/>
+          </a:xfrm>
+          <a:prstGeom prst="rect">
+            <a:avLst/>
+          </a:prstGeom>
+          <a:solidFill>
+            <a:schemeClr val="tx1"/>
+          </a:solidFill>
+          <a:ln>
+            <a:noFill/>
+          </a:ln>
+        </p:spPr>
+        <p:style>
+          <a:lnRef idx="2">
+            <a:schemeClr val="accent1">
+              <a:shade val="50000"/>
+            </a:schemeClr>
+          </a:lnRef>
+          <a:fillRef idx="1">
+            <a:schemeClr val="accent1"/>
+          </a:fillRef>
+          <a:effectRef idx="0">
+            <a:schemeClr val="accent1"/>
+          </a:effectRef>
+          <a:fontRef idx="minor">
+            <a:schemeClr val="lt1"/>
+          </a:fontRef>
+        </p:style>
+        <p:txBody>
+          <a:bodyPr rtlCol="0" anchor="ctr"/>
+          <a:lstStyle/>
+          <a:p>
+            <a:pPr algn="ctr"/>
+            <a:endParaRPr lang="en-US"/>
+          </a:p>
+        </p:txBody>
+      </p:sp>
+      <p:pic>
+        <p:nvPicPr>
+          <p:cNvPr id="4" name="Picture 3" descr="A screenshot of a computer&#10;&#10;AI-generated content may be incorrect.">
+            <a:extLst>
+              <a:ext uri="{FF2B5EF4-FFF2-40B4-BE49-F238E27FC236}">
+                <a16:creationId xmlns:a16="http://schemas.microsoft.com/office/drawing/2014/main" id="{8FC5129B-7EC6-FA8D-BFBB-2681F63DC222}"/>
+              </a:ext>
+            </a:extLst>
+          </p:cNvPr>
+          <p:cNvPicPr>
+            <a:picLocks noChangeAspect="1"/>
+          </p:cNvPicPr>
+          <p:nvPr/>
+        </p:nvPicPr>
+        <p:blipFill>
+          <a:blip r:embed="rId2"/>
+          <a:stretch>
+            <a:fillRect/>
+          </a:stretch>
+        </p:blipFill>
+        <p:spPr>
+          <a:xfrm>
+            <a:off x="1408701" y="1838737"/>
+            <a:ext cx="5781675" cy="4381500"/>
+          </a:xfrm>
+          <a:prstGeom prst="rect">
+            <a:avLst/>
+          </a:prstGeom>
+        </p:spPr>
+      </p:pic>
+    </p:spTree>
+    <p:extLst>
+      <p:ext uri="{BB962C8B-B14F-4D97-AF65-F5344CB8AC3E}">
+        <p14:creationId xmlns:p14="http://schemas.microsoft.com/office/powerpoint/2010/main" val="3761969131"/>
+      </p:ext>
+    </p:extLst>
+  </p:cSld>
+  <p:clrMapOvr>
+    <a:masterClrMapping/>
+  </p:clrMapOvr>
+</p:sld>
+</file>
+
+<file path=ppt/slides/slide22.xml><?xml version="1.0" encoding="utf-8"?>
+<p:sld xmlns:a="http://schemas.openxmlformats.org/drawingml/2006/main" xmlns:r="http://schemas.openxmlformats.org/officeDocument/2006/relationships" xmlns:p="http://schemas.openxmlformats.org/presentationml/2006/main">
+  <p:cSld>
+    <p:bg>
+      <p:bgPr>
+        <a:solidFill>
+          <a:schemeClr val="bg1"/>
+        </a:solidFill>
+        <a:effectLst/>
+      </p:bgPr>
+    </p:bg>
+    <p:spTree>
+      <p:nvGrpSpPr>
+        <p:cNvPr id="1" name="">
+          <a:extLst>
+            <a:ext uri="{FF2B5EF4-FFF2-40B4-BE49-F238E27FC236}">
+              <a16:creationId xmlns:a16="http://schemas.microsoft.com/office/drawing/2014/main" id="{A30845BE-B1A9-D5A3-9DCB-DFDE73F30174}"/>
+            </a:ext>
+          </a:extLst>
+        </p:cNvPr>
+        <p:cNvGrpSpPr/>
+        <p:nvPr/>
+      </p:nvGrpSpPr>
+      <p:grpSpPr>
+        <a:xfrm>
+          <a:off x="0" y="0"/>
+          <a:ext cx="0" cy="0"/>
+          <a:chOff x="0" y="0"/>
+          <a:chExt cx="0" cy="0"/>
+        </a:xfrm>
+      </p:grpSpPr>
+      <p:sp>
+        <p:nvSpPr>
+          <p:cNvPr id="16" name="Rectangle 15">
+            <a:extLst>
+              <a:ext uri="{FF2B5EF4-FFF2-40B4-BE49-F238E27FC236}">
+                <a16:creationId xmlns:a16="http://schemas.microsoft.com/office/drawing/2014/main" id="{39A6076B-1BCF-B152-C2A2-B0368EDC064D}"/>
+              </a:ext>
+              <a:ext uri="{C183D7F6-B498-43B3-948B-1728B52AA6E4}">
+                <adec:decorative xmlns:adec="http://schemas.microsoft.com/office/drawing/2017/decorative" val="1"/>
+              </a:ext>
+            </a:extLst>
+          </p:cNvPr>
+          <p:cNvSpPr>
+            <a:spLocks noGrp="1" noRot="1" noChangeAspect="1" noMove="1" noResize="1" noEditPoints="1" noAdjustHandles="1" noChangeArrowheads="1" noChangeShapeType="1" noTextEdit="1"/>
+          </p:cNvSpPr>
+          <p:nvPr>
+            <p:extLst>
+              <p:ext uri="{386F3935-93C4-4BCD-93E2-E3B085C9AB24}">
+                <p16:designElem xmlns:p16="http://schemas.microsoft.com/office/powerpoint/2015/main" val="1"/>
+              </p:ext>
+            </p:extLst>
+          </p:nvPr>
+        </p:nvSpPr>
+        <p:spPr>
+          <a:xfrm>
+            <a:off x="6" y="0"/>
+            <a:ext cx="5650966" cy="6858001"/>
+          </a:xfrm>
+          <a:prstGeom prst="rect">
+            <a:avLst/>
+          </a:prstGeom>
+          <a:solidFill>
+            <a:schemeClr val="tx1">
+              <a:lumMod val="85000"/>
+              <a:lumOff val="15000"/>
+            </a:schemeClr>
+          </a:solidFill>
+          <a:ln>
+            <a:noFill/>
+          </a:ln>
+        </p:spPr>
+        <p:style>
+          <a:lnRef idx="2">
+            <a:schemeClr val="accent1">
+              <a:shade val="50000"/>
+            </a:schemeClr>
+          </a:lnRef>
+          <a:fillRef idx="1">
+            <a:schemeClr val="accent1"/>
+          </a:fillRef>
+          <a:effectRef idx="0">
+            <a:schemeClr val="accent1"/>
+          </a:effectRef>
+          <a:fontRef idx="minor">
+            <a:schemeClr val="lt1"/>
+          </a:fontRef>
+        </p:style>
+        <p:txBody>
+          <a:bodyPr rtlCol="0" anchor="ctr"/>
+          <a:lstStyle/>
+          <a:p>
+            <a:pPr algn="ctr"/>
+            <a:endParaRPr lang="en-US"/>
+          </a:p>
+        </p:txBody>
+      </p:sp>
+      <p:sp>
+        <p:nvSpPr>
+          <p:cNvPr id="18" name="Rectangle 17">
+            <a:extLst>
+              <a:ext uri="{FF2B5EF4-FFF2-40B4-BE49-F238E27FC236}">
+                <a16:creationId xmlns:a16="http://schemas.microsoft.com/office/drawing/2014/main" id="{E3DB250B-1FF7-E23C-91DC-4CD313A40AF1}"/>
+              </a:ext>
+              <a:ext uri="{C183D7F6-B498-43B3-948B-1728B52AA6E4}">
+                <adec:decorative xmlns:adec="http://schemas.microsoft.com/office/drawing/2017/decorative" val="1"/>
+              </a:ext>
+            </a:extLst>
+          </p:cNvPr>
+          <p:cNvSpPr>
+            <a:spLocks noGrp="1" noRot="1" noChangeAspect="1" noMove="1" noResize="1" noEditPoints="1" noAdjustHandles="1" noChangeArrowheads="1" noChangeShapeType="1" noTextEdit="1"/>
+          </p:cNvSpPr>
+          <p:nvPr>
+            <p:extLst>
+              <p:ext uri="{386F3935-93C4-4BCD-93E2-E3B085C9AB24}">
+                <p16:designElem xmlns:p16="http://schemas.microsoft.com/office/powerpoint/2015/main" val="1"/>
+              </p:ext>
+            </p:extLst>
+          </p:nvPr>
+        </p:nvSpPr>
+        <p:spPr>
+          <a:xfrm>
+            <a:off x="5650972" y="0"/>
+            <a:ext cx="3493020" cy="6858001"/>
+          </a:xfrm>
+          <a:prstGeom prst="rect">
+            <a:avLst/>
+          </a:prstGeom>
+          <a:solidFill>
+            <a:schemeClr val="bg1">
+              <a:lumMod val="95000"/>
+            </a:schemeClr>
+          </a:solidFill>
+          <a:ln>
+            <a:noFill/>
+          </a:ln>
+        </p:spPr>
+        <p:style>
+          <a:lnRef idx="2">
+            <a:schemeClr val="accent1">
+              <a:shade val="50000"/>
+            </a:schemeClr>
+          </a:lnRef>
+          <a:fillRef idx="1">
+            <a:schemeClr val="accent1"/>
+          </a:fillRef>
+          <a:effectRef idx="0">
+            <a:schemeClr val="accent1"/>
+          </a:effectRef>
+          <a:fontRef idx="minor">
+            <a:schemeClr val="lt1"/>
+          </a:fontRef>
+        </p:style>
+        <p:txBody>
+          <a:bodyPr rtlCol="0" anchor="ctr"/>
+          <a:lstStyle/>
+          <a:p>
+            <a:pPr algn="ctr"/>
+            <a:endParaRPr lang="en-US"/>
+          </a:p>
+        </p:txBody>
+      </p:sp>
+      <p:sp>
+        <p:nvSpPr>
+          <p:cNvPr id="2" name="Title 1">
+            <a:extLst>
+              <a:ext uri="{FF2B5EF4-FFF2-40B4-BE49-F238E27FC236}">
+                <a16:creationId xmlns:a16="http://schemas.microsoft.com/office/drawing/2014/main" id="{104A3332-169E-41FC-48CC-97930787B4F6}"/>
+              </a:ext>
+            </a:extLst>
+          </p:cNvPr>
+          <p:cNvSpPr>
+            <a:spLocks noGrp="1"/>
+          </p:cNvSpPr>
+          <p:nvPr>
+            <p:ph type="title"/>
+          </p:nvPr>
+        </p:nvSpPr>
+        <p:spPr>
+          <a:xfrm>
+            <a:off x="6096742" y="637763"/>
+            <a:ext cx="2187269" cy="1415666"/>
+          </a:xfrm>
+        </p:spPr>
+        <p:txBody>
+          <a:bodyPr anchor="t">
+            <a:normAutofit/>
+          </a:bodyPr>
+          <a:lstStyle/>
+          <a:p>
+            <a:r>
+              <a:rPr lang="en-IN" altLang="en-US" dirty="0"/>
+              <a:t>User Interface</a:t>
+            </a:r>
+          </a:p>
+        </p:txBody>
+      </p:sp>
+      <p:sp>
+        <p:nvSpPr>
+          <p:cNvPr id="20" name="Rectangle 19">
+            <a:extLst>
+              <a:ext uri="{FF2B5EF4-FFF2-40B4-BE49-F238E27FC236}">
+                <a16:creationId xmlns:a16="http://schemas.microsoft.com/office/drawing/2014/main" id="{80E08B9D-3F70-6FC3-BB40-B03537E5DA38}"/>
+              </a:ext>
+              <a:ext uri="{C183D7F6-B498-43B3-948B-1728B52AA6E4}">
+                <adec:decorative xmlns:adec="http://schemas.microsoft.com/office/drawing/2017/decorative" val="1"/>
+              </a:ext>
+            </a:extLst>
+          </p:cNvPr>
+          <p:cNvSpPr>
+            <a:spLocks noGrp="1" noRot="1" noChangeAspect="1" noMove="1" noResize="1" noEditPoints="1" noAdjustHandles="1" noChangeArrowheads="1" noChangeShapeType="1" noTextEdit="1"/>
+          </p:cNvSpPr>
+          <p:nvPr>
+            <p:extLst>
+              <p:ext uri="{386F3935-93C4-4BCD-93E2-E3B085C9AB24}">
+                <p16:designElem xmlns:p16="http://schemas.microsoft.com/office/powerpoint/2015/main" val="1"/>
+              </p:ext>
+            </p:extLst>
+          </p:nvPr>
+        </p:nvSpPr>
+        <p:spPr>
+          <a:xfrm>
+            <a:off x="6096742" y="2268980"/>
+            <a:ext cx="342900" cy="45720"/>
+          </a:xfrm>
+          <a:prstGeom prst="rect">
+            <a:avLst/>
+          </a:prstGeom>
+          <a:solidFill>
+            <a:schemeClr val="tx1"/>
+          </a:solidFill>
+          <a:ln>
+            <a:noFill/>
+          </a:ln>
+        </p:spPr>
+        <p:style>
+          <a:lnRef idx="2">
+            <a:schemeClr val="accent1">
+              <a:shade val="50000"/>
+            </a:schemeClr>
+          </a:lnRef>
+          <a:fillRef idx="1">
+            <a:schemeClr val="accent1"/>
+          </a:fillRef>
+          <a:effectRef idx="0">
+            <a:schemeClr val="accent1"/>
+          </a:effectRef>
+          <a:fontRef idx="minor">
+            <a:schemeClr val="lt1"/>
+          </a:fontRef>
+        </p:style>
+        <p:txBody>
+          <a:bodyPr rtlCol="0" anchor="ctr"/>
+          <a:lstStyle/>
+          <a:p>
+            <a:pPr algn="ctr"/>
+            <a:endParaRPr lang="en-US"/>
+          </a:p>
+        </p:txBody>
+      </p:sp>
+      <p:pic>
+        <p:nvPicPr>
+          <p:cNvPr id="5" name="Picture 4">
+            <a:extLst>
+              <a:ext uri="{FF2B5EF4-FFF2-40B4-BE49-F238E27FC236}">
+                <a16:creationId xmlns:a16="http://schemas.microsoft.com/office/drawing/2014/main" id="{DC5E9F29-11BC-DF71-A5C5-3332560FD09D}"/>
+              </a:ext>
+            </a:extLst>
+          </p:cNvPr>
+          <p:cNvPicPr>
+            <a:picLocks noChangeAspect="1"/>
+          </p:cNvPicPr>
+          <p:nvPr/>
+        </p:nvPicPr>
+        <p:blipFill>
+          <a:blip r:embed="rId2"/>
+          <a:stretch>
+            <a:fillRect/>
+          </a:stretch>
+        </p:blipFill>
+        <p:spPr>
+          <a:xfrm>
+            <a:off x="887505" y="2059442"/>
+            <a:ext cx="7368989" cy="3270890"/>
+          </a:xfrm>
+          <a:prstGeom prst="rect">
+            <a:avLst/>
+          </a:prstGeom>
+        </p:spPr>
+      </p:pic>
+    </p:spTree>
+    <p:extLst>
+      <p:ext uri="{BB962C8B-B14F-4D97-AF65-F5344CB8AC3E}">
+        <p14:creationId xmlns:p14="http://schemas.microsoft.com/office/powerpoint/2010/main" val="390307594"/>
+      </p:ext>
+    </p:extLst>
+  </p:cSld>
+  <p:clrMapOvr>
+    <a:masterClrMapping/>
+  </p:clrMapOvr>
+</p:sld>
+</file>
+
+<file path=ppt/slides/slide23.xml><?xml version="1.0" encoding="utf-8"?>
+<p:sld xmlns:a="http://schemas.openxmlformats.org/drawingml/2006/main" xmlns:r="http://schemas.openxmlformats.org/officeDocument/2006/relationships" xmlns:p="http://schemas.openxmlformats.org/presentationml/2006/main">
+  <p:cSld>
+    <p:bg>
+      <p:bgPr>
+        <a:solidFill>
+          <a:schemeClr val="bg1"/>
+        </a:solidFill>
+        <a:effectLst/>
+      </p:bgPr>
+    </p:bg>
+    <p:spTree>
+      <p:nvGrpSpPr>
+        <p:cNvPr id="1" name="">
+          <a:extLst>
+            <a:ext uri="{FF2B5EF4-FFF2-40B4-BE49-F238E27FC236}">
+              <a16:creationId xmlns:a16="http://schemas.microsoft.com/office/drawing/2014/main" id="{DA2EBFEC-946F-4719-C21F-6AA70EF082D4}"/>
+            </a:ext>
+          </a:extLst>
+        </p:cNvPr>
+        <p:cNvGrpSpPr/>
+        <p:nvPr/>
+      </p:nvGrpSpPr>
+      <p:grpSpPr>
+        <a:xfrm>
+          <a:off x="0" y="0"/>
+          <a:ext cx="0" cy="0"/>
+          <a:chOff x="0" y="0"/>
+          <a:chExt cx="0" cy="0"/>
+        </a:xfrm>
+      </p:grpSpPr>
+      <p:sp>
+        <p:nvSpPr>
+          <p:cNvPr id="16" name="Rectangle 15">
+            <a:extLst>
+              <a:ext uri="{FF2B5EF4-FFF2-40B4-BE49-F238E27FC236}">
+                <a16:creationId xmlns:a16="http://schemas.microsoft.com/office/drawing/2014/main" id="{439481B7-6220-7B97-086E-B9B43A69B0EE}"/>
+              </a:ext>
+              <a:ext uri="{C183D7F6-B498-43B3-948B-1728B52AA6E4}">
+                <adec:decorative xmlns:adec="http://schemas.microsoft.com/office/drawing/2017/decorative" val="1"/>
+              </a:ext>
+            </a:extLst>
+          </p:cNvPr>
+          <p:cNvSpPr>
+            <a:spLocks noGrp="1" noRot="1" noChangeAspect="1" noMove="1" noResize="1" noEditPoints="1" noAdjustHandles="1" noChangeArrowheads="1" noChangeShapeType="1" noTextEdit="1"/>
+          </p:cNvSpPr>
+          <p:nvPr>
+            <p:extLst>
+              <p:ext uri="{386F3935-93C4-4BCD-93E2-E3B085C9AB24}">
+                <p16:designElem xmlns:p16="http://schemas.microsoft.com/office/powerpoint/2015/main" val="1"/>
+              </p:ext>
+            </p:extLst>
+          </p:nvPr>
+        </p:nvSpPr>
+        <p:spPr>
+          <a:xfrm>
+            <a:off x="6" y="0"/>
+            <a:ext cx="5650966" cy="6858001"/>
+          </a:xfrm>
+          <a:prstGeom prst="rect">
+            <a:avLst/>
+          </a:prstGeom>
+          <a:solidFill>
+            <a:schemeClr val="tx1">
+              <a:lumMod val="85000"/>
+              <a:lumOff val="15000"/>
+            </a:schemeClr>
+          </a:solidFill>
+          <a:ln>
+            <a:noFill/>
+          </a:ln>
+        </p:spPr>
+        <p:style>
+          <a:lnRef idx="2">
+            <a:schemeClr val="accent1">
+              <a:shade val="50000"/>
+            </a:schemeClr>
+          </a:lnRef>
+          <a:fillRef idx="1">
+            <a:schemeClr val="accent1"/>
+          </a:fillRef>
+          <a:effectRef idx="0">
+            <a:schemeClr val="accent1"/>
+          </a:effectRef>
+          <a:fontRef idx="minor">
+            <a:schemeClr val="lt1"/>
+          </a:fontRef>
+        </p:style>
+        <p:txBody>
+          <a:bodyPr rtlCol="0" anchor="ctr"/>
+          <a:lstStyle/>
+          <a:p>
+            <a:pPr algn="ctr"/>
+            <a:endParaRPr lang="en-US"/>
+          </a:p>
+        </p:txBody>
+      </p:sp>
+      <p:sp>
+        <p:nvSpPr>
+          <p:cNvPr id="18" name="Rectangle 17">
+            <a:extLst>
+              <a:ext uri="{FF2B5EF4-FFF2-40B4-BE49-F238E27FC236}">
+                <a16:creationId xmlns:a16="http://schemas.microsoft.com/office/drawing/2014/main" id="{13E7E0E0-E561-16BB-40F8-FE1BEA3C04AB}"/>
+              </a:ext>
+              <a:ext uri="{C183D7F6-B498-43B3-948B-1728B52AA6E4}">
+                <adec:decorative xmlns:adec="http://schemas.microsoft.com/office/drawing/2017/decorative" val="1"/>
+              </a:ext>
+            </a:extLst>
+          </p:cNvPr>
+          <p:cNvSpPr>
+            <a:spLocks noGrp="1" noRot="1" noChangeAspect="1" noMove="1" noResize="1" noEditPoints="1" noAdjustHandles="1" noChangeArrowheads="1" noChangeShapeType="1" noTextEdit="1"/>
+          </p:cNvSpPr>
+          <p:nvPr>
+            <p:extLst>
+              <p:ext uri="{386F3935-93C4-4BCD-93E2-E3B085C9AB24}">
+                <p16:designElem xmlns:p16="http://schemas.microsoft.com/office/powerpoint/2015/main" val="1"/>
+              </p:ext>
+            </p:extLst>
+          </p:nvPr>
+        </p:nvSpPr>
+        <p:spPr>
+          <a:xfrm>
+            <a:off x="5650972" y="0"/>
+            <a:ext cx="3493020" cy="6858001"/>
+          </a:xfrm>
+          <a:prstGeom prst="rect">
+            <a:avLst/>
+          </a:prstGeom>
+          <a:solidFill>
+            <a:schemeClr val="bg1">
+              <a:lumMod val="95000"/>
+            </a:schemeClr>
+          </a:solidFill>
+          <a:ln>
+            <a:noFill/>
+          </a:ln>
+        </p:spPr>
+        <p:style>
+          <a:lnRef idx="2">
+            <a:schemeClr val="accent1">
+              <a:shade val="50000"/>
+            </a:schemeClr>
+          </a:lnRef>
+          <a:fillRef idx="1">
+            <a:schemeClr val="accent1"/>
+          </a:fillRef>
+          <a:effectRef idx="0">
+            <a:schemeClr val="accent1"/>
+          </a:effectRef>
+          <a:fontRef idx="minor">
+            <a:schemeClr val="lt1"/>
+          </a:fontRef>
+        </p:style>
+        <p:txBody>
+          <a:bodyPr rtlCol="0" anchor="ctr"/>
+          <a:lstStyle/>
+          <a:p>
+            <a:pPr algn="ctr"/>
+            <a:endParaRPr lang="en-US"/>
+          </a:p>
+        </p:txBody>
+      </p:sp>
+      <p:sp>
+        <p:nvSpPr>
+          <p:cNvPr id="2" name="Title 1">
+            <a:extLst>
+              <a:ext uri="{FF2B5EF4-FFF2-40B4-BE49-F238E27FC236}">
+                <a16:creationId xmlns:a16="http://schemas.microsoft.com/office/drawing/2014/main" id="{2CB45D62-4FE0-D720-A0FA-AEF7308B8CA4}"/>
+              </a:ext>
+            </a:extLst>
+          </p:cNvPr>
+          <p:cNvSpPr>
+            <a:spLocks noGrp="1"/>
+          </p:cNvSpPr>
+          <p:nvPr>
+            <p:ph type="title"/>
+          </p:nvPr>
+        </p:nvSpPr>
+        <p:spPr>
+          <a:xfrm>
+            <a:off x="6096742" y="637763"/>
+            <a:ext cx="2187269" cy="1415666"/>
+          </a:xfrm>
+        </p:spPr>
+        <p:txBody>
+          <a:bodyPr anchor="t">
+            <a:normAutofit/>
+          </a:bodyPr>
+          <a:lstStyle/>
+          <a:p>
+            <a:r>
+              <a:rPr lang="en-IN" altLang="en-US" dirty="0"/>
+              <a:t>User Interface</a:t>
+            </a:r>
+          </a:p>
+        </p:txBody>
+      </p:sp>
+      <p:sp>
+        <p:nvSpPr>
+          <p:cNvPr id="20" name="Rectangle 19">
+            <a:extLst>
+              <a:ext uri="{FF2B5EF4-FFF2-40B4-BE49-F238E27FC236}">
+                <a16:creationId xmlns:a16="http://schemas.microsoft.com/office/drawing/2014/main" id="{29E04C28-888A-BB06-7B0A-59E651CD4329}"/>
+              </a:ext>
+              <a:ext uri="{C183D7F6-B498-43B3-948B-1728B52AA6E4}">
+                <adec:decorative xmlns:adec="http://schemas.microsoft.com/office/drawing/2017/decorative" val="1"/>
+              </a:ext>
+            </a:extLst>
+          </p:cNvPr>
+          <p:cNvSpPr>
+            <a:spLocks noGrp="1" noRot="1" noChangeAspect="1" noMove="1" noResize="1" noEditPoints="1" noAdjustHandles="1" noChangeArrowheads="1" noChangeShapeType="1" noTextEdit="1"/>
+          </p:cNvSpPr>
+          <p:nvPr>
+            <p:extLst>
+              <p:ext uri="{386F3935-93C4-4BCD-93E2-E3B085C9AB24}">
+                <p16:designElem xmlns:p16="http://schemas.microsoft.com/office/powerpoint/2015/main" val="1"/>
+              </p:ext>
+            </p:extLst>
+          </p:nvPr>
+        </p:nvSpPr>
+        <p:spPr>
+          <a:xfrm>
+            <a:off x="6096742" y="2268980"/>
+            <a:ext cx="342900" cy="45720"/>
+          </a:xfrm>
+          <a:prstGeom prst="rect">
+            <a:avLst/>
+          </a:prstGeom>
+          <a:solidFill>
+            <a:schemeClr val="tx1"/>
+          </a:solidFill>
+          <a:ln>
+            <a:noFill/>
+          </a:ln>
+        </p:spPr>
+        <p:style>
+          <a:lnRef idx="2">
+            <a:schemeClr val="accent1">
+              <a:shade val="50000"/>
+            </a:schemeClr>
+          </a:lnRef>
+          <a:fillRef idx="1">
+            <a:schemeClr val="accent1"/>
+          </a:fillRef>
+          <a:effectRef idx="0">
+            <a:schemeClr val="accent1"/>
+          </a:effectRef>
+          <a:fontRef idx="minor">
+            <a:schemeClr val="lt1"/>
+          </a:fontRef>
+        </p:style>
+        <p:txBody>
+          <a:bodyPr rtlCol="0" anchor="ctr"/>
+          <a:lstStyle/>
+          <a:p>
+            <a:pPr algn="ctr"/>
+            <a:endParaRPr lang="en-US"/>
+          </a:p>
+        </p:txBody>
+      </p:sp>
+      <p:pic>
+        <p:nvPicPr>
+          <p:cNvPr id="4" name="Picture 3">
+            <a:extLst>
+              <a:ext uri="{FF2B5EF4-FFF2-40B4-BE49-F238E27FC236}">
+                <a16:creationId xmlns:a16="http://schemas.microsoft.com/office/drawing/2014/main" id="{8006A025-B985-6E59-DF94-E8DC852E8065}"/>
+              </a:ext>
+            </a:extLst>
+          </p:cNvPr>
+          <p:cNvPicPr>
+            <a:picLocks noChangeAspect="1"/>
+          </p:cNvPicPr>
+          <p:nvPr/>
+        </p:nvPicPr>
+        <p:blipFill>
+          <a:blip r:embed="rId2"/>
+          <a:stretch>
+            <a:fillRect/>
+          </a:stretch>
+        </p:blipFill>
+        <p:spPr>
+          <a:xfrm>
+            <a:off x="925926" y="2150334"/>
+            <a:ext cx="7292148" cy="2557331"/>
+          </a:xfrm>
+          <a:prstGeom prst="rect">
+            <a:avLst/>
+          </a:prstGeom>
+        </p:spPr>
+      </p:pic>
+    </p:spTree>
+    <p:extLst>
+      <p:ext uri="{BB962C8B-B14F-4D97-AF65-F5344CB8AC3E}">
+        <p14:creationId xmlns:p14="http://schemas.microsoft.com/office/powerpoint/2010/main" val="632889121"/>
+      </p:ext>
+    </p:extLst>
+  </p:cSld>
+  <p:clrMapOvr>
+    <a:masterClrMapping/>
+  </p:clrMapOvr>
+</p:sld>
+</file>
+
+<file path=ppt/slides/slide24.xml><?xml version="1.0" encoding="utf-8"?>
+<p:sld xmlns:a="http://schemas.openxmlformats.org/drawingml/2006/main" xmlns:r="http://schemas.openxmlformats.org/officeDocument/2006/relationships" xmlns:p="http://schemas.openxmlformats.org/presentationml/2006/main">
+  <p:cSld>
+    <p:bg>
+      <p:bgPr>
+        <a:solidFill>
+          <a:schemeClr val="bg1"/>
+        </a:solidFill>
+        <a:effectLst/>
+      </p:bgPr>
+    </p:bg>
+    <p:spTree>
+      <p:nvGrpSpPr>
+        <p:cNvPr id="1" name="">
+          <a:extLst>
+            <a:ext uri="{FF2B5EF4-FFF2-40B4-BE49-F238E27FC236}">
+              <a16:creationId xmlns:a16="http://schemas.microsoft.com/office/drawing/2014/main" id="{DEAAF067-E071-D80D-1A6D-C8ED4AEBC9FA}"/>
+            </a:ext>
+          </a:extLst>
+        </p:cNvPr>
+        <p:cNvGrpSpPr/>
+        <p:nvPr/>
+      </p:nvGrpSpPr>
+      <p:grpSpPr>
+        <a:xfrm>
+          <a:off x="0" y="0"/>
+          <a:ext cx="0" cy="0"/>
+          <a:chOff x="0" y="0"/>
+          <a:chExt cx="0" cy="0"/>
+        </a:xfrm>
+      </p:grpSpPr>
+      <p:sp>
+        <p:nvSpPr>
+          <p:cNvPr id="16" name="Rectangle 15">
+            <a:extLst>
+              <a:ext uri="{FF2B5EF4-FFF2-40B4-BE49-F238E27FC236}">
+                <a16:creationId xmlns:a16="http://schemas.microsoft.com/office/drawing/2014/main" id="{C018B1C9-4588-4C42-03F4-42D941B88468}"/>
+              </a:ext>
+              <a:ext uri="{C183D7F6-B498-43B3-948B-1728B52AA6E4}">
+                <adec:decorative xmlns:adec="http://schemas.microsoft.com/office/drawing/2017/decorative" val="1"/>
+              </a:ext>
+            </a:extLst>
+          </p:cNvPr>
+          <p:cNvSpPr>
+            <a:spLocks noGrp="1" noRot="1" noChangeAspect="1" noMove="1" noResize="1" noEditPoints="1" noAdjustHandles="1" noChangeArrowheads="1" noChangeShapeType="1" noTextEdit="1"/>
+          </p:cNvSpPr>
+          <p:nvPr>
+            <p:extLst>
+              <p:ext uri="{386F3935-93C4-4BCD-93E2-E3B085C9AB24}">
+                <p16:designElem xmlns:p16="http://schemas.microsoft.com/office/powerpoint/2015/main" val="1"/>
+              </p:ext>
+            </p:extLst>
+          </p:nvPr>
+        </p:nvSpPr>
+        <p:spPr>
+          <a:xfrm>
+            <a:off x="6" y="0"/>
+            <a:ext cx="5650966" cy="6858001"/>
+          </a:xfrm>
+          <a:prstGeom prst="rect">
+            <a:avLst/>
+          </a:prstGeom>
+          <a:solidFill>
+            <a:schemeClr val="tx1">
+              <a:lumMod val="85000"/>
+              <a:lumOff val="15000"/>
+            </a:schemeClr>
+          </a:solidFill>
+          <a:ln>
+            <a:noFill/>
+          </a:ln>
+        </p:spPr>
+        <p:style>
+          <a:lnRef idx="2">
+            <a:schemeClr val="accent1">
+              <a:shade val="50000"/>
+            </a:schemeClr>
+          </a:lnRef>
+          <a:fillRef idx="1">
+            <a:schemeClr val="accent1"/>
+          </a:fillRef>
+          <a:effectRef idx="0">
+            <a:schemeClr val="accent1"/>
+          </a:effectRef>
+          <a:fontRef idx="minor">
+            <a:schemeClr val="lt1"/>
+          </a:fontRef>
+        </p:style>
+        <p:txBody>
+          <a:bodyPr rtlCol="0" anchor="ctr"/>
+          <a:lstStyle/>
+          <a:p>
+            <a:pPr algn="ctr"/>
+            <a:endParaRPr lang="en-US"/>
+          </a:p>
+        </p:txBody>
+      </p:sp>
+      <p:sp>
+        <p:nvSpPr>
+          <p:cNvPr id="18" name="Rectangle 17">
+            <a:extLst>
+              <a:ext uri="{FF2B5EF4-FFF2-40B4-BE49-F238E27FC236}">
+                <a16:creationId xmlns:a16="http://schemas.microsoft.com/office/drawing/2014/main" id="{94359A05-890D-ED63-F446-2680F968059F}"/>
+              </a:ext>
+              <a:ext uri="{C183D7F6-B498-43B3-948B-1728B52AA6E4}">
+                <adec:decorative xmlns:adec="http://schemas.microsoft.com/office/drawing/2017/decorative" val="1"/>
+              </a:ext>
+            </a:extLst>
+          </p:cNvPr>
+          <p:cNvSpPr>
+            <a:spLocks noGrp="1" noRot="1" noChangeAspect="1" noMove="1" noResize="1" noEditPoints="1" noAdjustHandles="1" noChangeArrowheads="1" noChangeShapeType="1" noTextEdit="1"/>
+          </p:cNvSpPr>
+          <p:nvPr>
+            <p:extLst>
+              <p:ext uri="{386F3935-93C4-4BCD-93E2-E3B085C9AB24}">
+                <p16:designElem xmlns:p16="http://schemas.microsoft.com/office/powerpoint/2015/main" val="1"/>
+              </p:ext>
+            </p:extLst>
+          </p:nvPr>
+        </p:nvSpPr>
+        <p:spPr>
+          <a:xfrm>
+            <a:off x="5650972" y="0"/>
+            <a:ext cx="3493020" cy="6858001"/>
+          </a:xfrm>
+          <a:prstGeom prst="rect">
+            <a:avLst/>
+          </a:prstGeom>
+          <a:solidFill>
+            <a:schemeClr val="bg1">
+              <a:lumMod val="95000"/>
+            </a:schemeClr>
+          </a:solidFill>
+          <a:ln>
+            <a:noFill/>
+          </a:ln>
+        </p:spPr>
+        <p:style>
+          <a:lnRef idx="2">
+            <a:schemeClr val="accent1">
+              <a:shade val="50000"/>
+            </a:schemeClr>
+          </a:lnRef>
+          <a:fillRef idx="1">
+            <a:schemeClr val="accent1"/>
+          </a:fillRef>
+          <a:effectRef idx="0">
+            <a:schemeClr val="accent1"/>
+          </a:effectRef>
+          <a:fontRef idx="minor">
+            <a:schemeClr val="lt1"/>
+          </a:fontRef>
+        </p:style>
+        <p:txBody>
+          <a:bodyPr rtlCol="0" anchor="ctr"/>
+          <a:lstStyle/>
+          <a:p>
+            <a:pPr algn="ctr"/>
+            <a:endParaRPr lang="en-US"/>
+          </a:p>
+        </p:txBody>
+      </p:sp>
+      <p:sp>
+        <p:nvSpPr>
+          <p:cNvPr id="2" name="Title 1">
+            <a:extLst>
+              <a:ext uri="{FF2B5EF4-FFF2-40B4-BE49-F238E27FC236}">
+                <a16:creationId xmlns:a16="http://schemas.microsoft.com/office/drawing/2014/main" id="{154438C0-52B5-2D17-9DBB-61AAF1A3E360}"/>
+              </a:ext>
+            </a:extLst>
+          </p:cNvPr>
+          <p:cNvSpPr>
+            <a:spLocks noGrp="1"/>
+          </p:cNvSpPr>
+          <p:nvPr>
+            <p:ph type="title"/>
+          </p:nvPr>
+        </p:nvSpPr>
+        <p:spPr>
+          <a:xfrm>
+            <a:off x="6096742" y="637763"/>
+            <a:ext cx="2187269" cy="1415666"/>
+          </a:xfrm>
+        </p:spPr>
+        <p:txBody>
+          <a:bodyPr anchor="t">
+            <a:normAutofit/>
+          </a:bodyPr>
+          <a:lstStyle/>
+          <a:p>
+            <a:r>
+              <a:rPr lang="en-IN" altLang="en-US" dirty="0"/>
+              <a:t>User Interface</a:t>
+            </a:r>
+          </a:p>
+        </p:txBody>
+      </p:sp>
+      <p:sp>
+        <p:nvSpPr>
+          <p:cNvPr id="20" name="Rectangle 19">
+            <a:extLst>
+              <a:ext uri="{FF2B5EF4-FFF2-40B4-BE49-F238E27FC236}">
+                <a16:creationId xmlns:a16="http://schemas.microsoft.com/office/drawing/2014/main" id="{7FA8E656-B4B4-5F88-702D-9213FF47019C}"/>
+              </a:ext>
+              <a:ext uri="{C183D7F6-B498-43B3-948B-1728B52AA6E4}">
+                <adec:decorative xmlns:adec="http://schemas.microsoft.com/office/drawing/2017/decorative" val="1"/>
+              </a:ext>
+            </a:extLst>
+          </p:cNvPr>
+          <p:cNvSpPr>
+            <a:spLocks noGrp="1" noRot="1" noChangeAspect="1" noMove="1" noResize="1" noEditPoints="1" noAdjustHandles="1" noChangeArrowheads="1" noChangeShapeType="1" noTextEdit="1"/>
+          </p:cNvSpPr>
+          <p:nvPr>
+            <p:extLst>
+              <p:ext uri="{386F3935-93C4-4BCD-93E2-E3B085C9AB24}">
+                <p16:designElem xmlns:p16="http://schemas.microsoft.com/office/powerpoint/2015/main" val="1"/>
+              </p:ext>
+            </p:extLst>
+          </p:nvPr>
+        </p:nvSpPr>
+        <p:spPr>
+          <a:xfrm>
+            <a:off x="6096742" y="2268980"/>
+            <a:ext cx="342900" cy="45720"/>
+          </a:xfrm>
+          <a:prstGeom prst="rect">
+            <a:avLst/>
+          </a:prstGeom>
+          <a:solidFill>
+            <a:schemeClr val="tx1"/>
+          </a:solidFill>
+          <a:ln>
+            <a:noFill/>
+          </a:ln>
+        </p:spPr>
+        <p:style>
+          <a:lnRef idx="2">
+            <a:schemeClr val="accent1">
+              <a:shade val="50000"/>
+            </a:schemeClr>
+          </a:lnRef>
+          <a:fillRef idx="1">
+            <a:schemeClr val="accent1"/>
+          </a:fillRef>
+          <a:effectRef idx="0">
+            <a:schemeClr val="accent1"/>
+          </a:effectRef>
+          <a:fontRef idx="minor">
+            <a:schemeClr val="lt1"/>
+          </a:fontRef>
+        </p:style>
+        <p:txBody>
+          <a:bodyPr rtlCol="0" anchor="ctr"/>
+          <a:lstStyle/>
+          <a:p>
+            <a:pPr algn="ctr"/>
+            <a:endParaRPr lang="en-US"/>
+          </a:p>
+        </p:txBody>
+      </p:sp>
+      <p:pic>
+        <p:nvPicPr>
+          <p:cNvPr id="5" name="Picture 4">
+            <a:extLst>
+              <a:ext uri="{FF2B5EF4-FFF2-40B4-BE49-F238E27FC236}">
+                <a16:creationId xmlns:a16="http://schemas.microsoft.com/office/drawing/2014/main" id="{191B7A53-2B78-6F7B-01B9-3E52A8CC103F}"/>
+              </a:ext>
+            </a:extLst>
+          </p:cNvPr>
+          <p:cNvPicPr>
+            <a:picLocks noChangeAspect="1"/>
+          </p:cNvPicPr>
+          <p:nvPr/>
+        </p:nvPicPr>
+        <p:blipFill>
+          <a:blip r:embed="rId2"/>
+          <a:stretch>
+            <a:fillRect/>
+          </a:stretch>
+        </p:blipFill>
+        <p:spPr>
+          <a:xfrm>
+            <a:off x="960504" y="2690300"/>
+            <a:ext cx="6980282" cy="1853001"/>
+          </a:xfrm>
+          <a:prstGeom prst="rect">
+            <a:avLst/>
+          </a:prstGeom>
+        </p:spPr>
+      </p:pic>
+    </p:spTree>
+    <p:extLst>
+      <p:ext uri="{BB962C8B-B14F-4D97-AF65-F5344CB8AC3E}">
+        <p14:creationId xmlns:p14="http://schemas.microsoft.com/office/powerpoint/2010/main" val="2832230060"/>
+      </p:ext>
+    </p:extLst>
+  </p:cSld>
+  <p:clrMapOvr>
+    <a:masterClrMapping/>
+  </p:clrMapOvr>
+</p:sld>
+</file>
+
+<file path=ppt/slides/slide25.xml><?xml version="1.0" encoding="utf-8"?>
+<p:sld xmlns:a="http://schemas.openxmlformats.org/drawingml/2006/main" xmlns:r="http://schemas.openxmlformats.org/officeDocument/2006/relationships" xmlns:p="http://schemas.openxmlformats.org/presentationml/2006/main">
+  <p:cSld>
+    <p:bg>
+      <p:bgPr>
+        <a:solidFill>
+          <a:schemeClr val="bg1"/>
+        </a:solidFill>
+        <a:effectLst/>
+      </p:bgPr>
+    </p:bg>
+    <p:spTree>
+      <p:nvGrpSpPr>
+        <p:cNvPr id="1" name="">
+          <a:extLst>
+            <a:ext uri="{FF2B5EF4-FFF2-40B4-BE49-F238E27FC236}">
+              <a16:creationId xmlns:a16="http://schemas.microsoft.com/office/drawing/2014/main" id="{35160B27-59B9-A319-C0CA-6FB71C14F631}"/>
+            </a:ext>
+          </a:extLst>
+        </p:cNvPr>
+        <p:cNvGrpSpPr/>
+        <p:nvPr/>
+      </p:nvGrpSpPr>
+      <p:grpSpPr>
+        <a:xfrm>
+          <a:off x="0" y="0"/>
+          <a:ext cx="0" cy="0"/>
+          <a:chOff x="0" y="0"/>
+          <a:chExt cx="0" cy="0"/>
+        </a:xfrm>
+      </p:grpSpPr>
+      <p:sp>
+        <p:nvSpPr>
+          <p:cNvPr id="16" name="Rectangle 15">
+            <a:extLst>
+              <a:ext uri="{FF2B5EF4-FFF2-40B4-BE49-F238E27FC236}">
+                <a16:creationId xmlns:a16="http://schemas.microsoft.com/office/drawing/2014/main" id="{8B2FA82F-B839-A45D-7582-1A805EC20B22}"/>
+              </a:ext>
+              <a:ext uri="{C183D7F6-B498-43B3-948B-1728B52AA6E4}">
+                <adec:decorative xmlns:adec="http://schemas.microsoft.com/office/drawing/2017/decorative" val="1"/>
+              </a:ext>
+            </a:extLst>
+          </p:cNvPr>
+          <p:cNvSpPr>
+            <a:spLocks noGrp="1" noRot="1" noChangeAspect="1" noMove="1" noResize="1" noEditPoints="1" noAdjustHandles="1" noChangeArrowheads="1" noChangeShapeType="1" noTextEdit="1"/>
+          </p:cNvSpPr>
+          <p:nvPr>
+            <p:extLst>
+              <p:ext uri="{386F3935-93C4-4BCD-93E2-E3B085C9AB24}">
+                <p16:designElem xmlns:p16="http://schemas.microsoft.com/office/powerpoint/2015/main" val="1"/>
+              </p:ext>
+            </p:extLst>
+          </p:nvPr>
+        </p:nvSpPr>
+        <p:spPr>
+          <a:xfrm>
+            <a:off x="6" y="0"/>
+            <a:ext cx="5650966" cy="6858001"/>
+          </a:xfrm>
+          <a:prstGeom prst="rect">
+            <a:avLst/>
+          </a:prstGeom>
+          <a:solidFill>
+            <a:schemeClr val="tx1">
+              <a:lumMod val="85000"/>
+              <a:lumOff val="15000"/>
+            </a:schemeClr>
+          </a:solidFill>
+          <a:ln>
+            <a:noFill/>
+          </a:ln>
+        </p:spPr>
+        <p:style>
+          <a:lnRef idx="2">
+            <a:schemeClr val="accent1">
+              <a:shade val="50000"/>
+            </a:schemeClr>
+          </a:lnRef>
+          <a:fillRef idx="1">
+            <a:schemeClr val="accent1"/>
+          </a:fillRef>
+          <a:effectRef idx="0">
+            <a:schemeClr val="accent1"/>
+          </a:effectRef>
+          <a:fontRef idx="minor">
+            <a:schemeClr val="lt1"/>
+          </a:fontRef>
+        </p:style>
+        <p:txBody>
+          <a:bodyPr rtlCol="0" anchor="ctr"/>
+          <a:lstStyle/>
+          <a:p>
+            <a:pPr algn="ctr"/>
+            <a:endParaRPr lang="en-US"/>
+          </a:p>
+        </p:txBody>
+      </p:sp>
+      <p:sp>
+        <p:nvSpPr>
+          <p:cNvPr id="18" name="Rectangle 17">
+            <a:extLst>
+              <a:ext uri="{FF2B5EF4-FFF2-40B4-BE49-F238E27FC236}">
+                <a16:creationId xmlns:a16="http://schemas.microsoft.com/office/drawing/2014/main" id="{69ADF14F-14CE-309C-BA00-FD1457FFA2FC}"/>
+              </a:ext>
+              <a:ext uri="{C183D7F6-B498-43B3-948B-1728B52AA6E4}">
+                <adec:decorative xmlns:adec="http://schemas.microsoft.com/office/drawing/2017/decorative" val="1"/>
+              </a:ext>
+            </a:extLst>
+          </p:cNvPr>
+          <p:cNvSpPr>
+            <a:spLocks noGrp="1" noRot="1" noChangeAspect="1" noMove="1" noResize="1" noEditPoints="1" noAdjustHandles="1" noChangeArrowheads="1" noChangeShapeType="1" noTextEdit="1"/>
+          </p:cNvSpPr>
+          <p:nvPr>
+            <p:extLst>
+              <p:ext uri="{386F3935-93C4-4BCD-93E2-E3B085C9AB24}">
+                <p16:designElem xmlns:p16="http://schemas.microsoft.com/office/powerpoint/2015/main" val="1"/>
+              </p:ext>
+            </p:extLst>
+          </p:nvPr>
+        </p:nvSpPr>
+        <p:spPr>
+          <a:xfrm>
+            <a:off x="5650972" y="0"/>
+            <a:ext cx="3493020" cy="6858001"/>
+          </a:xfrm>
+          <a:prstGeom prst="rect">
+            <a:avLst/>
+          </a:prstGeom>
+          <a:solidFill>
+            <a:schemeClr val="bg1">
+              <a:lumMod val="95000"/>
+            </a:schemeClr>
+          </a:solidFill>
+          <a:ln>
+            <a:noFill/>
+          </a:ln>
+        </p:spPr>
+        <p:style>
+          <a:lnRef idx="2">
+            <a:schemeClr val="accent1">
+              <a:shade val="50000"/>
+            </a:schemeClr>
+          </a:lnRef>
+          <a:fillRef idx="1">
+            <a:schemeClr val="accent1"/>
+          </a:fillRef>
+          <a:effectRef idx="0">
+            <a:schemeClr val="accent1"/>
+          </a:effectRef>
+          <a:fontRef idx="minor">
+            <a:schemeClr val="lt1"/>
+          </a:fontRef>
+        </p:style>
+        <p:txBody>
+          <a:bodyPr rtlCol="0" anchor="ctr"/>
+          <a:lstStyle/>
+          <a:p>
+            <a:pPr algn="ctr"/>
+            <a:endParaRPr lang="en-US"/>
+          </a:p>
+        </p:txBody>
+      </p:sp>
+      <p:sp>
+        <p:nvSpPr>
+          <p:cNvPr id="2" name="Title 1">
+            <a:extLst>
+              <a:ext uri="{FF2B5EF4-FFF2-40B4-BE49-F238E27FC236}">
+                <a16:creationId xmlns:a16="http://schemas.microsoft.com/office/drawing/2014/main" id="{8D1991CB-1D50-50D4-6CDF-5BC678DD6948}"/>
+              </a:ext>
+            </a:extLst>
+          </p:cNvPr>
+          <p:cNvSpPr>
+            <a:spLocks noGrp="1"/>
+          </p:cNvSpPr>
+          <p:nvPr>
+            <p:ph type="title"/>
+          </p:nvPr>
+        </p:nvSpPr>
+        <p:spPr>
+          <a:xfrm>
+            <a:off x="6096742" y="637763"/>
+            <a:ext cx="2187269" cy="1415666"/>
+          </a:xfrm>
+        </p:spPr>
+        <p:txBody>
+          <a:bodyPr anchor="t">
+            <a:normAutofit/>
+          </a:bodyPr>
+          <a:lstStyle/>
+          <a:p>
+            <a:r>
+              <a:rPr lang="en-IN" altLang="en-US"/>
+              <a:t>User Interface</a:t>
+            </a:r>
+            <a:endParaRPr lang="en-IN" altLang="en-US" dirty="0"/>
+          </a:p>
+        </p:txBody>
+      </p:sp>
+      <p:sp>
+        <p:nvSpPr>
+          <p:cNvPr id="20" name="Rectangle 19">
+            <a:extLst>
+              <a:ext uri="{FF2B5EF4-FFF2-40B4-BE49-F238E27FC236}">
+                <a16:creationId xmlns:a16="http://schemas.microsoft.com/office/drawing/2014/main" id="{17343B70-8CB7-49B9-0462-6079677B4070}"/>
+              </a:ext>
+              <a:ext uri="{C183D7F6-B498-43B3-948B-1728B52AA6E4}">
+                <adec:decorative xmlns:adec="http://schemas.microsoft.com/office/drawing/2017/decorative" val="1"/>
+              </a:ext>
+            </a:extLst>
+          </p:cNvPr>
+          <p:cNvSpPr>
+            <a:spLocks noGrp="1" noRot="1" noChangeAspect="1" noMove="1" noResize="1" noEditPoints="1" noAdjustHandles="1" noChangeArrowheads="1" noChangeShapeType="1" noTextEdit="1"/>
+          </p:cNvSpPr>
+          <p:nvPr>
+            <p:extLst>
+              <p:ext uri="{386F3935-93C4-4BCD-93E2-E3B085C9AB24}">
+                <p16:designElem xmlns:p16="http://schemas.microsoft.com/office/powerpoint/2015/main" val="1"/>
+              </p:ext>
+            </p:extLst>
+          </p:nvPr>
+        </p:nvSpPr>
+        <p:spPr>
+          <a:xfrm>
+            <a:off x="6096742" y="2268980"/>
+            <a:ext cx="342900" cy="45720"/>
+          </a:xfrm>
+          <a:prstGeom prst="rect">
+            <a:avLst/>
+          </a:prstGeom>
+          <a:solidFill>
+            <a:schemeClr val="tx1"/>
+          </a:solidFill>
+          <a:ln>
+            <a:noFill/>
+          </a:ln>
+        </p:spPr>
+        <p:style>
+          <a:lnRef idx="2">
+            <a:schemeClr val="accent1">
+              <a:shade val="50000"/>
+            </a:schemeClr>
+          </a:lnRef>
+          <a:fillRef idx="1">
+            <a:schemeClr val="accent1"/>
+          </a:fillRef>
+          <a:effectRef idx="0">
+            <a:schemeClr val="accent1"/>
+          </a:effectRef>
+          <a:fontRef idx="minor">
+            <a:schemeClr val="lt1"/>
+          </a:fontRef>
+        </p:style>
+        <p:txBody>
+          <a:bodyPr rtlCol="0" anchor="ctr"/>
+          <a:lstStyle/>
+          <a:p>
+            <a:pPr algn="ctr"/>
+            <a:endParaRPr lang="en-US"/>
+          </a:p>
+        </p:txBody>
+      </p:sp>
+      <p:pic>
+        <p:nvPicPr>
+          <p:cNvPr id="4" name="Picture 3">
+            <a:extLst>
+              <a:ext uri="{FF2B5EF4-FFF2-40B4-BE49-F238E27FC236}">
+                <a16:creationId xmlns:a16="http://schemas.microsoft.com/office/drawing/2014/main" id="{C35C73C0-72AA-6CD2-3E80-ADEB2F39BADE}"/>
+              </a:ext>
+            </a:extLst>
+          </p:cNvPr>
+          <p:cNvPicPr>
+            <a:picLocks noChangeAspect="1"/>
+          </p:cNvPicPr>
+          <p:nvPr/>
+        </p:nvPicPr>
+        <p:blipFill>
+          <a:blip r:embed="rId2"/>
+          <a:stretch>
+            <a:fillRect/>
+          </a:stretch>
+        </p:blipFill>
+        <p:spPr>
+          <a:xfrm>
+            <a:off x="895190" y="2690064"/>
+            <a:ext cx="7353620" cy="1896286"/>
+          </a:xfrm>
+          <a:prstGeom prst="rect">
+            <a:avLst/>
+          </a:prstGeom>
+        </p:spPr>
+      </p:pic>
+    </p:spTree>
+    <p:extLst>
+      <p:ext uri="{BB962C8B-B14F-4D97-AF65-F5344CB8AC3E}">
+        <p14:creationId xmlns:p14="http://schemas.microsoft.com/office/powerpoint/2010/main" val="1951904858"/>
+      </p:ext>
+    </p:extLst>
+  </p:cSld>
+  <p:clrMapOvr>
+    <a:masterClrMapping/>
+  </p:clrMapOvr>
+</p:sld>
+</file>
+
+<file path=ppt/slides/slide26.xml><?xml version="1.0" encoding="utf-8"?>
+<p:sld xmlns:a="http://schemas.openxmlformats.org/drawingml/2006/main" xmlns:r="http://schemas.openxmlformats.org/officeDocument/2006/relationships" xmlns:p="http://schemas.openxmlformats.org/presentationml/2006/main">
+  <p:cSld>
+    <p:bg>
+      <p:bgPr>
+        <a:solidFill>
+          <a:schemeClr val="bg1"/>
+        </a:solidFill>
+        <a:effectLst/>
+      </p:bgPr>
+    </p:bg>
+    <p:spTree>
+      <p:nvGrpSpPr>
+        <p:cNvPr id="1" name="">
+          <a:extLst>
+            <a:ext uri="{FF2B5EF4-FFF2-40B4-BE49-F238E27FC236}">
+              <a16:creationId xmlns:a16="http://schemas.microsoft.com/office/drawing/2014/main" id="{4F4E3F05-2F16-44C5-D2DF-3158B1F2765B}"/>
+            </a:ext>
+          </a:extLst>
+        </p:cNvPr>
+        <p:cNvGrpSpPr/>
+        <p:nvPr/>
+      </p:nvGrpSpPr>
+      <p:grpSpPr>
+        <a:xfrm>
+          <a:off x="0" y="0"/>
+          <a:ext cx="0" cy="0"/>
+          <a:chOff x="0" y="0"/>
+          <a:chExt cx="0" cy="0"/>
+        </a:xfrm>
+      </p:grpSpPr>
+      <p:sp>
+        <p:nvSpPr>
+          <p:cNvPr id="16" name="Rectangle 15">
+            <a:extLst>
+              <a:ext uri="{FF2B5EF4-FFF2-40B4-BE49-F238E27FC236}">
+                <a16:creationId xmlns:a16="http://schemas.microsoft.com/office/drawing/2014/main" id="{0B10B48E-3992-B8E4-2123-66676DD4ED17}"/>
+              </a:ext>
+              <a:ext uri="{C183D7F6-B498-43B3-948B-1728B52AA6E4}">
+                <adec:decorative xmlns:adec="http://schemas.microsoft.com/office/drawing/2017/decorative" val="1"/>
+              </a:ext>
+            </a:extLst>
+          </p:cNvPr>
+          <p:cNvSpPr>
+            <a:spLocks noGrp="1" noRot="1" noChangeAspect="1" noMove="1" noResize="1" noEditPoints="1" noAdjustHandles="1" noChangeArrowheads="1" noChangeShapeType="1" noTextEdit="1"/>
+          </p:cNvSpPr>
+          <p:nvPr>
+            <p:extLst>
+              <p:ext uri="{386F3935-93C4-4BCD-93E2-E3B085C9AB24}">
+                <p16:designElem xmlns:p16="http://schemas.microsoft.com/office/powerpoint/2015/main" val="1"/>
+              </p:ext>
+            </p:extLst>
+          </p:nvPr>
+        </p:nvSpPr>
+        <p:spPr>
+          <a:xfrm>
+            <a:off x="6" y="0"/>
+            <a:ext cx="5650966" cy="6858001"/>
+          </a:xfrm>
+          <a:prstGeom prst="rect">
+            <a:avLst/>
+          </a:prstGeom>
+          <a:solidFill>
+            <a:schemeClr val="tx1">
+              <a:lumMod val="85000"/>
+              <a:lumOff val="15000"/>
+            </a:schemeClr>
+          </a:solidFill>
+          <a:ln>
+            <a:noFill/>
+          </a:ln>
+        </p:spPr>
+        <p:style>
+          <a:lnRef idx="2">
+            <a:schemeClr val="accent1">
+              <a:shade val="50000"/>
+            </a:schemeClr>
+          </a:lnRef>
+          <a:fillRef idx="1">
+            <a:schemeClr val="accent1"/>
+          </a:fillRef>
+          <a:effectRef idx="0">
+            <a:schemeClr val="accent1"/>
+          </a:effectRef>
+          <a:fontRef idx="minor">
+            <a:schemeClr val="lt1"/>
+          </a:fontRef>
+        </p:style>
+        <p:txBody>
+          <a:bodyPr rtlCol="0" anchor="ctr"/>
+          <a:lstStyle/>
+          <a:p>
+            <a:pPr algn="ctr"/>
+            <a:endParaRPr lang="en-US"/>
+          </a:p>
+        </p:txBody>
+      </p:sp>
+      <p:sp>
+        <p:nvSpPr>
+          <p:cNvPr id="18" name="Rectangle 17">
+            <a:extLst>
+              <a:ext uri="{FF2B5EF4-FFF2-40B4-BE49-F238E27FC236}">
+                <a16:creationId xmlns:a16="http://schemas.microsoft.com/office/drawing/2014/main" id="{A5BA1275-CB1D-4765-3294-BADF722CC6EF}"/>
+              </a:ext>
+              <a:ext uri="{C183D7F6-B498-43B3-948B-1728B52AA6E4}">
+                <adec:decorative xmlns:adec="http://schemas.microsoft.com/office/drawing/2017/decorative" val="1"/>
+              </a:ext>
+            </a:extLst>
+          </p:cNvPr>
+          <p:cNvSpPr>
+            <a:spLocks noGrp="1" noRot="1" noChangeAspect="1" noMove="1" noResize="1" noEditPoints="1" noAdjustHandles="1" noChangeArrowheads="1" noChangeShapeType="1" noTextEdit="1"/>
+          </p:cNvSpPr>
+          <p:nvPr>
+            <p:extLst>
+              <p:ext uri="{386F3935-93C4-4BCD-93E2-E3B085C9AB24}">
+                <p16:designElem xmlns:p16="http://schemas.microsoft.com/office/powerpoint/2015/main" val="1"/>
+              </p:ext>
+            </p:extLst>
+          </p:nvPr>
+        </p:nvSpPr>
+        <p:spPr>
+          <a:xfrm>
+            <a:off x="5650972" y="0"/>
+            <a:ext cx="3493020" cy="6858001"/>
+          </a:xfrm>
+          <a:prstGeom prst="rect">
+            <a:avLst/>
+          </a:prstGeom>
+          <a:solidFill>
+            <a:schemeClr val="bg1">
+              <a:lumMod val="95000"/>
+            </a:schemeClr>
+          </a:solidFill>
+          <a:ln>
+            <a:noFill/>
+          </a:ln>
+        </p:spPr>
+        <p:style>
+          <a:lnRef idx="2">
+            <a:schemeClr val="accent1">
+              <a:shade val="50000"/>
+            </a:schemeClr>
+          </a:lnRef>
+          <a:fillRef idx="1">
+            <a:schemeClr val="accent1"/>
+          </a:fillRef>
+          <a:effectRef idx="0">
+            <a:schemeClr val="accent1"/>
+          </a:effectRef>
+          <a:fontRef idx="minor">
+            <a:schemeClr val="lt1"/>
+          </a:fontRef>
+        </p:style>
+        <p:txBody>
+          <a:bodyPr rtlCol="0" anchor="ctr"/>
+          <a:lstStyle/>
+          <a:p>
+            <a:pPr algn="ctr"/>
+            <a:endParaRPr lang="en-US"/>
+          </a:p>
+        </p:txBody>
+      </p:sp>
+      <p:sp>
+        <p:nvSpPr>
+          <p:cNvPr id="2" name="Title 1">
+            <a:extLst>
+              <a:ext uri="{FF2B5EF4-FFF2-40B4-BE49-F238E27FC236}">
+                <a16:creationId xmlns:a16="http://schemas.microsoft.com/office/drawing/2014/main" id="{83EC3059-317A-5CF3-05ED-C96E9AE8E368}"/>
+              </a:ext>
+            </a:extLst>
+          </p:cNvPr>
+          <p:cNvSpPr>
+            <a:spLocks noGrp="1"/>
+          </p:cNvSpPr>
+          <p:nvPr>
+            <p:ph type="title"/>
+          </p:nvPr>
+        </p:nvSpPr>
+        <p:spPr>
+          <a:xfrm>
+            <a:off x="6096742" y="637763"/>
+            <a:ext cx="2187269" cy="1415666"/>
+          </a:xfrm>
+        </p:spPr>
+        <p:txBody>
+          <a:bodyPr anchor="t">
+            <a:normAutofit/>
+          </a:bodyPr>
+          <a:lstStyle/>
+          <a:p>
+            <a:r>
+              <a:rPr lang="en-IN" altLang="en-US"/>
+              <a:t>User Interface</a:t>
+            </a:r>
+            <a:endParaRPr lang="en-IN" altLang="en-US" dirty="0"/>
+          </a:p>
+        </p:txBody>
+      </p:sp>
+      <p:sp>
+        <p:nvSpPr>
+          <p:cNvPr id="20" name="Rectangle 19">
+            <a:extLst>
+              <a:ext uri="{FF2B5EF4-FFF2-40B4-BE49-F238E27FC236}">
+                <a16:creationId xmlns:a16="http://schemas.microsoft.com/office/drawing/2014/main" id="{A406C653-DD5B-FF88-3A18-BA2D13E82F7D}"/>
+              </a:ext>
+              <a:ext uri="{C183D7F6-B498-43B3-948B-1728B52AA6E4}">
+                <adec:decorative xmlns:adec="http://schemas.microsoft.com/office/drawing/2017/decorative" val="1"/>
+              </a:ext>
+            </a:extLst>
+          </p:cNvPr>
+          <p:cNvSpPr>
+            <a:spLocks noGrp="1" noRot="1" noChangeAspect="1" noMove="1" noResize="1" noEditPoints="1" noAdjustHandles="1" noChangeArrowheads="1" noChangeShapeType="1" noTextEdit="1"/>
+          </p:cNvSpPr>
+          <p:nvPr>
+            <p:extLst>
+              <p:ext uri="{386F3935-93C4-4BCD-93E2-E3B085C9AB24}">
+                <p16:designElem xmlns:p16="http://schemas.microsoft.com/office/powerpoint/2015/main" val="1"/>
+              </p:ext>
+            </p:extLst>
+          </p:nvPr>
+        </p:nvSpPr>
+        <p:spPr>
+          <a:xfrm>
+            <a:off x="6096742" y="2268980"/>
+            <a:ext cx="342900" cy="45720"/>
+          </a:xfrm>
+          <a:prstGeom prst="rect">
+            <a:avLst/>
+          </a:prstGeom>
+          <a:solidFill>
+            <a:schemeClr val="tx1"/>
+          </a:solidFill>
+          <a:ln>
+            <a:noFill/>
+          </a:ln>
+        </p:spPr>
+        <p:style>
+          <a:lnRef idx="2">
+            <a:schemeClr val="accent1">
+              <a:shade val="50000"/>
+            </a:schemeClr>
+          </a:lnRef>
+          <a:fillRef idx="1">
+            <a:schemeClr val="accent1"/>
+          </a:fillRef>
+          <a:effectRef idx="0">
+            <a:schemeClr val="accent1"/>
+          </a:effectRef>
+          <a:fontRef idx="minor">
+            <a:schemeClr val="lt1"/>
+          </a:fontRef>
+        </p:style>
+        <p:txBody>
+          <a:bodyPr rtlCol="0" anchor="ctr"/>
+          <a:lstStyle/>
+          <a:p>
+            <a:pPr algn="ctr"/>
+            <a:endParaRPr lang="en-US"/>
+          </a:p>
+        </p:txBody>
+      </p:sp>
+      <p:pic>
+        <p:nvPicPr>
+          <p:cNvPr id="5" name="Picture 4">
+            <a:extLst>
+              <a:ext uri="{FF2B5EF4-FFF2-40B4-BE49-F238E27FC236}">
+                <a16:creationId xmlns:a16="http://schemas.microsoft.com/office/drawing/2014/main" id="{172C0E74-5FDD-E622-7CA9-6BE3BBC9371F}"/>
+              </a:ext>
+            </a:extLst>
+          </p:cNvPr>
+          <p:cNvPicPr>
+            <a:picLocks noChangeAspect="1"/>
+          </p:cNvPicPr>
+          <p:nvPr/>
+        </p:nvPicPr>
+        <p:blipFill>
+          <a:blip r:embed="rId2"/>
+          <a:stretch>
+            <a:fillRect/>
+          </a:stretch>
+        </p:blipFill>
+        <p:spPr>
+          <a:xfrm>
+            <a:off x="1137237" y="2691192"/>
+            <a:ext cx="6439642" cy="1455021"/>
+          </a:xfrm>
+          <a:prstGeom prst="rect">
+            <a:avLst/>
+          </a:prstGeom>
+        </p:spPr>
+      </p:pic>
+    </p:spTree>
+    <p:extLst>
+      <p:ext uri="{BB962C8B-B14F-4D97-AF65-F5344CB8AC3E}">
+        <p14:creationId xmlns:p14="http://schemas.microsoft.com/office/powerpoint/2010/main" val="4261276463"/>
+      </p:ext>
+    </p:extLst>
+  </p:cSld>
+  <p:clrMapOvr>
+    <a:masterClrMapping/>
+  </p:clrMapOvr>
+</p:sld>
+</file>
+
+<file path=ppt/slides/slide27.xml><?xml version="1.0" encoding="utf-8"?>
+<p:sld xmlns:a="http://schemas.openxmlformats.org/drawingml/2006/main" xmlns:r="http://schemas.openxmlformats.org/officeDocument/2006/relationships" xmlns:p="http://schemas.openxmlformats.org/presentationml/2006/main">
+  <p:cSld>
+    <p:bg>
+      <p:bgPr>
+        <a:solidFill>
+          <a:schemeClr val="bg1"/>
+        </a:solidFill>
+        <a:effectLst/>
+      </p:bgPr>
+    </p:bg>
+    <p:spTree>
+      <p:nvGrpSpPr>
+        <p:cNvPr id="1" name=""/>
+        <p:cNvGrpSpPr/>
+        <p:nvPr/>
+      </p:nvGrpSpPr>
+      <p:grpSpPr>
+        <a:xfrm>
+          <a:off x="0" y="0"/>
+          <a:ext cx="0" cy="0"/>
+          <a:chOff x="0" y="0"/>
+          <a:chExt cx="0" cy="0"/>
+        </a:xfrm>
+      </p:grpSpPr>
+      <p:sp>
+        <p:nvSpPr>
+          <p:cNvPr id="9" name="Rectangle 8">
+            <a:extLst>
+              <a:ext uri="{FF2B5EF4-FFF2-40B4-BE49-F238E27FC236}">
+                <a16:creationId xmlns:a16="http://schemas.microsoft.com/office/drawing/2014/main" id="{5B32A67F-3598-4A13-8552-DA884FFCCE57}"/>
+              </a:ext>
+              <a:ext uri="{C183D7F6-B498-43B3-948B-1728B52AA6E4}">
+                <adec:decorative xmlns:adec="http://schemas.microsoft.com/office/drawing/2017/decorative" val="1"/>
+              </a:ext>
+            </a:extLst>
+          </p:cNvPr>
+          <p:cNvSpPr>
+            <a:spLocks noGrp="1" noRot="1" noChangeAspect="1" noMove="1" noResize="1" noEditPoints="1" noAdjustHandles="1" noChangeArrowheads="1" noChangeShapeType="1" noTextEdit="1"/>
+          </p:cNvSpPr>
+          <p:nvPr>
+            <p:extLst>
+              <p:ext uri="{386F3935-93C4-4BCD-93E2-E3B085C9AB24}">
+                <p16:designElem xmlns:p16="http://schemas.microsoft.com/office/powerpoint/2015/main" val="1"/>
+              </p:ext>
+            </p:extLst>
+          </p:nvPr>
+        </p:nvSpPr>
+        <p:spPr>
+          <a:xfrm>
+            <a:off x="0" y="0"/>
+            <a:ext cx="9144000" cy="6857998"/>
+          </a:xfrm>
+          <a:prstGeom prst="rect">
+            <a:avLst/>
+          </a:prstGeom>
+          <a:solidFill>
+            <a:schemeClr val="tx1">
+              <a:lumMod val="75000"/>
+              <a:lumOff val="25000"/>
+            </a:schemeClr>
+          </a:solidFill>
+          <a:ln>
+            <a:noFill/>
+          </a:ln>
+        </p:spPr>
+        <p:style>
+          <a:lnRef idx="2">
+            <a:schemeClr val="accent1">
+              <a:shade val="50000"/>
+            </a:schemeClr>
+          </a:lnRef>
+          <a:fillRef idx="1">
+            <a:schemeClr val="accent1"/>
+          </a:fillRef>
+          <a:effectRef idx="0">
+            <a:schemeClr val="accent1"/>
+          </a:effectRef>
+          <a:fontRef idx="minor">
+            <a:schemeClr val="lt1"/>
+          </a:fontRef>
+        </p:style>
+        <p:txBody>
+          <a:bodyPr rtlCol="0" anchor="ctr"/>
+          <a:lstStyle/>
+          <a:p>
+            <a:pPr algn="ctr"/>
+            <a:endParaRPr lang="en-US" sz="1350"/>
+          </a:p>
+        </p:txBody>
+      </p:sp>
+      <p:sp>
+        <p:nvSpPr>
+          <p:cNvPr id="2" name="Title 1"/>
+          <p:cNvSpPr>
+            <a:spLocks noGrp="1"/>
+          </p:cNvSpPr>
+          <p:nvPr>
+            <p:ph type="ctrTitle"/>
+          </p:nvPr>
+        </p:nvSpPr>
+        <p:spPr>
+          <a:xfrm>
+            <a:off x="603504" y="3347895"/>
+            <a:ext cx="3619839" cy="1557250"/>
+          </a:xfrm>
+        </p:spPr>
+        <p:txBody>
+          <a:bodyPr anchor="t">
+            <a:normAutofit/>
+          </a:bodyPr>
+          <a:lstStyle/>
+          <a:p>
+            <a:pPr algn="l"/>
+            <a:r>
+              <a:rPr lang="en-IN" sz="3600" dirty="0">
+                <a:solidFill>
+                  <a:schemeClr val="bg1"/>
+                </a:solidFill>
+              </a:rPr>
+              <a:t>Thank You</a:t>
+            </a:r>
+          </a:p>
+        </p:txBody>
+      </p:sp>
+      <p:sp>
+        <p:nvSpPr>
+          <p:cNvPr id="11" name="Freeform: Shape 10">
+            <a:extLst>
+              <a:ext uri="{FF2B5EF4-FFF2-40B4-BE49-F238E27FC236}">
+                <a16:creationId xmlns:a16="http://schemas.microsoft.com/office/drawing/2014/main" id="{BCC55ACC-A2F6-403C-A3A4-D59B3734D45F}"/>
+              </a:ext>
+              <a:ext uri="{C183D7F6-B498-43B3-948B-1728B52AA6E4}">
+                <adec:decorative xmlns:adec="http://schemas.microsoft.com/office/drawing/2017/decorative" val="1"/>
+              </a:ext>
+            </a:extLst>
+          </p:cNvPr>
+          <p:cNvSpPr>
+            <a:spLocks noGrp="1" noRot="1" noChangeAspect="1" noMove="1" noResize="1" noEditPoints="1" noAdjustHandles="1" noChangeArrowheads="1" noChangeShapeType="1" noTextEdit="1"/>
+          </p:cNvSpPr>
+          <p:nvPr>
+            <p:extLst>
+              <p:ext uri="{386F3935-93C4-4BCD-93E2-E3B085C9AB24}">
+                <p16:designElem xmlns:p16="http://schemas.microsoft.com/office/powerpoint/2015/main" val="1"/>
+              </p:ext>
+            </p:extLst>
+          </p:nvPr>
+        </p:nvSpPr>
+        <p:spPr>
+          <a:xfrm>
+            <a:off x="4392984" y="2000248"/>
+            <a:ext cx="4751017" cy="4857750"/>
+          </a:xfrm>
+          <a:custGeom>
+            <a:avLst/>
+            <a:gdLst>
+              <a:gd name="connsiteX0" fmla="*/ 3561588 w 6334689"/>
+              <a:gd name="connsiteY0" fmla="*/ 0 h 6477000"/>
+              <a:gd name="connsiteX1" fmla="*/ 6309883 w 6334689"/>
+              <a:gd name="connsiteY1" fmla="*/ 1296087 h 6477000"/>
+              <a:gd name="connsiteX2" fmla="*/ 6334689 w 6334689"/>
+              <a:gd name="connsiteY2" fmla="*/ 1329261 h 6477000"/>
+              <a:gd name="connsiteX3" fmla="*/ 6334689 w 6334689"/>
+              <a:gd name="connsiteY3" fmla="*/ 5793916 h 6477000"/>
+              <a:gd name="connsiteX4" fmla="*/ 6309883 w 6334689"/>
+              <a:gd name="connsiteY4" fmla="*/ 5827089 h 6477000"/>
+              <a:gd name="connsiteX5" fmla="*/ 5760467 w 6334689"/>
+              <a:gd name="connsiteY5" fmla="*/ 6363539 h 6477000"/>
+              <a:gd name="connsiteX6" fmla="*/ 5607796 w 6334689"/>
+              <a:gd name="connsiteY6" fmla="*/ 6477000 h 6477000"/>
+              <a:gd name="connsiteX7" fmla="*/ 1519571 w 6334689"/>
+              <a:gd name="connsiteY7" fmla="*/ 6477000 h 6477000"/>
+              <a:gd name="connsiteX8" fmla="*/ 1296088 w 6334689"/>
+              <a:gd name="connsiteY8" fmla="*/ 6309883 h 6477000"/>
+              <a:gd name="connsiteX9" fmla="*/ 0 w 6334689"/>
+              <a:gd name="connsiteY9" fmla="*/ 3561588 h 6477000"/>
+              <a:gd name="connsiteX10" fmla="*/ 3561588 w 6334689"/>
+              <a:gd name="connsiteY10" fmla="*/ 0 h 6477000"/>
+            </a:gdLst>
+            <a:ahLst/>
+            <a:cxnLst>
+              <a:cxn ang="0">
+                <a:pos x="connsiteX0" y="connsiteY0"/>
+              </a:cxn>
+              <a:cxn ang="0">
+                <a:pos x="connsiteX1" y="connsiteY1"/>
+              </a:cxn>
+              <a:cxn ang="0">
+                <a:pos x="connsiteX2" y="connsiteY2"/>
+              </a:cxn>
+              <a:cxn ang="0">
+                <a:pos x="connsiteX3" y="connsiteY3"/>
+              </a:cxn>
+              <a:cxn ang="0">
+                <a:pos x="connsiteX4" y="connsiteY4"/>
+              </a:cxn>
+              <a:cxn ang="0">
+                <a:pos x="connsiteX5" y="connsiteY5"/>
+              </a:cxn>
+              <a:cxn ang="0">
+                <a:pos x="connsiteX6" y="connsiteY6"/>
+              </a:cxn>
+              <a:cxn ang="0">
+                <a:pos x="connsiteX7" y="connsiteY7"/>
+              </a:cxn>
+              <a:cxn ang="0">
+                <a:pos x="connsiteX8" y="connsiteY8"/>
+              </a:cxn>
+              <a:cxn ang="0">
+                <a:pos x="connsiteX9" y="connsiteY9"/>
+              </a:cxn>
+              <a:cxn ang="0">
+                <a:pos x="connsiteX10" y="connsiteY10"/>
+              </a:cxn>
+            </a:cxnLst>
+            <a:rect l="l" t="t" r="r" b="b"/>
+            <a:pathLst>
+              <a:path w="6334689" h="6477000">
+                <a:moveTo>
+                  <a:pt x="3561588" y="0"/>
+                </a:moveTo>
+                <a:cubicBezTo>
+                  <a:pt x="4668032" y="0"/>
+                  <a:pt x="5656635" y="504534"/>
+                  <a:pt x="6309883" y="1296087"/>
+                </a:cubicBezTo>
+                <a:lnTo>
+                  <a:pt x="6334689" y="1329261"/>
+                </a:lnTo>
+                <a:lnTo>
+                  <a:pt x="6334689" y="5793916"/>
+                </a:lnTo>
+                <a:lnTo>
+                  <a:pt x="6309883" y="5827089"/>
+                </a:lnTo>
+                <a:cubicBezTo>
+                  <a:pt x="6146571" y="6024977"/>
+                  <a:pt x="5962299" y="6204927"/>
+                  <a:pt x="5760467" y="6363539"/>
+                </a:cubicBezTo>
+                <a:lnTo>
+                  <a:pt x="5607796" y="6477000"/>
+                </a:lnTo>
+                <a:lnTo>
+                  <a:pt x="1519571" y="6477000"/>
+                </a:lnTo>
+                <a:lnTo>
+                  <a:pt x="1296088" y="6309883"/>
+                </a:lnTo>
+                <a:cubicBezTo>
+                  <a:pt x="504535" y="5656635"/>
+                  <a:pt x="0" y="4668032"/>
+                  <a:pt x="0" y="3561588"/>
+                </a:cubicBezTo>
+                <a:cubicBezTo>
+                  <a:pt x="0" y="1594577"/>
+                  <a:pt x="1594577" y="0"/>
+                  <a:pt x="3561588" y="0"/>
+                </a:cubicBezTo>
+                <a:close/>
+              </a:path>
+            </a:pathLst>
+          </a:custGeom>
+          <a:solidFill>
+            <a:schemeClr val="bg1">
+              <a:alpha val="80000"/>
+            </a:schemeClr>
+          </a:solidFill>
+          <a:ln>
+            <a:noFill/>
+          </a:ln>
+        </p:spPr>
+        <p:style>
+          <a:lnRef idx="2">
+            <a:schemeClr val="accent1">
+              <a:shade val="50000"/>
+            </a:schemeClr>
+          </a:lnRef>
+          <a:fillRef idx="1">
+            <a:schemeClr val="accent1"/>
+          </a:fillRef>
+          <a:effectRef idx="0">
+            <a:schemeClr val="accent1"/>
+          </a:effectRef>
+          <a:fontRef idx="minor">
+            <a:schemeClr val="lt1"/>
+          </a:fontRef>
+        </p:style>
+        <p:txBody>
+          <a:bodyPr rtlCol="0" anchor="ctr"/>
+          <a:lstStyle/>
+          <a:p>
+            <a:pPr algn="ctr" defTabSz="685800">
+              <a:defRPr/>
+            </a:pPr>
+            <a:endParaRPr lang="en-US" sz="1350">
+              <a:solidFill>
+                <a:prstClr val="white"/>
+              </a:solidFill>
+              <a:latin typeface="Calibri" panose="020F0502020204030204"/>
+            </a:endParaRPr>
+          </a:p>
+        </p:txBody>
+      </p:sp>
+      <p:sp>
+        <p:nvSpPr>
+          <p:cNvPr id="13" name="Freeform: Shape 12">
+            <a:extLst>
+              <a:ext uri="{FF2B5EF4-FFF2-40B4-BE49-F238E27FC236}">
+                <a16:creationId xmlns:a16="http://schemas.microsoft.com/office/drawing/2014/main" id="{598EBA13-C937-430B-9523-439FE21096E6}"/>
+              </a:ext>
+              <a:ext uri="{C183D7F6-B498-43B3-948B-1728B52AA6E4}">
+                <adec:decorative xmlns:adec="http://schemas.microsoft.com/office/drawing/2017/decorative" val="1"/>
+              </a:ext>
+            </a:extLst>
+          </p:cNvPr>
+          <p:cNvSpPr>
+            <a:spLocks noGrp="1" noRot="1" noChangeAspect="1" noMove="1" noResize="1" noEditPoints="1" noAdjustHandles="1" noChangeArrowheads="1" noChangeShapeType="1" noTextEdit="1"/>
+          </p:cNvSpPr>
+          <p:nvPr>
+            <p:extLst>
+              <p:ext uri="{386F3935-93C4-4BCD-93E2-E3B085C9AB24}">
+                <p16:designElem xmlns:p16="http://schemas.microsoft.com/office/powerpoint/2015/main" val="1"/>
+              </p:ext>
+            </p:extLst>
+          </p:nvPr>
+        </p:nvSpPr>
+        <p:spPr>
+          <a:xfrm>
+            <a:off x="4515814" y="2123081"/>
+            <a:ext cx="4628186" cy="4734919"/>
+          </a:xfrm>
+          <a:custGeom>
+            <a:avLst/>
+            <a:gdLst>
+              <a:gd name="connsiteX0" fmla="*/ 3397813 w 6170914"/>
+              <a:gd name="connsiteY0" fmla="*/ 0 h 6313225"/>
+              <a:gd name="connsiteX1" fmla="*/ 6019731 w 6170914"/>
+              <a:gd name="connsiteY1" fmla="*/ 1236489 h 6313225"/>
+              <a:gd name="connsiteX2" fmla="*/ 6170914 w 6170914"/>
+              <a:gd name="connsiteY2" fmla="*/ 1438663 h 6313225"/>
+              <a:gd name="connsiteX3" fmla="*/ 6170914 w 6170914"/>
+              <a:gd name="connsiteY3" fmla="*/ 5356963 h 6313225"/>
+              <a:gd name="connsiteX4" fmla="*/ 6019731 w 6170914"/>
+              <a:gd name="connsiteY4" fmla="*/ 5559138 h 6313225"/>
+              <a:gd name="connsiteX5" fmla="*/ 5194591 w 6170914"/>
+              <a:gd name="connsiteY5" fmla="*/ 6282226 h 6313225"/>
+              <a:gd name="connsiteX6" fmla="*/ 5141791 w 6170914"/>
+              <a:gd name="connsiteY6" fmla="*/ 6313225 h 6313225"/>
+              <a:gd name="connsiteX7" fmla="*/ 1659199 w 6170914"/>
+              <a:gd name="connsiteY7" fmla="*/ 6313225 h 6313225"/>
+              <a:gd name="connsiteX8" fmla="*/ 1498064 w 6170914"/>
+              <a:gd name="connsiteY8" fmla="*/ 6215333 h 6313225"/>
+              <a:gd name="connsiteX9" fmla="*/ 0 w 6170914"/>
+              <a:gd name="connsiteY9" fmla="*/ 3397813 h 6313225"/>
+              <a:gd name="connsiteX10" fmla="*/ 3397813 w 6170914"/>
+              <a:gd name="connsiteY10" fmla="*/ 0 h 6313225"/>
+            </a:gdLst>
+            <a:ahLst/>
+            <a:cxnLst>
+              <a:cxn ang="0">
+                <a:pos x="connsiteX0" y="connsiteY0"/>
+              </a:cxn>
+              <a:cxn ang="0">
+                <a:pos x="connsiteX1" y="connsiteY1"/>
+              </a:cxn>
+              <a:cxn ang="0">
+                <a:pos x="connsiteX2" y="connsiteY2"/>
+              </a:cxn>
+              <a:cxn ang="0">
+                <a:pos x="connsiteX3" y="connsiteY3"/>
+              </a:cxn>
+              <a:cxn ang="0">
+                <a:pos x="connsiteX4" y="connsiteY4"/>
+              </a:cxn>
+              <a:cxn ang="0">
+                <a:pos x="connsiteX5" y="connsiteY5"/>
+              </a:cxn>
+              <a:cxn ang="0">
+                <a:pos x="connsiteX6" y="connsiteY6"/>
+              </a:cxn>
+              <a:cxn ang="0">
+                <a:pos x="connsiteX7" y="connsiteY7"/>
+              </a:cxn>
+              <a:cxn ang="0">
+                <a:pos x="connsiteX8" y="connsiteY8"/>
+              </a:cxn>
+              <a:cxn ang="0">
+                <a:pos x="connsiteX9" y="connsiteY9"/>
+              </a:cxn>
+              <a:cxn ang="0">
+                <a:pos x="connsiteX10" y="connsiteY10"/>
+              </a:cxn>
+            </a:cxnLst>
+            <a:rect l="l" t="t" r="r" b="b"/>
+            <a:pathLst>
+              <a:path w="6170914" h="6313225">
+                <a:moveTo>
+                  <a:pt x="3397813" y="0"/>
+                </a:moveTo>
+                <a:cubicBezTo>
+                  <a:pt x="4453378" y="0"/>
+                  <a:pt x="5396522" y="481334"/>
+                  <a:pt x="6019731" y="1236489"/>
+                </a:cubicBezTo>
+                <a:lnTo>
+                  <a:pt x="6170914" y="1438663"/>
+                </a:lnTo>
+                <a:lnTo>
+                  <a:pt x="6170914" y="5356963"/>
+                </a:lnTo>
+                <a:lnTo>
+                  <a:pt x="6019731" y="5559138"/>
+                </a:lnTo>
+                <a:cubicBezTo>
+                  <a:pt x="5786028" y="5842321"/>
+                  <a:pt x="5507333" y="6086998"/>
+                  <a:pt x="5194591" y="6282226"/>
+                </a:cubicBezTo>
+                <a:lnTo>
+                  <a:pt x="5141791" y="6313225"/>
+                </a:lnTo>
+                <a:lnTo>
+                  <a:pt x="1659199" y="6313225"/>
+                </a:lnTo>
+                <a:lnTo>
+                  <a:pt x="1498064" y="6215333"/>
+                </a:lnTo>
+                <a:cubicBezTo>
+                  <a:pt x="594240" y="5604721"/>
+                  <a:pt x="0" y="4570663"/>
+                  <a:pt x="0" y="3397813"/>
+                </a:cubicBezTo>
+                <a:cubicBezTo>
+                  <a:pt x="0" y="1521253"/>
+                  <a:pt x="1521253" y="0"/>
+                  <a:pt x="3397813" y="0"/>
+                </a:cubicBezTo>
+                <a:close/>
+              </a:path>
+            </a:pathLst>
+          </a:custGeom>
+          <a:solidFill>
+            <a:schemeClr val="bg1"/>
+          </a:solidFill>
+          <a:ln>
+            <a:noFill/>
+          </a:ln>
+        </p:spPr>
+        <p:style>
+          <a:lnRef idx="2">
+            <a:schemeClr val="accent1">
+              <a:shade val="50000"/>
+            </a:schemeClr>
+          </a:lnRef>
+          <a:fillRef idx="1">
+            <a:schemeClr val="accent1"/>
+          </a:fillRef>
+          <a:effectRef idx="0">
+            <a:schemeClr val="accent1"/>
+          </a:effectRef>
+          <a:fontRef idx="minor">
+            <a:schemeClr val="lt1"/>
+          </a:fontRef>
+        </p:style>
+        <p:txBody>
+          <a:bodyPr rtlCol="0" anchor="ctr"/>
+          <a:lstStyle/>
+          <a:p>
+            <a:pPr algn="ctr" defTabSz="685800">
+              <a:defRPr/>
+            </a:pPr>
+            <a:endParaRPr lang="en-US" sz="1350">
+              <a:solidFill>
+                <a:prstClr val="white"/>
+              </a:solidFill>
+              <a:latin typeface="Calibri" panose="020F0502020204030204"/>
+            </a:endParaRPr>
+          </a:p>
+        </p:txBody>
+      </p:sp>
+      <p:pic>
+        <p:nvPicPr>
+          <p:cNvPr id="6" name="Graphic 5" descr="Smiling Face with No Fill">
+            <a:extLst>
+              <a:ext uri="{FF2B5EF4-FFF2-40B4-BE49-F238E27FC236}">
+                <a16:creationId xmlns:a16="http://schemas.microsoft.com/office/drawing/2014/main" id="{1397E3F6-AA1E-F3F2-EDA5-3BD523879B0C}"/>
+              </a:ext>
+            </a:extLst>
+          </p:cNvPr>
+          <p:cNvPicPr>
+            <a:picLocks noChangeAspect="1"/>
+          </p:cNvPicPr>
+          <p:nvPr/>
+        </p:nvPicPr>
+        <p:blipFill>
+          <a:blip r:embed="rId2">
+            <a:extLst>
+              <a:ext uri="{28A0092B-C50C-407E-A947-70E740481C1C}">
+                <a14:useLocalDpi xmlns:a14="http://schemas.microsoft.com/office/drawing/2010/main" val="0"/>
+              </a:ext>
+              <a:ext uri="{96DAC541-7B7A-43D3-8B79-37D633B846F1}">
+                <asvg:svgBlip xmlns:asvg="http://schemas.microsoft.com/office/drawing/2016/SVG/main" r:embed="rId3"/>
+              </a:ext>
+            </a:extLst>
+          </a:blip>
+          <a:stretch>
+            <a:fillRect/>
+          </a:stretch>
+        </p:blipFill>
+        <p:spPr>
+          <a:xfrm>
+            <a:off x="5276850" y="2892665"/>
+            <a:ext cx="3509119" cy="3509119"/>
+          </a:xfrm>
+          <a:prstGeom prst="rect">
+            <a:avLst/>
+          </a:prstGeom>
+        </p:spPr>
+      </p:pic>
     </p:spTree>
   </p:cSld>
   <p:clrMapOvr>
@@ -6531,7 +12150,13 @@
     </p:bg>
     <p:spTree>
       <p:nvGrpSpPr>
-        <p:cNvPr id="1" name=""/>
+        <p:cNvPr id="1" name="">
+          <a:extLst>
+            <a:ext uri="{FF2B5EF4-FFF2-40B4-BE49-F238E27FC236}">
+              <a16:creationId xmlns:a16="http://schemas.microsoft.com/office/drawing/2014/main" id="{1888F9C5-44E3-087B-9FDA-046A9A50D7A5}"/>
+            </a:ext>
+          </a:extLst>
+        </p:cNvPr>
         <p:cNvGrpSpPr/>
         <p:nvPr/>
       </p:nvGrpSpPr>
@@ -6545,10 +12170,10 @@
       </p:grpSpPr>
       <p:sp>
         <p:nvSpPr>
-          <p:cNvPr id="20" name="Rectangle 19">
-            <a:extLst>
-              <a:ext uri="{FF2B5EF4-FFF2-40B4-BE49-F238E27FC236}">
-                <a16:creationId xmlns:a16="http://schemas.microsoft.com/office/drawing/2014/main" id="{C3896A03-3945-419A-B66B-4EE266EDD152}"/>
+          <p:cNvPr id="10" name="Rectangle 9">
+            <a:extLst>
+              <a:ext uri="{FF2B5EF4-FFF2-40B4-BE49-F238E27FC236}">
+                <a16:creationId xmlns:a16="http://schemas.microsoft.com/office/drawing/2014/main" id="{35FD5466-BA15-F47A-5E23-3FC344EE0F92}"/>
               </a:ext>
               <a:ext uri="{C183D7F6-B498-43B3-948B-1728B52AA6E4}">
                 <adec:decorative xmlns:adec="http://schemas.microsoft.com/office/drawing/2017/decorative" val="1"/>
@@ -6568,8 +12193,8 @@
         </p:nvSpPr>
         <p:spPr>
           <a:xfrm>
-            <a:off x="7" y="0"/>
-            <a:ext cx="4562585" cy="6858001"/>
+            <a:off x="7" y="-5705"/>
+            <a:ext cx="9143993" cy="1694346"/>
           </a:xfrm>
           <a:prstGeom prst="rect">
             <a:avLst/>
@@ -6611,7 +12236,13 @@
       </p:sp>
       <p:sp>
         <p:nvSpPr>
-          <p:cNvPr id="2" name="Title 1"/>
+          <p:cNvPr id="4" name="Title 3">
+            <a:extLst>
+              <a:ext uri="{FF2B5EF4-FFF2-40B4-BE49-F238E27FC236}">
+                <a16:creationId xmlns:a16="http://schemas.microsoft.com/office/drawing/2014/main" id="{0A796DE3-73F9-6404-DFDB-0FCA0335450C}"/>
+              </a:ext>
+            </a:extLst>
+          </p:cNvPr>
           <p:cNvSpPr>
             <a:spLocks noGrp="1"/>
           </p:cNvSpPr>
@@ -6621,34 +12252,49 @@
         </p:nvSpPr>
         <p:spPr>
           <a:xfrm>
-            <a:off x="674642" y="767365"/>
-            <a:ext cx="3213313" cy="321736"/>
-          </a:xfrm>
-        </p:spPr>
-        <p:txBody>
-          <a:bodyPr vert="horz" lIns="91440" tIns="45720" rIns="91440" bIns="45720" rtlCol="0" anchor="b">
-            <a:noAutofit/>
+            <a:off x="867638" y="637762"/>
+            <a:ext cx="7416372" cy="900131"/>
+          </a:xfrm>
+        </p:spPr>
+        <p:txBody>
+          <a:bodyPr anchor="t">
+            <a:normAutofit/>
           </a:bodyPr>
           <a:lstStyle/>
           <a:p>
-            <a:pPr defTabSz="914400"/>
-            <a:r>
-              <a:rPr lang="en-US" dirty="0">
+            <a:r>
+              <a:rPr lang="en-US" sz="3500" dirty="0">
                 <a:solidFill>
                   <a:schemeClr val="bg1"/>
                 </a:solidFill>
               </a:rPr>
-              <a:t>Schema and Database Design</a:t>
-            </a:r>
-          </a:p>
-        </p:txBody>
-      </p:sp>
-      <p:sp>
-        <p:nvSpPr>
-          <p:cNvPr id="22" name="Rectangle 21">
-            <a:extLst>
-              <a:ext uri="{FF2B5EF4-FFF2-40B4-BE49-F238E27FC236}">
-                <a16:creationId xmlns:a16="http://schemas.microsoft.com/office/drawing/2014/main" id="{B34F5AD2-EDBD-4BBD-A55C-EAFFD0C7097A}"/>
+              <a:t>D</a:t>
+            </a:r>
+            <a:r>
+              <a:rPr lang="en-IN" sz="3500" dirty="0" err="1">
+                <a:solidFill>
+                  <a:schemeClr val="bg1"/>
+                </a:solidFill>
+              </a:rPr>
+              <a:t>atabase</a:t>
+            </a:r>
+            <a:r>
+              <a:rPr lang="en-IN" sz="3500" dirty="0">
+                <a:solidFill>
+                  <a:schemeClr val="bg1"/>
+                </a:solidFill>
+              </a:rPr>
+              <a:t> Structures and Features</a:t>
+            </a:r>
+          </a:p>
+        </p:txBody>
+      </p:sp>
+      <p:sp>
+        <p:nvSpPr>
+          <p:cNvPr id="12" name="Rectangle 11">
+            <a:extLst>
+              <a:ext uri="{FF2B5EF4-FFF2-40B4-BE49-F238E27FC236}">
+                <a16:creationId xmlns:a16="http://schemas.microsoft.com/office/drawing/2014/main" id="{3E8CE8A7-48A0-3D88-0294-71F605E28C94}"/>
               </a:ext>
               <a:ext uri="{C183D7F6-B498-43B3-948B-1728B52AA6E4}">
                 <adec:decorative xmlns:adec="http://schemas.microsoft.com/office/drawing/2017/decorative" val="1"/>
@@ -6668,8 +12314,8 @@
         </p:nvSpPr>
         <p:spPr>
           <a:xfrm>
-            <a:off x="4572000" y="0"/>
-            <a:ext cx="4571992" cy="6858001"/>
+            <a:off x="0" y="1688641"/>
+            <a:ext cx="9143992" cy="5169359"/>
           </a:xfrm>
           <a:prstGeom prst="rect">
             <a:avLst/>
@@ -6708,81 +12354,12 @@
           </a:p>
         </p:txBody>
       </p:sp>
-      <p:pic>
-        <p:nvPicPr>
-          <p:cNvPr id="7" name="Picture 6" descr="A computer screen shot of a data flow chart&#10;&#10;Description automatically generated">
-            <a:extLst>
-              <a:ext uri="{FF2B5EF4-FFF2-40B4-BE49-F238E27FC236}">
-                <a16:creationId xmlns:a16="http://schemas.microsoft.com/office/drawing/2014/main" id="{235532D4-BA6C-D27C-DB30-98E7AB2D05E8}"/>
-              </a:ext>
-            </a:extLst>
-          </p:cNvPr>
-          <p:cNvPicPr>
-            <a:picLocks noChangeAspect="1"/>
-          </p:cNvPicPr>
-          <p:nvPr/>
-        </p:nvPicPr>
-        <p:blipFill>
-          <a:blip r:embed="rId2"/>
-          <a:stretch>
-            <a:fillRect/>
-          </a:stretch>
-        </p:blipFill>
-        <p:spPr>
-          <a:xfrm>
-            <a:off x="674642" y="1398938"/>
-            <a:ext cx="7717809" cy="5149226"/>
-          </a:xfrm>
-          <a:prstGeom prst="rect">
-            <a:avLst/>
-          </a:prstGeom>
-        </p:spPr>
-      </p:pic>
-    </p:spTree>
-  </p:cSld>
-  <p:clrMapOvr>
-    <a:masterClrMapping/>
-  </p:clrMapOvr>
-</p:sld>
-</file>
-
-<file path=ppt/slides/slide6.xml><?xml version="1.0" encoding="utf-8"?>
-<p:sld xmlns:a="http://schemas.openxmlformats.org/drawingml/2006/main" xmlns:r="http://schemas.openxmlformats.org/officeDocument/2006/relationships" xmlns:p="http://schemas.openxmlformats.org/presentationml/2006/main">
-  <p:cSld>
-    <p:bg>
-      <p:bgPr>
-        <a:solidFill>
-          <a:schemeClr val="bg1"/>
-        </a:solidFill>
-        <a:effectLst/>
-      </p:bgPr>
-    </p:bg>
-    <p:spTree>
-      <p:nvGrpSpPr>
-        <p:cNvPr id="1" name="">
-          <a:extLst>
-            <a:ext uri="{FF2B5EF4-FFF2-40B4-BE49-F238E27FC236}">
-              <a16:creationId xmlns:a16="http://schemas.microsoft.com/office/drawing/2014/main" id="{E1570DB7-45DC-02E9-B050-5F04C9A49C80}"/>
-            </a:ext>
-          </a:extLst>
-        </p:cNvPr>
-        <p:cNvGrpSpPr/>
-        <p:nvPr/>
-      </p:nvGrpSpPr>
-      <p:grpSpPr>
-        <a:xfrm>
-          <a:off x="0" y="0"/>
-          <a:ext cx="0" cy="0"/>
-          <a:chOff x="0" y="0"/>
-          <a:chExt cx="0" cy="0"/>
-        </a:xfrm>
-      </p:grpSpPr>
-      <p:sp>
-        <p:nvSpPr>
-          <p:cNvPr id="20" name="Rectangle 19">
-            <a:extLst>
-              <a:ext uri="{FF2B5EF4-FFF2-40B4-BE49-F238E27FC236}">
-                <a16:creationId xmlns:a16="http://schemas.microsoft.com/office/drawing/2014/main" id="{103FC01F-C20C-311A-DD28-237923F9CCCB}"/>
+      <p:sp>
+        <p:nvSpPr>
+          <p:cNvPr id="14" name="Rectangle 13">
+            <a:extLst>
+              <a:ext uri="{FF2B5EF4-FFF2-40B4-BE49-F238E27FC236}">
+                <a16:creationId xmlns:a16="http://schemas.microsoft.com/office/drawing/2014/main" id="{07DB26C3-9E44-D013-4995-C74A0FBDCCAC}"/>
               </a:ext>
               <a:ext uri="{C183D7F6-B498-43B3-948B-1728B52AA6E4}">
                 <adec:decorative xmlns:adec="http://schemas.microsoft.com/office/drawing/2017/decorative" val="1"/>
@@ -6802,17 +12379,14 @@
         </p:nvSpPr>
         <p:spPr>
           <a:xfrm>
-            <a:off x="7" y="0"/>
-            <a:ext cx="4562585" cy="6858001"/>
+            <a:off x="867638" y="2010758"/>
+            <a:ext cx="342892" cy="45719"/>
           </a:xfrm>
           <a:prstGeom prst="rect">
             <a:avLst/>
           </a:prstGeom>
           <a:solidFill>
-            <a:schemeClr val="tx1">
-              <a:lumMod val="85000"/>
-              <a:lumOff val="15000"/>
-            </a:schemeClr>
+            <a:schemeClr val="tx1"/>
           </a:solidFill>
           <a:ln>
             <a:noFill/>
@@ -6845,10 +12419,10 @@
       </p:sp>
       <p:sp>
         <p:nvSpPr>
-          <p:cNvPr id="2" name="Title 1">
-            <a:extLst>
-              <a:ext uri="{FF2B5EF4-FFF2-40B4-BE49-F238E27FC236}">
-                <a16:creationId xmlns:a16="http://schemas.microsoft.com/office/drawing/2014/main" id="{780A21AE-BE83-534A-DD4C-68BD7CD1C503}"/>
+          <p:cNvPr id="5" name="Content Placeholder 4">
+            <a:extLst>
+              <a:ext uri="{FF2B5EF4-FFF2-40B4-BE49-F238E27FC236}">
+                <a16:creationId xmlns:a16="http://schemas.microsoft.com/office/drawing/2014/main" id="{8E37705D-85D2-C6F0-1A8C-776DC76C72EB}"/>
               </a:ext>
             </a:extLst>
           </p:cNvPr>
@@ -6856,132 +12430,411 @@
             <a:spLocks noGrp="1"/>
           </p:cNvSpPr>
           <p:nvPr>
-            <p:ph type="title"/>
-          </p:nvPr>
-        </p:nvSpPr>
-        <p:spPr>
-          <a:xfrm>
-            <a:off x="674642" y="5729929"/>
-            <a:ext cx="3213313" cy="321736"/>
-          </a:xfrm>
-        </p:spPr>
-        <p:txBody>
-          <a:bodyPr vert="horz" lIns="91440" tIns="45720" rIns="91440" bIns="45720" rtlCol="0" anchor="b">
-            <a:noAutofit/>
+            <p:ph idx="1"/>
+          </p:nvPr>
+        </p:nvSpPr>
+        <p:spPr>
+          <a:xfrm>
+            <a:off x="1039084" y="2181360"/>
+            <a:ext cx="7720714" cy="4358908"/>
+          </a:xfrm>
+        </p:spPr>
+        <p:txBody>
+          <a:bodyPr>
+            <a:normAutofit/>
           </a:bodyPr>
           <a:lstStyle/>
           <a:p>
-            <a:pPr defTabSz="914400"/>
-            <a:r>
-              <a:rPr lang="en-US" dirty="0">
-                <a:solidFill>
-                  <a:schemeClr val="bg1"/>
-                </a:solidFill>
+            <a:pPr marL="0" indent="0">
+              <a:spcAft>
+                <a:spcPts val="800"/>
+              </a:spcAft>
+              <a:buNone/>
+            </a:pPr>
+            <a:r>
+              <a:rPr lang="en-US" sz="1000" kern="100" dirty="0">
+                <a:effectLst/>
+                <a:latin typeface="Aptos" panose="020B0004020202020204" pitchFamily="34" charset="0"/>
+                <a:ea typeface="Aptos" panose="020B0004020202020204" pitchFamily="34" charset="0"/>
+                <a:cs typeface="Times New Roman" panose="02020603050405020304" pitchFamily="18" charset="0"/>
               </a:rPr>
-              <a:t>ER Diagram</a:t>
-            </a:r>
-          </a:p>
-        </p:txBody>
-      </p:sp>
-      <p:sp>
-        <p:nvSpPr>
-          <p:cNvPr id="22" name="Rectangle 21">
-            <a:extLst>
-              <a:ext uri="{FF2B5EF4-FFF2-40B4-BE49-F238E27FC236}">
-                <a16:creationId xmlns:a16="http://schemas.microsoft.com/office/drawing/2014/main" id="{2EF12591-0494-3A5A-66ED-F44795CA8715}"/>
-              </a:ext>
-              <a:ext uri="{C183D7F6-B498-43B3-948B-1728B52AA6E4}">
-                <adec:decorative xmlns:adec="http://schemas.microsoft.com/office/drawing/2017/decorative" val="1"/>
-              </a:ext>
-            </a:extLst>
-          </p:cNvPr>
-          <p:cNvSpPr>
-            <a:spLocks noGrp="1" noRot="1" noChangeAspect="1" noMove="1" noResize="1" noEditPoints="1" noAdjustHandles="1" noChangeArrowheads="1" noChangeShapeType="1" noTextEdit="1"/>
-          </p:cNvSpPr>
-          <p:nvPr>
-            <p:extLst>
-              <p:ext uri="{386F3935-93C4-4BCD-93E2-E3B085C9AB24}">
-                <p16:designElem xmlns:p16="http://schemas.microsoft.com/office/powerpoint/2015/main" val="1"/>
-              </p:ext>
-            </p:extLst>
-          </p:nvPr>
-        </p:nvSpPr>
-        <p:spPr>
-          <a:xfrm>
-            <a:off x="4572000" y="0"/>
-            <a:ext cx="4571992" cy="6858001"/>
-          </a:xfrm>
-          <a:prstGeom prst="rect">
-            <a:avLst/>
-          </a:prstGeom>
-          <a:solidFill>
-            <a:schemeClr val="bg1">
-              <a:lumMod val="95000"/>
-            </a:schemeClr>
-          </a:solidFill>
-          <a:ln>
-            <a:noFill/>
-          </a:ln>
-        </p:spPr>
-        <p:style>
-          <a:lnRef idx="2">
-            <a:schemeClr val="accent1">
-              <a:shade val="50000"/>
-            </a:schemeClr>
-          </a:lnRef>
-          <a:fillRef idx="1">
-            <a:schemeClr val="accent1"/>
-          </a:fillRef>
-          <a:effectRef idx="0">
-            <a:schemeClr val="accent1"/>
-          </a:effectRef>
-          <a:fontRef idx="minor">
-            <a:schemeClr val="lt1"/>
-          </a:fontRef>
-        </p:style>
-        <p:txBody>
-          <a:bodyPr rtlCol="0" anchor="ctr"/>
-          <a:lstStyle/>
-          <a:p>
-            <a:pPr algn="ctr"/>
-            <a:endParaRPr lang="en-US"/>
-          </a:p>
-        </p:txBody>
-      </p:sp>
-      <p:pic>
-        <p:nvPicPr>
-          <p:cNvPr id="4" name="Picture 3" descr="A diagram of a company&#10;&#10;Description automatically generated">
-            <a:extLst>
-              <a:ext uri="{FF2B5EF4-FFF2-40B4-BE49-F238E27FC236}">
-                <a16:creationId xmlns:a16="http://schemas.microsoft.com/office/drawing/2014/main" id="{2C45086B-39E0-C48F-173C-7D5350EFA3EE}"/>
-              </a:ext>
-            </a:extLst>
-          </p:cNvPr>
-          <p:cNvPicPr>
-            <a:picLocks noChangeAspect="1"/>
-          </p:cNvPicPr>
-          <p:nvPr/>
-        </p:nvPicPr>
-        <p:blipFill>
-          <a:blip r:embed="rId2"/>
-          <a:stretch>
-            <a:fillRect/>
-          </a:stretch>
-        </p:blipFill>
-        <p:spPr>
-          <a:xfrm>
-            <a:off x="570622" y="1030448"/>
-            <a:ext cx="7983940" cy="3664382"/>
-          </a:xfrm>
-          <a:prstGeom prst="rect">
-            <a:avLst/>
-          </a:prstGeom>
-        </p:spPr>
-      </p:pic>
+              <a:t>The </a:t>
+            </a:r>
+            <a:r>
+              <a:rPr lang="en-US" sz="1000" kern="100" dirty="0" err="1">
+                <a:effectLst/>
+                <a:latin typeface="Aptos" panose="020B0004020202020204" pitchFamily="34" charset="0"/>
+                <a:ea typeface="Aptos" panose="020B0004020202020204" pitchFamily="34" charset="0"/>
+                <a:cs typeface="Times New Roman" panose="02020603050405020304" pitchFamily="18" charset="0"/>
+              </a:rPr>
+              <a:t>inventory_systems</a:t>
+            </a:r>
+            <a:r>
+              <a:rPr lang="en-US" sz="1000" kern="100" dirty="0">
+                <a:effectLst/>
+                <a:latin typeface="Aptos" panose="020B0004020202020204" pitchFamily="34" charset="0"/>
+                <a:ea typeface="Aptos" panose="020B0004020202020204" pitchFamily="34" charset="0"/>
+                <a:cs typeface="Times New Roman" panose="02020603050405020304" pitchFamily="18" charset="0"/>
+              </a:rPr>
+              <a:t> database efficiently manages products, suppliers, categories, employees, and tax details. It consists of five key tables: </a:t>
+            </a:r>
+            <a:r>
+              <a:rPr lang="en-US" sz="1000" kern="100" dirty="0" err="1">
+                <a:effectLst/>
+                <a:latin typeface="Aptos" panose="020B0004020202020204" pitchFamily="34" charset="0"/>
+                <a:ea typeface="Aptos" panose="020B0004020202020204" pitchFamily="34" charset="0"/>
+                <a:cs typeface="Times New Roman" panose="02020603050405020304" pitchFamily="18" charset="0"/>
+              </a:rPr>
+              <a:t>category_data</a:t>
+            </a:r>
+            <a:r>
+              <a:rPr lang="en-US" sz="1000" kern="100" dirty="0">
+                <a:effectLst/>
+                <a:latin typeface="Aptos" panose="020B0004020202020204" pitchFamily="34" charset="0"/>
+                <a:ea typeface="Aptos" panose="020B0004020202020204" pitchFamily="34" charset="0"/>
+                <a:cs typeface="Times New Roman" panose="02020603050405020304" pitchFamily="18" charset="0"/>
+              </a:rPr>
+              <a:t>, </a:t>
+            </a:r>
+            <a:r>
+              <a:rPr lang="en-US" sz="1000" kern="100" dirty="0" err="1">
+                <a:effectLst/>
+                <a:latin typeface="Aptos" panose="020B0004020202020204" pitchFamily="34" charset="0"/>
+                <a:ea typeface="Aptos" panose="020B0004020202020204" pitchFamily="34" charset="0"/>
+                <a:cs typeface="Times New Roman" panose="02020603050405020304" pitchFamily="18" charset="0"/>
+              </a:rPr>
+              <a:t>employee_data</a:t>
+            </a:r>
+            <a:r>
+              <a:rPr lang="en-US" sz="1000" kern="100" dirty="0">
+                <a:effectLst/>
+                <a:latin typeface="Aptos" panose="020B0004020202020204" pitchFamily="34" charset="0"/>
+                <a:ea typeface="Aptos" panose="020B0004020202020204" pitchFamily="34" charset="0"/>
+                <a:cs typeface="Times New Roman" panose="02020603050405020304" pitchFamily="18" charset="0"/>
+              </a:rPr>
+              <a:t>, </a:t>
+            </a:r>
+            <a:r>
+              <a:rPr lang="en-US" sz="1000" kern="100" dirty="0" err="1">
+                <a:effectLst/>
+                <a:latin typeface="Aptos" panose="020B0004020202020204" pitchFamily="34" charset="0"/>
+                <a:ea typeface="Aptos" panose="020B0004020202020204" pitchFamily="34" charset="0"/>
+                <a:cs typeface="Times New Roman" panose="02020603050405020304" pitchFamily="18" charset="0"/>
+              </a:rPr>
+              <a:t>product_data</a:t>
+            </a:r>
+            <a:r>
+              <a:rPr lang="en-US" sz="1000" kern="100" dirty="0">
+                <a:effectLst/>
+                <a:latin typeface="Aptos" panose="020B0004020202020204" pitchFamily="34" charset="0"/>
+                <a:ea typeface="Aptos" panose="020B0004020202020204" pitchFamily="34" charset="0"/>
+                <a:cs typeface="Times New Roman" panose="02020603050405020304" pitchFamily="18" charset="0"/>
+              </a:rPr>
+              <a:t>, </a:t>
+            </a:r>
+            <a:r>
+              <a:rPr lang="en-US" sz="1000" kern="100" dirty="0" err="1">
+                <a:effectLst/>
+                <a:latin typeface="Aptos" panose="020B0004020202020204" pitchFamily="34" charset="0"/>
+                <a:ea typeface="Aptos" panose="020B0004020202020204" pitchFamily="34" charset="0"/>
+                <a:cs typeface="Times New Roman" panose="02020603050405020304" pitchFamily="18" charset="0"/>
+              </a:rPr>
+              <a:t>supplier_data</a:t>
+            </a:r>
+            <a:r>
+              <a:rPr lang="en-US" sz="1000" kern="100" dirty="0">
+                <a:effectLst/>
+                <a:latin typeface="Aptos" panose="020B0004020202020204" pitchFamily="34" charset="0"/>
+                <a:ea typeface="Aptos" panose="020B0004020202020204" pitchFamily="34" charset="0"/>
+                <a:cs typeface="Times New Roman" panose="02020603050405020304" pitchFamily="18" charset="0"/>
+              </a:rPr>
+              <a:t>, and </a:t>
+            </a:r>
+            <a:r>
+              <a:rPr lang="en-US" sz="1000" kern="100" dirty="0" err="1">
+                <a:effectLst/>
+                <a:latin typeface="Aptos" panose="020B0004020202020204" pitchFamily="34" charset="0"/>
+                <a:ea typeface="Aptos" panose="020B0004020202020204" pitchFamily="34" charset="0"/>
+                <a:cs typeface="Times New Roman" panose="02020603050405020304" pitchFamily="18" charset="0"/>
+              </a:rPr>
+              <a:t>tax_table</a:t>
+            </a:r>
+            <a:r>
+              <a:rPr lang="en-US" sz="1000" kern="100" dirty="0">
+                <a:effectLst/>
+                <a:latin typeface="Aptos" panose="020B0004020202020204" pitchFamily="34" charset="0"/>
+                <a:ea typeface="Aptos" panose="020B0004020202020204" pitchFamily="34" charset="0"/>
+                <a:cs typeface="Times New Roman" panose="02020603050405020304" pitchFamily="18" charset="0"/>
+              </a:rPr>
+              <a:t>, ensuring structured data storage for seamless inventory tracking, supplier management, employee records, and tax calculations.</a:t>
+            </a:r>
+          </a:p>
+          <a:p>
+            <a:pPr>
+              <a:spcAft>
+                <a:spcPts val="800"/>
+              </a:spcAft>
+            </a:pPr>
+            <a:r>
+              <a:rPr lang="en-US" sz="1000" kern="100" dirty="0" err="1">
+                <a:effectLst/>
+                <a:latin typeface="Aptos" panose="020B0004020202020204" pitchFamily="34" charset="0"/>
+                <a:ea typeface="Aptos" panose="020B0004020202020204" pitchFamily="34" charset="0"/>
+                <a:cs typeface="Times New Roman" panose="02020603050405020304" pitchFamily="18" charset="0"/>
+              </a:rPr>
+              <a:t>product_data</a:t>
+            </a:r>
+            <a:r>
+              <a:rPr lang="en-US" sz="1000" kern="100" dirty="0">
+                <a:effectLst/>
+                <a:latin typeface="Aptos" panose="020B0004020202020204" pitchFamily="34" charset="0"/>
+                <a:ea typeface="Aptos" panose="020B0004020202020204" pitchFamily="34" charset="0"/>
+                <a:cs typeface="Times New Roman" panose="02020603050405020304" pitchFamily="18" charset="0"/>
+              </a:rPr>
+              <a:t> (Stores product details)</a:t>
+            </a:r>
+          </a:p>
+          <a:p>
+            <a:pPr lvl="1">
+              <a:spcAft>
+                <a:spcPts val="800"/>
+              </a:spcAft>
+            </a:pPr>
+            <a:r>
+              <a:rPr lang="en-US" sz="700" kern="100" dirty="0">
+                <a:effectLst/>
+                <a:latin typeface="Aptos" panose="020B0004020202020204" pitchFamily="34" charset="0"/>
+                <a:ea typeface="Aptos" panose="020B0004020202020204" pitchFamily="34" charset="0"/>
+                <a:cs typeface="Times New Roman" panose="02020603050405020304" pitchFamily="18" charset="0"/>
+              </a:rPr>
+              <a:t>Manages product information with an auto-incremented id as the primary key. Fields include category, supplier, name, price, discount, </a:t>
+            </a:r>
+            <a:r>
+              <a:rPr lang="en-US" sz="700" kern="100" dirty="0" err="1">
+                <a:effectLst/>
+                <a:latin typeface="Aptos" panose="020B0004020202020204" pitchFamily="34" charset="0"/>
+                <a:ea typeface="Aptos" panose="020B0004020202020204" pitchFamily="34" charset="0"/>
+                <a:cs typeface="Times New Roman" panose="02020603050405020304" pitchFamily="18" charset="0"/>
+              </a:rPr>
+              <a:t>discounted_price</a:t>
+            </a:r>
+            <a:r>
+              <a:rPr lang="en-US" sz="700" kern="100" dirty="0">
+                <a:effectLst/>
+                <a:latin typeface="Aptos" panose="020B0004020202020204" pitchFamily="34" charset="0"/>
+                <a:ea typeface="Aptos" panose="020B0004020202020204" pitchFamily="34" charset="0"/>
+                <a:cs typeface="Times New Roman" panose="02020603050405020304" pitchFamily="18" charset="0"/>
+              </a:rPr>
+              <a:t>, quantity, and status for efficient inventory tracking and pricing management.</a:t>
+            </a:r>
+          </a:p>
+          <a:p>
+            <a:pPr>
+              <a:spcAft>
+                <a:spcPts val="800"/>
+              </a:spcAft>
+            </a:pPr>
+            <a:r>
+              <a:rPr lang="en-US" sz="1000" kern="100" dirty="0" err="1">
+                <a:latin typeface="Aptos" panose="020B0004020202020204" pitchFamily="34" charset="0"/>
+                <a:ea typeface="Aptos" panose="020B0004020202020204" pitchFamily="34" charset="0"/>
+                <a:cs typeface="Times New Roman" panose="02020603050405020304" pitchFamily="18" charset="0"/>
+              </a:rPr>
+              <a:t>supplier_data</a:t>
+            </a:r>
+            <a:r>
+              <a:rPr lang="en-US" sz="1000" kern="100" dirty="0">
+                <a:latin typeface="Aptos" panose="020B0004020202020204" pitchFamily="34" charset="0"/>
+                <a:ea typeface="Aptos" panose="020B0004020202020204" pitchFamily="34" charset="0"/>
+                <a:cs typeface="Times New Roman" panose="02020603050405020304" pitchFamily="18" charset="0"/>
+              </a:rPr>
+              <a:t> (Stores supplier details)</a:t>
+            </a:r>
+          </a:p>
+          <a:p>
+            <a:pPr lvl="1">
+              <a:spcAft>
+                <a:spcPts val="800"/>
+              </a:spcAft>
+            </a:pPr>
+            <a:r>
+              <a:rPr lang="en-US" sz="700" kern="100" dirty="0">
+                <a:latin typeface="Aptos" panose="020B0004020202020204" pitchFamily="34" charset="0"/>
+                <a:ea typeface="Aptos" panose="020B0004020202020204" pitchFamily="34" charset="0"/>
+                <a:cs typeface="Times New Roman" panose="02020603050405020304" pitchFamily="18" charset="0"/>
+              </a:rPr>
+              <a:t>Manages supplier information with invoice as the primary key. Fields include name, contact, and description to track suppliers, manage procurement, and ensure smooth product supply.</a:t>
+            </a:r>
+          </a:p>
+          <a:p>
+            <a:pPr>
+              <a:spcAft>
+                <a:spcPts val="800"/>
+              </a:spcAft>
+            </a:pPr>
+            <a:r>
+              <a:rPr lang="en-US" sz="1000" kern="100" dirty="0" err="1">
+                <a:latin typeface="Aptos" panose="020B0004020202020204" pitchFamily="34" charset="0"/>
+                <a:ea typeface="Aptos" panose="020B0004020202020204" pitchFamily="34" charset="0"/>
+                <a:cs typeface="Times New Roman" panose="02020603050405020304" pitchFamily="18" charset="0"/>
+              </a:rPr>
+              <a:t>category_data</a:t>
+            </a:r>
+            <a:r>
+              <a:rPr lang="en-US" sz="1000" kern="100" dirty="0">
+                <a:latin typeface="Aptos" panose="020B0004020202020204" pitchFamily="34" charset="0"/>
+                <a:ea typeface="Aptos" panose="020B0004020202020204" pitchFamily="34" charset="0"/>
+                <a:cs typeface="Times New Roman" panose="02020603050405020304" pitchFamily="18" charset="0"/>
+              </a:rPr>
+              <a:t> (Stores product categories)</a:t>
+            </a:r>
+          </a:p>
+          <a:p>
+            <a:pPr lvl="1">
+              <a:spcAft>
+                <a:spcPts val="800"/>
+              </a:spcAft>
+            </a:pPr>
+            <a:r>
+              <a:rPr lang="en-US" sz="700" kern="100" dirty="0">
+                <a:latin typeface="Aptos" panose="020B0004020202020204" pitchFamily="34" charset="0"/>
+                <a:ea typeface="Aptos" panose="020B0004020202020204" pitchFamily="34" charset="0"/>
+                <a:cs typeface="Times New Roman" panose="02020603050405020304" pitchFamily="18" charset="0"/>
+              </a:rPr>
+              <a:t>Organizes products into categories for efficient inventory management. Fields include id (primary key), name, and description to streamline product filtering and stock organization.</a:t>
+            </a:r>
+          </a:p>
+          <a:p>
+            <a:pPr>
+              <a:spcAft>
+                <a:spcPts val="800"/>
+              </a:spcAft>
+            </a:pPr>
+            <a:r>
+              <a:rPr lang="en-US" sz="1000" kern="100" dirty="0" err="1">
+                <a:latin typeface="Aptos" panose="020B0004020202020204" pitchFamily="34" charset="0"/>
+                <a:ea typeface="Aptos" panose="020B0004020202020204" pitchFamily="34" charset="0"/>
+                <a:cs typeface="Times New Roman" panose="02020603050405020304" pitchFamily="18" charset="0"/>
+              </a:rPr>
+              <a:t>employee_data</a:t>
+            </a:r>
+            <a:r>
+              <a:rPr lang="en-US" sz="1000" kern="100" dirty="0">
+                <a:latin typeface="Aptos" panose="020B0004020202020204" pitchFamily="34" charset="0"/>
+                <a:ea typeface="Aptos" panose="020B0004020202020204" pitchFamily="34" charset="0"/>
+                <a:cs typeface="Times New Roman" panose="02020603050405020304" pitchFamily="18" charset="0"/>
+              </a:rPr>
+              <a:t> (Stores employee details)</a:t>
+            </a:r>
+          </a:p>
+          <a:p>
+            <a:pPr lvl="1">
+              <a:spcAft>
+                <a:spcPts val="800"/>
+              </a:spcAft>
+            </a:pPr>
+            <a:r>
+              <a:rPr lang="en-US" sz="700" kern="100" dirty="0">
+                <a:latin typeface="Aptos" panose="020B0004020202020204" pitchFamily="34" charset="0"/>
+                <a:ea typeface="Aptos" panose="020B0004020202020204" pitchFamily="34" charset="0"/>
+                <a:cs typeface="Times New Roman" panose="02020603050405020304" pitchFamily="18" charset="0"/>
+              </a:rPr>
+              <a:t>Manages employee records with id as the primary key. Fields include name, role, contact, and salary for tracking roles, communication, and payroll management.</a:t>
+            </a:r>
+          </a:p>
+          <a:p>
+            <a:pPr>
+              <a:spcAft>
+                <a:spcPts val="800"/>
+              </a:spcAft>
+            </a:pPr>
+            <a:r>
+              <a:rPr lang="en-US" sz="1000" kern="100" dirty="0" err="1">
+                <a:latin typeface="Aptos" panose="020B0004020202020204" pitchFamily="34" charset="0"/>
+                <a:ea typeface="Aptos" panose="020B0004020202020204" pitchFamily="34" charset="0"/>
+                <a:cs typeface="Times New Roman" panose="02020603050405020304" pitchFamily="18" charset="0"/>
+              </a:rPr>
+              <a:t>tax_table</a:t>
+            </a:r>
+            <a:r>
+              <a:rPr lang="en-US" sz="1000" kern="100" dirty="0">
+                <a:latin typeface="Aptos" panose="020B0004020202020204" pitchFamily="34" charset="0"/>
+                <a:ea typeface="Aptos" panose="020B0004020202020204" pitchFamily="34" charset="0"/>
+                <a:cs typeface="Times New Roman" panose="02020603050405020304" pitchFamily="18" charset="0"/>
+              </a:rPr>
+              <a:t> (Stores tax details)</a:t>
+            </a:r>
+          </a:p>
+          <a:p>
+            <a:pPr lvl="1">
+              <a:spcAft>
+                <a:spcPts val="800"/>
+              </a:spcAft>
+            </a:pPr>
+            <a:r>
+              <a:rPr lang="en-US" sz="700" kern="100" dirty="0">
+                <a:latin typeface="Aptos" panose="020B0004020202020204" pitchFamily="34" charset="0"/>
+                <a:ea typeface="Aptos" panose="020B0004020202020204" pitchFamily="34" charset="0"/>
+                <a:cs typeface="Times New Roman" panose="02020603050405020304" pitchFamily="18" charset="0"/>
+              </a:rPr>
+              <a:t>Maintains tax rates for products and transactions with id as the primary key. The tax field stores applicable tax percentages for accurate billing and compliance.</a:t>
+            </a:r>
+          </a:p>
+          <a:p>
+            <a:pPr marL="0" indent="0">
+              <a:spcAft>
+                <a:spcPts val="800"/>
+              </a:spcAft>
+              <a:buNone/>
+            </a:pPr>
+            <a:r>
+              <a:rPr lang="en-US" sz="1000" kern="100" dirty="0">
+                <a:latin typeface="Aptos" panose="020B0004020202020204" pitchFamily="34" charset="0"/>
+                <a:ea typeface="Aptos" panose="020B0004020202020204" pitchFamily="34" charset="0"/>
+                <a:cs typeface="Times New Roman" panose="02020603050405020304" pitchFamily="18" charset="0"/>
+              </a:rPr>
+              <a:t>The </a:t>
+            </a:r>
+            <a:r>
+              <a:rPr lang="en-US" sz="1000" kern="100" dirty="0" err="1">
+                <a:latin typeface="Aptos" panose="020B0004020202020204" pitchFamily="34" charset="0"/>
+                <a:ea typeface="Aptos" panose="020B0004020202020204" pitchFamily="34" charset="0"/>
+                <a:cs typeface="Times New Roman" panose="02020603050405020304" pitchFamily="18" charset="0"/>
+              </a:rPr>
+              <a:t>inventory_systems</a:t>
+            </a:r>
+            <a:r>
+              <a:rPr lang="en-US" sz="1000" kern="100" dirty="0">
+                <a:latin typeface="Aptos" panose="020B0004020202020204" pitchFamily="34" charset="0"/>
+                <a:ea typeface="Aptos" panose="020B0004020202020204" pitchFamily="34" charset="0"/>
+                <a:cs typeface="Times New Roman" panose="02020603050405020304" pitchFamily="18" charset="0"/>
+              </a:rPr>
+              <a:t> database ensures seamless inventory, supplier, employee, and tax management. Its structured design enhances data consistency and operational efficiency for supply chain businesses.</a:t>
+            </a:r>
+            <a:endParaRPr lang="en-IN" sz="1000" kern="100" dirty="0">
+              <a:latin typeface="Aptos" panose="020B0004020202020204" pitchFamily="34" charset="0"/>
+              <a:ea typeface="Aptos" panose="020B0004020202020204" pitchFamily="34" charset="0"/>
+              <a:cs typeface="Times New Roman" panose="02020603050405020304" pitchFamily="18" charset="0"/>
+            </a:endParaRPr>
+          </a:p>
+          <a:p>
+            <a:pPr lvl="1">
+              <a:spcAft>
+                <a:spcPts val="800"/>
+              </a:spcAft>
+            </a:pPr>
+            <a:endParaRPr lang="en-IN" sz="700" kern="100" dirty="0">
+              <a:latin typeface="Aptos" panose="020B0004020202020204" pitchFamily="34" charset="0"/>
+              <a:ea typeface="Aptos" panose="020B0004020202020204" pitchFamily="34" charset="0"/>
+              <a:cs typeface="Times New Roman" panose="02020603050405020304" pitchFamily="18" charset="0"/>
+            </a:endParaRPr>
+          </a:p>
+        </p:txBody>
+      </p:sp>
     </p:spTree>
     <p:extLst>
       <p:ext uri="{BB962C8B-B14F-4D97-AF65-F5344CB8AC3E}">
-        <p14:creationId xmlns:p14="http://schemas.microsoft.com/office/powerpoint/2010/main" val="3297951059"/>
+        <p14:creationId xmlns:p14="http://schemas.microsoft.com/office/powerpoint/2010/main" val="1955786026"/>
       </p:ext>
     </p:extLst>
   </p:cSld>
@@ -6991,7 +12844,7 @@
 </p:sld>
 </file>
 
-<file path=ppt/slides/slide7.xml><?xml version="1.0" encoding="utf-8"?>
+<file path=ppt/slides/slide6.xml><?xml version="1.0" encoding="utf-8"?>
 <p:sld xmlns:a="http://schemas.openxmlformats.org/drawingml/2006/main" xmlns:r="http://schemas.openxmlformats.org/officeDocument/2006/relationships" xmlns:p="http://schemas.openxmlformats.org/presentationml/2006/main">
   <p:cSld>
     <p:bg>
@@ -7021,7 +12874,7 @@
           <p:cNvPr id="20" name="Rectangle 19">
             <a:extLst>
               <a:ext uri="{FF2B5EF4-FFF2-40B4-BE49-F238E27FC236}">
-                <a16:creationId xmlns:a16="http://schemas.microsoft.com/office/drawing/2014/main" id="{70DFC902-7D23-471A-B557-B6B6917D7A0D}"/>
+                <a16:creationId xmlns:a16="http://schemas.microsoft.com/office/drawing/2014/main" id="{C3896A03-3945-419A-B66B-4EE266EDD152}"/>
               </a:ext>
               <a:ext uri="{C183D7F6-B498-43B3-948B-1728B52AA6E4}">
                 <adec:decorative xmlns:adec="http://schemas.microsoft.com/office/drawing/2017/decorative" val="1"/>
@@ -7041,8 +12894,8 @@
         </p:nvSpPr>
         <p:spPr>
           <a:xfrm>
-            <a:off x="7" y="-5705"/>
-            <a:ext cx="9143993" cy="1694346"/>
+            <a:off x="7" y="0"/>
+            <a:ext cx="4562585" cy="6858001"/>
           </a:xfrm>
           <a:prstGeom prst="rect">
             <a:avLst/>
@@ -7094,33 +12947,34 @@
         </p:nvSpPr>
         <p:spPr>
           <a:xfrm>
-            <a:off x="867638" y="637762"/>
-            <a:ext cx="7416372" cy="900131"/>
-          </a:xfrm>
-        </p:spPr>
-        <p:txBody>
-          <a:bodyPr anchor="t">
-            <a:normAutofit/>
+            <a:off x="674642" y="767365"/>
+            <a:ext cx="3213313" cy="321736"/>
+          </a:xfrm>
+        </p:spPr>
+        <p:txBody>
+          <a:bodyPr vert="horz" lIns="91440" tIns="45720" rIns="91440" bIns="45720" rtlCol="0" anchor="b">
+            <a:noAutofit/>
           </a:bodyPr>
           <a:lstStyle/>
           <a:p>
-            <a:r>
-              <a:rPr lang="en-IN" altLang="en-US" sz="3500">
+            <a:pPr defTabSz="914400"/>
+            <a:r>
+              <a:rPr lang="en-US" dirty="0">
                 <a:solidFill>
                   <a:schemeClr val="bg1"/>
                 </a:solidFill>
               </a:rPr>
-              <a:t>Key Entities and Relationship</a:t>
-            </a:r>
-          </a:p>
-        </p:txBody>
-      </p:sp>
-      <p:sp>
-        <p:nvSpPr>
-          <p:cNvPr id="21" name="Rectangle 20">
-            <a:extLst>
-              <a:ext uri="{FF2B5EF4-FFF2-40B4-BE49-F238E27FC236}">
-                <a16:creationId xmlns:a16="http://schemas.microsoft.com/office/drawing/2014/main" id="{A55D5633-D557-4DCA-982C-FF36EB7A1C00}"/>
+              <a:t>Schema and Database Design</a:t>
+            </a:r>
+          </a:p>
+        </p:txBody>
+      </p:sp>
+      <p:sp>
+        <p:nvSpPr>
+          <p:cNvPr id="22" name="Rectangle 21">
+            <a:extLst>
+              <a:ext uri="{FF2B5EF4-FFF2-40B4-BE49-F238E27FC236}">
+                <a16:creationId xmlns:a16="http://schemas.microsoft.com/office/drawing/2014/main" id="{B34F5AD2-EDBD-4BBD-A55C-EAFFD0C7097A}"/>
               </a:ext>
               <a:ext uri="{C183D7F6-B498-43B3-948B-1728B52AA6E4}">
                 <adec:decorative xmlns:adec="http://schemas.microsoft.com/office/drawing/2017/decorative" val="1"/>
@@ -7140,8 +12994,8 @@
         </p:nvSpPr>
         <p:spPr>
           <a:xfrm>
-            <a:off x="0" y="1688641"/>
-            <a:ext cx="9143992" cy="5169359"/>
+            <a:off x="4572000" y="0"/>
+            <a:ext cx="4571992" cy="6858001"/>
           </a:xfrm>
           <a:prstGeom prst="rect">
             <a:avLst/>
@@ -7180,12 +13034,81 @@
           </a:p>
         </p:txBody>
       </p:sp>
-      <p:sp>
-        <p:nvSpPr>
-          <p:cNvPr id="22" name="Rectangle 21">
-            <a:extLst>
-              <a:ext uri="{FF2B5EF4-FFF2-40B4-BE49-F238E27FC236}">
-                <a16:creationId xmlns:a16="http://schemas.microsoft.com/office/drawing/2014/main" id="{450D3AD2-FA80-415F-A9CE-54D884561CD7}"/>
+      <p:pic>
+        <p:nvPicPr>
+          <p:cNvPr id="7" name="Picture 6" descr="A computer screen shot of a data flow chart&#10;&#10;Description automatically generated">
+            <a:extLst>
+              <a:ext uri="{FF2B5EF4-FFF2-40B4-BE49-F238E27FC236}">
+                <a16:creationId xmlns:a16="http://schemas.microsoft.com/office/drawing/2014/main" id="{235532D4-BA6C-D27C-DB30-98E7AB2D05E8}"/>
+              </a:ext>
+            </a:extLst>
+          </p:cNvPr>
+          <p:cNvPicPr>
+            <a:picLocks noChangeAspect="1"/>
+          </p:cNvPicPr>
+          <p:nvPr/>
+        </p:nvPicPr>
+        <p:blipFill>
+          <a:blip r:embed="rId2"/>
+          <a:stretch>
+            <a:fillRect/>
+          </a:stretch>
+        </p:blipFill>
+        <p:spPr>
+          <a:xfrm>
+            <a:off x="674642" y="1398938"/>
+            <a:ext cx="7717809" cy="5149226"/>
+          </a:xfrm>
+          <a:prstGeom prst="rect">
+            <a:avLst/>
+          </a:prstGeom>
+        </p:spPr>
+      </p:pic>
+    </p:spTree>
+  </p:cSld>
+  <p:clrMapOvr>
+    <a:masterClrMapping/>
+  </p:clrMapOvr>
+</p:sld>
+</file>
+
+<file path=ppt/slides/slide7.xml><?xml version="1.0" encoding="utf-8"?>
+<p:sld xmlns:a="http://schemas.openxmlformats.org/drawingml/2006/main" xmlns:r="http://schemas.openxmlformats.org/officeDocument/2006/relationships" xmlns:p="http://schemas.openxmlformats.org/presentationml/2006/main">
+  <p:cSld>
+    <p:bg>
+      <p:bgPr>
+        <a:solidFill>
+          <a:schemeClr val="bg1"/>
+        </a:solidFill>
+        <a:effectLst/>
+      </p:bgPr>
+    </p:bg>
+    <p:spTree>
+      <p:nvGrpSpPr>
+        <p:cNvPr id="1" name="">
+          <a:extLst>
+            <a:ext uri="{FF2B5EF4-FFF2-40B4-BE49-F238E27FC236}">
+              <a16:creationId xmlns:a16="http://schemas.microsoft.com/office/drawing/2014/main" id="{CF8854C6-922B-07F6-E4EC-2C59B95CEC4E}"/>
+            </a:ext>
+          </a:extLst>
+        </p:cNvPr>
+        <p:cNvGrpSpPr/>
+        <p:nvPr/>
+      </p:nvGrpSpPr>
+      <p:grpSpPr>
+        <a:xfrm>
+          <a:off x="0" y="0"/>
+          <a:ext cx="0" cy="0"/>
+          <a:chOff x="0" y="0"/>
+          <a:chExt cx="0" cy="0"/>
+        </a:xfrm>
+      </p:grpSpPr>
+      <p:sp>
+        <p:nvSpPr>
+          <p:cNvPr id="20" name="Rectangle 19">
+            <a:extLst>
+              <a:ext uri="{FF2B5EF4-FFF2-40B4-BE49-F238E27FC236}">
+                <a16:creationId xmlns:a16="http://schemas.microsoft.com/office/drawing/2014/main" id="{FCDE48E1-AB6C-2CD1-863B-1DFA636ADC17}"/>
               </a:ext>
               <a:ext uri="{C183D7F6-B498-43B3-948B-1728B52AA6E4}">
                 <adec:decorative xmlns:adec="http://schemas.microsoft.com/office/drawing/2017/decorative" val="1"/>
@@ -7205,14 +13128,17 @@
         </p:nvSpPr>
         <p:spPr>
           <a:xfrm>
-            <a:off x="867638" y="2010758"/>
-            <a:ext cx="342892" cy="45719"/>
+            <a:off x="7" y="0"/>
+            <a:ext cx="4562585" cy="6858001"/>
           </a:xfrm>
           <a:prstGeom prst="rect">
             <a:avLst/>
           </a:prstGeom>
           <a:solidFill>
-            <a:schemeClr val="tx1"/>
+            <a:schemeClr val="tx1">
+              <a:lumMod val="85000"/>
+              <a:lumOff val="15000"/>
+            </a:schemeClr>
           </a:solidFill>
           <a:ln>
             <a:noFill/>
@@ -7245,332 +13171,145 @@
       </p:sp>
       <p:sp>
         <p:nvSpPr>
-          <p:cNvPr id="3" name="Content Placeholder 2"/>
+          <p:cNvPr id="2" name="Title 1">
+            <a:extLst>
+              <a:ext uri="{FF2B5EF4-FFF2-40B4-BE49-F238E27FC236}">
+                <a16:creationId xmlns:a16="http://schemas.microsoft.com/office/drawing/2014/main" id="{97D06305-D51C-3DDD-F676-DBDFE9CDC8B3}"/>
+              </a:ext>
+            </a:extLst>
+          </p:cNvPr>
           <p:cNvSpPr>
             <a:spLocks noGrp="1"/>
           </p:cNvSpPr>
           <p:nvPr>
-            <p:ph idx="1"/>
-          </p:nvPr>
-        </p:nvSpPr>
-        <p:spPr>
-          <a:xfrm>
-            <a:off x="866661" y="2217343"/>
-            <a:ext cx="7410669" cy="3959619"/>
-          </a:xfrm>
-        </p:spPr>
-        <p:txBody>
-          <a:bodyPr>
+            <p:ph type="title"/>
+          </p:nvPr>
+        </p:nvSpPr>
+        <p:spPr>
+          <a:xfrm>
+            <a:off x="674642" y="5729929"/>
+            <a:ext cx="3213313" cy="321736"/>
+          </a:xfrm>
+        </p:spPr>
+        <p:txBody>
+          <a:bodyPr vert="horz" lIns="91440" tIns="45720" rIns="91440" bIns="45720" rtlCol="0" anchor="b">
             <a:noAutofit/>
           </a:bodyPr>
           <a:lstStyle/>
           <a:p>
-            <a:pPr marL="342900" lvl="0" indent="-342900">
-              <a:buFont typeface="Symbol" panose="05050102010706020507" pitchFamily="18" charset="2"/>
-              <a:buChar char=""/>
-            </a:pPr>
-            <a:r>
-              <a:rPr lang="en-IN" sz="1000" kern="100" dirty="0">
-                <a:effectLst/>
-                <a:latin typeface="Aptos" panose="020B0004020202020204" pitchFamily="34" charset="0"/>
-                <a:ea typeface="Aptos" panose="020B0004020202020204" pitchFamily="34" charset="0"/>
-                <a:cs typeface="Times New Roman" panose="02020603050405020304" pitchFamily="18" charset="0"/>
+            <a:pPr defTabSz="914400"/>
+            <a:r>
+              <a:rPr lang="en-US" dirty="0">
+                <a:solidFill>
+                  <a:schemeClr val="bg1"/>
+                </a:solidFill>
               </a:rPr>
-              <a:t>Customer Data:</a:t>
-            </a:r>
-          </a:p>
-          <a:p>
-            <a:pPr marL="457200" lvl="1" indent="0">
-              <a:buNone/>
-            </a:pPr>
-            <a:r>
-              <a:rPr lang="en-IN" sz="1000" kern="100" dirty="0">
-                <a:effectLst/>
-                <a:latin typeface="Aptos" panose="020B0004020202020204" pitchFamily="34" charset="0"/>
-                <a:ea typeface="Aptos" panose="020B0004020202020204" pitchFamily="34" charset="0"/>
-                <a:cs typeface="Times New Roman" panose="02020603050405020304" pitchFamily="18" charset="0"/>
-              </a:rPr>
-              <a:t>Stores details (name, contact, login).</a:t>
-            </a:r>
-          </a:p>
-          <a:p>
-            <a:pPr marL="457200" lvl="1" indent="0">
-              <a:buNone/>
-            </a:pPr>
-            <a:r>
-              <a:rPr lang="en-IN" sz="1000" kern="100" dirty="0">
-                <a:effectLst/>
-                <a:latin typeface="Aptos" panose="020B0004020202020204" pitchFamily="34" charset="0"/>
-                <a:ea typeface="Aptos" panose="020B0004020202020204" pitchFamily="34" charset="0"/>
-                <a:cs typeface="Times New Roman" panose="02020603050405020304" pitchFamily="18" charset="0"/>
-              </a:rPr>
-              <a:t>Linked to orders via ORDERED BY.</a:t>
-            </a:r>
-          </a:p>
-          <a:p>
-            <a:pPr marL="342900" lvl="0" indent="-342900">
-              <a:buFont typeface="Symbol" panose="05050102010706020507" pitchFamily="18" charset="2"/>
-              <a:buChar char=""/>
-            </a:pPr>
-            <a:r>
-              <a:rPr lang="en-IN" sz="1000" kern="100" dirty="0">
-                <a:effectLst/>
-                <a:latin typeface="Aptos" panose="020B0004020202020204" pitchFamily="34" charset="0"/>
-                <a:ea typeface="Aptos" panose="020B0004020202020204" pitchFamily="34" charset="0"/>
-                <a:cs typeface="Times New Roman" panose="02020603050405020304" pitchFamily="18" charset="0"/>
-              </a:rPr>
-              <a:t>Product Data:</a:t>
-            </a:r>
-          </a:p>
-          <a:p>
-            <a:pPr marL="457200" lvl="1" indent="0">
-              <a:buNone/>
-            </a:pPr>
-            <a:r>
-              <a:rPr lang="en-IN" sz="1000" kern="100" dirty="0">
-                <a:effectLst/>
-                <a:latin typeface="Aptos" panose="020B0004020202020204" pitchFamily="34" charset="0"/>
-                <a:ea typeface="Aptos" panose="020B0004020202020204" pitchFamily="34" charset="0"/>
-                <a:cs typeface="Times New Roman" panose="02020603050405020304" pitchFamily="18" charset="0"/>
-              </a:rPr>
-              <a:t>Contains product details (name, category, price, quantity).</a:t>
-            </a:r>
-          </a:p>
-          <a:p>
-            <a:pPr marL="457200" lvl="1" indent="0">
-              <a:buNone/>
-            </a:pPr>
-            <a:r>
-              <a:rPr lang="en-IN" sz="1000" kern="100" dirty="0">
-                <a:effectLst/>
-                <a:latin typeface="Aptos" panose="020B0004020202020204" pitchFamily="34" charset="0"/>
-                <a:ea typeface="Aptos" panose="020B0004020202020204" pitchFamily="34" charset="0"/>
-                <a:cs typeface="Times New Roman" panose="02020603050405020304" pitchFamily="18" charset="0"/>
-              </a:rPr>
-              <a:t>Linked to categories via DERIVED FROM and sales via ADDS TO.</a:t>
-            </a:r>
-          </a:p>
-          <a:p>
-            <a:pPr marL="457200" lvl="1" indent="0">
-              <a:buNone/>
-            </a:pPr>
-            <a:r>
-              <a:rPr lang="en-IN" sz="1000" kern="100" dirty="0">
-                <a:effectLst/>
-                <a:latin typeface="Aptos" panose="020B0004020202020204" pitchFamily="34" charset="0"/>
-                <a:ea typeface="Aptos" panose="020B0004020202020204" pitchFamily="34" charset="0"/>
-                <a:cs typeface="Times New Roman" panose="02020603050405020304" pitchFamily="18" charset="0"/>
-              </a:rPr>
-              <a:t>Tax applied via CALCULATED BY.</a:t>
-            </a:r>
-          </a:p>
-          <a:p>
-            <a:pPr marL="342900" lvl="0" indent="-342900">
-              <a:buFont typeface="Symbol" panose="05050102010706020507" pitchFamily="18" charset="2"/>
-              <a:buChar char=""/>
-            </a:pPr>
-            <a:r>
-              <a:rPr lang="en-IN" sz="1000" kern="100" dirty="0">
-                <a:effectLst/>
-                <a:latin typeface="Aptos" panose="020B0004020202020204" pitchFamily="34" charset="0"/>
-                <a:ea typeface="Aptos" panose="020B0004020202020204" pitchFamily="34" charset="0"/>
-                <a:cs typeface="Times New Roman" panose="02020603050405020304" pitchFamily="18" charset="0"/>
-              </a:rPr>
-              <a:t>Category:</a:t>
-            </a:r>
-          </a:p>
-          <a:p>
-            <a:pPr marL="457200" lvl="1" indent="0">
-              <a:buNone/>
-            </a:pPr>
-            <a:r>
-              <a:rPr lang="en-IN" sz="1000" kern="100" dirty="0">
-                <a:effectLst/>
-                <a:latin typeface="Aptos" panose="020B0004020202020204" pitchFamily="34" charset="0"/>
-                <a:ea typeface="Aptos" panose="020B0004020202020204" pitchFamily="34" charset="0"/>
-                <a:cs typeface="Times New Roman" panose="02020603050405020304" pitchFamily="18" charset="0"/>
-              </a:rPr>
-              <a:t>Organizes products with ID, name, and description.</a:t>
-            </a:r>
-          </a:p>
-          <a:p>
-            <a:pPr marL="457200" lvl="1" indent="0">
-              <a:buNone/>
-            </a:pPr>
-            <a:r>
-              <a:rPr lang="en-IN" sz="1000" kern="100" dirty="0">
-                <a:effectLst/>
-                <a:latin typeface="Aptos" panose="020B0004020202020204" pitchFamily="34" charset="0"/>
-                <a:ea typeface="Aptos" panose="020B0004020202020204" pitchFamily="34" charset="0"/>
-                <a:cs typeface="Times New Roman" panose="02020603050405020304" pitchFamily="18" charset="0"/>
-              </a:rPr>
-              <a:t>Linked to products via DERIVED FROM.</a:t>
-            </a:r>
-          </a:p>
-          <a:p>
-            <a:pPr marL="342900" lvl="0" indent="-342900">
-              <a:buFont typeface="Symbol" panose="05050102010706020507" pitchFamily="18" charset="2"/>
-              <a:buChar char=""/>
-            </a:pPr>
-            <a:r>
-              <a:rPr lang="en-IN" sz="1000" kern="100" dirty="0">
-                <a:effectLst/>
-                <a:latin typeface="Aptos" panose="020B0004020202020204" pitchFamily="34" charset="0"/>
-                <a:ea typeface="Aptos" panose="020B0004020202020204" pitchFamily="34" charset="0"/>
-                <a:cs typeface="Times New Roman" panose="02020603050405020304" pitchFamily="18" charset="0"/>
-              </a:rPr>
-              <a:t>Supplier Data:</a:t>
-            </a:r>
-          </a:p>
-          <a:p>
-            <a:pPr marL="457200" lvl="1" indent="0">
-              <a:buNone/>
-            </a:pPr>
-            <a:r>
-              <a:rPr lang="en-IN" sz="1000" kern="100" dirty="0">
-                <a:effectLst/>
-                <a:latin typeface="Aptos" panose="020B0004020202020204" pitchFamily="34" charset="0"/>
-                <a:ea typeface="Aptos" panose="020B0004020202020204" pitchFamily="34" charset="0"/>
-                <a:cs typeface="Times New Roman" panose="02020603050405020304" pitchFamily="18" charset="0"/>
-              </a:rPr>
-              <a:t>Stores supplier info (ID, name, contact).</a:t>
-            </a:r>
-          </a:p>
-          <a:p>
-            <a:pPr marL="457200" lvl="1" indent="0">
-              <a:buNone/>
-            </a:pPr>
-            <a:r>
-              <a:rPr lang="en-IN" sz="1000" kern="100" dirty="0">
-                <a:effectLst/>
-                <a:latin typeface="Aptos" panose="020B0004020202020204" pitchFamily="34" charset="0"/>
-                <a:ea typeface="Aptos" panose="020B0004020202020204" pitchFamily="34" charset="0"/>
-                <a:cs typeface="Times New Roman" panose="02020603050405020304" pitchFamily="18" charset="0"/>
-              </a:rPr>
-              <a:t>Linked to sales via GENERATED FROM.</a:t>
-            </a:r>
-          </a:p>
-          <a:p>
-            <a:pPr marL="342900" lvl="0" indent="-342900">
-              <a:buFont typeface="Symbol" panose="05050102010706020507" pitchFamily="18" charset="2"/>
-              <a:buChar char=""/>
-            </a:pPr>
-            <a:r>
-              <a:rPr lang="en-IN" sz="1000" kern="100" dirty="0">
-                <a:effectLst/>
-                <a:latin typeface="Aptos" panose="020B0004020202020204" pitchFamily="34" charset="0"/>
-                <a:ea typeface="Aptos" panose="020B0004020202020204" pitchFamily="34" charset="0"/>
-                <a:cs typeface="Times New Roman" panose="02020603050405020304" pitchFamily="18" charset="0"/>
-              </a:rPr>
-              <a:t>Order Table:</a:t>
-            </a:r>
-          </a:p>
-          <a:p>
-            <a:pPr marL="457200" lvl="1" indent="0">
-              <a:buNone/>
-            </a:pPr>
-            <a:r>
-              <a:rPr lang="en-IN" sz="1000" kern="100" dirty="0">
-                <a:effectLst/>
-                <a:latin typeface="Aptos" panose="020B0004020202020204" pitchFamily="34" charset="0"/>
-                <a:ea typeface="Aptos" panose="020B0004020202020204" pitchFamily="34" charset="0"/>
-                <a:cs typeface="Times New Roman" panose="02020603050405020304" pitchFamily="18" charset="0"/>
-              </a:rPr>
-              <a:t>Tracks orders (ID, customer ID, net price).</a:t>
-            </a:r>
-          </a:p>
-          <a:p>
-            <a:pPr marL="457200" lvl="1" indent="0">
-              <a:buNone/>
-            </a:pPr>
-            <a:r>
-              <a:rPr lang="en-IN" sz="1000" kern="100" dirty="0">
-                <a:effectLst/>
-                <a:latin typeface="Aptos" panose="020B0004020202020204" pitchFamily="34" charset="0"/>
-                <a:ea typeface="Aptos" panose="020B0004020202020204" pitchFamily="34" charset="0"/>
-                <a:cs typeface="Times New Roman" panose="02020603050405020304" pitchFamily="18" charset="0"/>
-              </a:rPr>
-              <a:t>Linked to customers via ORDERED BY.</a:t>
-            </a:r>
-          </a:p>
-          <a:p>
-            <a:pPr marL="342900" lvl="0" indent="-342900">
-              <a:buFont typeface="Symbol" panose="05050102010706020507" pitchFamily="18" charset="2"/>
-              <a:buChar char=""/>
-            </a:pPr>
-            <a:r>
-              <a:rPr lang="en-IN" sz="1000" kern="100" dirty="0">
-                <a:effectLst/>
-                <a:latin typeface="Aptos" panose="020B0004020202020204" pitchFamily="34" charset="0"/>
-                <a:ea typeface="Aptos" panose="020B0004020202020204" pitchFamily="34" charset="0"/>
-                <a:cs typeface="Times New Roman" panose="02020603050405020304" pitchFamily="18" charset="0"/>
-              </a:rPr>
-              <a:t>Sales:</a:t>
-            </a:r>
-          </a:p>
-          <a:p>
-            <a:pPr marL="457200" lvl="1" indent="0">
-              <a:buNone/>
-            </a:pPr>
-            <a:r>
-              <a:rPr lang="en-IN" sz="1000" kern="100" dirty="0">
-                <a:effectLst/>
-                <a:latin typeface="Aptos" panose="020B0004020202020204" pitchFamily="34" charset="0"/>
-                <a:ea typeface="Aptos" panose="020B0004020202020204" pitchFamily="34" charset="0"/>
-                <a:cs typeface="Times New Roman" panose="02020603050405020304" pitchFamily="18" charset="0"/>
-              </a:rPr>
-              <a:t>Records transactions, linked to products via ADDS TO and suppliers via GENERATED FROM.</a:t>
-            </a:r>
-          </a:p>
-          <a:p>
-            <a:pPr marL="342900" lvl="0" indent="-342900">
-              <a:buFont typeface="Symbol" panose="05050102010706020507" pitchFamily="18" charset="2"/>
-              <a:buChar char=""/>
-            </a:pPr>
-            <a:r>
-              <a:rPr lang="en-IN" sz="1000" kern="100" dirty="0">
-                <a:effectLst/>
-                <a:latin typeface="Aptos" panose="020B0004020202020204" pitchFamily="34" charset="0"/>
-                <a:ea typeface="Aptos" panose="020B0004020202020204" pitchFamily="34" charset="0"/>
-                <a:cs typeface="Times New Roman" panose="02020603050405020304" pitchFamily="18" charset="0"/>
-              </a:rPr>
-              <a:t>Tax:</a:t>
-            </a:r>
-          </a:p>
-          <a:p>
-            <a:pPr marL="457200" lvl="1" indent="0">
-              <a:buNone/>
-            </a:pPr>
-            <a:r>
-              <a:rPr lang="en-IN" sz="1000" kern="100" dirty="0">
-                <a:effectLst/>
-                <a:latin typeface="Aptos" panose="020B0004020202020204" pitchFamily="34" charset="0"/>
-                <a:ea typeface="Aptos" panose="020B0004020202020204" pitchFamily="34" charset="0"/>
-                <a:cs typeface="Times New Roman" panose="02020603050405020304" pitchFamily="18" charset="0"/>
-              </a:rPr>
-              <a:t>Manages tax details applied to products.</a:t>
-            </a:r>
-          </a:p>
-          <a:p>
-            <a:pPr marL="457200" lvl="1" indent="0">
-              <a:spcAft>
-                <a:spcPts val="800"/>
-              </a:spcAft>
-              <a:buNone/>
-            </a:pPr>
-            <a:r>
-              <a:rPr lang="en-IN" sz="1000" kern="100" dirty="0">
-                <a:effectLst/>
-                <a:latin typeface="Aptos" panose="020B0004020202020204" pitchFamily="34" charset="0"/>
-                <a:ea typeface="Aptos" panose="020B0004020202020204" pitchFamily="34" charset="0"/>
-                <a:cs typeface="Times New Roman" panose="02020603050405020304" pitchFamily="18" charset="0"/>
-              </a:rPr>
-              <a:t>Linked to products via CALCULATED BY.</a:t>
-            </a:r>
-          </a:p>
-        </p:txBody>
-      </p:sp>
+              <a:t>ER Diagram</a:t>
+            </a:r>
+          </a:p>
+        </p:txBody>
+      </p:sp>
+      <p:sp>
+        <p:nvSpPr>
+          <p:cNvPr id="22" name="Rectangle 21">
+            <a:extLst>
+              <a:ext uri="{FF2B5EF4-FFF2-40B4-BE49-F238E27FC236}">
+                <a16:creationId xmlns:a16="http://schemas.microsoft.com/office/drawing/2014/main" id="{8F8BD651-CDE2-9A24-09CC-A29EE5D232F2}"/>
+              </a:ext>
+              <a:ext uri="{C183D7F6-B498-43B3-948B-1728B52AA6E4}">
+                <adec:decorative xmlns:adec="http://schemas.microsoft.com/office/drawing/2017/decorative" val="1"/>
+              </a:ext>
+            </a:extLst>
+          </p:cNvPr>
+          <p:cNvSpPr>
+            <a:spLocks noGrp="1" noRot="1" noChangeAspect="1" noMove="1" noResize="1" noEditPoints="1" noAdjustHandles="1" noChangeArrowheads="1" noChangeShapeType="1" noTextEdit="1"/>
+          </p:cNvSpPr>
+          <p:nvPr>
+            <p:extLst>
+              <p:ext uri="{386F3935-93C4-4BCD-93E2-E3B085C9AB24}">
+                <p16:designElem xmlns:p16="http://schemas.microsoft.com/office/powerpoint/2015/main" val="1"/>
+              </p:ext>
+            </p:extLst>
+          </p:nvPr>
+        </p:nvSpPr>
+        <p:spPr>
+          <a:xfrm>
+            <a:off x="4572000" y="0"/>
+            <a:ext cx="4571992" cy="6858001"/>
+          </a:xfrm>
+          <a:prstGeom prst="rect">
+            <a:avLst/>
+          </a:prstGeom>
+          <a:solidFill>
+            <a:schemeClr val="bg1">
+              <a:lumMod val="95000"/>
+            </a:schemeClr>
+          </a:solidFill>
+          <a:ln>
+            <a:noFill/>
+          </a:ln>
+        </p:spPr>
+        <p:style>
+          <a:lnRef idx="2">
+            <a:schemeClr val="accent1">
+              <a:shade val="50000"/>
+            </a:schemeClr>
+          </a:lnRef>
+          <a:fillRef idx="1">
+            <a:schemeClr val="accent1"/>
+          </a:fillRef>
+          <a:effectRef idx="0">
+            <a:schemeClr val="accent1"/>
+          </a:effectRef>
+          <a:fontRef idx="minor">
+            <a:schemeClr val="lt1"/>
+          </a:fontRef>
+        </p:style>
+        <p:txBody>
+          <a:bodyPr rtlCol="0" anchor="ctr"/>
+          <a:lstStyle/>
+          <a:p>
+            <a:pPr algn="ctr"/>
+            <a:endParaRPr lang="en-US"/>
+          </a:p>
+        </p:txBody>
+      </p:sp>
+      <p:pic>
+        <p:nvPicPr>
+          <p:cNvPr id="4" name="Picture 3" descr="A diagram of a company&#10;&#10;Description automatically generated">
+            <a:extLst>
+              <a:ext uri="{FF2B5EF4-FFF2-40B4-BE49-F238E27FC236}">
+                <a16:creationId xmlns:a16="http://schemas.microsoft.com/office/drawing/2014/main" id="{56EB6C19-CE01-E20B-0C2B-120EEF3B61B5}"/>
+              </a:ext>
+            </a:extLst>
+          </p:cNvPr>
+          <p:cNvPicPr>
+            <a:picLocks noChangeAspect="1"/>
+          </p:cNvPicPr>
+          <p:nvPr/>
+        </p:nvPicPr>
+        <p:blipFill>
+          <a:blip r:embed="rId2"/>
+          <a:stretch>
+            <a:fillRect/>
+          </a:stretch>
+        </p:blipFill>
+        <p:spPr>
+          <a:xfrm>
+            <a:off x="570622" y="1030448"/>
+            <a:ext cx="7983940" cy="3664382"/>
+          </a:xfrm>
+          <a:prstGeom prst="rect">
+            <a:avLst/>
+          </a:prstGeom>
+        </p:spPr>
+      </p:pic>
     </p:spTree>
+    <p:extLst>
+      <p:ext uri="{BB962C8B-B14F-4D97-AF65-F5344CB8AC3E}">
+        <p14:creationId xmlns:p14="http://schemas.microsoft.com/office/powerpoint/2010/main" val="4109058537"/>
+      </p:ext>
+    </p:extLst>
   </p:cSld>
   <p:clrMapOvr>
     <a:masterClrMapping/>
@@ -7605,7 +13344,7 @@
       </p:grpSpPr>
       <p:sp>
         <p:nvSpPr>
-          <p:cNvPr id="8" name="Rectangle 7">
+          <p:cNvPr id="20" name="Rectangle 19">
             <a:extLst>
               <a:ext uri="{FF2B5EF4-FFF2-40B4-BE49-F238E27FC236}">
                 <a16:creationId xmlns:a16="http://schemas.microsoft.com/office/drawing/2014/main" id="{70DFC902-7D23-471A-B557-B6B6917D7A0D}"/>
@@ -7697,14 +13436,14 @@
                   <a:schemeClr val="bg1"/>
                 </a:solidFill>
               </a:rPr>
-              <a:t>Progress Achieved</a:t>
-            </a:r>
-          </a:p>
-        </p:txBody>
-      </p:sp>
-      <p:sp>
-        <p:nvSpPr>
-          <p:cNvPr id="10" name="Rectangle 9">
+              <a:t>Key Entities and Relationship</a:t>
+            </a:r>
+          </a:p>
+        </p:txBody>
+      </p:sp>
+      <p:sp>
+        <p:nvSpPr>
+          <p:cNvPr id="21" name="Rectangle 20">
             <a:extLst>
               <a:ext uri="{FF2B5EF4-FFF2-40B4-BE49-F238E27FC236}">
                 <a16:creationId xmlns:a16="http://schemas.microsoft.com/office/drawing/2014/main" id="{A55D5633-D557-4DCA-982C-FF36EB7A1C00}"/>
@@ -7769,7 +13508,7 @@
       </p:sp>
       <p:sp>
         <p:nvSpPr>
-          <p:cNvPr id="12" name="Rectangle 11">
+          <p:cNvPr id="22" name="Rectangle 21">
             <a:extLst>
               <a:ext uri="{FF2B5EF4-FFF2-40B4-BE49-F238E27FC236}">
                 <a16:creationId xmlns:a16="http://schemas.microsoft.com/office/drawing/2014/main" id="{450D3AD2-FA80-415F-A9CE-54D884561CD7}"/>
@@ -7848,174 +13587,312 @@
         </p:spPr>
         <p:txBody>
           <a:bodyPr>
-            <a:normAutofit/>
+            <a:noAutofit/>
           </a:bodyPr>
           <a:lstStyle/>
           <a:p>
-            <a:pPr>
-              <a:spcAft>
-                <a:spcPts val="800"/>
-              </a:spcAft>
-              <a:tabLst>
-                <a:tab pos="457200" algn="l"/>
-              </a:tabLst>
+            <a:pPr marL="342900" lvl="0" indent="-342900">
+              <a:buFont typeface="Symbol" panose="05050102010706020507" pitchFamily="18" charset="2"/>
+              <a:buChar char=""/>
             </a:pPr>
             <a:r>
-              <a:rPr lang="en-IN" sz="1300" kern="100" dirty="0">
+              <a:rPr lang="en-IN" sz="1000" kern="100" dirty="0">
                 <a:effectLst/>
                 <a:latin typeface="Aptos" panose="020B0004020202020204" pitchFamily="34" charset="0"/>
                 <a:ea typeface="Aptos" panose="020B0004020202020204" pitchFamily="34" charset="0"/>
                 <a:cs typeface="Times New Roman" panose="02020603050405020304" pitchFamily="18" charset="0"/>
               </a:rPr>
-              <a:t>Database Development:</a:t>
-            </a:r>
-          </a:p>
-          <a:p>
-            <a:pPr marL="914400">
-              <a:spcAft>
-                <a:spcPts val="800"/>
-              </a:spcAft>
+              <a:t>Customer Data:</a:t>
+            </a:r>
+          </a:p>
+          <a:p>
+            <a:pPr marL="457200" lvl="1" indent="0">
+              <a:buNone/>
             </a:pPr>
             <a:r>
-              <a:rPr lang="en-IN" sz="1300" kern="100" dirty="0">
+              <a:rPr lang="en-IN" sz="1000" kern="100" dirty="0">
                 <a:effectLst/>
                 <a:latin typeface="Aptos" panose="020B0004020202020204" pitchFamily="34" charset="0"/>
                 <a:ea typeface="Aptos" panose="020B0004020202020204" pitchFamily="34" charset="0"/>
                 <a:cs typeface="Times New Roman" panose="02020603050405020304" pitchFamily="18" charset="0"/>
               </a:rPr>
-              <a:t>Successfully created the database and structured tables based on the schema.</a:t>
-            </a:r>
-          </a:p>
-          <a:p>
-            <a:pPr marL="914400">
-              <a:spcAft>
-                <a:spcPts val="800"/>
-              </a:spcAft>
+              <a:t>Stores details (name, contact, login).</a:t>
+            </a:r>
+          </a:p>
+          <a:p>
+            <a:pPr marL="457200" lvl="1" indent="0">
+              <a:buNone/>
             </a:pPr>
             <a:r>
-              <a:rPr lang="en-IN" sz="1300" kern="100" dirty="0">
+              <a:rPr lang="en-IN" sz="1000" kern="100" dirty="0">
                 <a:effectLst/>
                 <a:latin typeface="Aptos" panose="020B0004020202020204" pitchFamily="34" charset="0"/>
                 <a:ea typeface="Aptos" panose="020B0004020202020204" pitchFamily="34" charset="0"/>
                 <a:cs typeface="Times New Roman" panose="02020603050405020304" pitchFamily="18" charset="0"/>
               </a:rPr>
-              <a:t>Sample data populated for testing and development.</a:t>
-            </a:r>
-          </a:p>
-          <a:p>
-            <a:pPr>
-              <a:spcAft>
-                <a:spcPts val="800"/>
-              </a:spcAft>
-              <a:tabLst>
-                <a:tab pos="457200" algn="l"/>
-              </a:tabLst>
+              <a:t>Linked to orders via ORDERED BY.</a:t>
+            </a:r>
+          </a:p>
+          <a:p>
+            <a:pPr marL="342900" lvl="0" indent="-342900">
+              <a:buFont typeface="Symbol" panose="05050102010706020507" pitchFamily="18" charset="2"/>
+              <a:buChar char=""/>
             </a:pPr>
             <a:r>
-              <a:rPr lang="en-IN" sz="1300" kern="100" dirty="0">
+              <a:rPr lang="en-IN" sz="1000" kern="100" dirty="0">
                 <a:effectLst/>
                 <a:latin typeface="Aptos" panose="020B0004020202020204" pitchFamily="34" charset="0"/>
                 <a:ea typeface="Aptos" panose="020B0004020202020204" pitchFamily="34" charset="0"/>
                 <a:cs typeface="Times New Roman" panose="02020603050405020304" pitchFamily="18" charset="0"/>
               </a:rPr>
-              <a:t>Frontend Design:</a:t>
-            </a:r>
-          </a:p>
-          <a:p>
-            <a:pPr marL="914400">
-              <a:spcAft>
-                <a:spcPts val="800"/>
-              </a:spcAft>
+              <a:t>Product Data:</a:t>
+            </a:r>
+          </a:p>
+          <a:p>
+            <a:pPr marL="457200" lvl="1" indent="0">
+              <a:buNone/>
             </a:pPr>
             <a:r>
-              <a:rPr lang="en-IN" sz="1300" kern="100" dirty="0">
+              <a:rPr lang="en-IN" sz="1000" kern="100" dirty="0">
                 <a:effectLst/>
                 <a:latin typeface="Aptos" panose="020B0004020202020204" pitchFamily="34" charset="0"/>
                 <a:ea typeface="Aptos" panose="020B0004020202020204" pitchFamily="34" charset="0"/>
                 <a:cs typeface="Times New Roman" panose="02020603050405020304" pitchFamily="18" charset="0"/>
               </a:rPr>
-              <a:t>Developed homepage and user registration page.</a:t>
-            </a:r>
-          </a:p>
-          <a:p>
-            <a:pPr marL="914400">
-              <a:spcAft>
-                <a:spcPts val="800"/>
-              </a:spcAft>
+              <a:t>Contains product details (name, category, price, quantity).</a:t>
+            </a:r>
+          </a:p>
+          <a:p>
+            <a:pPr marL="457200" lvl="1" indent="0">
+              <a:buNone/>
             </a:pPr>
             <a:r>
-              <a:rPr lang="en-IN" sz="1300" kern="100" dirty="0">
+              <a:rPr lang="en-IN" sz="1000" kern="100" dirty="0">
                 <a:effectLst/>
                 <a:latin typeface="Aptos" panose="020B0004020202020204" pitchFamily="34" charset="0"/>
                 <a:ea typeface="Aptos" panose="020B0004020202020204" pitchFamily="34" charset="0"/>
                 <a:cs typeface="Times New Roman" panose="02020603050405020304" pitchFamily="18" charset="0"/>
               </a:rPr>
-              <a:t>Focus on intuitive, user-friendly interface for seamless navigation.</a:t>
-            </a:r>
-          </a:p>
-          <a:p>
-            <a:pPr>
-              <a:spcAft>
-                <a:spcPts val="800"/>
-              </a:spcAft>
-              <a:tabLst>
-                <a:tab pos="457200" algn="l"/>
-              </a:tabLst>
+              <a:t>Linked to categories via DERIVED FROM and sales via ADDS TO.</a:t>
+            </a:r>
+          </a:p>
+          <a:p>
+            <a:pPr marL="457200" lvl="1" indent="0">
+              <a:buNone/>
             </a:pPr>
             <a:r>
-              <a:rPr lang="en-IN" sz="1300" kern="100" dirty="0">
+              <a:rPr lang="en-IN" sz="1000" kern="100" dirty="0">
                 <a:effectLst/>
                 <a:latin typeface="Aptos" panose="020B0004020202020204" pitchFamily="34" charset="0"/>
                 <a:ea typeface="Aptos" panose="020B0004020202020204" pitchFamily="34" charset="0"/>
                 <a:cs typeface="Times New Roman" panose="02020603050405020304" pitchFamily="18" charset="0"/>
               </a:rPr>
-              <a:t>Ongoing Work:</a:t>
-            </a:r>
-          </a:p>
-          <a:p>
-            <a:pPr marL="914400">
-              <a:spcAft>
-                <a:spcPts val="800"/>
-              </a:spcAft>
+              <a:t>Tax applied via CALCULATED BY.</a:t>
+            </a:r>
+          </a:p>
+          <a:p>
+            <a:pPr marL="342900" lvl="0" indent="-342900">
+              <a:buFont typeface="Symbol" panose="05050102010706020507" pitchFamily="18" charset="2"/>
+              <a:buChar char=""/>
             </a:pPr>
             <a:r>
-              <a:rPr lang="en-IN" sz="1300" kern="100" dirty="0">
+              <a:rPr lang="en-IN" sz="1000" kern="100" dirty="0">
                 <a:effectLst/>
                 <a:latin typeface="Aptos" panose="020B0004020202020204" pitchFamily="34" charset="0"/>
                 <a:ea typeface="Aptos" panose="020B0004020202020204" pitchFamily="34" charset="0"/>
                 <a:cs typeface="Times New Roman" panose="02020603050405020304" pitchFamily="18" charset="0"/>
               </a:rPr>
-              <a:t>Developing Supplier Management Module to add, update, and manage supplier details.</a:t>
-            </a:r>
-          </a:p>
-          <a:p>
-            <a:pPr marL="914400">
-              <a:spcAft>
-                <a:spcPts val="800"/>
-              </a:spcAft>
+              <a:t>Category:</a:t>
+            </a:r>
+          </a:p>
+          <a:p>
+            <a:pPr marL="457200" lvl="1" indent="0">
+              <a:buNone/>
             </a:pPr>
             <a:r>
-              <a:rPr lang="en-IN" sz="1300" kern="100" dirty="0">
+              <a:rPr lang="en-IN" sz="1000" kern="100" dirty="0">
                 <a:effectLst/>
                 <a:latin typeface="Aptos" panose="020B0004020202020204" pitchFamily="34" charset="0"/>
                 <a:ea typeface="Aptos" panose="020B0004020202020204" pitchFamily="34" charset="0"/>
                 <a:cs typeface="Times New Roman" panose="02020603050405020304" pitchFamily="18" charset="0"/>
               </a:rPr>
-              <a:t>Ongoing testing and development to enhance functionality and streamline inventory operations.</a:t>
-            </a:r>
-          </a:p>
-          <a:p>
-            <a:pPr>
+              <a:t>Organizes products with ID, name, and description.</a:t>
+            </a:r>
+          </a:p>
+          <a:p>
+            <a:pPr marL="457200" lvl="1" indent="0">
+              <a:buNone/>
+            </a:pPr>
+            <a:r>
+              <a:rPr lang="en-IN" sz="1000" kern="100" dirty="0">
+                <a:effectLst/>
+                <a:latin typeface="Aptos" panose="020B0004020202020204" pitchFamily="34" charset="0"/>
+                <a:ea typeface="Aptos" panose="020B0004020202020204" pitchFamily="34" charset="0"/>
+                <a:cs typeface="Times New Roman" panose="02020603050405020304" pitchFamily="18" charset="0"/>
+              </a:rPr>
+              <a:t>Linked to products via DERIVED FROM.</a:t>
+            </a:r>
+          </a:p>
+          <a:p>
+            <a:pPr marL="342900" lvl="0" indent="-342900">
+              <a:buFont typeface="Symbol" panose="05050102010706020507" pitchFamily="18" charset="2"/>
+              <a:buChar char=""/>
+            </a:pPr>
+            <a:r>
+              <a:rPr lang="en-IN" sz="1000" kern="100" dirty="0">
+                <a:effectLst/>
+                <a:latin typeface="Aptos" panose="020B0004020202020204" pitchFamily="34" charset="0"/>
+                <a:ea typeface="Aptos" panose="020B0004020202020204" pitchFamily="34" charset="0"/>
+                <a:cs typeface="Times New Roman" panose="02020603050405020304" pitchFamily="18" charset="0"/>
+              </a:rPr>
+              <a:t>Supplier Data:</a:t>
+            </a:r>
+          </a:p>
+          <a:p>
+            <a:pPr marL="457200" lvl="1" indent="0">
+              <a:buNone/>
+            </a:pPr>
+            <a:r>
+              <a:rPr lang="en-IN" sz="1000" kern="100" dirty="0">
+                <a:effectLst/>
+                <a:latin typeface="Aptos" panose="020B0004020202020204" pitchFamily="34" charset="0"/>
+                <a:ea typeface="Aptos" panose="020B0004020202020204" pitchFamily="34" charset="0"/>
+                <a:cs typeface="Times New Roman" panose="02020603050405020304" pitchFamily="18" charset="0"/>
+              </a:rPr>
+              <a:t>Stores supplier info (ID, name, contact).</a:t>
+            </a:r>
+          </a:p>
+          <a:p>
+            <a:pPr marL="457200" lvl="1" indent="0">
+              <a:buNone/>
+            </a:pPr>
+            <a:r>
+              <a:rPr lang="en-IN" sz="1000" kern="100" dirty="0">
+                <a:effectLst/>
+                <a:latin typeface="Aptos" panose="020B0004020202020204" pitchFamily="34" charset="0"/>
+                <a:ea typeface="Aptos" panose="020B0004020202020204" pitchFamily="34" charset="0"/>
+                <a:cs typeface="Times New Roman" panose="02020603050405020304" pitchFamily="18" charset="0"/>
+              </a:rPr>
+              <a:t>Linked to sales via GENERATED FROM.</a:t>
+            </a:r>
+          </a:p>
+          <a:p>
+            <a:pPr marL="342900" lvl="0" indent="-342900">
+              <a:buFont typeface="Symbol" panose="05050102010706020507" pitchFamily="18" charset="2"/>
+              <a:buChar char=""/>
+            </a:pPr>
+            <a:r>
+              <a:rPr lang="en-IN" sz="1000" kern="100" dirty="0">
+                <a:effectLst/>
+                <a:latin typeface="Aptos" panose="020B0004020202020204" pitchFamily="34" charset="0"/>
+                <a:ea typeface="Aptos" panose="020B0004020202020204" pitchFamily="34" charset="0"/>
+                <a:cs typeface="Times New Roman" panose="02020603050405020304" pitchFamily="18" charset="0"/>
+              </a:rPr>
+              <a:t>Order Table:</a:t>
+            </a:r>
+          </a:p>
+          <a:p>
+            <a:pPr marL="457200" lvl="1" indent="0">
+              <a:buNone/>
+            </a:pPr>
+            <a:r>
+              <a:rPr lang="en-IN" sz="1000" kern="100" dirty="0">
+                <a:effectLst/>
+                <a:latin typeface="Aptos" panose="020B0004020202020204" pitchFamily="34" charset="0"/>
+                <a:ea typeface="Aptos" panose="020B0004020202020204" pitchFamily="34" charset="0"/>
+                <a:cs typeface="Times New Roman" panose="02020603050405020304" pitchFamily="18" charset="0"/>
+              </a:rPr>
+              <a:t>Tracks orders (ID, customer ID, net price).</a:t>
+            </a:r>
+          </a:p>
+          <a:p>
+            <a:pPr marL="457200" lvl="1" indent="0">
+              <a:buNone/>
+            </a:pPr>
+            <a:r>
+              <a:rPr lang="en-IN" sz="1000" kern="100" dirty="0">
+                <a:effectLst/>
+                <a:latin typeface="Aptos" panose="020B0004020202020204" pitchFamily="34" charset="0"/>
+                <a:ea typeface="Aptos" panose="020B0004020202020204" pitchFamily="34" charset="0"/>
+                <a:cs typeface="Times New Roman" panose="02020603050405020304" pitchFamily="18" charset="0"/>
+              </a:rPr>
+              <a:t>Linked to customers via ORDERED BY.</a:t>
+            </a:r>
+          </a:p>
+          <a:p>
+            <a:pPr marL="342900" lvl="0" indent="-342900">
+              <a:buFont typeface="Symbol" panose="05050102010706020507" pitchFamily="18" charset="2"/>
+              <a:buChar char=""/>
+            </a:pPr>
+            <a:r>
+              <a:rPr lang="en-IN" sz="1000" kern="100" dirty="0">
+                <a:effectLst/>
+                <a:latin typeface="Aptos" panose="020B0004020202020204" pitchFamily="34" charset="0"/>
+                <a:ea typeface="Aptos" panose="020B0004020202020204" pitchFamily="34" charset="0"/>
+                <a:cs typeface="Times New Roman" panose="02020603050405020304" pitchFamily="18" charset="0"/>
+              </a:rPr>
+              <a:t>Sales:</a:t>
+            </a:r>
+          </a:p>
+          <a:p>
+            <a:pPr marL="457200" lvl="1" indent="0">
+              <a:buNone/>
+            </a:pPr>
+            <a:r>
+              <a:rPr lang="en-IN" sz="1000" kern="100" dirty="0">
+                <a:effectLst/>
+                <a:latin typeface="Aptos" panose="020B0004020202020204" pitchFamily="34" charset="0"/>
+                <a:ea typeface="Aptos" panose="020B0004020202020204" pitchFamily="34" charset="0"/>
+                <a:cs typeface="Times New Roman" panose="02020603050405020304" pitchFamily="18" charset="0"/>
+              </a:rPr>
+              <a:t>Records transactions, linked to products via ADDS TO and suppliers via GENERATED FROM.</a:t>
+            </a:r>
+          </a:p>
+          <a:p>
+            <a:pPr marL="342900" lvl="0" indent="-342900">
+              <a:buFont typeface="Symbol" panose="05050102010706020507" pitchFamily="18" charset="2"/>
+              <a:buChar char=""/>
+            </a:pPr>
+            <a:r>
+              <a:rPr lang="en-IN" sz="1000" kern="100" dirty="0">
+                <a:effectLst/>
+                <a:latin typeface="Aptos" panose="020B0004020202020204" pitchFamily="34" charset="0"/>
+                <a:ea typeface="Aptos" panose="020B0004020202020204" pitchFamily="34" charset="0"/>
+                <a:cs typeface="Times New Roman" panose="02020603050405020304" pitchFamily="18" charset="0"/>
+              </a:rPr>
+              <a:t>Tax:</a:t>
+            </a:r>
+          </a:p>
+          <a:p>
+            <a:pPr marL="457200" lvl="1" indent="0">
+              <a:buNone/>
+            </a:pPr>
+            <a:r>
+              <a:rPr lang="en-IN" sz="1000" kern="100" dirty="0">
+                <a:effectLst/>
+                <a:latin typeface="Aptos" panose="020B0004020202020204" pitchFamily="34" charset="0"/>
+                <a:ea typeface="Aptos" panose="020B0004020202020204" pitchFamily="34" charset="0"/>
+                <a:cs typeface="Times New Roman" panose="02020603050405020304" pitchFamily="18" charset="0"/>
+              </a:rPr>
+              <a:t>Manages tax details applied to products.</a:t>
+            </a:r>
+          </a:p>
+          <a:p>
+            <a:pPr marL="457200" lvl="1" indent="0">
               <a:spcAft>
                 <a:spcPts val="800"/>
               </a:spcAft>
+              <a:buNone/>
             </a:pPr>
-            <a:endParaRPr lang="en-IN" sz="1300" kern="100" dirty="0">
-              <a:effectLst/>
-              <a:latin typeface="Aptos" panose="020B0004020202020204" pitchFamily="34" charset="0"/>
-              <a:ea typeface="Aptos" panose="020B0004020202020204" pitchFamily="34" charset="0"/>
-              <a:cs typeface="Times New Roman" panose="02020603050405020304" pitchFamily="18" charset="0"/>
-            </a:endParaRPr>
+            <a:r>
+              <a:rPr lang="en-IN" sz="1000" kern="100" dirty="0">
+                <a:effectLst/>
+                <a:latin typeface="Aptos" panose="020B0004020202020204" pitchFamily="34" charset="0"/>
+                <a:ea typeface="Aptos" panose="020B0004020202020204" pitchFamily="34" charset="0"/>
+                <a:cs typeface="Times New Roman" panose="02020603050405020304" pitchFamily="18" charset="0"/>
+              </a:rPr>
+              <a:t>Linked to products via CALCULATED BY.</a:t>
+            </a:r>
           </a:p>
         </p:txBody>
       </p:sp>
@@ -8040,7 +13917,13 @@
     </p:bg>
     <p:spTree>
       <p:nvGrpSpPr>
-        <p:cNvPr id="1" name=""/>
+        <p:cNvPr id="1" name="">
+          <a:extLst>
+            <a:ext uri="{FF2B5EF4-FFF2-40B4-BE49-F238E27FC236}">
+              <a16:creationId xmlns:a16="http://schemas.microsoft.com/office/drawing/2014/main" id="{E1570DB7-45DC-02E9-B050-5F04C9A49C80}"/>
+            </a:ext>
+          </a:extLst>
+        </p:cNvPr>
         <p:cNvGrpSpPr/>
         <p:nvPr/>
       </p:nvGrpSpPr>
@@ -8054,10 +13937,10 @@
       </p:grpSpPr>
       <p:sp>
         <p:nvSpPr>
-          <p:cNvPr id="16" name="Rectangle 15">
-            <a:extLst>
-              <a:ext uri="{FF2B5EF4-FFF2-40B4-BE49-F238E27FC236}">
-                <a16:creationId xmlns:a16="http://schemas.microsoft.com/office/drawing/2014/main" id="{C3896A03-3945-419A-B66B-4EE266EDD152}"/>
+          <p:cNvPr id="20" name="Rectangle 19">
+            <a:extLst>
+              <a:ext uri="{FF2B5EF4-FFF2-40B4-BE49-F238E27FC236}">
+                <a16:creationId xmlns:a16="http://schemas.microsoft.com/office/drawing/2014/main" id="{103FC01F-C20C-311A-DD28-237923F9CCCB}"/>
               </a:ext>
               <a:ext uri="{C183D7F6-B498-43B3-948B-1728B52AA6E4}">
                 <adec:decorative xmlns:adec="http://schemas.microsoft.com/office/drawing/2017/decorative" val="1"/>
@@ -8077,8 +13960,8 @@
         </p:nvSpPr>
         <p:spPr>
           <a:xfrm>
-            <a:off x="6" y="0"/>
-            <a:ext cx="5650966" cy="6858001"/>
+            <a:off x="7" y="0"/>
+            <a:ext cx="4562585" cy="6858001"/>
           </a:xfrm>
           <a:prstGeom prst="rect">
             <a:avLst/>
@@ -8120,10 +14003,50 @@
       </p:sp>
       <p:sp>
         <p:nvSpPr>
-          <p:cNvPr id="18" name="Rectangle 17">
-            <a:extLst>
-              <a:ext uri="{FF2B5EF4-FFF2-40B4-BE49-F238E27FC236}">
-                <a16:creationId xmlns:a16="http://schemas.microsoft.com/office/drawing/2014/main" id="{B34F5AD2-EDBD-4BBD-A55C-EAFFD0C7097A}"/>
+          <p:cNvPr id="2" name="Title 1">
+            <a:extLst>
+              <a:ext uri="{FF2B5EF4-FFF2-40B4-BE49-F238E27FC236}">
+                <a16:creationId xmlns:a16="http://schemas.microsoft.com/office/drawing/2014/main" id="{780A21AE-BE83-534A-DD4C-68BD7CD1C503}"/>
+              </a:ext>
+            </a:extLst>
+          </p:cNvPr>
+          <p:cNvSpPr>
+            <a:spLocks noGrp="1"/>
+          </p:cNvSpPr>
+          <p:nvPr>
+            <p:ph type="title"/>
+          </p:nvPr>
+        </p:nvSpPr>
+        <p:spPr>
+          <a:xfrm>
+            <a:off x="674642" y="5729929"/>
+            <a:ext cx="3213313" cy="321736"/>
+          </a:xfrm>
+        </p:spPr>
+        <p:txBody>
+          <a:bodyPr vert="horz" lIns="91440" tIns="45720" rIns="91440" bIns="45720" rtlCol="0" anchor="b">
+            <a:noAutofit/>
+          </a:bodyPr>
+          <a:lstStyle/>
+          <a:p>
+            <a:pPr defTabSz="914400"/>
+            <a:r>
+              <a:rPr lang="en-US" dirty="0">
+                <a:solidFill>
+                  <a:schemeClr val="bg1"/>
+                </a:solidFill>
+              </a:rPr>
+              <a:t>UI Flowchart</a:t>
+            </a:r>
+          </a:p>
+        </p:txBody>
+      </p:sp>
+      <p:sp>
+        <p:nvSpPr>
+          <p:cNvPr id="22" name="Rectangle 21">
+            <a:extLst>
+              <a:ext uri="{FF2B5EF4-FFF2-40B4-BE49-F238E27FC236}">
+                <a16:creationId xmlns:a16="http://schemas.microsoft.com/office/drawing/2014/main" id="{2EF12591-0494-3A5A-66ED-F44795CA8715}"/>
               </a:ext>
               <a:ext uri="{C183D7F6-B498-43B3-948B-1728B52AA6E4}">
                 <adec:decorative xmlns:adec="http://schemas.microsoft.com/office/drawing/2017/decorative" val="1"/>
@@ -8143,8 +14066,8 @@
         </p:nvSpPr>
         <p:spPr>
           <a:xfrm>
-            <a:off x="5650972" y="0"/>
-            <a:ext cx="3493020" cy="6858001"/>
+            <a:off x="4572000" y="0"/>
+            <a:ext cx="4571992" cy="6858001"/>
           </a:xfrm>
           <a:prstGeom prst="rect">
             <a:avLst/>
@@ -8183,104 +14106,12 @@
           </a:p>
         </p:txBody>
       </p:sp>
-      <p:sp>
-        <p:nvSpPr>
-          <p:cNvPr id="2" name="Title 1"/>
-          <p:cNvSpPr>
-            <a:spLocks noGrp="1"/>
-          </p:cNvSpPr>
-          <p:nvPr>
-            <p:ph type="title"/>
-          </p:nvPr>
-        </p:nvSpPr>
-        <p:spPr>
-          <a:xfrm>
-            <a:off x="6096742" y="637763"/>
-            <a:ext cx="2187269" cy="1415666"/>
-          </a:xfrm>
-        </p:spPr>
-        <p:txBody>
-          <a:bodyPr anchor="t">
-            <a:normAutofit/>
-          </a:bodyPr>
-          <a:lstStyle/>
-          <a:p>
-            <a:r>
-              <a:rPr lang="en-IN" altLang="en-US" dirty="0"/>
-              <a:t>User Interface</a:t>
-            </a:r>
-          </a:p>
-        </p:txBody>
-      </p:sp>
-      <p:sp>
-        <p:nvSpPr>
-          <p:cNvPr id="20" name="Rectangle 19">
-            <a:extLst>
-              <a:ext uri="{FF2B5EF4-FFF2-40B4-BE49-F238E27FC236}">
-                <a16:creationId xmlns:a16="http://schemas.microsoft.com/office/drawing/2014/main" id="{450D3AD2-FA80-415F-A9CE-54D884561CD7}"/>
-              </a:ext>
-              <a:ext uri="{C183D7F6-B498-43B3-948B-1728B52AA6E4}">
-                <adec:decorative xmlns:adec="http://schemas.microsoft.com/office/drawing/2017/decorative" val="1"/>
-              </a:ext>
-            </a:extLst>
-          </p:cNvPr>
-          <p:cNvSpPr>
-            <a:spLocks noGrp="1" noRot="1" noChangeAspect="1" noMove="1" noResize="1" noEditPoints="1" noAdjustHandles="1" noChangeArrowheads="1" noChangeShapeType="1" noTextEdit="1"/>
-          </p:cNvSpPr>
-          <p:nvPr>
-            <p:extLst>
-              <p:ext uri="{386F3935-93C4-4BCD-93E2-E3B085C9AB24}">
-                <p16:designElem xmlns:p16="http://schemas.microsoft.com/office/powerpoint/2015/main" val="1"/>
-              </p:ext>
-            </p:extLst>
-          </p:nvPr>
-        </p:nvSpPr>
-        <p:spPr>
-          <a:xfrm>
-            <a:off x="6096742" y="2268980"/>
-            <a:ext cx="342900" cy="45720"/>
-          </a:xfrm>
-          <a:prstGeom prst="rect">
-            <a:avLst/>
-          </a:prstGeom>
-          <a:solidFill>
-            <a:schemeClr val="tx1"/>
-          </a:solidFill>
-          <a:ln>
-            <a:noFill/>
-          </a:ln>
-        </p:spPr>
-        <p:style>
-          <a:lnRef idx="2">
-            <a:schemeClr val="accent1">
-              <a:shade val="50000"/>
-            </a:schemeClr>
-          </a:lnRef>
-          <a:fillRef idx="1">
-            <a:schemeClr val="accent1"/>
-          </a:fillRef>
-          <a:effectRef idx="0">
-            <a:schemeClr val="accent1"/>
-          </a:effectRef>
-          <a:fontRef idx="minor">
-            <a:schemeClr val="lt1"/>
-          </a:fontRef>
-        </p:style>
-        <p:txBody>
-          <a:bodyPr rtlCol="0" anchor="ctr"/>
-          <a:lstStyle/>
-          <a:p>
-            <a:pPr algn="ctr"/>
-            <a:endParaRPr lang="en-US"/>
-          </a:p>
-        </p:txBody>
-      </p:sp>
       <p:pic>
         <p:nvPicPr>
-          <p:cNvPr id="7" name="Content Placeholder 6" descr="A screenshot of a computer&#10;&#10;Description automatically generated">
-            <a:extLst>
-              <a:ext uri="{FF2B5EF4-FFF2-40B4-BE49-F238E27FC236}">
-                <a16:creationId xmlns:a16="http://schemas.microsoft.com/office/drawing/2014/main" id="{4DAF9FEB-42A8-EB15-68E4-4D8EB2E412CD}"/>
+          <p:cNvPr id="5" name="Picture 4" descr="A diagram of a company&#10;&#10;AI-generated content may be incorrect.">
+            <a:extLst>
+              <a:ext uri="{FF2B5EF4-FFF2-40B4-BE49-F238E27FC236}">
+                <a16:creationId xmlns:a16="http://schemas.microsoft.com/office/drawing/2014/main" id="{72CE5A14-8789-4BB9-3532-7D589631FC65}"/>
               </a:ext>
             </a:extLst>
           </p:cNvPr>
@@ -8297,45 +14128,20 @@
         </p:blipFill>
         <p:spPr>
           <a:xfrm>
-            <a:off x="474826" y="506729"/>
-            <a:ext cx="4701326" cy="2573976"/>
+            <a:off x="1193143" y="496074"/>
+            <a:ext cx="6738898" cy="4681904"/>
           </a:xfrm>
           <a:prstGeom prst="rect">
             <a:avLst/>
           </a:prstGeom>
         </p:spPr>
       </p:pic>
-      <p:pic>
-        <p:nvPicPr>
-          <p:cNvPr id="9" name="Picture 8" descr="A screenshot of a computer&#10;&#10;Description automatically generated">
-            <a:extLst>
-              <a:ext uri="{FF2B5EF4-FFF2-40B4-BE49-F238E27FC236}">
-                <a16:creationId xmlns:a16="http://schemas.microsoft.com/office/drawing/2014/main" id="{DFCD9A69-58F2-ED99-6DD1-94D2F5A79DC1}"/>
-              </a:ext>
-            </a:extLst>
-          </p:cNvPr>
-          <p:cNvPicPr>
-            <a:picLocks noChangeAspect="1"/>
-          </p:cNvPicPr>
-          <p:nvPr/>
-        </p:nvPicPr>
-        <p:blipFill>
-          <a:blip r:embed="rId3"/>
-          <a:stretch>
-            <a:fillRect/>
-          </a:stretch>
-        </p:blipFill>
-        <p:spPr>
-          <a:xfrm>
-            <a:off x="535396" y="3265227"/>
-            <a:ext cx="4701326" cy="2573976"/>
-          </a:xfrm>
-          <a:prstGeom prst="rect">
-            <a:avLst/>
-          </a:prstGeom>
-        </p:spPr>
-      </p:pic>
     </p:spTree>
+    <p:extLst>
+      <p:ext uri="{BB962C8B-B14F-4D97-AF65-F5344CB8AC3E}">
+        <p14:creationId xmlns:p14="http://schemas.microsoft.com/office/powerpoint/2010/main" val="3297951059"/>
+      </p:ext>
+    </p:extLst>
   </p:cSld>
   <p:clrMapOvr>
     <a:masterClrMapping/>
